--- a/PräsentationBachelorarbeitKaffanke.pptx
+++ b/PräsentationBachelorarbeitKaffanke.pptx
@@ -13,6 +13,8 @@
     <p:sldId id="260" r:id="rId7"/>
     <p:sldId id="261" r:id="rId8"/>
     <p:sldId id="263" r:id="rId9"/>
+    <p:sldId id="264" r:id="rId10"/>
+    <p:sldId id="265" r:id="rId11"/>
   </p:sldIdLst>
   <p:sldSz cx="9144000" cy="6858000" type="screen4x3"/>
   <p:notesSz cx="6858000" cy="9144000"/>
@@ -1608,6 +1610,753 @@
 </dgm:colorsDef>
 </file>
 
+<file path=ppt/diagrams/colors3.xml><?xml version="1.0" encoding="utf-8"?>
+<dgm:colorsDef xmlns:dgm="http://schemas.openxmlformats.org/drawingml/2006/diagram" xmlns:a="http://schemas.openxmlformats.org/drawingml/2006/main" uniqueId="urn:microsoft.com/office/officeart/2005/8/colors/accent1_2">
+  <dgm:title val=""/>
+  <dgm:desc val=""/>
+  <dgm:catLst>
+    <dgm:cat type="accent1" pri="11200"/>
+  </dgm:catLst>
+  <dgm:styleLbl name="node0">
+    <dgm:fillClrLst meth="repeat">
+      <a:schemeClr val="accent1"/>
+    </dgm:fillClrLst>
+    <dgm:linClrLst meth="repeat">
+      <a:schemeClr val="lt1"/>
+    </dgm:linClrLst>
+    <dgm:effectClrLst/>
+    <dgm:txLinClrLst/>
+    <dgm:txFillClrLst/>
+    <dgm:txEffectClrLst/>
+  </dgm:styleLbl>
+  <dgm:styleLbl name="alignNode1">
+    <dgm:fillClrLst meth="repeat">
+      <a:schemeClr val="accent1"/>
+    </dgm:fillClrLst>
+    <dgm:linClrLst meth="repeat">
+      <a:schemeClr val="accent1"/>
+    </dgm:linClrLst>
+    <dgm:effectClrLst/>
+    <dgm:txLinClrLst/>
+    <dgm:txFillClrLst/>
+    <dgm:txEffectClrLst/>
+  </dgm:styleLbl>
+  <dgm:styleLbl name="node1">
+    <dgm:fillClrLst meth="repeat">
+      <a:schemeClr val="accent1"/>
+    </dgm:fillClrLst>
+    <dgm:linClrLst meth="repeat">
+      <a:schemeClr val="lt1"/>
+    </dgm:linClrLst>
+    <dgm:effectClrLst/>
+    <dgm:txLinClrLst/>
+    <dgm:txFillClrLst/>
+    <dgm:txEffectClrLst/>
+  </dgm:styleLbl>
+  <dgm:styleLbl name="lnNode1">
+    <dgm:fillClrLst meth="repeat">
+      <a:schemeClr val="accent1"/>
+    </dgm:fillClrLst>
+    <dgm:linClrLst meth="repeat">
+      <a:schemeClr val="lt1"/>
+    </dgm:linClrLst>
+    <dgm:effectClrLst/>
+    <dgm:txLinClrLst/>
+    <dgm:txFillClrLst/>
+    <dgm:txEffectClrLst/>
+  </dgm:styleLbl>
+  <dgm:styleLbl name="vennNode1">
+    <dgm:fillClrLst meth="repeat">
+      <a:schemeClr val="accent1">
+        <a:alpha val="50000"/>
+      </a:schemeClr>
+    </dgm:fillClrLst>
+    <dgm:linClrLst meth="repeat">
+      <a:schemeClr val="lt1"/>
+    </dgm:linClrLst>
+    <dgm:effectClrLst/>
+    <dgm:txLinClrLst/>
+    <dgm:txFillClrLst/>
+    <dgm:txEffectClrLst/>
+  </dgm:styleLbl>
+  <dgm:styleLbl name="node2">
+    <dgm:fillClrLst meth="repeat">
+      <a:schemeClr val="accent1"/>
+    </dgm:fillClrLst>
+    <dgm:linClrLst meth="repeat">
+      <a:schemeClr val="lt1"/>
+    </dgm:linClrLst>
+    <dgm:effectClrLst/>
+    <dgm:txLinClrLst/>
+    <dgm:txFillClrLst/>
+    <dgm:txEffectClrLst/>
+  </dgm:styleLbl>
+  <dgm:styleLbl name="node3">
+    <dgm:fillClrLst meth="repeat">
+      <a:schemeClr val="accent1"/>
+    </dgm:fillClrLst>
+    <dgm:linClrLst meth="repeat">
+      <a:schemeClr val="lt1"/>
+    </dgm:linClrLst>
+    <dgm:effectClrLst/>
+    <dgm:txLinClrLst/>
+    <dgm:txFillClrLst/>
+    <dgm:txEffectClrLst/>
+  </dgm:styleLbl>
+  <dgm:styleLbl name="node4">
+    <dgm:fillClrLst meth="repeat">
+      <a:schemeClr val="accent1"/>
+    </dgm:fillClrLst>
+    <dgm:linClrLst meth="repeat">
+      <a:schemeClr val="lt1"/>
+    </dgm:linClrLst>
+    <dgm:effectClrLst/>
+    <dgm:txLinClrLst/>
+    <dgm:txFillClrLst/>
+    <dgm:txEffectClrLst/>
+  </dgm:styleLbl>
+  <dgm:styleLbl name="fgImgPlace1">
+    <dgm:fillClrLst meth="repeat">
+      <a:schemeClr val="accent1">
+        <a:tint val="50000"/>
+      </a:schemeClr>
+    </dgm:fillClrLst>
+    <dgm:linClrLst meth="repeat">
+      <a:schemeClr val="lt1"/>
+    </dgm:linClrLst>
+    <dgm:effectClrLst/>
+    <dgm:txLinClrLst/>
+    <dgm:txFillClrLst meth="repeat">
+      <a:schemeClr val="lt1"/>
+    </dgm:txFillClrLst>
+    <dgm:txEffectClrLst/>
+  </dgm:styleLbl>
+  <dgm:styleLbl name="alignImgPlace1">
+    <dgm:fillClrLst meth="repeat">
+      <a:schemeClr val="accent1">
+        <a:tint val="50000"/>
+      </a:schemeClr>
+    </dgm:fillClrLst>
+    <dgm:linClrLst meth="repeat">
+      <a:schemeClr val="lt1"/>
+    </dgm:linClrLst>
+    <dgm:effectClrLst/>
+    <dgm:txLinClrLst/>
+    <dgm:txFillClrLst meth="repeat">
+      <a:schemeClr val="lt1"/>
+    </dgm:txFillClrLst>
+    <dgm:txEffectClrLst/>
+  </dgm:styleLbl>
+  <dgm:styleLbl name="bgImgPlace1">
+    <dgm:fillClrLst meth="repeat">
+      <a:schemeClr val="accent1">
+        <a:tint val="50000"/>
+      </a:schemeClr>
+    </dgm:fillClrLst>
+    <dgm:linClrLst meth="repeat">
+      <a:schemeClr val="lt1"/>
+    </dgm:linClrLst>
+    <dgm:effectClrLst/>
+    <dgm:txLinClrLst/>
+    <dgm:txFillClrLst meth="repeat">
+      <a:schemeClr val="lt1"/>
+    </dgm:txFillClrLst>
+    <dgm:txEffectClrLst/>
+  </dgm:styleLbl>
+  <dgm:styleLbl name="sibTrans2D1">
+    <dgm:fillClrLst meth="repeat">
+      <a:schemeClr val="accent1">
+        <a:tint val="60000"/>
+      </a:schemeClr>
+    </dgm:fillClrLst>
+    <dgm:linClrLst meth="repeat">
+      <a:schemeClr val="accent1">
+        <a:tint val="60000"/>
+      </a:schemeClr>
+    </dgm:linClrLst>
+    <dgm:effectClrLst/>
+    <dgm:txLinClrLst/>
+    <dgm:txFillClrLst/>
+    <dgm:txEffectClrLst/>
+  </dgm:styleLbl>
+  <dgm:styleLbl name="fgSibTrans2D1">
+    <dgm:fillClrLst meth="repeat">
+      <a:schemeClr val="accent1">
+        <a:tint val="60000"/>
+      </a:schemeClr>
+    </dgm:fillClrLst>
+    <dgm:linClrLst meth="repeat">
+      <a:schemeClr val="accent1">
+        <a:tint val="60000"/>
+      </a:schemeClr>
+    </dgm:linClrLst>
+    <dgm:effectClrLst/>
+    <dgm:txLinClrLst/>
+    <dgm:txFillClrLst/>
+    <dgm:txEffectClrLst/>
+  </dgm:styleLbl>
+  <dgm:styleLbl name="bgSibTrans2D1">
+    <dgm:fillClrLst meth="repeat">
+      <a:schemeClr val="accent1">
+        <a:tint val="60000"/>
+      </a:schemeClr>
+    </dgm:fillClrLst>
+    <dgm:linClrLst meth="repeat">
+      <a:schemeClr val="accent1">
+        <a:tint val="60000"/>
+      </a:schemeClr>
+    </dgm:linClrLst>
+    <dgm:effectClrLst/>
+    <dgm:txLinClrLst/>
+    <dgm:txFillClrLst/>
+    <dgm:txEffectClrLst/>
+  </dgm:styleLbl>
+  <dgm:styleLbl name="sibTrans1D1">
+    <dgm:fillClrLst meth="repeat">
+      <a:schemeClr val="accent1"/>
+    </dgm:fillClrLst>
+    <dgm:linClrLst meth="repeat">
+      <a:schemeClr val="accent1"/>
+    </dgm:linClrLst>
+    <dgm:effectClrLst/>
+    <dgm:txLinClrLst/>
+    <dgm:txFillClrLst meth="repeat">
+      <a:schemeClr val="tx1"/>
+    </dgm:txFillClrLst>
+    <dgm:txEffectClrLst/>
+  </dgm:styleLbl>
+  <dgm:styleLbl name="callout">
+    <dgm:fillClrLst meth="repeat">
+      <a:schemeClr val="accent1"/>
+    </dgm:fillClrLst>
+    <dgm:linClrLst meth="repeat">
+      <a:schemeClr val="accent1">
+        <a:tint val="50000"/>
+      </a:schemeClr>
+    </dgm:linClrLst>
+    <dgm:effectClrLst/>
+    <dgm:txLinClrLst/>
+    <dgm:txFillClrLst meth="repeat">
+      <a:schemeClr val="tx1"/>
+    </dgm:txFillClrLst>
+    <dgm:txEffectClrLst/>
+  </dgm:styleLbl>
+  <dgm:styleLbl name="asst0">
+    <dgm:fillClrLst meth="repeat">
+      <a:schemeClr val="accent1"/>
+    </dgm:fillClrLst>
+    <dgm:linClrLst meth="repeat">
+      <a:schemeClr val="lt1"/>
+    </dgm:linClrLst>
+    <dgm:effectClrLst/>
+    <dgm:txLinClrLst/>
+    <dgm:txFillClrLst/>
+    <dgm:txEffectClrLst/>
+  </dgm:styleLbl>
+  <dgm:styleLbl name="asst1">
+    <dgm:fillClrLst meth="repeat">
+      <a:schemeClr val="accent1"/>
+    </dgm:fillClrLst>
+    <dgm:linClrLst meth="repeat">
+      <a:schemeClr val="lt1"/>
+    </dgm:linClrLst>
+    <dgm:effectClrLst/>
+    <dgm:txLinClrLst/>
+    <dgm:txFillClrLst/>
+    <dgm:txEffectClrLst/>
+  </dgm:styleLbl>
+  <dgm:styleLbl name="asst2">
+    <dgm:fillClrLst meth="repeat">
+      <a:schemeClr val="accent1"/>
+    </dgm:fillClrLst>
+    <dgm:linClrLst meth="repeat">
+      <a:schemeClr val="lt1"/>
+    </dgm:linClrLst>
+    <dgm:effectClrLst/>
+    <dgm:txLinClrLst/>
+    <dgm:txFillClrLst/>
+    <dgm:txEffectClrLst/>
+  </dgm:styleLbl>
+  <dgm:styleLbl name="asst3">
+    <dgm:fillClrLst meth="repeat">
+      <a:schemeClr val="accent1"/>
+    </dgm:fillClrLst>
+    <dgm:linClrLst meth="repeat">
+      <a:schemeClr val="lt1"/>
+    </dgm:linClrLst>
+    <dgm:effectClrLst/>
+    <dgm:txLinClrLst/>
+    <dgm:txFillClrLst/>
+    <dgm:txEffectClrLst/>
+  </dgm:styleLbl>
+  <dgm:styleLbl name="asst4">
+    <dgm:fillClrLst meth="repeat">
+      <a:schemeClr val="accent1"/>
+    </dgm:fillClrLst>
+    <dgm:linClrLst meth="repeat">
+      <a:schemeClr val="lt1"/>
+    </dgm:linClrLst>
+    <dgm:effectClrLst/>
+    <dgm:txLinClrLst/>
+    <dgm:txFillClrLst/>
+    <dgm:txEffectClrLst/>
+  </dgm:styleLbl>
+  <dgm:styleLbl name="parChTrans2D1">
+    <dgm:fillClrLst meth="repeat">
+      <a:schemeClr val="accent1">
+        <a:tint val="60000"/>
+      </a:schemeClr>
+    </dgm:fillClrLst>
+    <dgm:linClrLst meth="repeat">
+      <a:schemeClr val="accent1">
+        <a:tint val="60000"/>
+      </a:schemeClr>
+    </dgm:linClrLst>
+    <dgm:effectClrLst/>
+    <dgm:txLinClrLst/>
+    <dgm:txFillClrLst meth="repeat">
+      <a:schemeClr val="lt1"/>
+    </dgm:txFillClrLst>
+    <dgm:txEffectClrLst/>
+  </dgm:styleLbl>
+  <dgm:styleLbl name="parChTrans2D2">
+    <dgm:fillClrLst meth="repeat">
+      <a:schemeClr val="accent1"/>
+    </dgm:fillClrLst>
+    <dgm:linClrLst meth="repeat">
+      <a:schemeClr val="accent1"/>
+    </dgm:linClrLst>
+    <dgm:effectClrLst/>
+    <dgm:txLinClrLst/>
+    <dgm:txFillClrLst meth="repeat">
+      <a:schemeClr val="lt1"/>
+    </dgm:txFillClrLst>
+    <dgm:txEffectClrLst/>
+  </dgm:styleLbl>
+  <dgm:styleLbl name="parChTrans2D3">
+    <dgm:fillClrLst meth="repeat">
+      <a:schemeClr val="accent1"/>
+    </dgm:fillClrLst>
+    <dgm:linClrLst meth="repeat">
+      <a:schemeClr val="accent1"/>
+    </dgm:linClrLst>
+    <dgm:effectClrLst/>
+    <dgm:txLinClrLst/>
+    <dgm:txFillClrLst meth="repeat">
+      <a:schemeClr val="lt1"/>
+    </dgm:txFillClrLst>
+    <dgm:txEffectClrLst/>
+  </dgm:styleLbl>
+  <dgm:styleLbl name="parChTrans2D4">
+    <dgm:fillClrLst meth="repeat">
+      <a:schemeClr val="accent1"/>
+    </dgm:fillClrLst>
+    <dgm:linClrLst meth="repeat">
+      <a:schemeClr val="accent1"/>
+    </dgm:linClrLst>
+    <dgm:effectClrLst/>
+    <dgm:txLinClrLst/>
+    <dgm:txFillClrLst meth="repeat">
+      <a:schemeClr val="lt1"/>
+    </dgm:txFillClrLst>
+    <dgm:txEffectClrLst/>
+  </dgm:styleLbl>
+  <dgm:styleLbl name="parChTrans1D1">
+    <dgm:fillClrLst meth="repeat">
+      <a:schemeClr val="accent1"/>
+    </dgm:fillClrLst>
+    <dgm:linClrLst meth="repeat">
+      <a:schemeClr val="accent1">
+        <a:shade val="60000"/>
+      </a:schemeClr>
+    </dgm:linClrLst>
+    <dgm:effectClrLst/>
+    <dgm:txLinClrLst/>
+    <dgm:txFillClrLst meth="repeat">
+      <a:schemeClr val="tx1"/>
+    </dgm:txFillClrLst>
+    <dgm:txEffectClrLst/>
+  </dgm:styleLbl>
+  <dgm:styleLbl name="parChTrans1D2">
+    <dgm:fillClrLst meth="repeat">
+      <a:schemeClr val="accent1"/>
+    </dgm:fillClrLst>
+    <dgm:linClrLst meth="repeat">
+      <a:schemeClr val="accent1">
+        <a:shade val="60000"/>
+      </a:schemeClr>
+    </dgm:linClrLst>
+    <dgm:effectClrLst/>
+    <dgm:txLinClrLst/>
+    <dgm:txFillClrLst meth="repeat">
+      <a:schemeClr val="tx1"/>
+    </dgm:txFillClrLst>
+    <dgm:txEffectClrLst/>
+  </dgm:styleLbl>
+  <dgm:styleLbl name="parChTrans1D3">
+    <dgm:fillClrLst meth="repeat">
+      <a:schemeClr val="accent1"/>
+    </dgm:fillClrLst>
+    <dgm:linClrLst meth="repeat">
+      <a:schemeClr val="accent1">
+        <a:shade val="80000"/>
+      </a:schemeClr>
+    </dgm:linClrLst>
+    <dgm:effectClrLst/>
+    <dgm:txLinClrLst/>
+    <dgm:txFillClrLst meth="repeat">
+      <a:schemeClr val="tx1"/>
+    </dgm:txFillClrLst>
+    <dgm:txEffectClrLst/>
+  </dgm:styleLbl>
+  <dgm:styleLbl name="parChTrans1D4">
+    <dgm:fillClrLst meth="repeat">
+      <a:schemeClr val="accent1"/>
+    </dgm:fillClrLst>
+    <dgm:linClrLst meth="repeat">
+      <a:schemeClr val="accent1">
+        <a:shade val="80000"/>
+      </a:schemeClr>
+    </dgm:linClrLst>
+    <dgm:effectClrLst/>
+    <dgm:txLinClrLst/>
+    <dgm:txFillClrLst meth="repeat">
+      <a:schemeClr val="tx1"/>
+    </dgm:txFillClrLst>
+    <dgm:txEffectClrLst/>
+  </dgm:styleLbl>
+  <dgm:styleLbl name="fgAcc1">
+    <dgm:fillClrLst meth="repeat">
+      <a:schemeClr val="lt1">
+        <a:alpha val="90000"/>
+      </a:schemeClr>
+    </dgm:fillClrLst>
+    <dgm:linClrLst meth="repeat">
+      <a:schemeClr val="accent1"/>
+    </dgm:linClrLst>
+    <dgm:effectClrLst/>
+    <dgm:txLinClrLst/>
+    <dgm:txFillClrLst meth="repeat">
+      <a:schemeClr val="dk1"/>
+    </dgm:txFillClrLst>
+    <dgm:txEffectClrLst/>
+  </dgm:styleLbl>
+  <dgm:styleLbl name="conFgAcc1">
+    <dgm:fillClrLst meth="repeat">
+      <a:schemeClr val="lt1">
+        <a:alpha val="90000"/>
+      </a:schemeClr>
+    </dgm:fillClrLst>
+    <dgm:linClrLst meth="repeat">
+      <a:schemeClr val="accent1"/>
+    </dgm:linClrLst>
+    <dgm:effectClrLst/>
+    <dgm:txLinClrLst/>
+    <dgm:txFillClrLst meth="repeat">
+      <a:schemeClr val="dk1"/>
+    </dgm:txFillClrLst>
+    <dgm:txEffectClrLst/>
+  </dgm:styleLbl>
+  <dgm:styleLbl name="alignAcc1">
+    <dgm:fillClrLst meth="repeat">
+      <a:schemeClr val="lt1">
+        <a:alpha val="90000"/>
+      </a:schemeClr>
+    </dgm:fillClrLst>
+    <dgm:linClrLst meth="repeat">
+      <a:schemeClr val="accent1"/>
+    </dgm:linClrLst>
+    <dgm:effectClrLst/>
+    <dgm:txLinClrLst/>
+    <dgm:txFillClrLst meth="repeat">
+      <a:schemeClr val="dk1"/>
+    </dgm:txFillClrLst>
+    <dgm:txEffectClrLst/>
+  </dgm:styleLbl>
+  <dgm:styleLbl name="trAlignAcc1">
+    <dgm:fillClrLst meth="repeat">
+      <a:schemeClr val="lt1">
+        <a:alpha val="40000"/>
+      </a:schemeClr>
+    </dgm:fillClrLst>
+    <dgm:linClrLst meth="repeat">
+      <a:schemeClr val="accent1"/>
+    </dgm:linClrLst>
+    <dgm:effectClrLst/>
+    <dgm:txLinClrLst/>
+    <dgm:txFillClrLst meth="repeat">
+      <a:schemeClr val="dk1"/>
+    </dgm:txFillClrLst>
+    <dgm:txEffectClrLst/>
+  </dgm:styleLbl>
+  <dgm:styleLbl name="bgAcc1">
+    <dgm:fillClrLst meth="repeat">
+      <a:schemeClr val="lt1">
+        <a:alpha val="90000"/>
+      </a:schemeClr>
+    </dgm:fillClrLst>
+    <dgm:linClrLst meth="repeat">
+      <a:schemeClr val="accent1"/>
+    </dgm:linClrLst>
+    <dgm:effectClrLst/>
+    <dgm:txLinClrLst/>
+    <dgm:txFillClrLst meth="repeat">
+      <a:schemeClr val="dk1"/>
+    </dgm:txFillClrLst>
+    <dgm:txEffectClrLst/>
+  </dgm:styleLbl>
+  <dgm:styleLbl name="solidFgAcc1">
+    <dgm:fillClrLst meth="repeat">
+      <a:schemeClr val="lt1"/>
+    </dgm:fillClrLst>
+    <dgm:linClrLst meth="repeat">
+      <a:schemeClr val="accent1"/>
+    </dgm:linClrLst>
+    <dgm:effectClrLst/>
+    <dgm:txLinClrLst/>
+    <dgm:txFillClrLst meth="repeat">
+      <a:schemeClr val="dk1"/>
+    </dgm:txFillClrLst>
+    <dgm:txEffectClrLst/>
+  </dgm:styleLbl>
+  <dgm:styleLbl name="solidAlignAcc1">
+    <dgm:fillClrLst meth="repeat">
+      <a:schemeClr val="lt1"/>
+    </dgm:fillClrLst>
+    <dgm:linClrLst meth="repeat">
+      <a:schemeClr val="accent1"/>
+    </dgm:linClrLst>
+    <dgm:effectClrLst/>
+    <dgm:txLinClrLst/>
+    <dgm:txFillClrLst meth="repeat">
+      <a:schemeClr val="dk1"/>
+    </dgm:txFillClrLst>
+    <dgm:txEffectClrLst/>
+  </dgm:styleLbl>
+  <dgm:styleLbl name="solidBgAcc1">
+    <dgm:fillClrLst meth="repeat">
+      <a:schemeClr val="lt1"/>
+    </dgm:fillClrLst>
+    <dgm:linClrLst meth="repeat">
+      <a:schemeClr val="accent1"/>
+    </dgm:linClrLst>
+    <dgm:effectClrLst/>
+    <dgm:txLinClrLst/>
+    <dgm:txFillClrLst meth="repeat">
+      <a:schemeClr val="dk1"/>
+    </dgm:txFillClrLst>
+    <dgm:txEffectClrLst/>
+  </dgm:styleLbl>
+  <dgm:styleLbl name="fgAccFollowNode1">
+    <dgm:fillClrLst meth="repeat">
+      <a:schemeClr val="accent1">
+        <a:alpha val="90000"/>
+        <a:tint val="40000"/>
+      </a:schemeClr>
+    </dgm:fillClrLst>
+    <dgm:linClrLst meth="repeat">
+      <a:schemeClr val="accent1">
+        <a:alpha val="90000"/>
+        <a:tint val="40000"/>
+      </a:schemeClr>
+    </dgm:linClrLst>
+    <dgm:effectClrLst/>
+    <dgm:txLinClrLst/>
+    <dgm:txFillClrLst meth="repeat">
+      <a:schemeClr val="dk1"/>
+    </dgm:txFillClrLst>
+    <dgm:txEffectClrLst/>
+  </dgm:styleLbl>
+  <dgm:styleLbl name="alignAccFollowNode1">
+    <dgm:fillClrLst meth="repeat">
+      <a:schemeClr val="accent1">
+        <a:alpha val="90000"/>
+        <a:tint val="40000"/>
+      </a:schemeClr>
+    </dgm:fillClrLst>
+    <dgm:linClrLst meth="repeat">
+      <a:schemeClr val="accent1">
+        <a:alpha val="90000"/>
+        <a:tint val="40000"/>
+      </a:schemeClr>
+    </dgm:linClrLst>
+    <dgm:effectClrLst/>
+    <dgm:txLinClrLst/>
+    <dgm:txFillClrLst meth="repeat">
+      <a:schemeClr val="dk1"/>
+    </dgm:txFillClrLst>
+    <dgm:txEffectClrLst/>
+  </dgm:styleLbl>
+  <dgm:styleLbl name="bgAccFollowNode1">
+    <dgm:fillClrLst meth="repeat">
+      <a:schemeClr val="accent1">
+        <a:alpha val="90000"/>
+        <a:tint val="40000"/>
+      </a:schemeClr>
+    </dgm:fillClrLst>
+    <dgm:linClrLst meth="repeat">
+      <a:schemeClr val="accent1">
+        <a:alpha val="90000"/>
+        <a:tint val="40000"/>
+      </a:schemeClr>
+    </dgm:linClrLst>
+    <dgm:effectClrLst/>
+    <dgm:txLinClrLst/>
+    <dgm:txFillClrLst meth="repeat">
+      <a:schemeClr val="dk1"/>
+    </dgm:txFillClrLst>
+    <dgm:txEffectClrLst/>
+  </dgm:styleLbl>
+  <dgm:styleLbl name="fgAcc0">
+    <dgm:fillClrLst meth="repeat">
+      <a:schemeClr val="lt1">
+        <a:alpha val="90000"/>
+      </a:schemeClr>
+    </dgm:fillClrLst>
+    <dgm:linClrLst meth="repeat">
+      <a:schemeClr val="accent1"/>
+    </dgm:linClrLst>
+    <dgm:effectClrLst/>
+    <dgm:txLinClrLst/>
+    <dgm:txFillClrLst meth="repeat">
+      <a:schemeClr val="dk1"/>
+    </dgm:txFillClrLst>
+    <dgm:txEffectClrLst/>
+  </dgm:styleLbl>
+  <dgm:styleLbl name="fgAcc2">
+    <dgm:fillClrLst meth="repeat">
+      <a:schemeClr val="lt1">
+        <a:alpha val="90000"/>
+      </a:schemeClr>
+    </dgm:fillClrLst>
+    <dgm:linClrLst meth="repeat">
+      <a:schemeClr val="accent1"/>
+    </dgm:linClrLst>
+    <dgm:effectClrLst/>
+    <dgm:txLinClrLst/>
+    <dgm:txFillClrLst meth="repeat">
+      <a:schemeClr val="dk1"/>
+    </dgm:txFillClrLst>
+    <dgm:txEffectClrLst/>
+  </dgm:styleLbl>
+  <dgm:styleLbl name="fgAcc3">
+    <dgm:fillClrLst meth="repeat">
+      <a:schemeClr val="lt1">
+        <a:alpha val="90000"/>
+      </a:schemeClr>
+    </dgm:fillClrLst>
+    <dgm:linClrLst meth="repeat">
+      <a:schemeClr val="accent1"/>
+    </dgm:linClrLst>
+    <dgm:effectClrLst/>
+    <dgm:txLinClrLst/>
+    <dgm:txFillClrLst meth="repeat">
+      <a:schemeClr val="dk1"/>
+    </dgm:txFillClrLst>
+    <dgm:txEffectClrLst/>
+  </dgm:styleLbl>
+  <dgm:styleLbl name="fgAcc4">
+    <dgm:fillClrLst meth="repeat">
+      <a:schemeClr val="lt1">
+        <a:alpha val="90000"/>
+      </a:schemeClr>
+    </dgm:fillClrLst>
+    <dgm:linClrLst meth="repeat">
+      <a:schemeClr val="accent1"/>
+    </dgm:linClrLst>
+    <dgm:effectClrLst/>
+    <dgm:txLinClrLst/>
+    <dgm:txFillClrLst meth="repeat">
+      <a:schemeClr val="dk1"/>
+    </dgm:txFillClrLst>
+    <dgm:txEffectClrLst/>
+  </dgm:styleLbl>
+  <dgm:styleLbl name="bgShp">
+    <dgm:fillClrLst meth="repeat">
+      <a:schemeClr val="accent1">
+        <a:tint val="40000"/>
+      </a:schemeClr>
+    </dgm:fillClrLst>
+    <dgm:linClrLst meth="repeat">
+      <a:schemeClr val="accent1"/>
+    </dgm:linClrLst>
+    <dgm:effectClrLst/>
+    <dgm:txLinClrLst/>
+    <dgm:txFillClrLst meth="repeat">
+      <a:schemeClr val="dk1"/>
+    </dgm:txFillClrLst>
+    <dgm:txEffectClrLst/>
+  </dgm:styleLbl>
+  <dgm:styleLbl name="dkBgShp">
+    <dgm:fillClrLst meth="repeat">
+      <a:schemeClr val="accent1">
+        <a:shade val="80000"/>
+      </a:schemeClr>
+    </dgm:fillClrLst>
+    <dgm:linClrLst meth="repeat">
+      <a:schemeClr val="accent1"/>
+    </dgm:linClrLst>
+    <dgm:effectClrLst/>
+    <dgm:txLinClrLst/>
+    <dgm:txFillClrLst meth="repeat">
+      <a:schemeClr val="lt1"/>
+    </dgm:txFillClrLst>
+    <dgm:txEffectClrLst/>
+  </dgm:styleLbl>
+  <dgm:styleLbl name="trBgShp">
+    <dgm:fillClrLst meth="repeat">
+      <a:schemeClr val="accent1">
+        <a:tint val="50000"/>
+        <a:alpha val="40000"/>
+      </a:schemeClr>
+    </dgm:fillClrLst>
+    <dgm:linClrLst meth="repeat">
+      <a:schemeClr val="accent1"/>
+    </dgm:linClrLst>
+    <dgm:effectClrLst/>
+    <dgm:txLinClrLst/>
+    <dgm:txFillClrLst meth="repeat">
+      <a:schemeClr val="lt1"/>
+    </dgm:txFillClrLst>
+    <dgm:txEffectClrLst/>
+  </dgm:styleLbl>
+  <dgm:styleLbl name="fgShp">
+    <dgm:fillClrLst meth="repeat">
+      <a:schemeClr val="accent1">
+        <a:tint val="60000"/>
+      </a:schemeClr>
+    </dgm:fillClrLst>
+    <dgm:linClrLst meth="repeat">
+      <a:schemeClr val="lt1"/>
+    </dgm:linClrLst>
+    <dgm:effectClrLst/>
+    <dgm:txLinClrLst/>
+    <dgm:txFillClrLst meth="repeat">
+      <a:schemeClr val="dk1"/>
+    </dgm:txFillClrLst>
+    <dgm:txEffectClrLst/>
+  </dgm:styleLbl>
+  <dgm:styleLbl name="revTx">
+    <dgm:fillClrLst meth="repeat">
+      <a:schemeClr val="lt1">
+        <a:alpha val="0"/>
+      </a:schemeClr>
+    </dgm:fillClrLst>
+    <dgm:linClrLst meth="repeat">
+      <a:schemeClr val="dk1">
+        <a:alpha val="0"/>
+      </a:schemeClr>
+    </dgm:linClrLst>
+    <dgm:effectClrLst/>
+    <dgm:txLinClrLst/>
+    <dgm:txFillClrLst meth="repeat">
+      <a:schemeClr val="tx1"/>
+    </dgm:txFillClrLst>
+    <dgm:txEffectClrLst/>
+  </dgm:styleLbl>
+</dgm:colorsDef>
+</file>
+
 <file path=ppt/diagrams/data1.xml><?xml version="1.0" encoding="utf-8"?>
 <dgm:dataModel xmlns:dgm="http://schemas.openxmlformats.org/drawingml/2006/diagram" xmlns:a="http://schemas.openxmlformats.org/drawingml/2006/main">
   <dgm:ptLst>
@@ -1704,15 +2453,7 @@
         <a:p>
           <a:r>
             <a:rPr lang="de-DE" sz="1000" smtClean="0"/>
-            <a:t>Die unterschiedlichen </a:t>
-          </a:r>
-          <a:r>
-            <a:rPr lang="de-DE" sz="1000" smtClean="0"/>
-            <a:t>Chargen  </a:t>
-          </a:r>
-          <a:r>
-            <a:rPr lang="de-DE" sz="1000" smtClean="0"/>
-            <a:t>durchlaufen alle Fertigungsstufen </a:t>
+            <a:t>Die unterschiedlichen Chargen  durchlaufen alle Fertigungsstufen </a:t>
           </a:r>
           <a:endParaRPr lang="de-DE" sz="1000"/>
         </a:p>
@@ -1749,23 +2490,7 @@
         <a:p>
           <a:r>
             <a:rPr lang="de-DE" sz="1000" smtClean="0"/>
-            <a:t>Spezifische Untersuchung des Einflusses verschiedener Wirkteile </a:t>
-          </a:r>
-          <a:r>
-            <a:rPr lang="de-DE" sz="1000" smtClean="0"/>
-            <a:t>in </a:t>
-          </a:r>
-          <a:r>
-            <a:rPr lang="de-DE" sz="1000" smtClean="0"/>
-            <a:t>Hinblick auf </a:t>
-          </a:r>
-          <a:r>
-            <a:rPr lang="de-DE" sz="1000" smtClean="0"/>
-            <a:t>die Prozessfähigkeit </a:t>
-          </a:r>
-          <a:r>
-            <a:rPr lang="de-DE" sz="1000" smtClean="0"/>
-            <a:t>bei bestimmter Fertigungsstufe  (Kröpfen)</a:t>
+            <a:t>Spezifische Untersuchung des Einflusses verschiedener Wirkteile in Hinblick auf die Prozessfähigkeit bei bestimmter Fertigungsstufe  (Kröpfen)</a:t>
           </a:r>
           <a:endParaRPr lang="de-DE" sz="1000"/>
         </a:p>
@@ -1876,15 +2601,7 @@
         <a:p>
           <a:r>
             <a:rPr lang="de-DE" sz="1000" smtClean="0"/>
-            <a:t>Auf jeder Stufe wird mit den dazu vorgesehenen Messverfahren  die aussschlaggebende </a:t>
-          </a:r>
-          <a:r>
-            <a:rPr lang="de-DE" sz="1000" smtClean="0"/>
-            <a:t>Profilform </a:t>
-          </a:r>
-          <a:r>
-            <a:rPr lang="de-DE" sz="1000" smtClean="0"/>
-            <a:t>(Aussenkontur) gemessen</a:t>
+            <a:t>Auf jeder Stufe wird mit den dazu vorgesehenen Messverfahren  die aussschlaggebende Profilform (Aussenkontur) gemessen</a:t>
           </a:r>
         </a:p>
       </dgm:t>
@@ -2666,6 +3383,13 @@
         </dgm:presLayoutVars>
       </dgm:prSet>
       <dgm:spPr/>
+      <dgm:t>
+        <a:bodyPr/>
+        <a:lstStyle/>
+        <a:p>
+          <a:endParaRPr lang="de-DE"/>
+        </a:p>
+      </dgm:t>
     </dgm:pt>
     <dgm:pt modelId="{CAB5ADF4-9F24-4AFB-9082-AAF9DCF640A3}" type="pres">
       <dgm:prSet presAssocID="{AB49A13A-DDDA-4701-932F-CC03DD5FF3D0}" presName="parentLin" presStyleCnt="0"/>
@@ -2674,6 +3398,13 @@
     <dgm:pt modelId="{7EB0CEAC-7635-4D75-B3AC-83B572E88098}" type="pres">
       <dgm:prSet presAssocID="{AB49A13A-DDDA-4701-932F-CC03DD5FF3D0}" presName="parentLeftMargin" presStyleLbl="node1" presStyleIdx="0" presStyleCnt="6"/>
       <dgm:spPr/>
+      <dgm:t>
+        <a:bodyPr/>
+        <a:lstStyle/>
+        <a:p>
+          <a:endParaRPr lang="de-DE"/>
+        </a:p>
+      </dgm:t>
     </dgm:pt>
     <dgm:pt modelId="{808B2763-3FB3-4619-AA00-BB12BB2C0ECA}" type="pres">
       <dgm:prSet presAssocID="{AB49A13A-DDDA-4701-932F-CC03DD5FF3D0}" presName="parentText" presStyleLbl="node1" presStyleIdx="0" presStyleCnt="6">
@@ -2714,6 +3445,13 @@
     <dgm:pt modelId="{8113899A-19B3-48E7-B7E7-173E9FD7403C}" type="pres">
       <dgm:prSet presAssocID="{F668DDDA-5AA7-4233-90D9-0AB16639553A}" presName="parentLeftMargin" presStyleLbl="node1" presStyleIdx="0" presStyleCnt="6"/>
       <dgm:spPr/>
+      <dgm:t>
+        <a:bodyPr/>
+        <a:lstStyle/>
+        <a:p>
+          <a:endParaRPr lang="de-DE"/>
+        </a:p>
+      </dgm:t>
     </dgm:pt>
     <dgm:pt modelId="{8D63A2AF-4B14-4961-9A00-73883A18362C}" type="pres">
       <dgm:prSet presAssocID="{F668DDDA-5AA7-4233-90D9-0AB16639553A}" presName="parentText" presStyleLbl="node1" presStyleIdx="1" presStyleCnt="6">
@@ -2723,6 +3461,13 @@
         </dgm:presLayoutVars>
       </dgm:prSet>
       <dgm:spPr/>
+      <dgm:t>
+        <a:bodyPr/>
+        <a:lstStyle/>
+        <a:p>
+          <a:endParaRPr lang="de-DE"/>
+        </a:p>
+      </dgm:t>
     </dgm:pt>
     <dgm:pt modelId="{D21BA04A-5215-48F1-9644-083703662A8B}" type="pres">
       <dgm:prSet presAssocID="{F668DDDA-5AA7-4233-90D9-0AB16639553A}" presName="negativeSpace" presStyleCnt="0"/>
@@ -2747,6 +3492,13 @@
     <dgm:pt modelId="{5EA115A4-7C0E-4EB1-B54F-9B591CD3FA1E}" type="pres">
       <dgm:prSet presAssocID="{E378082F-3B76-42B6-9F98-7D5B101A1CD1}" presName="parentLeftMargin" presStyleLbl="node1" presStyleIdx="1" presStyleCnt="6"/>
       <dgm:spPr/>
+      <dgm:t>
+        <a:bodyPr/>
+        <a:lstStyle/>
+        <a:p>
+          <a:endParaRPr lang="de-DE"/>
+        </a:p>
+      </dgm:t>
     </dgm:pt>
     <dgm:pt modelId="{D3842DC2-DEB4-49CC-A6A1-0F472ACCA8A2}" type="pres">
       <dgm:prSet presAssocID="{E378082F-3B76-42B6-9F98-7D5B101A1CD1}" presName="parentText" presStyleLbl="node1" presStyleIdx="2" presStyleCnt="6">
@@ -2756,6 +3508,13 @@
         </dgm:presLayoutVars>
       </dgm:prSet>
       <dgm:spPr/>
+      <dgm:t>
+        <a:bodyPr/>
+        <a:lstStyle/>
+        <a:p>
+          <a:endParaRPr lang="de-DE"/>
+        </a:p>
+      </dgm:t>
     </dgm:pt>
     <dgm:pt modelId="{F88C4F84-8C27-44EA-A9C6-79D318B1DF6A}" type="pres">
       <dgm:prSet presAssocID="{E378082F-3B76-42B6-9F98-7D5B101A1CD1}" presName="negativeSpace" presStyleCnt="0"/>
@@ -2780,6 +3539,13 @@
     <dgm:pt modelId="{4A73C15C-D7F8-4A69-850C-706D276AFB0D}" type="pres">
       <dgm:prSet presAssocID="{B298933B-0CBD-44FC-AB45-B567774299E3}" presName="parentLeftMargin" presStyleLbl="node1" presStyleIdx="2" presStyleCnt="6"/>
       <dgm:spPr/>
+      <dgm:t>
+        <a:bodyPr/>
+        <a:lstStyle/>
+        <a:p>
+          <a:endParaRPr lang="de-DE"/>
+        </a:p>
+      </dgm:t>
     </dgm:pt>
     <dgm:pt modelId="{2BA0BD4E-EE0C-49B1-B640-4B15D6468597}" type="pres">
       <dgm:prSet presAssocID="{B298933B-0CBD-44FC-AB45-B567774299E3}" presName="parentText" presStyleLbl="node1" presStyleIdx="3" presStyleCnt="6" custLinFactNeighborX="2262" custLinFactNeighborY="580">
@@ -2789,6 +3555,13 @@
         </dgm:presLayoutVars>
       </dgm:prSet>
       <dgm:spPr/>
+      <dgm:t>
+        <a:bodyPr/>
+        <a:lstStyle/>
+        <a:p>
+          <a:endParaRPr lang="de-DE"/>
+        </a:p>
+      </dgm:t>
     </dgm:pt>
     <dgm:pt modelId="{DC379E85-FDAC-4B37-B979-C5B0AFAF5042}" type="pres">
       <dgm:prSet presAssocID="{B298933B-0CBD-44FC-AB45-B567774299E3}" presName="negativeSpace" presStyleCnt="0"/>
@@ -2813,6 +3586,13 @@
     <dgm:pt modelId="{88A4AE88-2F01-4434-BFF0-67970E32361A}" type="pres">
       <dgm:prSet presAssocID="{7A939AB3-F09D-4159-808F-A370CF315CD4}" presName="parentLeftMargin" presStyleLbl="node1" presStyleIdx="3" presStyleCnt="6"/>
       <dgm:spPr/>
+      <dgm:t>
+        <a:bodyPr/>
+        <a:lstStyle/>
+        <a:p>
+          <a:endParaRPr lang="de-DE"/>
+        </a:p>
+      </dgm:t>
     </dgm:pt>
     <dgm:pt modelId="{C9615E8E-90CF-4934-A79C-FE6D7A972052}" type="pres">
       <dgm:prSet presAssocID="{7A939AB3-F09D-4159-808F-A370CF315CD4}" presName="parentText" presStyleLbl="node1" presStyleIdx="4" presStyleCnt="6">
@@ -2822,6 +3602,13 @@
         </dgm:presLayoutVars>
       </dgm:prSet>
       <dgm:spPr/>
+      <dgm:t>
+        <a:bodyPr/>
+        <a:lstStyle/>
+        <a:p>
+          <a:endParaRPr lang="de-DE"/>
+        </a:p>
+      </dgm:t>
     </dgm:pt>
     <dgm:pt modelId="{F8E0F9D6-7DA2-4EA3-9298-8E45E5C7ED4A}" type="pres">
       <dgm:prSet presAssocID="{7A939AB3-F09D-4159-808F-A370CF315CD4}" presName="negativeSpace" presStyleCnt="0"/>
@@ -2846,6 +3633,13 @@
     <dgm:pt modelId="{E84C37C6-D0B9-4ACE-8E9A-3EB85BBED718}" type="pres">
       <dgm:prSet presAssocID="{31C6F14A-52E3-43B5-AFF5-35C4A925E16F}" presName="parentLeftMargin" presStyleLbl="node1" presStyleIdx="4" presStyleCnt="6"/>
       <dgm:spPr/>
+      <dgm:t>
+        <a:bodyPr/>
+        <a:lstStyle/>
+        <a:p>
+          <a:endParaRPr lang="de-DE"/>
+        </a:p>
+      </dgm:t>
     </dgm:pt>
     <dgm:pt modelId="{3608E4A9-2B52-42A8-920A-D6F899B6F1B6}" type="pres">
       <dgm:prSet presAssocID="{31C6F14A-52E3-43B5-AFF5-35C4A925E16F}" presName="parentText" presStyleLbl="node1" presStyleIdx="5" presStyleCnt="6">
@@ -2880,14 +3674,14 @@
     <dgm:cxn modelId="{C867F802-4C7A-40C8-B133-93701C1CC2EB}" type="presOf" srcId="{B298933B-0CBD-44FC-AB45-B567774299E3}" destId="{4A73C15C-D7F8-4A69-850C-706D276AFB0D}" srcOrd="0" destOrd="0" presId="urn:microsoft.com/office/officeart/2005/8/layout/list1"/>
     <dgm:cxn modelId="{F04BB6D1-CE42-4684-BA7A-13B281B057D2}" srcId="{2020E753-6FD2-43A5-A018-BAF24AE0910F}" destId="{B298933B-0CBD-44FC-AB45-B567774299E3}" srcOrd="3" destOrd="0" parTransId="{786D3127-3034-438A-8065-99B5D96EF624}" sibTransId="{F328BC7C-DAB7-4361-84B7-FCD07DD96982}"/>
     <dgm:cxn modelId="{8D6EB3B4-093B-4668-8D24-794B3E0F4604}" type="presOf" srcId="{B298933B-0CBD-44FC-AB45-B567774299E3}" destId="{2BA0BD4E-EE0C-49B1-B640-4B15D6468597}" srcOrd="1" destOrd="0" presId="urn:microsoft.com/office/officeart/2005/8/layout/list1"/>
+    <dgm:cxn modelId="{A3E8552D-FA56-4FC0-9853-D45AA565CBF6}" type="presOf" srcId="{E378082F-3B76-42B6-9F98-7D5B101A1CD1}" destId="{D3842DC2-DEB4-49CC-A6A1-0F472ACCA8A2}" srcOrd="1" destOrd="0" presId="urn:microsoft.com/office/officeart/2005/8/layout/list1"/>
     <dgm:cxn modelId="{11A95B1B-ABD0-4753-B428-16CD8E528CE3}" type="presOf" srcId="{7A939AB3-F09D-4159-808F-A370CF315CD4}" destId="{88A4AE88-2F01-4434-BFF0-67970E32361A}" srcOrd="0" destOrd="0" presId="urn:microsoft.com/office/officeart/2005/8/layout/list1"/>
-    <dgm:cxn modelId="{A3E8552D-FA56-4FC0-9853-D45AA565CBF6}" type="presOf" srcId="{E378082F-3B76-42B6-9F98-7D5B101A1CD1}" destId="{D3842DC2-DEB4-49CC-A6A1-0F472ACCA8A2}" srcOrd="1" destOrd="0" presId="urn:microsoft.com/office/officeart/2005/8/layout/list1"/>
     <dgm:cxn modelId="{EC88B53A-4519-49D3-9876-983DB0696CD8}" srcId="{2020E753-6FD2-43A5-A018-BAF24AE0910F}" destId="{E378082F-3B76-42B6-9F98-7D5B101A1CD1}" srcOrd="2" destOrd="0" parTransId="{3EF545FA-5C75-43E6-BB2D-0837812F894E}" sibTransId="{1CA983B9-E940-472B-AACA-A43C64ED1749}"/>
     <dgm:cxn modelId="{83489503-787E-41B4-9637-2ADF637CC5A2}" type="presOf" srcId="{31C6F14A-52E3-43B5-AFF5-35C4A925E16F}" destId="{E84C37C6-D0B9-4ACE-8E9A-3EB85BBED718}" srcOrd="0" destOrd="0" presId="urn:microsoft.com/office/officeart/2005/8/layout/list1"/>
     <dgm:cxn modelId="{E5232EDA-DD98-4D39-A510-79EA2488AD09}" type="presOf" srcId="{AB49A13A-DDDA-4701-932F-CC03DD5FF3D0}" destId="{7EB0CEAC-7635-4D75-B3AC-83B572E88098}" srcOrd="0" destOrd="0" presId="urn:microsoft.com/office/officeart/2005/8/layout/list1"/>
     <dgm:cxn modelId="{0DF267BC-D7FF-4968-9F97-357B1002F5C8}" type="presOf" srcId="{F668DDDA-5AA7-4233-90D9-0AB16639553A}" destId="{8D63A2AF-4B14-4961-9A00-73883A18362C}" srcOrd="1" destOrd="0" presId="urn:microsoft.com/office/officeart/2005/8/layout/list1"/>
+    <dgm:cxn modelId="{29772C22-E8E5-4747-8AE3-0CFFEE9D05A4}" type="presOf" srcId="{2020E753-6FD2-43A5-A018-BAF24AE0910F}" destId="{B506F653-F27E-4525-A3F7-6F5BD03AB1DD}" srcOrd="0" destOrd="0" presId="urn:microsoft.com/office/officeart/2005/8/layout/list1"/>
     <dgm:cxn modelId="{9BADB5C9-FBAC-42C2-BAD6-B1AC148B0F6E}" type="presOf" srcId="{E378082F-3B76-42B6-9F98-7D5B101A1CD1}" destId="{5EA115A4-7C0E-4EB1-B54F-9B591CD3FA1E}" srcOrd="0" destOrd="0" presId="urn:microsoft.com/office/officeart/2005/8/layout/list1"/>
-    <dgm:cxn modelId="{29772C22-E8E5-4747-8AE3-0CFFEE9D05A4}" type="presOf" srcId="{2020E753-6FD2-43A5-A018-BAF24AE0910F}" destId="{B506F653-F27E-4525-A3F7-6F5BD03AB1DD}" srcOrd="0" destOrd="0" presId="urn:microsoft.com/office/officeart/2005/8/layout/list1"/>
     <dgm:cxn modelId="{568900E5-DB7E-4563-BC5E-1C6F41F55950}" type="presOf" srcId="{F668DDDA-5AA7-4233-90D9-0AB16639553A}" destId="{8113899A-19B3-48E7-B7E7-173E9FD7403C}" srcOrd="0" destOrd="0" presId="urn:microsoft.com/office/officeart/2005/8/layout/list1"/>
     <dgm:cxn modelId="{87BA6851-4AB4-4543-BD76-B6827B2FB249}" type="presOf" srcId="{7A939AB3-F09D-4159-808F-A370CF315CD4}" destId="{C9615E8E-90CF-4934-A79C-FE6D7A972052}" srcOrd="1" destOrd="0" presId="urn:microsoft.com/office/officeart/2005/8/layout/list1"/>
     <dgm:cxn modelId="{1DAAC720-36CE-454A-98B5-291676E9187A}" srcId="{2020E753-6FD2-43A5-A018-BAF24AE0910F}" destId="{AB49A13A-DDDA-4701-932F-CC03DD5FF3D0}" srcOrd="0" destOrd="0" parTransId="{80DFD245-A03A-4B50-9B9D-4982F44D91BA}" sibTransId="{A15EF559-3069-425F-9CE0-9E750CDA1490}"/>
@@ -2931,6 +3725,290 @@
     <dgm:cxn modelId="{8F35CEF7-9A0A-4CFB-B829-1E39149618D5}" type="presParOf" srcId="{C887B179-165A-4855-A303-A9D316EEDAF8}" destId="{3608E4A9-2B52-42A8-920A-D6F899B6F1B6}" srcOrd="1" destOrd="0" presId="urn:microsoft.com/office/officeart/2005/8/layout/list1"/>
     <dgm:cxn modelId="{1252CD95-89D3-4280-A1FA-4D7BF297EA74}" type="presParOf" srcId="{B506F653-F27E-4525-A3F7-6F5BD03AB1DD}" destId="{CF090395-2D7E-4D09-80BD-EBADFA58D574}" srcOrd="21" destOrd="0" presId="urn:microsoft.com/office/officeart/2005/8/layout/list1"/>
     <dgm:cxn modelId="{7ADE8A3B-1AC7-4349-BEAC-055C04E0A07D}" type="presParOf" srcId="{B506F653-F27E-4525-A3F7-6F5BD03AB1DD}" destId="{ABDB4A5E-D952-4FAB-9822-5772753D4AA1}" srcOrd="22" destOrd="0" presId="urn:microsoft.com/office/officeart/2005/8/layout/list1"/>
+  </dgm:cxnLst>
+  <dgm:bg/>
+  <dgm:whole/>
+  <dgm:extLst>
+    <a:ext uri="http://schemas.microsoft.com/office/drawing/2008/diagram">
+      <dsp:dataModelExt xmlns:dsp="http://schemas.microsoft.com/office/drawing/2008/diagram" xmlns="" relId="rId6" minVer="http://schemas.openxmlformats.org/drawingml/2006/diagram"/>
+    </a:ext>
+  </dgm:extLst>
+</dgm:dataModel>
+</file>
+
+<file path=ppt/diagrams/data3.xml><?xml version="1.0" encoding="utf-8"?>
+<dgm:dataModel xmlns:dgm="http://schemas.openxmlformats.org/drawingml/2006/diagram" xmlns:a="http://schemas.openxmlformats.org/drawingml/2006/main">
+  <dgm:ptLst>
+    <dgm:pt modelId="{C5102A5F-5012-4A48-B294-6A03C497E60B}" type="doc">
+      <dgm:prSet loTypeId="urn:microsoft.com/office/officeart/2005/8/layout/list1" loCatId="list" qsTypeId="urn:microsoft.com/office/officeart/2005/8/quickstyle/simple1" qsCatId="simple" csTypeId="urn:microsoft.com/office/officeart/2005/8/colors/accent1_2" csCatId="accent1" phldr="1"/>
+      <dgm:spPr/>
+      <dgm:t>
+        <a:bodyPr/>
+        <a:lstStyle/>
+        <a:p>
+          <a:endParaRPr lang="de-DE"/>
+        </a:p>
+      </dgm:t>
+    </dgm:pt>
+    <dgm:pt modelId="{3C14C45D-1292-4AD2-BFF5-D9CF8D49CE06}">
+      <dgm:prSet phldrT="[Text]"/>
+      <dgm:spPr/>
+      <dgm:t>
+        <a:bodyPr/>
+        <a:lstStyle/>
+        <a:p>
+          <a:r>
+            <a:rPr lang="de-DE" smtClean="0"/>
+            <a:t>Erziehlung hervorragender Oberflächenqualität</a:t>
+          </a:r>
+          <a:endParaRPr lang="de-DE"/>
+        </a:p>
+      </dgm:t>
+    </dgm:pt>
+    <dgm:pt modelId="{AB00243D-C146-4418-8F05-20FD594D1A10}" type="parTrans" cxnId="{5EFC7F6F-F5B9-4C79-9C71-C25D674405F7}">
+      <dgm:prSet/>
+      <dgm:spPr/>
+      <dgm:t>
+        <a:bodyPr/>
+        <a:lstStyle/>
+        <a:p>
+          <a:endParaRPr lang="de-DE"/>
+        </a:p>
+      </dgm:t>
+    </dgm:pt>
+    <dgm:pt modelId="{4A0D7B88-5AD5-4659-9176-F41F6AD13968}" type="sibTrans" cxnId="{5EFC7F6F-F5B9-4C79-9C71-C25D674405F7}">
+      <dgm:prSet/>
+      <dgm:spPr/>
+      <dgm:t>
+        <a:bodyPr/>
+        <a:lstStyle/>
+        <a:p>
+          <a:endParaRPr lang="de-DE"/>
+        </a:p>
+      </dgm:t>
+    </dgm:pt>
+    <dgm:pt modelId="{FFF4ADC7-E889-46E2-AE27-502295EDF8CC}">
+      <dgm:prSet phldrT="[Text]"/>
+      <dgm:spPr/>
+      <dgm:t>
+        <a:bodyPr/>
+        <a:lstStyle/>
+        <a:p>
+          <a:r>
+            <a:rPr lang="de-DE" smtClean="0"/>
+            <a:t>Minimierung der Rückfederung</a:t>
+          </a:r>
+          <a:endParaRPr lang="de-DE"/>
+        </a:p>
+      </dgm:t>
+    </dgm:pt>
+    <dgm:pt modelId="{74657BDA-DE7F-4D2E-A125-47AEE6E83658}" type="parTrans" cxnId="{1BFD1A8C-678C-4EDE-99E0-F92B56ECB492}">
+      <dgm:prSet/>
+      <dgm:spPr/>
+      <dgm:t>
+        <a:bodyPr/>
+        <a:lstStyle/>
+        <a:p>
+          <a:endParaRPr lang="de-DE"/>
+        </a:p>
+      </dgm:t>
+    </dgm:pt>
+    <dgm:pt modelId="{8F43D699-2E02-4990-B4F4-6EA2DA55AE0B}" type="sibTrans" cxnId="{1BFD1A8C-678C-4EDE-99E0-F92B56ECB492}">
+      <dgm:prSet/>
+      <dgm:spPr/>
+      <dgm:t>
+        <a:bodyPr/>
+        <a:lstStyle/>
+        <a:p>
+          <a:endParaRPr lang="de-DE"/>
+        </a:p>
+      </dgm:t>
+    </dgm:pt>
+    <dgm:pt modelId="{3AEF769E-08CB-495D-AFF1-721311AA0BF7}">
+      <dgm:prSet phldrT="[Text]"/>
+      <dgm:spPr/>
+      <dgm:t>
+        <a:bodyPr/>
+        <a:lstStyle/>
+        <a:p>
+          <a:r>
+            <a:rPr lang="de-DE" smtClean="0"/>
+            <a:t>Stege werden bei Auswahl des Umformverfahrens berücksichtigt</a:t>
+          </a:r>
+          <a:endParaRPr lang="de-DE"/>
+        </a:p>
+      </dgm:t>
+    </dgm:pt>
+    <dgm:pt modelId="{CDC895BA-2ADD-456C-9ED1-44EF744D8995}" type="parTrans" cxnId="{BF35D7B5-2BF4-4039-87B6-5B7B151C46D5}">
+      <dgm:prSet/>
+      <dgm:spPr/>
+      <dgm:t>
+        <a:bodyPr/>
+        <a:lstStyle/>
+        <a:p>
+          <a:endParaRPr lang="de-DE"/>
+        </a:p>
+      </dgm:t>
+    </dgm:pt>
+    <dgm:pt modelId="{7069EBF7-24EA-486B-865B-A8CD21566653}" type="sibTrans" cxnId="{BF35D7B5-2BF4-4039-87B6-5B7B151C46D5}">
+      <dgm:prSet/>
+      <dgm:spPr/>
+      <dgm:t>
+        <a:bodyPr/>
+        <a:lstStyle/>
+        <a:p>
+          <a:endParaRPr lang="de-DE"/>
+        </a:p>
+      </dgm:t>
+    </dgm:pt>
+    <dgm:pt modelId="{6E9B55A6-4C04-4161-9E24-8F3CB73AA3E0}" type="pres">
+      <dgm:prSet presAssocID="{C5102A5F-5012-4A48-B294-6A03C497E60B}" presName="linear" presStyleCnt="0">
+        <dgm:presLayoutVars>
+          <dgm:dir/>
+          <dgm:animLvl val="lvl"/>
+          <dgm:resizeHandles val="exact"/>
+        </dgm:presLayoutVars>
+      </dgm:prSet>
+      <dgm:spPr/>
+    </dgm:pt>
+    <dgm:pt modelId="{57586200-A161-44C1-A84E-2AACDF39A271}" type="pres">
+      <dgm:prSet presAssocID="{3C14C45D-1292-4AD2-BFF5-D9CF8D49CE06}" presName="parentLin" presStyleCnt="0"/>
+      <dgm:spPr/>
+    </dgm:pt>
+    <dgm:pt modelId="{67E41568-EE18-473B-86D7-F531C9CEFD69}" type="pres">
+      <dgm:prSet presAssocID="{3C14C45D-1292-4AD2-BFF5-D9CF8D49CE06}" presName="parentLeftMargin" presStyleLbl="node1" presStyleIdx="0" presStyleCnt="3"/>
+      <dgm:spPr/>
+    </dgm:pt>
+    <dgm:pt modelId="{2CD63BBE-333E-4E3A-B223-22B87124F635}" type="pres">
+      <dgm:prSet presAssocID="{3C14C45D-1292-4AD2-BFF5-D9CF8D49CE06}" presName="parentText" presStyleLbl="node1" presStyleIdx="0" presStyleCnt="3">
+        <dgm:presLayoutVars>
+          <dgm:chMax val="0"/>
+          <dgm:bulletEnabled val="1"/>
+        </dgm:presLayoutVars>
+      </dgm:prSet>
+      <dgm:spPr/>
+      <dgm:t>
+        <a:bodyPr/>
+        <a:lstStyle/>
+        <a:p>
+          <a:endParaRPr lang="de-DE"/>
+        </a:p>
+      </dgm:t>
+    </dgm:pt>
+    <dgm:pt modelId="{050634D9-77E0-48B1-A4B6-6CC4C8D25638}" type="pres">
+      <dgm:prSet presAssocID="{3C14C45D-1292-4AD2-BFF5-D9CF8D49CE06}" presName="negativeSpace" presStyleCnt="0"/>
+      <dgm:spPr/>
+    </dgm:pt>
+    <dgm:pt modelId="{0291467D-BD9E-4189-80FC-CACC777072B0}" type="pres">
+      <dgm:prSet presAssocID="{3C14C45D-1292-4AD2-BFF5-D9CF8D49CE06}" presName="childText" presStyleLbl="conFgAcc1" presStyleIdx="0" presStyleCnt="3">
+        <dgm:presLayoutVars>
+          <dgm:bulletEnabled val="1"/>
+        </dgm:presLayoutVars>
+      </dgm:prSet>
+      <dgm:spPr/>
+    </dgm:pt>
+    <dgm:pt modelId="{77E9BD6A-6BD0-4165-89FF-83767DD7E184}" type="pres">
+      <dgm:prSet presAssocID="{4A0D7B88-5AD5-4659-9176-F41F6AD13968}" presName="spaceBetweenRectangles" presStyleCnt="0"/>
+      <dgm:spPr/>
+    </dgm:pt>
+    <dgm:pt modelId="{8640815B-1554-4927-9FF7-08FD09980868}" type="pres">
+      <dgm:prSet presAssocID="{FFF4ADC7-E889-46E2-AE27-502295EDF8CC}" presName="parentLin" presStyleCnt="0"/>
+      <dgm:spPr/>
+    </dgm:pt>
+    <dgm:pt modelId="{70B5068E-A542-4471-88F1-45ED11E4D6A9}" type="pres">
+      <dgm:prSet presAssocID="{FFF4ADC7-E889-46E2-AE27-502295EDF8CC}" presName="parentLeftMargin" presStyleLbl="node1" presStyleIdx="0" presStyleCnt="3"/>
+      <dgm:spPr/>
+    </dgm:pt>
+    <dgm:pt modelId="{D7832246-E3A8-42D4-9440-E22F8B5BACDB}" type="pres">
+      <dgm:prSet presAssocID="{FFF4ADC7-E889-46E2-AE27-502295EDF8CC}" presName="parentText" presStyleLbl="node1" presStyleIdx="1" presStyleCnt="3">
+        <dgm:presLayoutVars>
+          <dgm:chMax val="0"/>
+          <dgm:bulletEnabled val="1"/>
+        </dgm:presLayoutVars>
+      </dgm:prSet>
+      <dgm:spPr/>
+    </dgm:pt>
+    <dgm:pt modelId="{B2D3997B-E8C1-4CDC-BCE2-88872AC3F1B7}" type="pres">
+      <dgm:prSet presAssocID="{FFF4ADC7-E889-46E2-AE27-502295EDF8CC}" presName="negativeSpace" presStyleCnt="0"/>
+      <dgm:spPr/>
+    </dgm:pt>
+    <dgm:pt modelId="{F0A35EF4-93FD-4AD6-9100-19801F014F9A}" type="pres">
+      <dgm:prSet presAssocID="{FFF4ADC7-E889-46E2-AE27-502295EDF8CC}" presName="childText" presStyleLbl="conFgAcc1" presStyleIdx="1" presStyleCnt="3">
+        <dgm:presLayoutVars>
+          <dgm:bulletEnabled val="1"/>
+        </dgm:presLayoutVars>
+      </dgm:prSet>
+      <dgm:spPr/>
+    </dgm:pt>
+    <dgm:pt modelId="{AAB12175-A786-4E5F-AAD3-11DB2268C2E8}" type="pres">
+      <dgm:prSet presAssocID="{8F43D699-2E02-4990-B4F4-6EA2DA55AE0B}" presName="spaceBetweenRectangles" presStyleCnt="0"/>
+      <dgm:spPr/>
+    </dgm:pt>
+    <dgm:pt modelId="{CF1D1E95-F6DF-4661-B679-F88203B42E38}" type="pres">
+      <dgm:prSet presAssocID="{3AEF769E-08CB-495D-AFF1-721311AA0BF7}" presName="parentLin" presStyleCnt="0"/>
+      <dgm:spPr/>
+    </dgm:pt>
+    <dgm:pt modelId="{3C53107E-A19B-4D42-8087-B916128DFC47}" type="pres">
+      <dgm:prSet presAssocID="{3AEF769E-08CB-495D-AFF1-721311AA0BF7}" presName="parentLeftMargin" presStyleLbl="node1" presStyleIdx="1" presStyleCnt="3"/>
+      <dgm:spPr/>
+    </dgm:pt>
+    <dgm:pt modelId="{D04C9658-345E-4E4C-ABE9-337FEAC597FE}" type="pres">
+      <dgm:prSet presAssocID="{3AEF769E-08CB-495D-AFF1-721311AA0BF7}" presName="parentText" presStyleLbl="node1" presStyleIdx="2" presStyleCnt="3">
+        <dgm:presLayoutVars>
+          <dgm:chMax val="0"/>
+          <dgm:bulletEnabled val="1"/>
+        </dgm:presLayoutVars>
+      </dgm:prSet>
+      <dgm:spPr/>
+      <dgm:t>
+        <a:bodyPr/>
+        <a:lstStyle/>
+        <a:p>
+          <a:endParaRPr lang="de-DE"/>
+        </a:p>
+      </dgm:t>
+    </dgm:pt>
+    <dgm:pt modelId="{B1557ECF-2A3E-4507-A59A-2FEFE943096E}" type="pres">
+      <dgm:prSet presAssocID="{3AEF769E-08CB-495D-AFF1-721311AA0BF7}" presName="negativeSpace" presStyleCnt="0"/>
+      <dgm:spPr/>
+    </dgm:pt>
+    <dgm:pt modelId="{E646B9FF-774A-4B73-96EF-D74448F051FC}" type="pres">
+      <dgm:prSet presAssocID="{3AEF769E-08CB-495D-AFF1-721311AA0BF7}" presName="childText" presStyleLbl="conFgAcc1" presStyleIdx="2" presStyleCnt="3">
+        <dgm:presLayoutVars>
+          <dgm:bulletEnabled val="1"/>
+        </dgm:presLayoutVars>
+      </dgm:prSet>
+      <dgm:spPr/>
+    </dgm:pt>
+  </dgm:ptLst>
+  <dgm:cxnLst>
+    <dgm:cxn modelId="{5EFC7F6F-F5B9-4C79-9C71-C25D674405F7}" srcId="{C5102A5F-5012-4A48-B294-6A03C497E60B}" destId="{3C14C45D-1292-4AD2-BFF5-D9CF8D49CE06}" srcOrd="0" destOrd="0" parTransId="{AB00243D-C146-4418-8F05-20FD594D1A10}" sibTransId="{4A0D7B88-5AD5-4659-9176-F41F6AD13968}"/>
+    <dgm:cxn modelId="{0531DD44-4F00-4256-9B95-852E426A6F1A}" type="presOf" srcId="{C5102A5F-5012-4A48-B294-6A03C497E60B}" destId="{6E9B55A6-4C04-4161-9E24-8F3CB73AA3E0}" srcOrd="0" destOrd="0" presId="urn:microsoft.com/office/officeart/2005/8/layout/list1"/>
+    <dgm:cxn modelId="{C5DA5B3E-5D67-4357-B192-A85D8B241F68}" type="presOf" srcId="{FFF4ADC7-E889-46E2-AE27-502295EDF8CC}" destId="{D7832246-E3A8-42D4-9440-E22F8B5BACDB}" srcOrd="1" destOrd="0" presId="urn:microsoft.com/office/officeart/2005/8/layout/list1"/>
+    <dgm:cxn modelId="{1BFD1A8C-678C-4EDE-99E0-F92B56ECB492}" srcId="{C5102A5F-5012-4A48-B294-6A03C497E60B}" destId="{FFF4ADC7-E889-46E2-AE27-502295EDF8CC}" srcOrd="1" destOrd="0" parTransId="{74657BDA-DE7F-4D2E-A125-47AEE6E83658}" sibTransId="{8F43D699-2E02-4990-B4F4-6EA2DA55AE0B}"/>
+    <dgm:cxn modelId="{01046A11-6AC2-4CFA-ADE5-7815AF37FFD0}" type="presOf" srcId="{3AEF769E-08CB-495D-AFF1-721311AA0BF7}" destId="{D04C9658-345E-4E4C-ABE9-337FEAC597FE}" srcOrd="1" destOrd="0" presId="urn:microsoft.com/office/officeart/2005/8/layout/list1"/>
+    <dgm:cxn modelId="{8977CEE1-14F4-48F7-83B5-6DDAB98D08F8}" type="presOf" srcId="{3C14C45D-1292-4AD2-BFF5-D9CF8D49CE06}" destId="{67E41568-EE18-473B-86D7-F531C9CEFD69}" srcOrd="0" destOrd="0" presId="urn:microsoft.com/office/officeart/2005/8/layout/list1"/>
+    <dgm:cxn modelId="{EA22F445-C52E-457E-A7AC-28DA1F86AE45}" type="presOf" srcId="{3C14C45D-1292-4AD2-BFF5-D9CF8D49CE06}" destId="{2CD63BBE-333E-4E3A-B223-22B87124F635}" srcOrd="1" destOrd="0" presId="urn:microsoft.com/office/officeart/2005/8/layout/list1"/>
+    <dgm:cxn modelId="{BF35D7B5-2BF4-4039-87B6-5B7B151C46D5}" srcId="{C5102A5F-5012-4A48-B294-6A03C497E60B}" destId="{3AEF769E-08CB-495D-AFF1-721311AA0BF7}" srcOrd="2" destOrd="0" parTransId="{CDC895BA-2ADD-456C-9ED1-44EF744D8995}" sibTransId="{7069EBF7-24EA-486B-865B-A8CD21566653}"/>
+    <dgm:cxn modelId="{4BBF824D-ADA4-4F2A-B07A-DF22DD30F840}" type="presOf" srcId="{3AEF769E-08CB-495D-AFF1-721311AA0BF7}" destId="{3C53107E-A19B-4D42-8087-B916128DFC47}" srcOrd="0" destOrd="0" presId="urn:microsoft.com/office/officeart/2005/8/layout/list1"/>
+    <dgm:cxn modelId="{BCD1CC01-0887-442D-B6DA-4FCBDD4398CB}" type="presOf" srcId="{FFF4ADC7-E889-46E2-AE27-502295EDF8CC}" destId="{70B5068E-A542-4471-88F1-45ED11E4D6A9}" srcOrd="0" destOrd="0" presId="urn:microsoft.com/office/officeart/2005/8/layout/list1"/>
+    <dgm:cxn modelId="{25AD16B5-19AE-467B-A054-46908BA735A6}" type="presParOf" srcId="{6E9B55A6-4C04-4161-9E24-8F3CB73AA3E0}" destId="{57586200-A161-44C1-A84E-2AACDF39A271}" srcOrd="0" destOrd="0" presId="urn:microsoft.com/office/officeart/2005/8/layout/list1"/>
+    <dgm:cxn modelId="{1E21651E-A22B-46EA-91A1-0FDBF7196F6B}" type="presParOf" srcId="{57586200-A161-44C1-A84E-2AACDF39A271}" destId="{67E41568-EE18-473B-86D7-F531C9CEFD69}" srcOrd="0" destOrd="0" presId="urn:microsoft.com/office/officeart/2005/8/layout/list1"/>
+    <dgm:cxn modelId="{FC4FA3C3-F5B3-4D64-AE2A-6B19E7B702BF}" type="presParOf" srcId="{57586200-A161-44C1-A84E-2AACDF39A271}" destId="{2CD63BBE-333E-4E3A-B223-22B87124F635}" srcOrd="1" destOrd="0" presId="urn:microsoft.com/office/officeart/2005/8/layout/list1"/>
+    <dgm:cxn modelId="{91E5416E-0142-4B20-A629-9990D94A593B}" type="presParOf" srcId="{6E9B55A6-4C04-4161-9E24-8F3CB73AA3E0}" destId="{050634D9-77E0-48B1-A4B6-6CC4C8D25638}" srcOrd="1" destOrd="0" presId="urn:microsoft.com/office/officeart/2005/8/layout/list1"/>
+    <dgm:cxn modelId="{BA4199A6-3A47-4FAC-9F03-7816009DD6EF}" type="presParOf" srcId="{6E9B55A6-4C04-4161-9E24-8F3CB73AA3E0}" destId="{0291467D-BD9E-4189-80FC-CACC777072B0}" srcOrd="2" destOrd="0" presId="urn:microsoft.com/office/officeart/2005/8/layout/list1"/>
+    <dgm:cxn modelId="{405EF586-9E90-4811-8EE9-C9A2622D2AAE}" type="presParOf" srcId="{6E9B55A6-4C04-4161-9E24-8F3CB73AA3E0}" destId="{77E9BD6A-6BD0-4165-89FF-83767DD7E184}" srcOrd="3" destOrd="0" presId="urn:microsoft.com/office/officeart/2005/8/layout/list1"/>
+    <dgm:cxn modelId="{D35E1306-0ADD-4248-8C58-9988488E22BB}" type="presParOf" srcId="{6E9B55A6-4C04-4161-9E24-8F3CB73AA3E0}" destId="{8640815B-1554-4927-9FF7-08FD09980868}" srcOrd="4" destOrd="0" presId="urn:microsoft.com/office/officeart/2005/8/layout/list1"/>
+    <dgm:cxn modelId="{9AA32064-F936-47FD-8654-569BD40D3D78}" type="presParOf" srcId="{8640815B-1554-4927-9FF7-08FD09980868}" destId="{70B5068E-A542-4471-88F1-45ED11E4D6A9}" srcOrd="0" destOrd="0" presId="urn:microsoft.com/office/officeart/2005/8/layout/list1"/>
+    <dgm:cxn modelId="{25126F14-7790-4DDC-A689-A29D42D69FB3}" type="presParOf" srcId="{8640815B-1554-4927-9FF7-08FD09980868}" destId="{D7832246-E3A8-42D4-9440-E22F8B5BACDB}" srcOrd="1" destOrd="0" presId="urn:microsoft.com/office/officeart/2005/8/layout/list1"/>
+    <dgm:cxn modelId="{AD2687A8-4569-40C5-90E1-C842783ABE71}" type="presParOf" srcId="{6E9B55A6-4C04-4161-9E24-8F3CB73AA3E0}" destId="{B2D3997B-E8C1-4CDC-BCE2-88872AC3F1B7}" srcOrd="5" destOrd="0" presId="urn:microsoft.com/office/officeart/2005/8/layout/list1"/>
+    <dgm:cxn modelId="{25BB1143-79FB-4F02-A494-246EEBBD7644}" type="presParOf" srcId="{6E9B55A6-4C04-4161-9E24-8F3CB73AA3E0}" destId="{F0A35EF4-93FD-4AD6-9100-19801F014F9A}" srcOrd="6" destOrd="0" presId="urn:microsoft.com/office/officeart/2005/8/layout/list1"/>
+    <dgm:cxn modelId="{51B8457D-61F0-4FC9-A65A-F9E37AC8B5AF}" type="presParOf" srcId="{6E9B55A6-4C04-4161-9E24-8F3CB73AA3E0}" destId="{AAB12175-A786-4E5F-AAD3-11DB2268C2E8}" srcOrd="7" destOrd="0" presId="urn:microsoft.com/office/officeart/2005/8/layout/list1"/>
+    <dgm:cxn modelId="{91A62385-4A12-4F51-ACF0-72BD24ADC048}" type="presParOf" srcId="{6E9B55A6-4C04-4161-9E24-8F3CB73AA3E0}" destId="{CF1D1E95-F6DF-4661-B679-F88203B42E38}" srcOrd="8" destOrd="0" presId="urn:microsoft.com/office/officeart/2005/8/layout/list1"/>
+    <dgm:cxn modelId="{A15FB527-C42D-4825-9C08-1AA59DB8409C}" type="presParOf" srcId="{CF1D1E95-F6DF-4661-B679-F88203B42E38}" destId="{3C53107E-A19B-4D42-8087-B916128DFC47}" srcOrd="0" destOrd="0" presId="urn:microsoft.com/office/officeart/2005/8/layout/list1"/>
+    <dgm:cxn modelId="{8FF5F4DE-BAEE-4589-BE67-0158F52D7C59}" type="presParOf" srcId="{CF1D1E95-F6DF-4661-B679-F88203B42E38}" destId="{D04C9658-345E-4E4C-ABE9-337FEAC597FE}" srcOrd="1" destOrd="0" presId="urn:microsoft.com/office/officeart/2005/8/layout/list1"/>
+    <dgm:cxn modelId="{AA8C46FA-A7FF-4B13-BC94-3F189DC6A312}" type="presParOf" srcId="{6E9B55A6-4C04-4161-9E24-8F3CB73AA3E0}" destId="{B1557ECF-2A3E-4507-A59A-2FEFE943096E}" srcOrd="9" destOrd="0" presId="urn:microsoft.com/office/officeart/2005/8/layout/list1"/>
+    <dgm:cxn modelId="{DB7F7E8E-EC02-45DB-89C9-1BBE21C83CD4}" type="presParOf" srcId="{6E9B55A6-4C04-4161-9E24-8F3CB73AA3E0}" destId="{E646B9FF-774A-4B73-96EF-D74448F051FC}" srcOrd="10" destOrd="0" presId="urn:microsoft.com/office/officeart/2005/8/layout/list1"/>
   </dgm:cxnLst>
   <dgm:bg/>
   <dgm:whole/>
@@ -3814,15 +4892,7 @@
           </a:pPr>
           <a:r>
             <a:rPr lang="de-DE" sz="1000" kern="1200" smtClean="0"/>
-            <a:t>Die unterschiedlichen </a:t>
-          </a:r>
-          <a:r>
-            <a:rPr lang="de-DE" sz="1000" kern="1200" smtClean="0"/>
-            <a:t>Chargen  </a:t>
-          </a:r>
-          <a:r>
-            <a:rPr lang="de-DE" sz="1000" kern="1200" smtClean="0"/>
-            <a:t>durchlaufen alle Fertigungsstufen </a:t>
+            <a:t>Die unterschiedlichen Chargen  durchlaufen alle Fertigungsstufen </a:t>
           </a:r>
           <a:endParaRPr lang="de-DE" sz="1000" kern="1200"/>
         </a:p>
@@ -4209,15 +5279,7 @@
           </a:pPr>
           <a:r>
             <a:rPr lang="de-DE" sz="1000" kern="1200" smtClean="0"/>
-            <a:t>Auf jeder Stufe wird mit den dazu vorgesehenen Messverfahren  die aussschlaggebende </a:t>
-          </a:r>
-          <a:r>
-            <a:rPr lang="de-DE" sz="1000" kern="1200" smtClean="0"/>
-            <a:t>Profilform </a:t>
-          </a:r>
-          <a:r>
-            <a:rPr lang="de-DE" sz="1000" kern="1200" smtClean="0"/>
-            <a:t>(Aussenkontur) gemessen</a:t>
+            <a:t>Auf jeder Stufe wird mit den dazu vorgesehenen Messverfahren  die aussschlaggebende Profilform (Aussenkontur) gemessen</a:t>
           </a:r>
         </a:p>
       </dsp:txBody>
@@ -4345,23 +5407,7 @@
           </a:pPr>
           <a:r>
             <a:rPr lang="de-DE" sz="1000" kern="1200" smtClean="0"/>
-            <a:t>Spezifische Untersuchung des Einflusses verschiedener Wirkteile </a:t>
-          </a:r>
-          <a:r>
-            <a:rPr lang="de-DE" sz="1000" kern="1200" smtClean="0"/>
-            <a:t>in </a:t>
-          </a:r>
-          <a:r>
-            <a:rPr lang="de-DE" sz="1000" kern="1200" smtClean="0"/>
-            <a:t>Hinblick auf </a:t>
-          </a:r>
-          <a:r>
-            <a:rPr lang="de-DE" sz="1000" kern="1200" smtClean="0"/>
-            <a:t>die Prozessfähigkeit </a:t>
-          </a:r>
-          <a:r>
-            <a:rPr lang="de-DE" sz="1000" kern="1200" smtClean="0"/>
-            <a:t>bei bestimmter Fertigungsstufe  (Kröpfen)</a:t>
+            <a:t>Spezifische Untersuchung des Einflusses verschiedener Wirkteile in Hinblick auf die Prozessfähigkeit bei bestimmter Fertigungsstufe  (Kröpfen)</a:t>
           </a:r>
           <a:endParaRPr lang="de-DE" sz="1000" kern="1200"/>
         </a:p>
@@ -5394,6 +6440,393 @@
 </dsp:drawing>
 </file>
 
+<file path=ppt/diagrams/drawing3.xml><?xml version="1.0" encoding="utf-8"?>
+<dsp:drawing xmlns:dgm="http://schemas.openxmlformats.org/drawingml/2006/diagram" xmlns:a="http://schemas.openxmlformats.org/drawingml/2006/main" xmlns:dsp="http://schemas.microsoft.com/office/drawing/2008/diagram">
+  <dsp:spTree>
+    <dsp:nvGrpSpPr>
+      <dsp:cNvPr id="0" name=""/>
+      <dsp:cNvGrpSpPr/>
+    </dsp:nvGrpSpPr>
+    <dsp:grpSpPr/>
+    <dsp:sp modelId="{0291467D-BD9E-4189-80FC-CACC777072B0}">
+      <dsp:nvSpPr>
+        <dsp:cNvPr id="0" name=""/>
+        <dsp:cNvSpPr/>
+      </dsp:nvSpPr>
+      <dsp:spPr>
+        <a:xfrm>
+          <a:off x="0" y="862352"/>
+          <a:ext cx="5568280" cy="252000"/>
+        </a:xfrm>
+        <a:prstGeom prst="rect">
+          <a:avLst/>
+        </a:prstGeom>
+        <a:solidFill>
+          <a:schemeClr val="lt1">
+            <a:alpha val="90000"/>
+            <a:hueOff val="0"/>
+            <a:satOff val="0"/>
+            <a:lumOff val="0"/>
+            <a:alphaOff val="0"/>
+          </a:schemeClr>
+        </a:solidFill>
+        <a:ln w="25400" cap="flat" cmpd="sng" algn="ctr">
+          <a:solidFill>
+            <a:schemeClr val="accent1">
+              <a:hueOff val="0"/>
+              <a:satOff val="0"/>
+              <a:lumOff val="0"/>
+              <a:alphaOff val="0"/>
+            </a:schemeClr>
+          </a:solidFill>
+          <a:prstDash val="solid"/>
+        </a:ln>
+        <a:effectLst/>
+      </dsp:spPr>
+      <dsp:style>
+        <a:lnRef idx="2">
+          <a:scrgbClr r="0" g="0" b="0"/>
+        </a:lnRef>
+        <a:fillRef idx="1">
+          <a:scrgbClr r="0" g="0" b="0"/>
+        </a:fillRef>
+        <a:effectRef idx="0">
+          <a:scrgbClr r="0" g="0" b="0"/>
+        </a:effectRef>
+        <a:fontRef idx="minor"/>
+      </dsp:style>
+    </dsp:sp>
+    <dsp:sp modelId="{2CD63BBE-333E-4E3A-B223-22B87124F635}">
+      <dsp:nvSpPr>
+        <dsp:cNvPr id="0" name=""/>
+        <dsp:cNvSpPr/>
+      </dsp:nvSpPr>
+      <dsp:spPr>
+        <a:xfrm>
+          <a:off x="278414" y="714752"/>
+          <a:ext cx="3897796" cy="295200"/>
+        </a:xfrm>
+        <a:prstGeom prst="roundRect">
+          <a:avLst/>
+        </a:prstGeom>
+        <a:solidFill>
+          <a:schemeClr val="accent1">
+            <a:hueOff val="0"/>
+            <a:satOff val="0"/>
+            <a:lumOff val="0"/>
+            <a:alphaOff val="0"/>
+          </a:schemeClr>
+        </a:solidFill>
+        <a:ln w="25400" cap="flat" cmpd="sng" algn="ctr">
+          <a:solidFill>
+            <a:schemeClr val="lt1">
+              <a:hueOff val="0"/>
+              <a:satOff val="0"/>
+              <a:lumOff val="0"/>
+              <a:alphaOff val="0"/>
+            </a:schemeClr>
+          </a:solidFill>
+          <a:prstDash val="solid"/>
+        </a:ln>
+        <a:effectLst/>
+      </dsp:spPr>
+      <dsp:style>
+        <a:lnRef idx="2">
+          <a:scrgbClr r="0" g="0" b="0"/>
+        </a:lnRef>
+        <a:fillRef idx="1">
+          <a:scrgbClr r="0" g="0" b="0"/>
+        </a:fillRef>
+        <a:effectRef idx="0">
+          <a:scrgbClr r="0" g="0" b="0"/>
+        </a:effectRef>
+        <a:fontRef idx="minor">
+          <a:schemeClr val="lt1"/>
+        </a:fontRef>
+      </dsp:style>
+      <dsp:txBody>
+        <a:bodyPr spcFirstLastPara="0" vert="horz" wrap="square" lIns="147327" tIns="0" rIns="147327" bIns="0" numCol="1" spcCol="1270" anchor="ctr" anchorCtr="0">
+          <a:noAutofit/>
+        </a:bodyPr>
+        <a:lstStyle/>
+        <a:p>
+          <a:pPr lvl="0" algn="l" defTabSz="444500">
+            <a:lnSpc>
+              <a:spcPct val="90000"/>
+            </a:lnSpc>
+            <a:spcBef>
+              <a:spcPct val="0"/>
+            </a:spcBef>
+            <a:spcAft>
+              <a:spcPct val="35000"/>
+            </a:spcAft>
+          </a:pPr>
+          <a:r>
+            <a:rPr lang="de-DE" sz="1000" kern="1200" smtClean="0"/>
+            <a:t>Erziehlung hervorragender Oberflächenqualität</a:t>
+          </a:r>
+          <a:endParaRPr lang="de-DE" sz="1000" kern="1200"/>
+        </a:p>
+      </dsp:txBody>
+      <dsp:txXfrm>
+        <a:off x="278414" y="714752"/>
+        <a:ext cx="3897796" cy="295200"/>
+      </dsp:txXfrm>
+    </dsp:sp>
+    <dsp:sp modelId="{F0A35EF4-93FD-4AD6-9100-19801F014F9A}">
+      <dsp:nvSpPr>
+        <dsp:cNvPr id="0" name=""/>
+        <dsp:cNvSpPr/>
+      </dsp:nvSpPr>
+      <dsp:spPr>
+        <a:xfrm>
+          <a:off x="0" y="1315952"/>
+          <a:ext cx="5568280" cy="252000"/>
+        </a:xfrm>
+        <a:prstGeom prst="rect">
+          <a:avLst/>
+        </a:prstGeom>
+        <a:solidFill>
+          <a:schemeClr val="lt1">
+            <a:alpha val="90000"/>
+            <a:hueOff val="0"/>
+            <a:satOff val="0"/>
+            <a:lumOff val="0"/>
+            <a:alphaOff val="0"/>
+          </a:schemeClr>
+        </a:solidFill>
+        <a:ln w="25400" cap="flat" cmpd="sng" algn="ctr">
+          <a:solidFill>
+            <a:schemeClr val="accent1">
+              <a:hueOff val="0"/>
+              <a:satOff val="0"/>
+              <a:lumOff val="0"/>
+              <a:alphaOff val="0"/>
+            </a:schemeClr>
+          </a:solidFill>
+          <a:prstDash val="solid"/>
+        </a:ln>
+        <a:effectLst/>
+      </dsp:spPr>
+      <dsp:style>
+        <a:lnRef idx="2">
+          <a:scrgbClr r="0" g="0" b="0"/>
+        </a:lnRef>
+        <a:fillRef idx="1">
+          <a:scrgbClr r="0" g="0" b="0"/>
+        </a:fillRef>
+        <a:effectRef idx="0">
+          <a:scrgbClr r="0" g="0" b="0"/>
+        </a:effectRef>
+        <a:fontRef idx="minor"/>
+      </dsp:style>
+    </dsp:sp>
+    <dsp:sp modelId="{D7832246-E3A8-42D4-9440-E22F8B5BACDB}">
+      <dsp:nvSpPr>
+        <dsp:cNvPr id="0" name=""/>
+        <dsp:cNvSpPr/>
+      </dsp:nvSpPr>
+      <dsp:spPr>
+        <a:xfrm>
+          <a:off x="278414" y="1168352"/>
+          <a:ext cx="3897796" cy="295200"/>
+        </a:xfrm>
+        <a:prstGeom prst="roundRect">
+          <a:avLst/>
+        </a:prstGeom>
+        <a:solidFill>
+          <a:schemeClr val="accent1">
+            <a:hueOff val="0"/>
+            <a:satOff val="0"/>
+            <a:lumOff val="0"/>
+            <a:alphaOff val="0"/>
+          </a:schemeClr>
+        </a:solidFill>
+        <a:ln w="25400" cap="flat" cmpd="sng" algn="ctr">
+          <a:solidFill>
+            <a:schemeClr val="lt1">
+              <a:hueOff val="0"/>
+              <a:satOff val="0"/>
+              <a:lumOff val="0"/>
+              <a:alphaOff val="0"/>
+            </a:schemeClr>
+          </a:solidFill>
+          <a:prstDash val="solid"/>
+        </a:ln>
+        <a:effectLst/>
+      </dsp:spPr>
+      <dsp:style>
+        <a:lnRef idx="2">
+          <a:scrgbClr r="0" g="0" b="0"/>
+        </a:lnRef>
+        <a:fillRef idx="1">
+          <a:scrgbClr r="0" g="0" b="0"/>
+        </a:fillRef>
+        <a:effectRef idx="0">
+          <a:scrgbClr r="0" g="0" b="0"/>
+        </a:effectRef>
+        <a:fontRef idx="minor">
+          <a:schemeClr val="lt1"/>
+        </a:fontRef>
+      </dsp:style>
+      <dsp:txBody>
+        <a:bodyPr spcFirstLastPara="0" vert="horz" wrap="square" lIns="147327" tIns="0" rIns="147327" bIns="0" numCol="1" spcCol="1270" anchor="ctr" anchorCtr="0">
+          <a:noAutofit/>
+        </a:bodyPr>
+        <a:lstStyle/>
+        <a:p>
+          <a:pPr lvl="0" algn="l" defTabSz="444500">
+            <a:lnSpc>
+              <a:spcPct val="90000"/>
+            </a:lnSpc>
+            <a:spcBef>
+              <a:spcPct val="0"/>
+            </a:spcBef>
+            <a:spcAft>
+              <a:spcPct val="35000"/>
+            </a:spcAft>
+          </a:pPr>
+          <a:r>
+            <a:rPr lang="de-DE" sz="1000" kern="1200" smtClean="0"/>
+            <a:t>Minimierung der Rückfederung</a:t>
+          </a:r>
+          <a:endParaRPr lang="de-DE" sz="1000" kern="1200"/>
+        </a:p>
+      </dsp:txBody>
+      <dsp:txXfrm>
+        <a:off x="278414" y="1168352"/>
+        <a:ext cx="3897796" cy="295200"/>
+      </dsp:txXfrm>
+    </dsp:sp>
+    <dsp:sp modelId="{E646B9FF-774A-4B73-96EF-D74448F051FC}">
+      <dsp:nvSpPr>
+        <dsp:cNvPr id="0" name=""/>
+        <dsp:cNvSpPr/>
+      </dsp:nvSpPr>
+      <dsp:spPr>
+        <a:xfrm>
+          <a:off x="0" y="1769552"/>
+          <a:ext cx="5568280" cy="252000"/>
+        </a:xfrm>
+        <a:prstGeom prst="rect">
+          <a:avLst/>
+        </a:prstGeom>
+        <a:solidFill>
+          <a:schemeClr val="lt1">
+            <a:alpha val="90000"/>
+            <a:hueOff val="0"/>
+            <a:satOff val="0"/>
+            <a:lumOff val="0"/>
+            <a:alphaOff val="0"/>
+          </a:schemeClr>
+        </a:solidFill>
+        <a:ln w="25400" cap="flat" cmpd="sng" algn="ctr">
+          <a:solidFill>
+            <a:schemeClr val="accent1">
+              <a:hueOff val="0"/>
+              <a:satOff val="0"/>
+              <a:lumOff val="0"/>
+              <a:alphaOff val="0"/>
+            </a:schemeClr>
+          </a:solidFill>
+          <a:prstDash val="solid"/>
+        </a:ln>
+        <a:effectLst/>
+      </dsp:spPr>
+      <dsp:style>
+        <a:lnRef idx="2">
+          <a:scrgbClr r="0" g="0" b="0"/>
+        </a:lnRef>
+        <a:fillRef idx="1">
+          <a:scrgbClr r="0" g="0" b="0"/>
+        </a:fillRef>
+        <a:effectRef idx="0">
+          <a:scrgbClr r="0" g="0" b="0"/>
+        </a:effectRef>
+        <a:fontRef idx="minor"/>
+      </dsp:style>
+    </dsp:sp>
+    <dsp:sp modelId="{D04C9658-345E-4E4C-ABE9-337FEAC597FE}">
+      <dsp:nvSpPr>
+        <dsp:cNvPr id="0" name=""/>
+        <dsp:cNvSpPr/>
+      </dsp:nvSpPr>
+      <dsp:spPr>
+        <a:xfrm>
+          <a:off x="278414" y="1621952"/>
+          <a:ext cx="3897796" cy="295200"/>
+        </a:xfrm>
+        <a:prstGeom prst="roundRect">
+          <a:avLst/>
+        </a:prstGeom>
+        <a:solidFill>
+          <a:schemeClr val="accent1">
+            <a:hueOff val="0"/>
+            <a:satOff val="0"/>
+            <a:lumOff val="0"/>
+            <a:alphaOff val="0"/>
+          </a:schemeClr>
+        </a:solidFill>
+        <a:ln w="25400" cap="flat" cmpd="sng" algn="ctr">
+          <a:solidFill>
+            <a:schemeClr val="lt1">
+              <a:hueOff val="0"/>
+              <a:satOff val="0"/>
+              <a:lumOff val="0"/>
+              <a:alphaOff val="0"/>
+            </a:schemeClr>
+          </a:solidFill>
+          <a:prstDash val="solid"/>
+        </a:ln>
+        <a:effectLst/>
+      </dsp:spPr>
+      <dsp:style>
+        <a:lnRef idx="2">
+          <a:scrgbClr r="0" g="0" b="0"/>
+        </a:lnRef>
+        <a:fillRef idx="1">
+          <a:scrgbClr r="0" g="0" b="0"/>
+        </a:fillRef>
+        <a:effectRef idx="0">
+          <a:scrgbClr r="0" g="0" b="0"/>
+        </a:effectRef>
+        <a:fontRef idx="minor">
+          <a:schemeClr val="lt1"/>
+        </a:fontRef>
+      </dsp:style>
+      <dsp:txBody>
+        <a:bodyPr spcFirstLastPara="0" vert="horz" wrap="square" lIns="147327" tIns="0" rIns="147327" bIns="0" numCol="1" spcCol="1270" anchor="ctr" anchorCtr="0">
+          <a:noAutofit/>
+        </a:bodyPr>
+        <a:lstStyle/>
+        <a:p>
+          <a:pPr lvl="0" algn="l" defTabSz="444500">
+            <a:lnSpc>
+              <a:spcPct val="90000"/>
+            </a:lnSpc>
+            <a:spcBef>
+              <a:spcPct val="0"/>
+            </a:spcBef>
+            <a:spcAft>
+              <a:spcPct val="35000"/>
+            </a:spcAft>
+          </a:pPr>
+          <a:r>
+            <a:rPr lang="de-DE" sz="1000" kern="1200" smtClean="0"/>
+            <a:t>Stege werden bei Auswahl des Umformverfahrens berücksichtigt</a:t>
+          </a:r>
+          <a:endParaRPr lang="de-DE" sz="1000" kern="1200"/>
+        </a:p>
+      </dsp:txBody>
+      <dsp:txXfrm>
+        <a:off x="278414" y="1621952"/>
+        <a:ext cx="3897796" cy="295200"/>
+      </dsp:txXfrm>
+    </dsp:sp>
+  </dsp:spTree>
+</dsp:drawing>
+</file>
+
 <file path=ppt/diagrams/layout1.xml><?xml version="1.0" encoding="utf-8"?>
 <dgm:layoutDef xmlns:dgm="http://schemas.openxmlformats.org/drawingml/2006/diagram" xmlns:a="http://schemas.openxmlformats.org/drawingml/2006/main" uniqueId="urn:microsoft.com/office/officeart/2005/8/layout/hierarchy1">
   <dgm:title val=""/>
@@ -6182,6 +7615,231 @@
 </dgm:layoutDef>
 </file>
 
+<file path=ppt/diagrams/layout3.xml><?xml version="1.0" encoding="utf-8"?>
+<dgm:layoutDef xmlns:dgm="http://schemas.openxmlformats.org/drawingml/2006/diagram" xmlns:a="http://schemas.openxmlformats.org/drawingml/2006/main" uniqueId="urn:microsoft.com/office/officeart/2005/8/layout/list1">
+  <dgm:title val=""/>
+  <dgm:desc val=""/>
+  <dgm:catLst>
+    <dgm:cat type="list" pri="4000"/>
+  </dgm:catLst>
+  <dgm:sampData>
+    <dgm:dataModel>
+      <dgm:ptLst>
+        <dgm:pt modelId="0" type="doc"/>
+        <dgm:pt modelId="1">
+          <dgm:prSet phldr="1"/>
+        </dgm:pt>
+        <dgm:pt modelId="2">
+          <dgm:prSet phldr="1"/>
+        </dgm:pt>
+        <dgm:pt modelId="3">
+          <dgm:prSet phldr="1"/>
+        </dgm:pt>
+      </dgm:ptLst>
+      <dgm:cxnLst>
+        <dgm:cxn modelId="4" srcId="0" destId="1" srcOrd="0" destOrd="0"/>
+        <dgm:cxn modelId="5" srcId="0" destId="2" srcOrd="1" destOrd="0"/>
+        <dgm:cxn modelId="6" srcId="0" destId="3" srcOrd="2" destOrd="0"/>
+      </dgm:cxnLst>
+      <dgm:bg/>
+      <dgm:whole/>
+    </dgm:dataModel>
+  </dgm:sampData>
+  <dgm:styleData>
+    <dgm:dataModel>
+      <dgm:ptLst>
+        <dgm:pt modelId="0" type="doc"/>
+        <dgm:pt modelId="1"/>
+        <dgm:pt modelId="2"/>
+      </dgm:ptLst>
+      <dgm:cxnLst>
+        <dgm:cxn modelId="4" srcId="0" destId="1" srcOrd="0" destOrd="0"/>
+        <dgm:cxn modelId="5" srcId="0" destId="2" srcOrd="1" destOrd="0"/>
+      </dgm:cxnLst>
+      <dgm:bg/>
+      <dgm:whole/>
+    </dgm:dataModel>
+  </dgm:styleData>
+  <dgm:clrData>
+    <dgm:dataModel>
+      <dgm:ptLst>
+        <dgm:pt modelId="0" type="doc"/>
+        <dgm:pt modelId="1"/>
+        <dgm:pt modelId="2"/>
+        <dgm:pt modelId="3"/>
+        <dgm:pt modelId="4"/>
+      </dgm:ptLst>
+      <dgm:cxnLst>
+        <dgm:cxn modelId="5" srcId="0" destId="1" srcOrd="0" destOrd="0"/>
+        <dgm:cxn modelId="6" srcId="0" destId="2" srcOrd="1" destOrd="0"/>
+        <dgm:cxn modelId="7" srcId="0" destId="3" srcOrd="2" destOrd="0"/>
+        <dgm:cxn modelId="8" srcId="0" destId="4" srcOrd="3" destOrd="0"/>
+      </dgm:cxnLst>
+      <dgm:bg/>
+      <dgm:whole/>
+    </dgm:dataModel>
+  </dgm:clrData>
+  <dgm:layoutNode name="linear">
+    <dgm:varLst>
+      <dgm:dir/>
+      <dgm:animLvl val="lvl"/>
+      <dgm:resizeHandles val="exact"/>
+    </dgm:varLst>
+    <dgm:choose name="Name0">
+      <dgm:if name="Name1" func="var" arg="dir" op="equ" val="norm">
+        <dgm:alg type="lin">
+          <dgm:param type="linDir" val="fromT"/>
+          <dgm:param type="vertAlign" val="mid"/>
+          <dgm:param type="horzAlign" val="l"/>
+          <dgm:param type="nodeHorzAlign" val="l"/>
+        </dgm:alg>
+      </dgm:if>
+      <dgm:else name="Name2">
+        <dgm:alg type="lin">
+          <dgm:param type="linDir" val="fromT"/>
+          <dgm:param type="vertAlign" val="mid"/>
+          <dgm:param type="horzAlign" val="r"/>
+          <dgm:param type="nodeHorzAlign" val="r"/>
+        </dgm:alg>
+      </dgm:else>
+    </dgm:choose>
+    <dgm:shape xmlns:r="http://schemas.openxmlformats.org/officeDocument/2006/relationships" r:blip="">
+      <dgm:adjLst/>
+    </dgm:shape>
+    <dgm:presOf/>
+    <dgm:constrLst>
+      <dgm:constr type="w" for="ch" forName="parentLin" refType="w"/>
+      <dgm:constr type="h" for="ch" forName="parentLin" val="INF"/>
+      <dgm:constr type="w" for="des" forName="parentLeftMargin" refType="w" fact="0.05"/>
+      <dgm:constr type="w" for="des" forName="parentText" refType="w" fact="0.7"/>
+      <dgm:constr type="h" for="des" forName="parentText" refType="primFontSz" refFor="des" refForName="parentText" fact="0.82"/>
+      <dgm:constr type="h" for="ch" forName="negativeSpace" refType="primFontSz" refFor="des" refForName="parentText" fact="-0.41"/>
+      <dgm:constr type="h" for="ch" forName="negativeSpace" refType="h" refFor="des" refForName="parentText" op="lte" fact="-0.82"/>
+      <dgm:constr type="h" for="ch" forName="negativeSpace" refType="h" refFor="des" refForName="parentText" op="gte" fact="-0.82"/>
+      <dgm:constr type="w" for="ch" forName="childText" refType="w"/>
+      <dgm:constr type="h" for="ch" forName="childText" refType="primFontSz" refFor="des" refForName="parentText" fact="0.7"/>
+      <dgm:constr type="primFontSz" for="des" forName="parentText" val="65"/>
+      <dgm:constr type="primFontSz" for="ch" forName="childText" refType="primFontSz" refFor="des" refForName="parentText"/>
+      <dgm:constr type="tMarg" for="ch" forName="childText" refType="primFontSz" refFor="des" refForName="parentText" fact="1.64"/>
+      <dgm:constr type="tMarg" for="ch" forName="childText" refType="h" refFor="des" refForName="parentText" op="lte" fact="3.28"/>
+      <dgm:constr type="tMarg" for="ch" forName="childText" refType="h" refFor="des" refForName="parentText" op="gte" fact="3.28"/>
+      <dgm:constr type="lMarg" for="ch" forName="childText" refType="w" fact="0.22"/>
+      <dgm:constr type="rMarg" for="ch" forName="childText" refType="lMarg" refFor="ch" refForName="childText"/>
+      <dgm:constr type="lMarg" for="des" forName="parentText" refType="w" fact="0.075"/>
+      <dgm:constr type="rMarg" for="des" forName="parentText" refType="lMarg" refFor="des" refForName="parentText"/>
+      <dgm:constr type="h" for="ch" forName="spaceBetweenRectangles" refType="primFontSz" refFor="des" refForName="parentText" fact="0.15"/>
+    </dgm:constrLst>
+    <dgm:ruleLst>
+      <dgm:rule type="primFontSz" for="des" forName="parentText" val="5" fact="NaN" max="NaN"/>
+    </dgm:ruleLst>
+    <dgm:forEach name="Name3" axis="ch" ptType="node">
+      <dgm:layoutNode name="parentLin">
+        <dgm:choose name="Name4">
+          <dgm:if name="Name5" func="var" arg="dir" op="equ" val="norm">
+            <dgm:alg type="lin">
+              <dgm:param type="linDir" val="fromL"/>
+              <dgm:param type="horzAlign" val="l"/>
+              <dgm:param type="nodeHorzAlign" val="l"/>
+            </dgm:alg>
+          </dgm:if>
+          <dgm:else name="Name6">
+            <dgm:alg type="lin">
+              <dgm:param type="linDir" val="fromR"/>
+              <dgm:param type="horzAlign" val="r"/>
+              <dgm:param type="nodeHorzAlign" val="r"/>
+            </dgm:alg>
+          </dgm:else>
+        </dgm:choose>
+        <dgm:shape xmlns:r="http://schemas.openxmlformats.org/officeDocument/2006/relationships" r:blip="">
+          <dgm:adjLst/>
+        </dgm:shape>
+        <dgm:presOf/>
+        <dgm:constrLst/>
+        <dgm:ruleLst/>
+        <dgm:layoutNode name="parentLeftMargin">
+          <dgm:alg type="sp"/>
+          <dgm:shape xmlns:r="http://schemas.openxmlformats.org/officeDocument/2006/relationships" type="rect" r:blip="" hideGeom="1">
+            <dgm:adjLst/>
+          </dgm:shape>
+          <dgm:presOf axis="self"/>
+          <dgm:constrLst>
+            <dgm:constr type="h"/>
+          </dgm:constrLst>
+          <dgm:ruleLst/>
+        </dgm:layoutNode>
+        <dgm:layoutNode name="parentText" styleLbl="node1">
+          <dgm:varLst>
+            <dgm:chMax val="0"/>
+            <dgm:bulletEnabled val="1"/>
+          </dgm:varLst>
+          <dgm:choose name="Name7">
+            <dgm:if name="Name8" func="var" arg="dir" op="equ" val="norm">
+              <dgm:alg type="tx">
+                <dgm:param type="parTxLTRAlign" val="l"/>
+                <dgm:param type="parTxRTLAlign" val="l"/>
+              </dgm:alg>
+            </dgm:if>
+            <dgm:else name="Name9">
+              <dgm:alg type="tx">
+                <dgm:param type="parTxLTRAlign" val="r"/>
+                <dgm:param type="parTxRTLAlign" val="r"/>
+              </dgm:alg>
+            </dgm:else>
+          </dgm:choose>
+          <dgm:shape xmlns:r="http://schemas.openxmlformats.org/officeDocument/2006/relationships" type="roundRect" r:blip="">
+            <dgm:adjLst/>
+          </dgm:shape>
+          <dgm:presOf axis="self" ptType="node"/>
+          <dgm:constrLst>
+            <dgm:constr type="tMarg"/>
+            <dgm:constr type="bMarg"/>
+          </dgm:constrLst>
+          <dgm:ruleLst/>
+        </dgm:layoutNode>
+      </dgm:layoutNode>
+      <dgm:layoutNode name="negativeSpace">
+        <dgm:alg type="sp"/>
+        <dgm:shape xmlns:r="http://schemas.openxmlformats.org/officeDocument/2006/relationships" r:blip="">
+          <dgm:adjLst/>
+        </dgm:shape>
+        <dgm:presOf/>
+        <dgm:constrLst/>
+        <dgm:ruleLst/>
+      </dgm:layoutNode>
+      <dgm:layoutNode name="childText" styleLbl="conFgAcc1">
+        <dgm:varLst>
+          <dgm:bulletEnabled val="1"/>
+        </dgm:varLst>
+        <dgm:alg type="tx">
+          <dgm:param type="stBulletLvl" val="1"/>
+        </dgm:alg>
+        <dgm:shape xmlns:r="http://schemas.openxmlformats.org/officeDocument/2006/relationships" type="rect" r:blip="" zOrderOff="-2">
+          <dgm:adjLst/>
+        </dgm:shape>
+        <dgm:presOf axis="des" ptType="node"/>
+        <dgm:constrLst>
+          <dgm:constr type="secFontSz" refType="primFontSz"/>
+        </dgm:constrLst>
+        <dgm:ruleLst>
+          <dgm:rule type="h" val="INF" fact="NaN" max="NaN"/>
+        </dgm:ruleLst>
+      </dgm:layoutNode>
+      <dgm:forEach name="Name10" axis="followSib" ptType="sibTrans" cnt="1">
+        <dgm:layoutNode name="spaceBetweenRectangles">
+          <dgm:alg type="sp"/>
+          <dgm:shape xmlns:r="http://schemas.openxmlformats.org/officeDocument/2006/relationships" r:blip="">
+            <dgm:adjLst/>
+          </dgm:shape>
+          <dgm:presOf/>
+          <dgm:constrLst/>
+          <dgm:ruleLst/>
+        </dgm:layoutNode>
+      </dgm:forEach>
+    </dgm:forEach>
+  </dgm:layoutNode>
+</dgm:layoutDef>
+</file>
+
 <file path=ppt/diagrams/quickStyle1.xml><?xml version="1.0" encoding="utf-8"?>
 <dgm:styleDef xmlns:dgm="http://schemas.openxmlformats.org/drawingml/2006/diagram" xmlns:a="http://schemas.openxmlformats.org/drawingml/2006/main" uniqueId="urn:microsoft.com/office/officeart/2005/8/quickstyle/simple1">
   <dgm:title val=""/>
@@ -7217,6 +8875,1040 @@
 </file>
 
 <file path=ppt/diagrams/quickStyle2.xml><?xml version="1.0" encoding="utf-8"?>
+<dgm:styleDef xmlns:dgm="http://schemas.openxmlformats.org/drawingml/2006/diagram" xmlns:a="http://schemas.openxmlformats.org/drawingml/2006/main" uniqueId="urn:microsoft.com/office/officeart/2005/8/quickstyle/simple1">
+  <dgm:title val=""/>
+  <dgm:desc val=""/>
+  <dgm:catLst>
+    <dgm:cat type="simple" pri="10100"/>
+  </dgm:catLst>
+  <dgm:scene3d>
+    <a:camera prst="orthographicFront"/>
+    <a:lightRig rig="threePt" dir="t"/>
+  </dgm:scene3d>
+  <dgm:styleLbl name="node0">
+    <dgm:scene3d>
+      <a:camera prst="orthographicFront"/>
+      <a:lightRig rig="threePt" dir="t"/>
+    </dgm:scene3d>
+    <dgm:sp3d/>
+    <dgm:txPr/>
+    <dgm:style>
+      <a:lnRef idx="2">
+        <a:scrgbClr r="0" g="0" b="0"/>
+      </a:lnRef>
+      <a:fillRef idx="1">
+        <a:scrgbClr r="0" g="0" b="0"/>
+      </a:fillRef>
+      <a:effectRef idx="0">
+        <a:scrgbClr r="0" g="0" b="0"/>
+      </a:effectRef>
+      <a:fontRef idx="minor">
+        <a:schemeClr val="lt1"/>
+      </a:fontRef>
+    </dgm:style>
+  </dgm:styleLbl>
+  <dgm:styleLbl name="lnNode1">
+    <dgm:scene3d>
+      <a:camera prst="orthographicFront"/>
+      <a:lightRig rig="threePt" dir="t"/>
+    </dgm:scene3d>
+    <dgm:sp3d/>
+    <dgm:txPr/>
+    <dgm:style>
+      <a:lnRef idx="2">
+        <a:scrgbClr r="0" g="0" b="0"/>
+      </a:lnRef>
+      <a:fillRef idx="1">
+        <a:scrgbClr r="0" g="0" b="0"/>
+      </a:fillRef>
+      <a:effectRef idx="0">
+        <a:scrgbClr r="0" g="0" b="0"/>
+      </a:effectRef>
+      <a:fontRef idx="minor">
+        <a:schemeClr val="lt1"/>
+      </a:fontRef>
+    </dgm:style>
+  </dgm:styleLbl>
+  <dgm:styleLbl name="vennNode1">
+    <dgm:scene3d>
+      <a:camera prst="orthographicFront"/>
+      <a:lightRig rig="threePt" dir="t"/>
+    </dgm:scene3d>
+    <dgm:sp3d/>
+    <dgm:txPr/>
+    <dgm:style>
+      <a:lnRef idx="2">
+        <a:scrgbClr r="0" g="0" b="0"/>
+      </a:lnRef>
+      <a:fillRef idx="1">
+        <a:scrgbClr r="0" g="0" b="0"/>
+      </a:fillRef>
+      <a:effectRef idx="0">
+        <a:scrgbClr r="0" g="0" b="0"/>
+      </a:effectRef>
+      <a:fontRef idx="minor">
+        <a:schemeClr val="tx1"/>
+      </a:fontRef>
+    </dgm:style>
+  </dgm:styleLbl>
+  <dgm:styleLbl name="alignNode1">
+    <dgm:scene3d>
+      <a:camera prst="orthographicFront"/>
+      <a:lightRig rig="threePt" dir="t"/>
+    </dgm:scene3d>
+    <dgm:sp3d/>
+    <dgm:txPr/>
+    <dgm:style>
+      <a:lnRef idx="2">
+        <a:scrgbClr r="0" g="0" b="0"/>
+      </a:lnRef>
+      <a:fillRef idx="1">
+        <a:scrgbClr r="0" g="0" b="0"/>
+      </a:fillRef>
+      <a:effectRef idx="0">
+        <a:scrgbClr r="0" g="0" b="0"/>
+      </a:effectRef>
+      <a:fontRef idx="minor">
+        <a:schemeClr val="lt1"/>
+      </a:fontRef>
+    </dgm:style>
+  </dgm:styleLbl>
+  <dgm:styleLbl name="node1">
+    <dgm:scene3d>
+      <a:camera prst="orthographicFront"/>
+      <a:lightRig rig="threePt" dir="t"/>
+    </dgm:scene3d>
+    <dgm:sp3d/>
+    <dgm:txPr/>
+    <dgm:style>
+      <a:lnRef idx="2">
+        <a:scrgbClr r="0" g="0" b="0"/>
+      </a:lnRef>
+      <a:fillRef idx="1">
+        <a:scrgbClr r="0" g="0" b="0"/>
+      </a:fillRef>
+      <a:effectRef idx="0">
+        <a:scrgbClr r="0" g="0" b="0"/>
+      </a:effectRef>
+      <a:fontRef idx="minor">
+        <a:schemeClr val="lt1"/>
+      </a:fontRef>
+    </dgm:style>
+  </dgm:styleLbl>
+  <dgm:styleLbl name="node2">
+    <dgm:scene3d>
+      <a:camera prst="orthographicFront"/>
+      <a:lightRig rig="threePt" dir="t"/>
+    </dgm:scene3d>
+    <dgm:sp3d/>
+    <dgm:txPr/>
+    <dgm:style>
+      <a:lnRef idx="2">
+        <a:scrgbClr r="0" g="0" b="0"/>
+      </a:lnRef>
+      <a:fillRef idx="1">
+        <a:scrgbClr r="0" g="0" b="0"/>
+      </a:fillRef>
+      <a:effectRef idx="0">
+        <a:scrgbClr r="0" g="0" b="0"/>
+      </a:effectRef>
+      <a:fontRef idx="minor">
+        <a:schemeClr val="lt1"/>
+      </a:fontRef>
+    </dgm:style>
+  </dgm:styleLbl>
+  <dgm:styleLbl name="node3">
+    <dgm:scene3d>
+      <a:camera prst="orthographicFront"/>
+      <a:lightRig rig="threePt" dir="t"/>
+    </dgm:scene3d>
+    <dgm:sp3d/>
+    <dgm:txPr/>
+    <dgm:style>
+      <a:lnRef idx="2">
+        <a:scrgbClr r="0" g="0" b="0"/>
+      </a:lnRef>
+      <a:fillRef idx="1">
+        <a:scrgbClr r="0" g="0" b="0"/>
+      </a:fillRef>
+      <a:effectRef idx="0">
+        <a:scrgbClr r="0" g="0" b="0"/>
+      </a:effectRef>
+      <a:fontRef idx="minor">
+        <a:schemeClr val="lt1"/>
+      </a:fontRef>
+    </dgm:style>
+  </dgm:styleLbl>
+  <dgm:styleLbl name="node4">
+    <dgm:scene3d>
+      <a:camera prst="orthographicFront"/>
+      <a:lightRig rig="threePt" dir="t"/>
+    </dgm:scene3d>
+    <dgm:sp3d/>
+    <dgm:txPr/>
+    <dgm:style>
+      <a:lnRef idx="2">
+        <a:scrgbClr r="0" g="0" b="0"/>
+      </a:lnRef>
+      <a:fillRef idx="1">
+        <a:scrgbClr r="0" g="0" b="0"/>
+      </a:fillRef>
+      <a:effectRef idx="0">
+        <a:scrgbClr r="0" g="0" b="0"/>
+      </a:effectRef>
+      <a:fontRef idx="minor">
+        <a:schemeClr val="lt1"/>
+      </a:fontRef>
+    </dgm:style>
+  </dgm:styleLbl>
+  <dgm:styleLbl name="fgImgPlace1">
+    <dgm:scene3d>
+      <a:camera prst="orthographicFront"/>
+      <a:lightRig rig="threePt" dir="t"/>
+    </dgm:scene3d>
+    <dgm:sp3d/>
+    <dgm:txPr/>
+    <dgm:style>
+      <a:lnRef idx="2">
+        <a:scrgbClr r="0" g="0" b="0"/>
+      </a:lnRef>
+      <a:fillRef idx="1">
+        <a:scrgbClr r="0" g="0" b="0"/>
+      </a:fillRef>
+      <a:effectRef idx="0">
+        <a:scrgbClr r="0" g="0" b="0"/>
+      </a:effectRef>
+      <a:fontRef idx="minor"/>
+    </dgm:style>
+  </dgm:styleLbl>
+  <dgm:styleLbl name="alignImgPlace1">
+    <dgm:scene3d>
+      <a:camera prst="orthographicFront"/>
+      <a:lightRig rig="threePt" dir="t"/>
+    </dgm:scene3d>
+    <dgm:sp3d/>
+    <dgm:txPr/>
+    <dgm:style>
+      <a:lnRef idx="2">
+        <a:scrgbClr r="0" g="0" b="0"/>
+      </a:lnRef>
+      <a:fillRef idx="1">
+        <a:scrgbClr r="0" g="0" b="0"/>
+      </a:fillRef>
+      <a:effectRef idx="0">
+        <a:scrgbClr r="0" g="0" b="0"/>
+      </a:effectRef>
+      <a:fontRef idx="minor"/>
+    </dgm:style>
+  </dgm:styleLbl>
+  <dgm:styleLbl name="bgImgPlace1">
+    <dgm:scene3d>
+      <a:camera prst="orthographicFront"/>
+      <a:lightRig rig="threePt" dir="t"/>
+    </dgm:scene3d>
+    <dgm:sp3d/>
+    <dgm:txPr/>
+    <dgm:style>
+      <a:lnRef idx="2">
+        <a:scrgbClr r="0" g="0" b="0"/>
+      </a:lnRef>
+      <a:fillRef idx="1">
+        <a:scrgbClr r="0" g="0" b="0"/>
+      </a:fillRef>
+      <a:effectRef idx="0">
+        <a:scrgbClr r="0" g="0" b="0"/>
+      </a:effectRef>
+      <a:fontRef idx="minor"/>
+    </dgm:style>
+  </dgm:styleLbl>
+  <dgm:styleLbl name="sibTrans2D1">
+    <dgm:scene3d>
+      <a:camera prst="orthographicFront"/>
+      <a:lightRig rig="threePt" dir="t"/>
+    </dgm:scene3d>
+    <dgm:sp3d/>
+    <dgm:txPr/>
+    <dgm:style>
+      <a:lnRef idx="0">
+        <a:scrgbClr r="0" g="0" b="0"/>
+      </a:lnRef>
+      <a:fillRef idx="1">
+        <a:scrgbClr r="0" g="0" b="0"/>
+      </a:fillRef>
+      <a:effectRef idx="0">
+        <a:scrgbClr r="0" g="0" b="0"/>
+      </a:effectRef>
+      <a:fontRef idx="minor">
+        <a:schemeClr val="lt1"/>
+      </a:fontRef>
+    </dgm:style>
+  </dgm:styleLbl>
+  <dgm:styleLbl name="fgSibTrans2D1">
+    <dgm:scene3d>
+      <a:camera prst="orthographicFront"/>
+      <a:lightRig rig="threePt" dir="t"/>
+    </dgm:scene3d>
+    <dgm:sp3d/>
+    <dgm:txPr/>
+    <dgm:style>
+      <a:lnRef idx="0">
+        <a:scrgbClr r="0" g="0" b="0"/>
+      </a:lnRef>
+      <a:fillRef idx="1">
+        <a:scrgbClr r="0" g="0" b="0"/>
+      </a:fillRef>
+      <a:effectRef idx="0">
+        <a:scrgbClr r="0" g="0" b="0"/>
+      </a:effectRef>
+      <a:fontRef idx="minor">
+        <a:schemeClr val="lt1"/>
+      </a:fontRef>
+    </dgm:style>
+  </dgm:styleLbl>
+  <dgm:styleLbl name="bgSibTrans2D1">
+    <dgm:scene3d>
+      <a:camera prst="orthographicFront"/>
+      <a:lightRig rig="threePt" dir="t"/>
+    </dgm:scene3d>
+    <dgm:sp3d/>
+    <dgm:txPr/>
+    <dgm:style>
+      <a:lnRef idx="0">
+        <a:scrgbClr r="0" g="0" b="0"/>
+      </a:lnRef>
+      <a:fillRef idx="1">
+        <a:scrgbClr r="0" g="0" b="0"/>
+      </a:fillRef>
+      <a:effectRef idx="0">
+        <a:scrgbClr r="0" g="0" b="0"/>
+      </a:effectRef>
+      <a:fontRef idx="minor">
+        <a:schemeClr val="lt1"/>
+      </a:fontRef>
+    </dgm:style>
+  </dgm:styleLbl>
+  <dgm:styleLbl name="sibTrans1D1">
+    <dgm:scene3d>
+      <a:camera prst="orthographicFront"/>
+      <a:lightRig rig="threePt" dir="t"/>
+    </dgm:scene3d>
+    <dgm:sp3d/>
+    <dgm:txPr/>
+    <dgm:style>
+      <a:lnRef idx="1">
+        <a:scrgbClr r="0" g="0" b="0"/>
+      </a:lnRef>
+      <a:fillRef idx="0">
+        <a:scrgbClr r="0" g="0" b="0"/>
+      </a:fillRef>
+      <a:effectRef idx="0">
+        <a:scrgbClr r="0" g="0" b="0"/>
+      </a:effectRef>
+      <a:fontRef idx="minor"/>
+    </dgm:style>
+  </dgm:styleLbl>
+  <dgm:styleLbl name="callout">
+    <dgm:scene3d>
+      <a:camera prst="orthographicFront"/>
+      <a:lightRig rig="threePt" dir="t"/>
+    </dgm:scene3d>
+    <dgm:sp3d/>
+    <dgm:txPr/>
+    <dgm:style>
+      <a:lnRef idx="2">
+        <a:scrgbClr r="0" g="0" b="0"/>
+      </a:lnRef>
+      <a:fillRef idx="1">
+        <a:scrgbClr r="0" g="0" b="0"/>
+      </a:fillRef>
+      <a:effectRef idx="0">
+        <a:scrgbClr r="0" g="0" b="0"/>
+      </a:effectRef>
+      <a:fontRef idx="minor"/>
+    </dgm:style>
+  </dgm:styleLbl>
+  <dgm:styleLbl name="asst0">
+    <dgm:scene3d>
+      <a:camera prst="orthographicFront"/>
+      <a:lightRig rig="threePt" dir="t"/>
+    </dgm:scene3d>
+    <dgm:sp3d/>
+    <dgm:txPr/>
+    <dgm:style>
+      <a:lnRef idx="2">
+        <a:scrgbClr r="0" g="0" b="0"/>
+      </a:lnRef>
+      <a:fillRef idx="1">
+        <a:scrgbClr r="0" g="0" b="0"/>
+      </a:fillRef>
+      <a:effectRef idx="0">
+        <a:scrgbClr r="0" g="0" b="0"/>
+      </a:effectRef>
+      <a:fontRef idx="minor">
+        <a:schemeClr val="lt1"/>
+      </a:fontRef>
+    </dgm:style>
+  </dgm:styleLbl>
+  <dgm:styleLbl name="asst1">
+    <dgm:scene3d>
+      <a:camera prst="orthographicFront"/>
+      <a:lightRig rig="threePt" dir="t"/>
+    </dgm:scene3d>
+    <dgm:sp3d/>
+    <dgm:txPr/>
+    <dgm:style>
+      <a:lnRef idx="2">
+        <a:scrgbClr r="0" g="0" b="0"/>
+      </a:lnRef>
+      <a:fillRef idx="1">
+        <a:scrgbClr r="0" g="0" b="0"/>
+      </a:fillRef>
+      <a:effectRef idx="0">
+        <a:scrgbClr r="0" g="0" b="0"/>
+      </a:effectRef>
+      <a:fontRef idx="minor">
+        <a:schemeClr val="lt1"/>
+      </a:fontRef>
+    </dgm:style>
+  </dgm:styleLbl>
+  <dgm:styleLbl name="asst2">
+    <dgm:scene3d>
+      <a:camera prst="orthographicFront"/>
+      <a:lightRig rig="threePt" dir="t"/>
+    </dgm:scene3d>
+    <dgm:sp3d/>
+    <dgm:txPr/>
+    <dgm:style>
+      <a:lnRef idx="2">
+        <a:scrgbClr r="0" g="0" b="0"/>
+      </a:lnRef>
+      <a:fillRef idx="1">
+        <a:scrgbClr r="0" g="0" b="0"/>
+      </a:fillRef>
+      <a:effectRef idx="0">
+        <a:scrgbClr r="0" g="0" b="0"/>
+      </a:effectRef>
+      <a:fontRef idx="minor">
+        <a:schemeClr val="lt1"/>
+      </a:fontRef>
+    </dgm:style>
+  </dgm:styleLbl>
+  <dgm:styleLbl name="asst3">
+    <dgm:scene3d>
+      <a:camera prst="orthographicFront"/>
+      <a:lightRig rig="threePt" dir="t"/>
+    </dgm:scene3d>
+    <dgm:sp3d/>
+    <dgm:txPr/>
+    <dgm:style>
+      <a:lnRef idx="2">
+        <a:scrgbClr r="0" g="0" b="0"/>
+      </a:lnRef>
+      <a:fillRef idx="1">
+        <a:scrgbClr r="0" g="0" b="0"/>
+      </a:fillRef>
+      <a:effectRef idx="0">
+        <a:scrgbClr r="0" g="0" b="0"/>
+      </a:effectRef>
+      <a:fontRef idx="minor">
+        <a:schemeClr val="lt1"/>
+      </a:fontRef>
+    </dgm:style>
+  </dgm:styleLbl>
+  <dgm:styleLbl name="asst4">
+    <dgm:scene3d>
+      <a:camera prst="orthographicFront"/>
+      <a:lightRig rig="threePt" dir="t"/>
+    </dgm:scene3d>
+    <dgm:sp3d/>
+    <dgm:txPr/>
+    <dgm:style>
+      <a:lnRef idx="2">
+        <a:scrgbClr r="0" g="0" b="0"/>
+      </a:lnRef>
+      <a:fillRef idx="1">
+        <a:scrgbClr r="0" g="0" b="0"/>
+      </a:fillRef>
+      <a:effectRef idx="0">
+        <a:scrgbClr r="0" g="0" b="0"/>
+      </a:effectRef>
+      <a:fontRef idx="minor">
+        <a:schemeClr val="lt1"/>
+      </a:fontRef>
+    </dgm:style>
+  </dgm:styleLbl>
+  <dgm:styleLbl name="parChTrans2D1">
+    <dgm:scene3d>
+      <a:camera prst="orthographicFront"/>
+      <a:lightRig rig="threePt" dir="t"/>
+    </dgm:scene3d>
+    <dgm:sp3d/>
+    <dgm:txPr/>
+    <dgm:style>
+      <a:lnRef idx="2">
+        <a:scrgbClr r="0" g="0" b="0"/>
+      </a:lnRef>
+      <a:fillRef idx="1">
+        <a:scrgbClr r="0" g="0" b="0"/>
+      </a:fillRef>
+      <a:effectRef idx="0">
+        <a:scrgbClr r="0" g="0" b="0"/>
+      </a:effectRef>
+      <a:fontRef idx="minor">
+        <a:schemeClr val="lt1"/>
+      </a:fontRef>
+    </dgm:style>
+  </dgm:styleLbl>
+  <dgm:styleLbl name="parChTrans2D2">
+    <dgm:scene3d>
+      <a:camera prst="orthographicFront"/>
+      <a:lightRig rig="threePt" dir="t"/>
+    </dgm:scene3d>
+    <dgm:sp3d/>
+    <dgm:txPr/>
+    <dgm:style>
+      <a:lnRef idx="2">
+        <a:scrgbClr r="0" g="0" b="0"/>
+      </a:lnRef>
+      <a:fillRef idx="1">
+        <a:scrgbClr r="0" g="0" b="0"/>
+      </a:fillRef>
+      <a:effectRef idx="0">
+        <a:scrgbClr r="0" g="0" b="0"/>
+      </a:effectRef>
+      <a:fontRef idx="minor">
+        <a:schemeClr val="lt1"/>
+      </a:fontRef>
+    </dgm:style>
+  </dgm:styleLbl>
+  <dgm:styleLbl name="parChTrans2D3">
+    <dgm:scene3d>
+      <a:camera prst="orthographicFront"/>
+      <a:lightRig rig="threePt" dir="t"/>
+    </dgm:scene3d>
+    <dgm:sp3d/>
+    <dgm:txPr/>
+    <dgm:style>
+      <a:lnRef idx="2">
+        <a:scrgbClr r="0" g="0" b="0"/>
+      </a:lnRef>
+      <a:fillRef idx="1">
+        <a:scrgbClr r="0" g="0" b="0"/>
+      </a:fillRef>
+      <a:effectRef idx="0">
+        <a:scrgbClr r="0" g="0" b="0"/>
+      </a:effectRef>
+      <a:fontRef idx="minor">
+        <a:schemeClr val="lt1"/>
+      </a:fontRef>
+    </dgm:style>
+  </dgm:styleLbl>
+  <dgm:styleLbl name="parChTrans2D4">
+    <dgm:scene3d>
+      <a:camera prst="orthographicFront"/>
+      <a:lightRig rig="threePt" dir="t"/>
+    </dgm:scene3d>
+    <dgm:sp3d/>
+    <dgm:txPr/>
+    <dgm:style>
+      <a:lnRef idx="2">
+        <a:scrgbClr r="0" g="0" b="0"/>
+      </a:lnRef>
+      <a:fillRef idx="1">
+        <a:scrgbClr r="0" g="0" b="0"/>
+      </a:fillRef>
+      <a:effectRef idx="0">
+        <a:scrgbClr r="0" g="0" b="0"/>
+      </a:effectRef>
+      <a:fontRef idx="minor">
+        <a:schemeClr val="lt1"/>
+      </a:fontRef>
+    </dgm:style>
+  </dgm:styleLbl>
+  <dgm:styleLbl name="parChTrans1D1">
+    <dgm:scene3d>
+      <a:camera prst="orthographicFront"/>
+      <a:lightRig rig="threePt" dir="t"/>
+    </dgm:scene3d>
+    <dgm:sp3d/>
+    <dgm:txPr/>
+    <dgm:style>
+      <a:lnRef idx="2">
+        <a:scrgbClr r="0" g="0" b="0"/>
+      </a:lnRef>
+      <a:fillRef idx="0">
+        <a:scrgbClr r="0" g="0" b="0"/>
+      </a:fillRef>
+      <a:effectRef idx="0">
+        <a:scrgbClr r="0" g="0" b="0"/>
+      </a:effectRef>
+      <a:fontRef idx="minor"/>
+    </dgm:style>
+  </dgm:styleLbl>
+  <dgm:styleLbl name="parChTrans1D2">
+    <dgm:scene3d>
+      <a:camera prst="orthographicFront"/>
+      <a:lightRig rig="threePt" dir="t"/>
+    </dgm:scene3d>
+    <dgm:sp3d/>
+    <dgm:txPr/>
+    <dgm:style>
+      <a:lnRef idx="2">
+        <a:scrgbClr r="0" g="0" b="0"/>
+      </a:lnRef>
+      <a:fillRef idx="0">
+        <a:scrgbClr r="0" g="0" b="0"/>
+      </a:fillRef>
+      <a:effectRef idx="0">
+        <a:scrgbClr r="0" g="0" b="0"/>
+      </a:effectRef>
+      <a:fontRef idx="minor"/>
+    </dgm:style>
+  </dgm:styleLbl>
+  <dgm:styleLbl name="parChTrans1D3">
+    <dgm:scene3d>
+      <a:camera prst="orthographicFront"/>
+      <a:lightRig rig="threePt" dir="t"/>
+    </dgm:scene3d>
+    <dgm:sp3d/>
+    <dgm:txPr/>
+    <dgm:style>
+      <a:lnRef idx="2">
+        <a:scrgbClr r="0" g="0" b="0"/>
+      </a:lnRef>
+      <a:fillRef idx="0">
+        <a:scrgbClr r="0" g="0" b="0"/>
+      </a:fillRef>
+      <a:effectRef idx="0">
+        <a:scrgbClr r="0" g="0" b="0"/>
+      </a:effectRef>
+      <a:fontRef idx="minor"/>
+    </dgm:style>
+  </dgm:styleLbl>
+  <dgm:styleLbl name="parChTrans1D4">
+    <dgm:scene3d>
+      <a:camera prst="orthographicFront"/>
+      <a:lightRig rig="threePt" dir="t"/>
+    </dgm:scene3d>
+    <dgm:sp3d/>
+    <dgm:txPr/>
+    <dgm:style>
+      <a:lnRef idx="2">
+        <a:scrgbClr r="0" g="0" b="0"/>
+      </a:lnRef>
+      <a:fillRef idx="0">
+        <a:scrgbClr r="0" g="0" b="0"/>
+      </a:fillRef>
+      <a:effectRef idx="0">
+        <a:scrgbClr r="0" g="0" b="0"/>
+      </a:effectRef>
+      <a:fontRef idx="minor"/>
+    </dgm:style>
+  </dgm:styleLbl>
+  <dgm:styleLbl name="fgAcc1">
+    <dgm:scene3d>
+      <a:camera prst="orthographicFront"/>
+      <a:lightRig rig="threePt" dir="t"/>
+    </dgm:scene3d>
+    <dgm:sp3d/>
+    <dgm:txPr/>
+    <dgm:style>
+      <a:lnRef idx="2">
+        <a:scrgbClr r="0" g="0" b="0"/>
+      </a:lnRef>
+      <a:fillRef idx="1">
+        <a:scrgbClr r="0" g="0" b="0"/>
+      </a:fillRef>
+      <a:effectRef idx="0">
+        <a:scrgbClr r="0" g="0" b="0"/>
+      </a:effectRef>
+      <a:fontRef idx="minor"/>
+    </dgm:style>
+  </dgm:styleLbl>
+  <dgm:styleLbl name="conFgAcc1">
+    <dgm:scene3d>
+      <a:camera prst="orthographicFront"/>
+      <a:lightRig rig="threePt" dir="t"/>
+    </dgm:scene3d>
+    <dgm:sp3d/>
+    <dgm:txPr/>
+    <dgm:style>
+      <a:lnRef idx="2">
+        <a:scrgbClr r="0" g="0" b="0"/>
+      </a:lnRef>
+      <a:fillRef idx="1">
+        <a:scrgbClr r="0" g="0" b="0"/>
+      </a:fillRef>
+      <a:effectRef idx="0">
+        <a:scrgbClr r="0" g="0" b="0"/>
+      </a:effectRef>
+      <a:fontRef idx="minor"/>
+    </dgm:style>
+  </dgm:styleLbl>
+  <dgm:styleLbl name="alignAcc1">
+    <dgm:scene3d>
+      <a:camera prst="orthographicFront"/>
+      <a:lightRig rig="threePt" dir="t"/>
+    </dgm:scene3d>
+    <dgm:sp3d/>
+    <dgm:txPr/>
+    <dgm:style>
+      <a:lnRef idx="2">
+        <a:scrgbClr r="0" g="0" b="0"/>
+      </a:lnRef>
+      <a:fillRef idx="1">
+        <a:scrgbClr r="0" g="0" b="0"/>
+      </a:fillRef>
+      <a:effectRef idx="0">
+        <a:scrgbClr r="0" g="0" b="0"/>
+      </a:effectRef>
+      <a:fontRef idx="minor"/>
+    </dgm:style>
+  </dgm:styleLbl>
+  <dgm:styleLbl name="trAlignAcc1">
+    <dgm:scene3d>
+      <a:camera prst="orthographicFront"/>
+      <a:lightRig rig="threePt" dir="t"/>
+    </dgm:scene3d>
+    <dgm:sp3d/>
+    <dgm:txPr/>
+    <dgm:style>
+      <a:lnRef idx="1">
+        <a:scrgbClr r="0" g="0" b="0"/>
+      </a:lnRef>
+      <a:fillRef idx="1">
+        <a:scrgbClr r="0" g="0" b="0"/>
+      </a:fillRef>
+      <a:effectRef idx="0">
+        <a:scrgbClr r="0" g="0" b="0"/>
+      </a:effectRef>
+      <a:fontRef idx="minor"/>
+    </dgm:style>
+  </dgm:styleLbl>
+  <dgm:styleLbl name="bgAcc1">
+    <dgm:scene3d>
+      <a:camera prst="orthographicFront"/>
+      <a:lightRig rig="threePt" dir="t"/>
+    </dgm:scene3d>
+    <dgm:sp3d/>
+    <dgm:txPr/>
+    <dgm:style>
+      <a:lnRef idx="2">
+        <a:scrgbClr r="0" g="0" b="0"/>
+      </a:lnRef>
+      <a:fillRef idx="1">
+        <a:scrgbClr r="0" g="0" b="0"/>
+      </a:fillRef>
+      <a:effectRef idx="0">
+        <a:scrgbClr r="0" g="0" b="0"/>
+      </a:effectRef>
+      <a:fontRef idx="minor"/>
+    </dgm:style>
+  </dgm:styleLbl>
+  <dgm:styleLbl name="solidFgAcc1">
+    <dgm:scene3d>
+      <a:camera prst="orthographicFront"/>
+      <a:lightRig rig="threePt" dir="t"/>
+    </dgm:scene3d>
+    <dgm:sp3d/>
+    <dgm:txPr/>
+    <dgm:style>
+      <a:lnRef idx="2">
+        <a:scrgbClr r="0" g="0" b="0"/>
+      </a:lnRef>
+      <a:fillRef idx="1">
+        <a:scrgbClr r="0" g="0" b="0"/>
+      </a:fillRef>
+      <a:effectRef idx="0">
+        <a:scrgbClr r="0" g="0" b="0"/>
+      </a:effectRef>
+      <a:fontRef idx="minor"/>
+    </dgm:style>
+  </dgm:styleLbl>
+  <dgm:styleLbl name="solidAlignAcc1">
+    <dgm:scene3d>
+      <a:camera prst="orthographicFront"/>
+      <a:lightRig rig="threePt" dir="t"/>
+    </dgm:scene3d>
+    <dgm:sp3d/>
+    <dgm:txPr/>
+    <dgm:style>
+      <a:lnRef idx="2">
+        <a:scrgbClr r="0" g="0" b="0"/>
+      </a:lnRef>
+      <a:fillRef idx="1">
+        <a:scrgbClr r="0" g="0" b="0"/>
+      </a:fillRef>
+      <a:effectRef idx="0">
+        <a:scrgbClr r="0" g="0" b="0"/>
+      </a:effectRef>
+      <a:fontRef idx="minor"/>
+    </dgm:style>
+  </dgm:styleLbl>
+  <dgm:styleLbl name="solidBgAcc1">
+    <dgm:scene3d>
+      <a:camera prst="orthographicFront"/>
+      <a:lightRig rig="threePt" dir="t"/>
+    </dgm:scene3d>
+    <dgm:sp3d/>
+    <dgm:txPr/>
+    <dgm:style>
+      <a:lnRef idx="2">
+        <a:scrgbClr r="0" g="0" b="0"/>
+      </a:lnRef>
+      <a:fillRef idx="1">
+        <a:scrgbClr r="0" g="0" b="0"/>
+      </a:fillRef>
+      <a:effectRef idx="0">
+        <a:scrgbClr r="0" g="0" b="0"/>
+      </a:effectRef>
+      <a:fontRef idx="minor"/>
+    </dgm:style>
+  </dgm:styleLbl>
+  <dgm:styleLbl name="fgAccFollowNode1">
+    <dgm:scene3d>
+      <a:camera prst="orthographicFront"/>
+      <a:lightRig rig="threePt" dir="t"/>
+    </dgm:scene3d>
+    <dgm:sp3d/>
+    <dgm:txPr/>
+    <dgm:style>
+      <a:lnRef idx="2">
+        <a:scrgbClr r="0" g="0" b="0"/>
+      </a:lnRef>
+      <a:fillRef idx="1">
+        <a:scrgbClr r="0" g="0" b="0"/>
+      </a:fillRef>
+      <a:effectRef idx="0">
+        <a:scrgbClr r="0" g="0" b="0"/>
+      </a:effectRef>
+      <a:fontRef idx="minor"/>
+    </dgm:style>
+  </dgm:styleLbl>
+  <dgm:styleLbl name="alignAccFollowNode1">
+    <dgm:scene3d>
+      <a:camera prst="orthographicFront"/>
+      <a:lightRig rig="threePt" dir="t"/>
+    </dgm:scene3d>
+    <dgm:sp3d/>
+    <dgm:txPr/>
+    <dgm:style>
+      <a:lnRef idx="2">
+        <a:scrgbClr r="0" g="0" b="0"/>
+      </a:lnRef>
+      <a:fillRef idx="1">
+        <a:scrgbClr r="0" g="0" b="0"/>
+      </a:fillRef>
+      <a:effectRef idx="0">
+        <a:scrgbClr r="0" g="0" b="0"/>
+      </a:effectRef>
+      <a:fontRef idx="minor"/>
+    </dgm:style>
+  </dgm:styleLbl>
+  <dgm:styleLbl name="bgAccFollowNode1">
+    <dgm:scene3d>
+      <a:camera prst="orthographicFront"/>
+      <a:lightRig rig="threePt" dir="t"/>
+    </dgm:scene3d>
+    <dgm:sp3d/>
+    <dgm:txPr/>
+    <dgm:style>
+      <a:lnRef idx="2">
+        <a:scrgbClr r="0" g="0" b="0"/>
+      </a:lnRef>
+      <a:fillRef idx="1">
+        <a:scrgbClr r="0" g="0" b="0"/>
+      </a:fillRef>
+      <a:effectRef idx="0">
+        <a:scrgbClr r="0" g="0" b="0"/>
+      </a:effectRef>
+      <a:fontRef idx="minor"/>
+    </dgm:style>
+  </dgm:styleLbl>
+  <dgm:styleLbl name="fgAcc0">
+    <dgm:scene3d>
+      <a:camera prst="orthographicFront"/>
+      <a:lightRig rig="threePt" dir="t"/>
+    </dgm:scene3d>
+    <dgm:sp3d/>
+    <dgm:txPr/>
+    <dgm:style>
+      <a:lnRef idx="2">
+        <a:scrgbClr r="0" g="0" b="0"/>
+      </a:lnRef>
+      <a:fillRef idx="1">
+        <a:scrgbClr r="0" g="0" b="0"/>
+      </a:fillRef>
+      <a:effectRef idx="0">
+        <a:scrgbClr r="0" g="0" b="0"/>
+      </a:effectRef>
+      <a:fontRef idx="minor"/>
+    </dgm:style>
+  </dgm:styleLbl>
+  <dgm:styleLbl name="fgAcc2">
+    <dgm:scene3d>
+      <a:camera prst="orthographicFront"/>
+      <a:lightRig rig="threePt" dir="t"/>
+    </dgm:scene3d>
+    <dgm:sp3d/>
+    <dgm:txPr/>
+    <dgm:style>
+      <a:lnRef idx="2">
+        <a:scrgbClr r="0" g="0" b="0"/>
+      </a:lnRef>
+      <a:fillRef idx="1">
+        <a:scrgbClr r="0" g="0" b="0"/>
+      </a:fillRef>
+      <a:effectRef idx="0">
+        <a:scrgbClr r="0" g="0" b="0"/>
+      </a:effectRef>
+      <a:fontRef idx="minor"/>
+    </dgm:style>
+  </dgm:styleLbl>
+  <dgm:styleLbl name="fgAcc3">
+    <dgm:scene3d>
+      <a:camera prst="orthographicFront"/>
+      <a:lightRig rig="threePt" dir="t"/>
+    </dgm:scene3d>
+    <dgm:sp3d/>
+    <dgm:txPr/>
+    <dgm:style>
+      <a:lnRef idx="2">
+        <a:scrgbClr r="0" g="0" b="0"/>
+      </a:lnRef>
+      <a:fillRef idx="1">
+        <a:scrgbClr r="0" g="0" b="0"/>
+      </a:fillRef>
+      <a:effectRef idx="0">
+        <a:scrgbClr r="0" g="0" b="0"/>
+      </a:effectRef>
+      <a:fontRef idx="minor"/>
+    </dgm:style>
+  </dgm:styleLbl>
+  <dgm:styleLbl name="fgAcc4">
+    <dgm:scene3d>
+      <a:camera prst="orthographicFront"/>
+      <a:lightRig rig="threePt" dir="t"/>
+    </dgm:scene3d>
+    <dgm:sp3d/>
+    <dgm:txPr/>
+    <dgm:style>
+      <a:lnRef idx="2">
+        <a:scrgbClr r="0" g="0" b="0"/>
+      </a:lnRef>
+      <a:fillRef idx="1">
+        <a:scrgbClr r="0" g="0" b="0"/>
+      </a:fillRef>
+      <a:effectRef idx="0">
+        <a:scrgbClr r="0" g="0" b="0"/>
+      </a:effectRef>
+      <a:fontRef idx="minor"/>
+    </dgm:style>
+  </dgm:styleLbl>
+  <dgm:styleLbl name="bgShp">
+    <dgm:scene3d>
+      <a:camera prst="orthographicFront"/>
+      <a:lightRig rig="threePt" dir="t"/>
+    </dgm:scene3d>
+    <dgm:sp3d/>
+    <dgm:txPr/>
+    <dgm:style>
+      <a:lnRef idx="0">
+        <a:scrgbClr r="0" g="0" b="0"/>
+      </a:lnRef>
+      <a:fillRef idx="1">
+        <a:scrgbClr r="0" g="0" b="0"/>
+      </a:fillRef>
+      <a:effectRef idx="0">
+        <a:scrgbClr r="0" g="0" b="0"/>
+      </a:effectRef>
+      <a:fontRef idx="minor"/>
+    </dgm:style>
+  </dgm:styleLbl>
+  <dgm:styleLbl name="dkBgShp">
+    <dgm:scene3d>
+      <a:camera prst="orthographicFront"/>
+      <a:lightRig rig="threePt" dir="t"/>
+    </dgm:scene3d>
+    <dgm:sp3d/>
+    <dgm:txPr/>
+    <dgm:style>
+      <a:lnRef idx="0">
+        <a:scrgbClr r="0" g="0" b="0"/>
+      </a:lnRef>
+      <a:fillRef idx="1">
+        <a:scrgbClr r="0" g="0" b="0"/>
+      </a:fillRef>
+      <a:effectRef idx="0">
+        <a:scrgbClr r="0" g="0" b="0"/>
+      </a:effectRef>
+      <a:fontRef idx="minor"/>
+    </dgm:style>
+  </dgm:styleLbl>
+  <dgm:styleLbl name="trBgShp">
+    <dgm:scene3d>
+      <a:camera prst="orthographicFront"/>
+      <a:lightRig rig="threePt" dir="t"/>
+    </dgm:scene3d>
+    <dgm:sp3d/>
+    <dgm:txPr/>
+    <dgm:style>
+      <a:lnRef idx="0">
+        <a:scrgbClr r="0" g="0" b="0"/>
+      </a:lnRef>
+      <a:fillRef idx="1">
+        <a:scrgbClr r="0" g="0" b="0"/>
+      </a:fillRef>
+      <a:effectRef idx="0">
+        <a:scrgbClr r="0" g="0" b="0"/>
+      </a:effectRef>
+      <a:fontRef idx="minor"/>
+    </dgm:style>
+  </dgm:styleLbl>
+  <dgm:styleLbl name="fgShp">
+    <dgm:scene3d>
+      <a:camera prst="orthographicFront"/>
+      <a:lightRig rig="threePt" dir="t"/>
+    </dgm:scene3d>
+    <dgm:sp3d/>
+    <dgm:txPr/>
+    <dgm:style>
+      <a:lnRef idx="2">
+        <a:scrgbClr r="0" g="0" b="0"/>
+      </a:lnRef>
+      <a:fillRef idx="1">
+        <a:scrgbClr r="0" g="0" b="0"/>
+      </a:fillRef>
+      <a:effectRef idx="0">
+        <a:scrgbClr r="0" g="0" b="0"/>
+      </a:effectRef>
+      <a:fontRef idx="minor"/>
+    </dgm:style>
+  </dgm:styleLbl>
+  <dgm:styleLbl name="revTx">
+    <dgm:scene3d>
+      <a:camera prst="orthographicFront"/>
+      <a:lightRig rig="threePt" dir="t"/>
+    </dgm:scene3d>
+    <dgm:sp3d/>
+    <dgm:txPr/>
+    <dgm:style>
+      <a:lnRef idx="0">
+        <a:scrgbClr r="0" g="0" b="0"/>
+      </a:lnRef>
+      <a:fillRef idx="0">
+        <a:scrgbClr r="0" g="0" b="0"/>
+      </a:fillRef>
+      <a:effectRef idx="0">
+        <a:scrgbClr r="0" g="0" b="0"/>
+      </a:effectRef>
+      <a:fontRef idx="minor"/>
+    </dgm:style>
+  </dgm:styleLbl>
+</dgm:styleDef>
+</file>
+
+<file path=ppt/diagrams/quickStyle3.xml><?xml version="1.0" encoding="utf-8"?>
 <dgm:styleDef xmlns:dgm="http://schemas.openxmlformats.org/drawingml/2006/diagram" xmlns:a="http://schemas.openxmlformats.org/drawingml/2006/main" uniqueId="urn:microsoft.com/office/officeart/2005/8/quickstyle/simple1">
   <dgm:title val=""/>
   <dgm:desc val=""/>
@@ -8432,7 +11124,7 @@
             <a:fld id="{0AFDEA4B-F68B-4657-8A90-006825AAFDF4}" type="datetimeFigureOut">
               <a:rPr lang="de-DE" smtClean="0"/>
               <a:pPr/>
-              <a:t>01.07.2014</a:t>
+              <a:t>03.07.2014</a:t>
             </a:fld>
             <a:endParaRPr lang="de-DE"/>
           </a:p>
@@ -8599,7 +11291,7 @@
             <a:fld id="{0AFDEA4B-F68B-4657-8A90-006825AAFDF4}" type="datetimeFigureOut">
               <a:rPr lang="de-DE" smtClean="0"/>
               <a:pPr/>
-              <a:t>01.07.2014</a:t>
+              <a:t>03.07.2014</a:t>
             </a:fld>
             <a:endParaRPr lang="de-DE"/>
           </a:p>
@@ -8776,7 +11468,7 @@
             <a:fld id="{0AFDEA4B-F68B-4657-8A90-006825AAFDF4}" type="datetimeFigureOut">
               <a:rPr lang="de-DE" smtClean="0"/>
               <a:pPr/>
-              <a:t>01.07.2014</a:t>
+              <a:t>03.07.2014</a:t>
             </a:fld>
             <a:endParaRPr lang="de-DE"/>
           </a:p>
@@ -8943,7 +11635,7 @@
             <a:fld id="{0AFDEA4B-F68B-4657-8A90-006825AAFDF4}" type="datetimeFigureOut">
               <a:rPr lang="de-DE" smtClean="0"/>
               <a:pPr/>
-              <a:t>01.07.2014</a:t>
+              <a:t>03.07.2014</a:t>
             </a:fld>
             <a:endParaRPr lang="de-DE"/>
           </a:p>
@@ -9186,7 +11878,7 @@
             <a:fld id="{0AFDEA4B-F68B-4657-8A90-006825AAFDF4}" type="datetimeFigureOut">
               <a:rPr lang="de-DE" smtClean="0"/>
               <a:pPr/>
-              <a:t>01.07.2014</a:t>
+              <a:t>03.07.2014</a:t>
             </a:fld>
             <a:endParaRPr lang="de-DE"/>
           </a:p>
@@ -9471,7 +12163,7 @@
             <a:fld id="{0AFDEA4B-F68B-4657-8A90-006825AAFDF4}" type="datetimeFigureOut">
               <a:rPr lang="de-DE" smtClean="0"/>
               <a:pPr/>
-              <a:t>01.07.2014</a:t>
+              <a:t>03.07.2014</a:t>
             </a:fld>
             <a:endParaRPr lang="de-DE"/>
           </a:p>
@@ -9890,7 +12582,7 @@
             <a:fld id="{0AFDEA4B-F68B-4657-8A90-006825AAFDF4}" type="datetimeFigureOut">
               <a:rPr lang="de-DE" smtClean="0"/>
               <a:pPr/>
-              <a:t>01.07.2014</a:t>
+              <a:t>03.07.2014</a:t>
             </a:fld>
             <a:endParaRPr lang="de-DE"/>
           </a:p>
@@ -10005,7 +12697,7 @@
             <a:fld id="{0AFDEA4B-F68B-4657-8A90-006825AAFDF4}" type="datetimeFigureOut">
               <a:rPr lang="de-DE" smtClean="0"/>
               <a:pPr/>
-              <a:t>01.07.2014</a:t>
+              <a:t>03.07.2014</a:t>
             </a:fld>
             <a:endParaRPr lang="de-DE"/>
           </a:p>
@@ -10097,7 +12789,7 @@
             <a:fld id="{0AFDEA4B-F68B-4657-8A90-006825AAFDF4}" type="datetimeFigureOut">
               <a:rPr lang="de-DE" smtClean="0"/>
               <a:pPr/>
-              <a:t>01.07.2014</a:t>
+              <a:t>03.07.2014</a:t>
             </a:fld>
             <a:endParaRPr lang="de-DE"/>
           </a:p>
@@ -10371,7 +13063,7 @@
             <a:fld id="{0AFDEA4B-F68B-4657-8A90-006825AAFDF4}" type="datetimeFigureOut">
               <a:rPr lang="de-DE" smtClean="0"/>
               <a:pPr/>
-              <a:t>01.07.2014</a:t>
+              <a:t>03.07.2014</a:t>
             </a:fld>
             <a:endParaRPr lang="de-DE"/>
           </a:p>
@@ -10621,7 +13313,7 @@
             <a:fld id="{0AFDEA4B-F68B-4657-8A90-006825AAFDF4}" type="datetimeFigureOut">
               <a:rPr lang="de-DE" smtClean="0"/>
               <a:pPr/>
-              <a:t>01.07.2014</a:t>
+              <a:t>03.07.2014</a:t>
             </a:fld>
             <a:endParaRPr lang="de-DE"/>
           </a:p>
@@ -10831,7 +13523,7 @@
             <a:fld id="{0AFDEA4B-F68B-4657-8A90-006825AAFDF4}" type="datetimeFigureOut">
               <a:rPr lang="de-DE" smtClean="0"/>
               <a:pPr/>
-              <a:t>01.07.2014</a:t>
+              <a:t>03.07.2014</a:t>
             </a:fld>
             <a:endParaRPr lang="de-DE"/>
           </a:p>
@@ -11247,6 +13939,432 @@
 </p:sld>
 </file>
 
+<file path=ppt/slides/slide10.xml><?xml version="1.0" encoding="utf-8"?>
+<p:sld xmlns:a="http://schemas.openxmlformats.org/drawingml/2006/main" xmlns:r="http://schemas.openxmlformats.org/officeDocument/2006/relationships" xmlns:p="http://schemas.openxmlformats.org/presentationml/2006/main">
+  <p:cSld>
+    <p:spTree>
+      <p:nvGrpSpPr>
+        <p:cNvPr id="1" name=""/>
+        <p:cNvGrpSpPr/>
+        <p:nvPr/>
+      </p:nvGrpSpPr>
+      <p:grpSpPr>
+        <a:xfrm>
+          <a:off x="0" y="0"/>
+          <a:ext cx="0" cy="0"/>
+          <a:chOff x="0" y="0"/>
+          <a:chExt cx="0" cy="0"/>
+        </a:xfrm>
+      </p:grpSpPr>
+      <p:sp>
+        <p:nvSpPr>
+          <p:cNvPr id="2" name="Titel 1"/>
+          <p:cNvSpPr>
+            <a:spLocks noGrp="1"/>
+          </p:cNvSpPr>
+          <p:nvPr>
+            <p:ph type="title"/>
+          </p:nvPr>
+        </p:nvSpPr>
+        <p:spPr/>
+        <p:txBody>
+          <a:bodyPr/>
+          <a:lstStyle/>
+          <a:p>
+            <a:r>
+              <a:rPr lang="de-DE" smtClean="0"/>
+              <a:t>Warum Streckbiegen?</a:t>
+            </a:r>
+            <a:endParaRPr lang="de-DE"/>
+          </a:p>
+        </p:txBody>
+      </p:sp>
+      <p:graphicFrame>
+        <p:nvGraphicFramePr>
+          <p:cNvPr id="3" name="Diagramm 2"/>
+          <p:cNvGraphicFramePr/>
+          <p:nvPr/>
+        </p:nvGraphicFramePr>
+        <p:xfrm>
+          <a:off x="1547664" y="1124744"/>
+          <a:ext cx="5568280" cy="2736304"/>
+        </p:xfrm>
+        <a:graphic>
+          <a:graphicData uri="http://schemas.openxmlformats.org/drawingml/2006/diagram">
+            <dgm:relIds xmlns:dgm="http://schemas.openxmlformats.org/drawingml/2006/diagram" xmlns:r="http://schemas.openxmlformats.org/officeDocument/2006/relationships" r:dm="rId2" r:lo="rId3" r:qs="rId4" r:cs="rId5"/>
+          </a:graphicData>
+        </a:graphic>
+      </p:graphicFrame>
+      <p:pic>
+        <p:nvPicPr>
+          <p:cNvPr id="6" name="Grafik 5" descr="klip.jpg"/>
+          <p:cNvPicPr>
+            <a:picLocks noChangeAspect="1"/>
+          </p:cNvPicPr>
+          <p:nvPr/>
+        </p:nvPicPr>
+        <p:blipFill>
+          <a:blip r:embed="rId7" cstate="print"/>
+          <a:stretch>
+            <a:fillRect/>
+          </a:stretch>
+        </p:blipFill>
+        <p:spPr>
+          <a:xfrm>
+            <a:off x="4605961" y="3356993"/>
+            <a:ext cx="4238740" cy="2880320"/>
+          </a:xfrm>
+          <a:prstGeom prst="rect">
+            <a:avLst/>
+          </a:prstGeom>
+        </p:spPr>
+      </p:pic>
+      <p:pic>
+        <p:nvPicPr>
+          <p:cNvPr id="7" name="Grafik 6" descr="springback9.png"/>
+          <p:cNvPicPr>
+            <a:picLocks noChangeAspect="1"/>
+          </p:cNvPicPr>
+          <p:nvPr/>
+        </p:nvPicPr>
+        <p:blipFill>
+          <a:blip r:embed="rId8" cstate="print"/>
+          <a:stretch>
+            <a:fillRect/>
+          </a:stretch>
+        </p:blipFill>
+        <p:spPr>
+          <a:xfrm>
+            <a:off x="-1" y="3538470"/>
+            <a:ext cx="4378055" cy="2626833"/>
+          </a:xfrm>
+          <a:prstGeom prst="rect">
+            <a:avLst/>
+          </a:prstGeom>
+        </p:spPr>
+      </p:pic>
+      <p:cxnSp>
+        <p:nvCxnSpPr>
+          <p:cNvPr id="9" name="Gerade Verbindung mit Pfeil 8"/>
+          <p:cNvCxnSpPr/>
+          <p:nvPr/>
+        </p:nvCxnSpPr>
+        <p:spPr>
+          <a:xfrm>
+            <a:off x="5652120" y="3789040"/>
+            <a:ext cx="504056" cy="1224136"/>
+          </a:xfrm>
+          <a:prstGeom prst="straightConnector1">
+            <a:avLst/>
+          </a:prstGeom>
+          <a:ln w="19050">
+            <a:solidFill>
+              <a:srgbClr val="FF0000"/>
+            </a:solidFill>
+            <a:tailEnd type="arrow"/>
+          </a:ln>
+        </p:spPr>
+        <p:style>
+          <a:lnRef idx="1">
+            <a:schemeClr val="accent1"/>
+          </a:lnRef>
+          <a:fillRef idx="0">
+            <a:schemeClr val="accent1"/>
+          </a:fillRef>
+          <a:effectRef idx="0">
+            <a:schemeClr val="accent1"/>
+          </a:effectRef>
+          <a:fontRef idx="minor">
+            <a:schemeClr val="tx1"/>
+          </a:fontRef>
+        </p:style>
+      </p:cxnSp>
+      <p:cxnSp>
+        <p:nvCxnSpPr>
+          <p:cNvPr id="13" name="Gerade Verbindung mit Pfeil 12"/>
+          <p:cNvCxnSpPr/>
+          <p:nvPr/>
+        </p:nvCxnSpPr>
+        <p:spPr>
+          <a:xfrm>
+            <a:off x="5652120" y="3789040"/>
+            <a:ext cx="936104" cy="576064"/>
+          </a:xfrm>
+          <a:prstGeom prst="straightConnector1">
+            <a:avLst/>
+          </a:prstGeom>
+          <a:ln w="19050">
+            <a:solidFill>
+              <a:srgbClr val="FF0000"/>
+            </a:solidFill>
+            <a:tailEnd type="arrow"/>
+          </a:ln>
+        </p:spPr>
+        <p:style>
+          <a:lnRef idx="1">
+            <a:schemeClr val="accent1"/>
+          </a:lnRef>
+          <a:fillRef idx="0">
+            <a:schemeClr val="accent1"/>
+          </a:fillRef>
+          <a:effectRef idx="0">
+            <a:schemeClr val="accent1"/>
+          </a:effectRef>
+          <a:fontRef idx="minor">
+            <a:schemeClr val="tx1"/>
+          </a:fontRef>
+        </p:style>
+      </p:cxnSp>
+      <p:sp>
+        <p:nvSpPr>
+          <p:cNvPr id="14" name="Textfeld 13"/>
+          <p:cNvSpPr txBox="1"/>
+          <p:nvPr/>
+        </p:nvSpPr>
+        <p:spPr>
+          <a:xfrm>
+            <a:off x="4860032" y="3356992"/>
+            <a:ext cx="2088232" cy="430887"/>
+          </a:xfrm>
+          <a:prstGeom prst="rect">
+            <a:avLst/>
+          </a:prstGeom>
+          <a:noFill/>
+        </p:spPr>
+        <p:txBody>
+          <a:bodyPr wrap="square" rtlCol="0">
+            <a:spAutoFit/>
+          </a:bodyPr>
+          <a:lstStyle/>
+          <a:p>
+            <a:r>
+              <a:rPr lang="de-DE" sz="1100" b="1" i="1" smtClean="0"/>
+              <a:t>Stege dienen hier zur Aufnahme von Befestigungselementen</a:t>
+            </a:r>
+            <a:endParaRPr lang="de-DE" sz="1100" b="1" i="1"/>
+          </a:p>
+        </p:txBody>
+      </p:sp>
+      <p:cxnSp>
+        <p:nvCxnSpPr>
+          <p:cNvPr id="18" name="Gerade Verbindung mit Pfeil 17"/>
+          <p:cNvCxnSpPr/>
+          <p:nvPr/>
+        </p:nvCxnSpPr>
+        <p:spPr>
+          <a:xfrm flipH="1" flipV="1">
+            <a:off x="5580112" y="5949280"/>
+            <a:ext cx="792088" cy="72008"/>
+          </a:xfrm>
+          <a:prstGeom prst="straightConnector1">
+            <a:avLst/>
+          </a:prstGeom>
+          <a:ln w="19050">
+            <a:solidFill>
+              <a:srgbClr val="FF0000"/>
+            </a:solidFill>
+            <a:tailEnd type="arrow"/>
+          </a:ln>
+        </p:spPr>
+        <p:style>
+          <a:lnRef idx="1">
+            <a:schemeClr val="accent1"/>
+          </a:lnRef>
+          <a:fillRef idx="0">
+            <a:schemeClr val="accent1"/>
+          </a:fillRef>
+          <a:effectRef idx="0">
+            <a:schemeClr val="accent1"/>
+          </a:effectRef>
+          <a:fontRef idx="minor">
+            <a:schemeClr val="tx1"/>
+          </a:fontRef>
+        </p:style>
+      </p:cxnSp>
+      <p:sp>
+        <p:nvSpPr>
+          <p:cNvPr id="23" name="Textfeld 22"/>
+          <p:cNvSpPr txBox="1"/>
+          <p:nvPr/>
+        </p:nvSpPr>
+        <p:spPr>
+          <a:xfrm>
+            <a:off x="6444208" y="5805264"/>
+            <a:ext cx="2232248" cy="430887"/>
+          </a:xfrm>
+          <a:prstGeom prst="rect">
+            <a:avLst/>
+          </a:prstGeom>
+          <a:noFill/>
+        </p:spPr>
+        <p:txBody>
+          <a:bodyPr wrap="square" rtlCol="0">
+            <a:spAutoFit/>
+          </a:bodyPr>
+          <a:lstStyle/>
+          <a:p>
+            <a:r>
+              <a:rPr lang="de-DE" sz="1100" b="1" i="1" smtClean="0"/>
+              <a:t>Hier Stege weggefräst um Kröpfung zu ermöglichen</a:t>
+            </a:r>
+            <a:endParaRPr lang="de-DE" sz="1100" b="1" i="1"/>
+          </a:p>
+        </p:txBody>
+      </p:sp>
+      <p:sp>
+        <p:nvSpPr>
+          <p:cNvPr id="24" name="Ellipse 23"/>
+          <p:cNvSpPr/>
+          <p:nvPr/>
+        </p:nvSpPr>
+        <p:spPr>
+          <a:xfrm rot="18715196">
+            <a:off x="4669082" y="5176372"/>
+            <a:ext cx="562058" cy="1225722"/>
+          </a:xfrm>
+          <a:prstGeom prst="ellipse">
+            <a:avLst/>
+          </a:prstGeom>
+          <a:solidFill>
+            <a:srgbClr val="FF0000">
+              <a:alpha val="20000"/>
+            </a:srgbClr>
+          </a:solidFill>
+          <a:ln>
+            <a:solidFill>
+              <a:srgbClr val="FF0000"/>
+            </a:solidFill>
+          </a:ln>
+        </p:spPr>
+        <p:style>
+          <a:lnRef idx="2">
+            <a:schemeClr val="accent1">
+              <a:shade val="50000"/>
+            </a:schemeClr>
+          </a:lnRef>
+          <a:fillRef idx="1">
+            <a:schemeClr val="accent1"/>
+          </a:fillRef>
+          <a:effectRef idx="0">
+            <a:schemeClr val="accent1"/>
+          </a:effectRef>
+          <a:fontRef idx="minor">
+            <a:schemeClr val="lt1"/>
+          </a:fontRef>
+        </p:style>
+        <p:txBody>
+          <a:bodyPr rtlCol="0" anchor="ctr"/>
+          <a:lstStyle/>
+          <a:p>
+            <a:pPr algn="ctr"/>
+            <a:endParaRPr lang="de-DE"/>
+          </a:p>
+        </p:txBody>
+      </p:sp>
+      <p:cxnSp>
+        <p:nvCxnSpPr>
+          <p:cNvPr id="26" name="Gerade Verbindung mit Pfeil 25"/>
+          <p:cNvCxnSpPr/>
+          <p:nvPr/>
+        </p:nvCxnSpPr>
+        <p:spPr>
+          <a:xfrm flipH="1">
+            <a:off x="4572000" y="4653136"/>
+            <a:ext cx="144016" cy="648072"/>
+          </a:xfrm>
+          <a:prstGeom prst="straightConnector1">
+            <a:avLst/>
+          </a:prstGeom>
+          <a:ln w="19050">
+            <a:solidFill>
+              <a:srgbClr val="FF0000"/>
+            </a:solidFill>
+            <a:tailEnd type="arrow"/>
+          </a:ln>
+        </p:spPr>
+        <p:style>
+          <a:lnRef idx="1">
+            <a:schemeClr val="accent1"/>
+          </a:lnRef>
+          <a:fillRef idx="0">
+            <a:schemeClr val="accent1"/>
+          </a:fillRef>
+          <a:effectRef idx="0">
+            <a:schemeClr val="accent1"/>
+          </a:effectRef>
+          <a:fontRef idx="minor">
+            <a:schemeClr val="tx1"/>
+          </a:fontRef>
+        </p:style>
+      </p:cxnSp>
+      <p:sp>
+        <p:nvSpPr>
+          <p:cNvPr id="45" name="Textfeld 44"/>
+          <p:cNvSpPr txBox="1"/>
+          <p:nvPr/>
+        </p:nvSpPr>
+        <p:spPr>
+          <a:xfrm>
+            <a:off x="4572000" y="4365104"/>
+            <a:ext cx="1152128" cy="261610"/>
+          </a:xfrm>
+          <a:prstGeom prst="rect">
+            <a:avLst/>
+          </a:prstGeom>
+          <a:noFill/>
+        </p:spPr>
+        <p:txBody>
+          <a:bodyPr wrap="square" rtlCol="0">
+            <a:spAutoFit/>
+          </a:bodyPr>
+          <a:lstStyle/>
+          <a:p>
+            <a:r>
+              <a:rPr lang="de-DE" sz="1100" b="1" i="1" smtClean="0"/>
+              <a:t>Kröpfung</a:t>
+            </a:r>
+            <a:endParaRPr lang="de-DE" sz="1100" b="1" i="1"/>
+          </a:p>
+        </p:txBody>
+      </p:sp>
+      <p:sp>
+        <p:nvSpPr>
+          <p:cNvPr id="46" name="Textfeld 45"/>
+          <p:cNvSpPr txBox="1"/>
+          <p:nvPr/>
+        </p:nvSpPr>
+        <p:spPr>
+          <a:xfrm>
+            <a:off x="395536" y="6309320"/>
+            <a:ext cx="2664296" cy="369332"/>
+          </a:xfrm>
+          <a:prstGeom prst="rect">
+            <a:avLst/>
+          </a:prstGeom>
+          <a:noFill/>
+        </p:spPr>
+        <p:txBody>
+          <a:bodyPr wrap="square" rtlCol="0">
+            <a:spAutoFit/>
+          </a:bodyPr>
+          <a:lstStyle/>
+          <a:p>
+            <a:r>
+              <a:rPr lang="de-DE" smtClean="0"/>
+              <a:t>Prinzip Rückfederung</a:t>
+            </a:r>
+            <a:endParaRPr lang="de-DE"/>
+          </a:p>
+        </p:txBody>
+      </p:sp>
+    </p:spTree>
+  </p:cSld>
+  <p:clrMapOvr>
+    <a:masterClrMapping/>
+  </p:clrMapOvr>
+</p:sld>
+</file>
+
 <file path=ppt/slides/slide2.xml><?xml version="1.0" encoding="utf-8"?>
 <p:sld xmlns:a="http://schemas.openxmlformats.org/drawingml/2006/main" xmlns:r="http://schemas.openxmlformats.org/officeDocument/2006/relationships" xmlns:p="http://schemas.openxmlformats.org/presentationml/2006/main">
   <p:cSld>
@@ -11307,11 +14425,7 @@
             </a:pPr>
             <a:r>
               <a:rPr lang="de-DE" smtClean="0"/>
-              <a:t>Verdeckkastendeckel des Audi A3 </a:t>
-            </a:r>
-            <a:r>
-              <a:rPr lang="de-DE" smtClean="0"/>
-              <a:t>Cabriolets</a:t>
+              <a:t>Verdeckkastendeckel des Audi A3 Cabriolets</a:t>
             </a:r>
             <a:endParaRPr lang="de-DE"/>
           </a:p>
@@ -11493,11 +14607,7 @@
             </a:pPr>
             <a:r>
               <a:rPr lang="de-DE" sz="2400" smtClean="0"/>
-              <a:t>K</a:t>
-            </a:r>
-            <a:r>
-              <a:rPr lang="de-DE" sz="2400" smtClean="0"/>
-              <a:t>eine Oberflächenfehler</a:t>
+              <a:t>Keine Oberflächenfehler</a:t>
             </a:r>
           </a:p>
           <a:p>
@@ -11537,11 +14647,7 @@
             </a:pPr>
             <a:r>
               <a:rPr lang="de-DE" sz="2400" smtClean="0"/>
-              <a:t>E</a:t>
-            </a:r>
-            <a:r>
-              <a:rPr lang="de-DE" sz="2400" smtClean="0"/>
-              <a:t>nge Spalttoleranzen</a:t>
+              <a:t>Enge Spalttoleranzen</a:t>
             </a:r>
           </a:p>
           <a:p>
@@ -12020,6 +15126,458 @@
 </p:sld>
 </file>
 
+<file path=ppt/slides/slide9.xml><?xml version="1.0" encoding="utf-8"?>
+<p:sld xmlns:a="http://schemas.openxmlformats.org/drawingml/2006/main" xmlns:r="http://schemas.openxmlformats.org/officeDocument/2006/relationships" xmlns:p="http://schemas.openxmlformats.org/presentationml/2006/main">
+  <p:cSld>
+    <p:spTree>
+      <p:nvGrpSpPr>
+        <p:cNvPr id="1" name=""/>
+        <p:cNvGrpSpPr/>
+        <p:nvPr/>
+      </p:nvGrpSpPr>
+      <p:grpSpPr>
+        <a:xfrm>
+          <a:off x="0" y="0"/>
+          <a:ext cx="0" cy="0"/>
+          <a:chOff x="0" y="0"/>
+          <a:chExt cx="0" cy="0"/>
+        </a:xfrm>
+      </p:grpSpPr>
+      <p:sp>
+        <p:nvSpPr>
+          <p:cNvPr id="2" name="Titel 1"/>
+          <p:cNvSpPr>
+            <a:spLocks noGrp="1"/>
+          </p:cNvSpPr>
+          <p:nvPr>
+            <p:ph type="title"/>
+          </p:nvPr>
+        </p:nvSpPr>
+        <p:spPr/>
+        <p:txBody>
+          <a:bodyPr/>
+          <a:lstStyle/>
+          <a:p>
+            <a:r>
+              <a:rPr lang="de-DE" smtClean="0"/>
+              <a:t>Prozesse im Fokus</a:t>
+            </a:r>
+            <a:endParaRPr lang="de-DE"/>
+          </a:p>
+        </p:txBody>
+      </p:sp>
+      <p:sp>
+        <p:nvSpPr>
+          <p:cNvPr id="3" name="Inhaltsplatzhalter 2"/>
+          <p:cNvSpPr>
+            <a:spLocks noGrp="1"/>
+          </p:cNvSpPr>
+          <p:nvPr>
+            <p:ph sz="half" idx="1"/>
+          </p:nvPr>
+        </p:nvSpPr>
+        <p:spPr/>
+        <p:txBody>
+          <a:bodyPr/>
+          <a:lstStyle/>
+          <a:p>
+            <a:pPr>
+              <a:buNone/>
+            </a:pPr>
+            <a:r>
+              <a:rPr lang="de-DE" smtClean="0"/>
+              <a:t>Streckbiegen</a:t>
+            </a:r>
+          </a:p>
+          <a:p>
+            <a:pPr>
+              <a:buNone/>
+            </a:pPr>
+            <a:endParaRPr lang="de-DE" smtClean="0"/>
+          </a:p>
+          <a:p>
+            <a:pPr>
+              <a:buNone/>
+            </a:pPr>
+            <a:endParaRPr lang="de-DE" smtClean="0"/>
+          </a:p>
+          <a:p>
+            <a:pPr>
+              <a:buNone/>
+            </a:pPr>
+            <a:endParaRPr lang="de-DE" smtClean="0"/>
+          </a:p>
+          <a:p>
+            <a:pPr>
+              <a:buNone/>
+            </a:pPr>
+            <a:endParaRPr lang="de-DE" smtClean="0"/>
+          </a:p>
+        </p:txBody>
+      </p:sp>
+      <p:sp>
+        <p:nvSpPr>
+          <p:cNvPr id="4" name="Inhaltsplatzhalter 3"/>
+          <p:cNvSpPr>
+            <a:spLocks noGrp="1"/>
+          </p:cNvSpPr>
+          <p:nvPr>
+            <p:ph sz="half" idx="2"/>
+          </p:nvPr>
+        </p:nvSpPr>
+        <p:spPr/>
+        <p:txBody>
+          <a:bodyPr/>
+          <a:lstStyle/>
+          <a:p>
+            <a:pPr>
+              <a:buNone/>
+            </a:pPr>
+            <a:r>
+              <a:rPr lang="de-DE" smtClean="0"/>
+              <a:t>Kröpfen</a:t>
+            </a:r>
+          </a:p>
+          <a:p>
+            <a:pPr>
+              <a:buNone/>
+            </a:pPr>
+            <a:endParaRPr lang="de-DE" smtClean="0"/>
+          </a:p>
+          <a:p>
+            <a:pPr>
+              <a:buNone/>
+            </a:pPr>
+            <a:endParaRPr lang="de-DE" smtClean="0"/>
+          </a:p>
+          <a:p>
+            <a:pPr>
+              <a:buNone/>
+            </a:pPr>
+            <a:endParaRPr lang="de-DE"/>
+          </a:p>
+        </p:txBody>
+      </p:sp>
+      <p:pic>
+        <p:nvPicPr>
+          <p:cNvPr id="6" name="Grafik 5" descr="streckbiegen.png"/>
+          <p:cNvPicPr>
+            <a:picLocks noChangeAspect="1"/>
+          </p:cNvPicPr>
+          <p:nvPr/>
+        </p:nvPicPr>
+        <p:blipFill>
+          <a:blip r:embed="rId2" cstate="print"/>
+          <a:stretch>
+            <a:fillRect/>
+          </a:stretch>
+        </p:blipFill>
+        <p:spPr>
+          <a:xfrm>
+            <a:off x="179512" y="2204864"/>
+            <a:ext cx="3676641" cy="2580500"/>
+          </a:xfrm>
+          <a:prstGeom prst="rect">
+            <a:avLst/>
+          </a:prstGeom>
+        </p:spPr>
+      </p:pic>
+      <p:pic>
+        <p:nvPicPr>
+          <p:cNvPr id="7" name="Grafik 6" descr="krpfgesamt.png"/>
+          <p:cNvPicPr>
+            <a:picLocks noChangeAspect="1"/>
+          </p:cNvPicPr>
+          <p:nvPr/>
+        </p:nvPicPr>
+        <p:blipFill>
+          <a:blip r:embed="rId3" cstate="print"/>
+          <a:stretch>
+            <a:fillRect/>
+          </a:stretch>
+        </p:blipFill>
+        <p:spPr>
+          <a:xfrm>
+            <a:off x="3893463" y="2420888"/>
+            <a:ext cx="4958481" cy="1872208"/>
+          </a:xfrm>
+          <a:prstGeom prst="rect">
+            <a:avLst/>
+          </a:prstGeom>
+        </p:spPr>
+      </p:pic>
+      <p:cxnSp>
+        <p:nvCxnSpPr>
+          <p:cNvPr id="23" name="Gerade Verbindung mit Pfeil 22"/>
+          <p:cNvCxnSpPr/>
+          <p:nvPr/>
+        </p:nvCxnSpPr>
+        <p:spPr>
+          <a:xfrm flipH="1">
+            <a:off x="5148064" y="2276872"/>
+            <a:ext cx="72008" cy="720080"/>
+          </a:xfrm>
+          <a:prstGeom prst="straightConnector1">
+            <a:avLst/>
+          </a:prstGeom>
+          <a:ln w="19050">
+            <a:solidFill>
+              <a:srgbClr val="FF0000"/>
+            </a:solidFill>
+            <a:tailEnd type="arrow"/>
+          </a:ln>
+        </p:spPr>
+        <p:style>
+          <a:lnRef idx="1">
+            <a:schemeClr val="accent1"/>
+          </a:lnRef>
+          <a:fillRef idx="0">
+            <a:schemeClr val="accent1"/>
+          </a:fillRef>
+          <a:effectRef idx="0">
+            <a:schemeClr val="accent1"/>
+          </a:effectRef>
+          <a:fontRef idx="minor">
+            <a:schemeClr val="tx1"/>
+          </a:fontRef>
+        </p:style>
+      </p:cxnSp>
+      <p:sp>
+        <p:nvSpPr>
+          <p:cNvPr id="25" name="Textfeld 24"/>
+          <p:cNvSpPr txBox="1"/>
+          <p:nvPr/>
+        </p:nvSpPr>
+        <p:spPr>
+          <a:xfrm>
+            <a:off x="4932040" y="2060848"/>
+            <a:ext cx="1296144" cy="261610"/>
+          </a:xfrm>
+          <a:prstGeom prst="rect">
+            <a:avLst/>
+          </a:prstGeom>
+          <a:noFill/>
+        </p:spPr>
+        <p:txBody>
+          <a:bodyPr wrap="square" rtlCol="0">
+            <a:spAutoFit/>
+          </a:bodyPr>
+          <a:lstStyle/>
+          <a:p>
+            <a:r>
+              <a:rPr lang="de-DE" sz="1100" b="1" i="1" smtClean="0"/>
+              <a:t>Werkstück</a:t>
+            </a:r>
+            <a:endParaRPr lang="de-DE" sz="1100" b="1" i="1"/>
+          </a:p>
+        </p:txBody>
+      </p:sp>
+      <p:cxnSp>
+        <p:nvCxnSpPr>
+          <p:cNvPr id="27" name="Gerade Verbindung mit Pfeil 26"/>
+          <p:cNvCxnSpPr/>
+          <p:nvPr/>
+        </p:nvCxnSpPr>
+        <p:spPr>
+          <a:xfrm flipH="1">
+            <a:off x="5868144" y="2276872"/>
+            <a:ext cx="72008" cy="288032"/>
+          </a:xfrm>
+          <a:prstGeom prst="straightConnector1">
+            <a:avLst/>
+          </a:prstGeom>
+          <a:ln w="19050">
+            <a:solidFill>
+              <a:srgbClr val="FF0000"/>
+            </a:solidFill>
+            <a:tailEnd type="arrow"/>
+          </a:ln>
+        </p:spPr>
+        <p:style>
+          <a:lnRef idx="1">
+            <a:schemeClr val="accent1"/>
+          </a:lnRef>
+          <a:fillRef idx="0">
+            <a:schemeClr val="accent1"/>
+          </a:fillRef>
+          <a:effectRef idx="0">
+            <a:schemeClr val="accent1"/>
+          </a:effectRef>
+          <a:fontRef idx="minor">
+            <a:schemeClr val="tx1"/>
+          </a:fontRef>
+        </p:style>
+      </p:cxnSp>
+      <p:sp>
+        <p:nvSpPr>
+          <p:cNvPr id="42" name="Textfeld 41"/>
+          <p:cNvSpPr txBox="1"/>
+          <p:nvPr/>
+        </p:nvSpPr>
+        <p:spPr>
+          <a:xfrm>
+            <a:off x="5652120" y="2060848"/>
+            <a:ext cx="1872208" cy="261610"/>
+          </a:xfrm>
+          <a:prstGeom prst="rect">
+            <a:avLst/>
+          </a:prstGeom>
+          <a:noFill/>
+        </p:spPr>
+        <p:txBody>
+          <a:bodyPr wrap="square" rtlCol="0">
+            <a:spAutoFit/>
+          </a:bodyPr>
+          <a:lstStyle/>
+          <a:p>
+            <a:r>
+              <a:rPr lang="de-DE" sz="1100" b="1" i="1" smtClean="0"/>
+              <a:t>Ziehstempel</a:t>
+            </a:r>
+            <a:endParaRPr lang="de-DE" sz="1100" b="1" i="1"/>
+          </a:p>
+        </p:txBody>
+      </p:sp>
+      <p:cxnSp>
+        <p:nvCxnSpPr>
+          <p:cNvPr id="44" name="Gerade Verbindung mit Pfeil 43"/>
+          <p:cNvCxnSpPr/>
+          <p:nvPr/>
+        </p:nvCxnSpPr>
+        <p:spPr>
+          <a:xfrm>
+            <a:off x="8028384" y="2132856"/>
+            <a:ext cx="0" cy="360040"/>
+          </a:xfrm>
+          <a:prstGeom prst="straightConnector1">
+            <a:avLst/>
+          </a:prstGeom>
+          <a:ln w="19050">
+            <a:solidFill>
+              <a:srgbClr val="FF0000"/>
+            </a:solidFill>
+            <a:tailEnd type="arrow"/>
+          </a:ln>
+        </p:spPr>
+        <p:style>
+          <a:lnRef idx="1">
+            <a:schemeClr val="accent1"/>
+          </a:lnRef>
+          <a:fillRef idx="0">
+            <a:schemeClr val="accent1"/>
+          </a:fillRef>
+          <a:effectRef idx="0">
+            <a:schemeClr val="accent1"/>
+          </a:effectRef>
+          <a:fontRef idx="minor">
+            <a:schemeClr val="tx1"/>
+          </a:fontRef>
+        </p:style>
+      </p:cxnSp>
+      <p:sp>
+        <p:nvSpPr>
+          <p:cNvPr id="45" name="Textfeld 44"/>
+          <p:cNvSpPr txBox="1"/>
+          <p:nvPr/>
+        </p:nvSpPr>
+        <p:spPr>
+          <a:xfrm>
+            <a:off x="7452320" y="1916832"/>
+            <a:ext cx="1512168" cy="261610"/>
+          </a:xfrm>
+          <a:prstGeom prst="rect">
+            <a:avLst/>
+          </a:prstGeom>
+          <a:noFill/>
+        </p:spPr>
+        <p:txBody>
+          <a:bodyPr wrap="square" rtlCol="0">
+            <a:spAutoFit/>
+          </a:bodyPr>
+          <a:lstStyle/>
+          <a:p>
+            <a:r>
+              <a:rPr lang="de-DE" sz="1100" b="1" i="1" smtClean="0"/>
+              <a:t>Niederhalter</a:t>
+            </a:r>
+            <a:endParaRPr lang="de-DE" sz="1100" b="1" i="1"/>
+          </a:p>
+        </p:txBody>
+      </p:sp>
+      <p:cxnSp>
+        <p:nvCxnSpPr>
+          <p:cNvPr id="53" name="Gerade Verbindung mit Pfeil 52"/>
+          <p:cNvCxnSpPr/>
+          <p:nvPr/>
+        </p:nvCxnSpPr>
+        <p:spPr>
+          <a:xfrm flipH="1" flipV="1">
+            <a:off x="8172400" y="4149080"/>
+            <a:ext cx="72008" cy="432048"/>
+          </a:xfrm>
+          <a:prstGeom prst="straightConnector1">
+            <a:avLst/>
+          </a:prstGeom>
+          <a:ln w="19050">
+            <a:solidFill>
+              <a:srgbClr val="FF0000"/>
+            </a:solidFill>
+            <a:tailEnd type="arrow"/>
+          </a:ln>
+        </p:spPr>
+        <p:style>
+          <a:lnRef idx="1">
+            <a:schemeClr val="accent1"/>
+          </a:lnRef>
+          <a:fillRef idx="0">
+            <a:schemeClr val="accent1"/>
+          </a:fillRef>
+          <a:effectRef idx="0">
+            <a:schemeClr val="accent1"/>
+          </a:effectRef>
+          <a:fontRef idx="minor">
+            <a:schemeClr val="tx1"/>
+          </a:fontRef>
+        </p:style>
+      </p:cxnSp>
+      <p:sp>
+        <p:nvSpPr>
+          <p:cNvPr id="54" name="Textfeld 53"/>
+          <p:cNvSpPr txBox="1"/>
+          <p:nvPr/>
+        </p:nvSpPr>
+        <p:spPr>
+          <a:xfrm>
+            <a:off x="7812360" y="4509120"/>
+            <a:ext cx="1224136" cy="261610"/>
+          </a:xfrm>
+          <a:prstGeom prst="rect">
+            <a:avLst/>
+          </a:prstGeom>
+          <a:noFill/>
+        </p:spPr>
+        <p:txBody>
+          <a:bodyPr wrap="square" rtlCol="0">
+            <a:spAutoFit/>
+          </a:bodyPr>
+          <a:lstStyle/>
+          <a:p>
+            <a:r>
+              <a:rPr lang="de-DE" sz="1100" b="1" i="1" smtClean="0"/>
+              <a:t>Kröpfstein</a:t>
+            </a:r>
+            <a:endParaRPr lang="de-DE" sz="1100" b="1" i="1"/>
+          </a:p>
+        </p:txBody>
+      </p:sp>
+    </p:spTree>
+  </p:cSld>
+  <p:clrMapOvr>
+    <a:masterClrMapping/>
+  </p:clrMapOvr>
+</p:sld>
+</file>
+
 <file path=ppt/theme/theme1.xml><?xml version="1.0" encoding="utf-8"?>
 <a:theme xmlns:a="http://schemas.openxmlformats.org/drawingml/2006/main" name="Larissa-Design">
   <a:themeElements>

--- a/PräsentationBachelorarbeitKaffanke.pptx
+++ b/PräsentationBachelorarbeitKaffanke.pptx
@@ -3870,6 +3870,13 @@
         </dgm:presLayoutVars>
       </dgm:prSet>
       <dgm:spPr/>
+      <dgm:t>
+        <a:bodyPr/>
+        <a:lstStyle/>
+        <a:p>
+          <a:endParaRPr lang="de-DE"/>
+        </a:p>
+      </dgm:t>
     </dgm:pt>
     <dgm:pt modelId="{57586200-A161-44C1-A84E-2AACDF39A271}" type="pres">
       <dgm:prSet presAssocID="{3C14C45D-1292-4AD2-BFF5-D9CF8D49CE06}" presName="parentLin" presStyleCnt="0"/>
@@ -3878,6 +3885,13 @@
     <dgm:pt modelId="{67E41568-EE18-473B-86D7-F531C9CEFD69}" type="pres">
       <dgm:prSet presAssocID="{3C14C45D-1292-4AD2-BFF5-D9CF8D49CE06}" presName="parentLeftMargin" presStyleLbl="node1" presStyleIdx="0" presStyleCnt="3"/>
       <dgm:spPr/>
+      <dgm:t>
+        <a:bodyPr/>
+        <a:lstStyle/>
+        <a:p>
+          <a:endParaRPr lang="de-DE"/>
+        </a:p>
+      </dgm:t>
     </dgm:pt>
     <dgm:pt modelId="{2CD63BBE-333E-4E3A-B223-22B87124F635}" type="pres">
       <dgm:prSet presAssocID="{3C14C45D-1292-4AD2-BFF5-D9CF8D49CE06}" presName="parentText" presStyleLbl="node1" presStyleIdx="0" presStyleCnt="3">
@@ -3918,6 +3932,13 @@
     <dgm:pt modelId="{70B5068E-A542-4471-88F1-45ED11E4D6A9}" type="pres">
       <dgm:prSet presAssocID="{FFF4ADC7-E889-46E2-AE27-502295EDF8CC}" presName="parentLeftMargin" presStyleLbl="node1" presStyleIdx="0" presStyleCnt="3"/>
       <dgm:spPr/>
+      <dgm:t>
+        <a:bodyPr/>
+        <a:lstStyle/>
+        <a:p>
+          <a:endParaRPr lang="de-DE"/>
+        </a:p>
+      </dgm:t>
     </dgm:pt>
     <dgm:pt modelId="{D7832246-E3A8-42D4-9440-E22F8B5BACDB}" type="pres">
       <dgm:prSet presAssocID="{FFF4ADC7-E889-46E2-AE27-502295EDF8CC}" presName="parentText" presStyleLbl="node1" presStyleIdx="1" presStyleCnt="3">
@@ -3927,6 +3948,13 @@
         </dgm:presLayoutVars>
       </dgm:prSet>
       <dgm:spPr/>
+      <dgm:t>
+        <a:bodyPr/>
+        <a:lstStyle/>
+        <a:p>
+          <a:endParaRPr lang="de-DE"/>
+        </a:p>
+      </dgm:t>
     </dgm:pt>
     <dgm:pt modelId="{B2D3997B-E8C1-4CDC-BCE2-88872AC3F1B7}" type="pres">
       <dgm:prSet presAssocID="{FFF4ADC7-E889-46E2-AE27-502295EDF8CC}" presName="negativeSpace" presStyleCnt="0"/>
@@ -3951,6 +3979,13 @@
     <dgm:pt modelId="{3C53107E-A19B-4D42-8087-B916128DFC47}" type="pres">
       <dgm:prSet presAssocID="{3AEF769E-08CB-495D-AFF1-721311AA0BF7}" presName="parentLeftMargin" presStyleLbl="node1" presStyleIdx="1" presStyleCnt="3"/>
       <dgm:spPr/>
+      <dgm:t>
+        <a:bodyPr/>
+        <a:lstStyle/>
+        <a:p>
+          <a:endParaRPr lang="de-DE"/>
+        </a:p>
+      </dgm:t>
     </dgm:pt>
     <dgm:pt modelId="{D04C9658-345E-4E4C-ABE9-337FEAC597FE}" type="pres">
       <dgm:prSet presAssocID="{3AEF769E-08CB-495D-AFF1-721311AA0BF7}" presName="parentText" presStyleLbl="node1" presStyleIdx="2" presStyleCnt="3">
@@ -14011,8 +14046,8 @@
         </p:blipFill>
         <p:spPr>
           <a:xfrm>
-            <a:off x="4605961" y="3356993"/>
-            <a:ext cx="4238740" cy="2880320"/>
+            <a:off x="4860032" y="3501008"/>
+            <a:ext cx="3984669" cy="2707673"/>
           </a:xfrm>
           <a:prstGeom prst="rect">
             <a:avLst/>
@@ -14035,8 +14070,8 @@
         </p:blipFill>
         <p:spPr>
           <a:xfrm>
-            <a:off x="-1" y="3538470"/>
-            <a:ext cx="4378055" cy="2626833"/>
+            <a:off x="179512" y="3501008"/>
+            <a:ext cx="4464497" cy="2678698"/>
           </a:xfrm>
           <a:prstGeom prst="rect">
             <a:avLst/>
@@ -14123,8 +14158,8 @@
         </p:nvSpPr>
         <p:spPr>
           <a:xfrm>
-            <a:off x="4860032" y="3356992"/>
-            <a:ext cx="2088232" cy="430887"/>
+            <a:off x="4860032" y="3429000"/>
+            <a:ext cx="3096344" cy="430887"/>
           </a:xfrm>
           <a:prstGeom prst="rect">
             <a:avLst/>
@@ -14153,8 +14188,8 @@
         </p:nvCxnSpPr>
         <p:spPr>
           <a:xfrm flipH="1" flipV="1">
-            <a:off x="5580112" y="5949280"/>
-            <a:ext cx="792088" cy="72008"/>
+            <a:off x="5868144" y="5949280"/>
+            <a:ext cx="504056" cy="72008"/>
           </a:xfrm>
           <a:prstGeom prst="straightConnector1">
             <a:avLst/>
@@ -14218,8 +14253,8 @@
           <p:nvPr/>
         </p:nvSpPr>
         <p:spPr>
-          <a:xfrm rot="18715196">
-            <a:off x="4669082" y="5176372"/>
+          <a:xfrm rot="18803851">
+            <a:off x="5001369" y="5169597"/>
             <a:ext cx="562058" cy="1225722"/>
           </a:xfrm>
           <a:prstGeom prst="ellipse">
@@ -14264,13 +14299,15 @@
       <p:cxnSp>
         <p:nvCxnSpPr>
           <p:cNvPr id="26" name="Gerade Verbindung mit Pfeil 25"/>
-          <p:cNvCxnSpPr/>
+          <p:cNvCxnSpPr>
+            <a:endCxn id="24" idx="0"/>
+          </p:cNvCxnSpPr>
           <p:nvPr/>
         </p:nvCxnSpPr>
         <p:spPr>
           <a:xfrm flipH="1">
-            <a:off x="4572000" y="4653136"/>
-            <a:ext cx="144016" cy="648072"/>
+            <a:off x="4837090" y="4587840"/>
+            <a:ext cx="233587" cy="773548"/>
           </a:xfrm>
           <a:prstGeom prst="straightConnector1">
             <a:avLst/>
@@ -14305,7 +14342,7 @@
         </p:nvSpPr>
         <p:spPr>
           <a:xfrm>
-            <a:off x="4572000" y="4365104"/>
+            <a:off x="4788024" y="4365104"/>
             <a:ext cx="1152128" cy="261610"/>
           </a:xfrm>
           <a:prstGeom prst="rect">

--- a/PräsentationBachelorarbeitKaffanke.pptx
+++ b/PräsentationBachelorarbeitKaffanke.pptx
@@ -15,6 +15,13 @@
     <p:sldId id="263" r:id="rId9"/>
     <p:sldId id="264" r:id="rId10"/>
     <p:sldId id="265" r:id="rId11"/>
+    <p:sldId id="266" r:id="rId12"/>
+    <p:sldId id="267" r:id="rId13"/>
+    <p:sldId id="268" r:id="rId14"/>
+    <p:sldId id="269" r:id="rId15"/>
+    <p:sldId id="270" r:id="rId16"/>
+    <p:sldId id="271" r:id="rId17"/>
+    <p:sldId id="272" r:id="rId18"/>
   </p:sldIdLst>
   <p:sldSz cx="9144000" cy="6858000" type="screen4x3"/>
   <p:notesSz cx="6858000" cy="9144000"/>
@@ -3353,7 +3360,11 @@
     </dgm:pt>
     <dgm:pt modelId="{E378082F-3B76-42B6-9F98-7D5B101A1CD1}">
       <dgm:prSet/>
-      <dgm:spPr/>
+      <dgm:spPr>
+        <a:solidFill>
+          <a:srgbClr val="FF0000"/>
+        </a:solidFill>
+      </dgm:spPr>
       <dgm:t>
         <a:bodyPr/>
         <a:lstStyle/>
@@ -3366,11 +3377,11 @@
         </a:p>
       </dgm:t>
     </dgm:pt>
-    <dgm:pt modelId="{3EF545FA-5C75-43E6-BB2D-0837812F894E}" type="parTrans" cxnId="{EC88B53A-4519-49D3-9876-983DB0696CD8}">
+    <dgm:pt modelId="{1CA983B9-E940-472B-AACA-A43C64ED1749}" type="sibTrans" cxnId="{EC88B53A-4519-49D3-9876-983DB0696CD8}">
       <dgm:prSet/>
       <dgm:spPr/>
     </dgm:pt>
-    <dgm:pt modelId="{1CA983B9-E940-472B-AACA-A43C64ED1749}" type="sibTrans" cxnId="{EC88B53A-4519-49D3-9876-983DB0696CD8}">
+    <dgm:pt modelId="{3EF545FA-5C75-43E6-BB2D-0837812F894E}" type="parTrans" cxnId="{EC88B53A-4519-49D3-9876-983DB0696CD8}">
       <dgm:prSet/>
       <dgm:spPr/>
     </dgm:pt>
@@ -3674,14 +3685,14 @@
     <dgm:cxn modelId="{C867F802-4C7A-40C8-B133-93701C1CC2EB}" type="presOf" srcId="{B298933B-0CBD-44FC-AB45-B567774299E3}" destId="{4A73C15C-D7F8-4A69-850C-706D276AFB0D}" srcOrd="0" destOrd="0" presId="urn:microsoft.com/office/officeart/2005/8/layout/list1"/>
     <dgm:cxn modelId="{F04BB6D1-CE42-4684-BA7A-13B281B057D2}" srcId="{2020E753-6FD2-43A5-A018-BAF24AE0910F}" destId="{B298933B-0CBD-44FC-AB45-B567774299E3}" srcOrd="3" destOrd="0" parTransId="{786D3127-3034-438A-8065-99B5D96EF624}" sibTransId="{F328BC7C-DAB7-4361-84B7-FCD07DD96982}"/>
     <dgm:cxn modelId="{8D6EB3B4-093B-4668-8D24-794B3E0F4604}" type="presOf" srcId="{B298933B-0CBD-44FC-AB45-B567774299E3}" destId="{2BA0BD4E-EE0C-49B1-B640-4B15D6468597}" srcOrd="1" destOrd="0" presId="urn:microsoft.com/office/officeart/2005/8/layout/list1"/>
+    <dgm:cxn modelId="{11A95B1B-ABD0-4753-B428-16CD8E528CE3}" type="presOf" srcId="{7A939AB3-F09D-4159-808F-A370CF315CD4}" destId="{88A4AE88-2F01-4434-BFF0-67970E32361A}" srcOrd="0" destOrd="0" presId="urn:microsoft.com/office/officeart/2005/8/layout/list1"/>
     <dgm:cxn modelId="{A3E8552D-FA56-4FC0-9853-D45AA565CBF6}" type="presOf" srcId="{E378082F-3B76-42B6-9F98-7D5B101A1CD1}" destId="{D3842DC2-DEB4-49CC-A6A1-0F472ACCA8A2}" srcOrd="1" destOrd="0" presId="urn:microsoft.com/office/officeart/2005/8/layout/list1"/>
-    <dgm:cxn modelId="{11A95B1B-ABD0-4753-B428-16CD8E528CE3}" type="presOf" srcId="{7A939AB3-F09D-4159-808F-A370CF315CD4}" destId="{88A4AE88-2F01-4434-BFF0-67970E32361A}" srcOrd="0" destOrd="0" presId="urn:microsoft.com/office/officeart/2005/8/layout/list1"/>
     <dgm:cxn modelId="{EC88B53A-4519-49D3-9876-983DB0696CD8}" srcId="{2020E753-6FD2-43A5-A018-BAF24AE0910F}" destId="{E378082F-3B76-42B6-9F98-7D5B101A1CD1}" srcOrd="2" destOrd="0" parTransId="{3EF545FA-5C75-43E6-BB2D-0837812F894E}" sibTransId="{1CA983B9-E940-472B-AACA-A43C64ED1749}"/>
     <dgm:cxn modelId="{83489503-787E-41B4-9637-2ADF637CC5A2}" type="presOf" srcId="{31C6F14A-52E3-43B5-AFF5-35C4A925E16F}" destId="{E84C37C6-D0B9-4ACE-8E9A-3EB85BBED718}" srcOrd="0" destOrd="0" presId="urn:microsoft.com/office/officeart/2005/8/layout/list1"/>
     <dgm:cxn modelId="{E5232EDA-DD98-4D39-A510-79EA2488AD09}" type="presOf" srcId="{AB49A13A-DDDA-4701-932F-CC03DD5FF3D0}" destId="{7EB0CEAC-7635-4D75-B3AC-83B572E88098}" srcOrd="0" destOrd="0" presId="urn:microsoft.com/office/officeart/2005/8/layout/list1"/>
     <dgm:cxn modelId="{0DF267BC-D7FF-4968-9F97-357B1002F5C8}" type="presOf" srcId="{F668DDDA-5AA7-4233-90D9-0AB16639553A}" destId="{8D63A2AF-4B14-4961-9A00-73883A18362C}" srcOrd="1" destOrd="0" presId="urn:microsoft.com/office/officeart/2005/8/layout/list1"/>
+    <dgm:cxn modelId="{9BADB5C9-FBAC-42C2-BAD6-B1AC148B0F6E}" type="presOf" srcId="{E378082F-3B76-42B6-9F98-7D5B101A1CD1}" destId="{5EA115A4-7C0E-4EB1-B54F-9B591CD3FA1E}" srcOrd="0" destOrd="0" presId="urn:microsoft.com/office/officeart/2005/8/layout/list1"/>
     <dgm:cxn modelId="{29772C22-E8E5-4747-8AE3-0CFFEE9D05A4}" type="presOf" srcId="{2020E753-6FD2-43A5-A018-BAF24AE0910F}" destId="{B506F653-F27E-4525-A3F7-6F5BD03AB1DD}" srcOrd="0" destOrd="0" presId="urn:microsoft.com/office/officeart/2005/8/layout/list1"/>
-    <dgm:cxn modelId="{9BADB5C9-FBAC-42C2-BAD6-B1AC148B0F6E}" type="presOf" srcId="{E378082F-3B76-42B6-9F98-7D5B101A1CD1}" destId="{5EA115A4-7C0E-4EB1-B54F-9B591CD3FA1E}" srcOrd="0" destOrd="0" presId="urn:microsoft.com/office/officeart/2005/8/layout/list1"/>
     <dgm:cxn modelId="{568900E5-DB7E-4563-BC5E-1C6F41F55950}" type="presOf" srcId="{F668DDDA-5AA7-4233-90D9-0AB16639553A}" destId="{8113899A-19B3-48E7-B7E7-173E9FD7403C}" srcOrd="0" destOrd="0" presId="urn:microsoft.com/office/officeart/2005/8/layout/list1"/>
     <dgm:cxn modelId="{87BA6851-4AB4-4543-BD76-B6827B2FB249}" type="presOf" srcId="{7A939AB3-F09D-4159-808F-A370CF315CD4}" destId="{C9615E8E-90CF-4934-A79C-FE6D7A972052}" srcOrd="1" destOrd="0" presId="urn:microsoft.com/office/officeart/2005/8/layout/list1"/>
     <dgm:cxn modelId="{1DAAC720-36CE-454A-98B5-291676E9187A}" srcId="{2020E753-6FD2-43A5-A018-BAF24AE0910F}" destId="{AB49A13A-DDDA-4701-932F-CC03DD5FF3D0}" srcOrd="0" destOrd="0" parTransId="{80DFD245-A03A-4B50-9B9D-4982F44D91BA}" sibTransId="{A15EF559-3069-425F-9CE0-9E750CDA1490}"/>
@@ -6033,12 +6044,7 @@
           <a:avLst/>
         </a:prstGeom>
         <a:solidFill>
-          <a:schemeClr val="accent1">
-            <a:hueOff val="0"/>
-            <a:satOff val="0"/>
-            <a:lumOff val="0"/>
-            <a:alphaOff val="0"/>
-          </a:schemeClr>
+          <a:srgbClr val="FF0000"/>
         </a:solidFill>
         <a:ln w="25400" cap="flat" cmpd="sng" algn="ctr">
           <a:solidFill>
@@ -11159,7 +11165,7 @@
             <a:fld id="{0AFDEA4B-F68B-4657-8A90-006825AAFDF4}" type="datetimeFigureOut">
               <a:rPr lang="de-DE" smtClean="0"/>
               <a:pPr/>
-              <a:t>03.07.2014</a:t>
+              <a:t>06.07.2014</a:t>
             </a:fld>
             <a:endParaRPr lang="de-DE"/>
           </a:p>
@@ -11326,7 +11332,7 @@
             <a:fld id="{0AFDEA4B-F68B-4657-8A90-006825AAFDF4}" type="datetimeFigureOut">
               <a:rPr lang="de-DE" smtClean="0"/>
               <a:pPr/>
-              <a:t>03.07.2014</a:t>
+              <a:t>06.07.2014</a:t>
             </a:fld>
             <a:endParaRPr lang="de-DE"/>
           </a:p>
@@ -11503,7 +11509,7 @@
             <a:fld id="{0AFDEA4B-F68B-4657-8A90-006825AAFDF4}" type="datetimeFigureOut">
               <a:rPr lang="de-DE" smtClean="0"/>
               <a:pPr/>
-              <a:t>03.07.2014</a:t>
+              <a:t>06.07.2014</a:t>
             </a:fld>
             <a:endParaRPr lang="de-DE"/>
           </a:p>
@@ -11670,7 +11676,7 @@
             <a:fld id="{0AFDEA4B-F68B-4657-8A90-006825AAFDF4}" type="datetimeFigureOut">
               <a:rPr lang="de-DE" smtClean="0"/>
               <a:pPr/>
-              <a:t>03.07.2014</a:t>
+              <a:t>06.07.2014</a:t>
             </a:fld>
             <a:endParaRPr lang="de-DE"/>
           </a:p>
@@ -11913,7 +11919,7 @@
             <a:fld id="{0AFDEA4B-F68B-4657-8A90-006825AAFDF4}" type="datetimeFigureOut">
               <a:rPr lang="de-DE" smtClean="0"/>
               <a:pPr/>
-              <a:t>03.07.2014</a:t>
+              <a:t>06.07.2014</a:t>
             </a:fld>
             <a:endParaRPr lang="de-DE"/>
           </a:p>
@@ -12198,7 +12204,7 @@
             <a:fld id="{0AFDEA4B-F68B-4657-8A90-006825AAFDF4}" type="datetimeFigureOut">
               <a:rPr lang="de-DE" smtClean="0"/>
               <a:pPr/>
-              <a:t>03.07.2014</a:t>
+              <a:t>06.07.2014</a:t>
             </a:fld>
             <a:endParaRPr lang="de-DE"/>
           </a:p>
@@ -12617,7 +12623,7 @@
             <a:fld id="{0AFDEA4B-F68B-4657-8A90-006825AAFDF4}" type="datetimeFigureOut">
               <a:rPr lang="de-DE" smtClean="0"/>
               <a:pPr/>
-              <a:t>03.07.2014</a:t>
+              <a:t>06.07.2014</a:t>
             </a:fld>
             <a:endParaRPr lang="de-DE"/>
           </a:p>
@@ -12732,7 +12738,7 @@
             <a:fld id="{0AFDEA4B-F68B-4657-8A90-006825AAFDF4}" type="datetimeFigureOut">
               <a:rPr lang="de-DE" smtClean="0"/>
               <a:pPr/>
-              <a:t>03.07.2014</a:t>
+              <a:t>06.07.2014</a:t>
             </a:fld>
             <a:endParaRPr lang="de-DE"/>
           </a:p>
@@ -12824,7 +12830,7 @@
             <a:fld id="{0AFDEA4B-F68B-4657-8A90-006825AAFDF4}" type="datetimeFigureOut">
               <a:rPr lang="de-DE" smtClean="0"/>
               <a:pPr/>
-              <a:t>03.07.2014</a:t>
+              <a:t>06.07.2014</a:t>
             </a:fld>
             <a:endParaRPr lang="de-DE"/>
           </a:p>
@@ -13098,7 +13104,7 @@
             <a:fld id="{0AFDEA4B-F68B-4657-8A90-006825AAFDF4}" type="datetimeFigureOut">
               <a:rPr lang="de-DE" smtClean="0"/>
               <a:pPr/>
-              <a:t>03.07.2014</a:t>
+              <a:t>06.07.2014</a:t>
             </a:fld>
             <a:endParaRPr lang="de-DE"/>
           </a:p>
@@ -13348,7 +13354,7 @@
             <a:fld id="{0AFDEA4B-F68B-4657-8A90-006825AAFDF4}" type="datetimeFigureOut">
               <a:rPr lang="de-DE" smtClean="0"/>
               <a:pPr/>
-              <a:t>03.07.2014</a:t>
+              <a:t>06.07.2014</a:t>
             </a:fld>
             <a:endParaRPr lang="de-DE"/>
           </a:p>
@@ -13558,7 +13564,7 @@
             <a:fld id="{0AFDEA4B-F68B-4657-8A90-006825AAFDF4}" type="datetimeFigureOut">
               <a:rPr lang="de-DE" smtClean="0"/>
               <a:pPr/>
-              <a:t>03.07.2014</a:t>
+              <a:t>06.07.2014</a:t>
             </a:fld>
             <a:endParaRPr lang="de-DE"/>
           </a:p>
@@ -14402,6 +14408,1321 @@
 </p:sld>
 </file>
 
+<file path=ppt/slides/slide11.xml><?xml version="1.0" encoding="utf-8"?>
+<p:sld xmlns:a="http://schemas.openxmlformats.org/drawingml/2006/main" xmlns:r="http://schemas.openxmlformats.org/officeDocument/2006/relationships" xmlns:p="http://schemas.openxmlformats.org/presentationml/2006/main">
+  <p:cSld>
+    <p:spTree>
+      <p:nvGrpSpPr>
+        <p:cNvPr id="1" name=""/>
+        <p:cNvGrpSpPr/>
+        <p:nvPr/>
+      </p:nvGrpSpPr>
+      <p:grpSpPr>
+        <a:xfrm>
+          <a:off x="0" y="0"/>
+          <a:ext cx="0" cy="0"/>
+          <a:chOff x="0" y="0"/>
+          <a:chExt cx="0" cy="0"/>
+        </a:xfrm>
+      </p:grpSpPr>
+      <p:sp>
+        <p:nvSpPr>
+          <p:cNvPr id="2" name="Titel 1"/>
+          <p:cNvSpPr>
+            <a:spLocks noGrp="1"/>
+          </p:cNvSpPr>
+          <p:nvPr>
+            <p:ph type="title"/>
+          </p:nvPr>
+        </p:nvSpPr>
+        <p:spPr/>
+        <p:txBody>
+          <a:bodyPr>
+            <a:normAutofit fontScale="90000"/>
+          </a:bodyPr>
+          <a:lstStyle/>
+          <a:p>
+            <a:r>
+              <a:rPr lang="de-DE" smtClean="0"/>
+              <a:t>Spannungen in der Deformierungszone beim Streckbiegen</a:t>
+            </a:r>
+            <a:br>
+              <a:rPr lang="de-DE" smtClean="0"/>
+            </a:br>
+            <a:endParaRPr lang="de-DE"/>
+          </a:p>
+        </p:txBody>
+      </p:sp>
+      <p:pic>
+        <p:nvPicPr>
+          <p:cNvPr id="5" name="Grafik 4" descr="neutralefaser.png"/>
+          <p:cNvPicPr>
+            <a:picLocks noChangeAspect="1"/>
+          </p:cNvPicPr>
+          <p:nvPr/>
+        </p:nvPicPr>
+        <p:blipFill>
+          <a:blip r:embed="rId2" cstate="print"/>
+          <a:stretch>
+            <a:fillRect/>
+          </a:stretch>
+        </p:blipFill>
+        <p:spPr>
+          <a:xfrm>
+            <a:off x="2000571" y="1729000"/>
+            <a:ext cx="5142857" cy="3400000"/>
+          </a:xfrm>
+          <a:prstGeom prst="rect">
+            <a:avLst/>
+          </a:prstGeom>
+        </p:spPr>
+      </p:pic>
+    </p:spTree>
+  </p:cSld>
+  <p:clrMapOvr>
+    <a:masterClrMapping/>
+  </p:clrMapOvr>
+</p:sld>
+</file>
+
+<file path=ppt/slides/slide12.xml><?xml version="1.0" encoding="utf-8"?>
+<p:sld xmlns:a="http://schemas.openxmlformats.org/drawingml/2006/main" xmlns:r="http://schemas.openxmlformats.org/officeDocument/2006/relationships" xmlns:p="http://schemas.openxmlformats.org/presentationml/2006/main">
+  <p:cSld>
+    <p:spTree>
+      <p:nvGrpSpPr>
+        <p:cNvPr id="1" name=""/>
+        <p:cNvGrpSpPr/>
+        <p:nvPr/>
+      </p:nvGrpSpPr>
+      <p:grpSpPr>
+        <a:xfrm>
+          <a:off x="0" y="0"/>
+          <a:ext cx="0" cy="0"/>
+          <a:chOff x="0" y="0"/>
+          <a:chExt cx="0" cy="0"/>
+        </a:xfrm>
+      </p:grpSpPr>
+      <p:sp>
+        <p:nvSpPr>
+          <p:cNvPr id="2" name="Titel 1"/>
+          <p:cNvSpPr>
+            <a:spLocks noGrp="1"/>
+          </p:cNvSpPr>
+          <p:nvPr>
+            <p:ph type="title"/>
+          </p:nvPr>
+        </p:nvSpPr>
+        <p:spPr/>
+        <p:txBody>
+          <a:bodyPr>
+            <a:normAutofit fontScale="90000"/>
+          </a:bodyPr>
+          <a:lstStyle/>
+          <a:p>
+            <a:r>
+              <a:rPr lang="de-DE" smtClean="0"/>
+              <a:t>Streckbiegemaschine und Biegewerkzeug</a:t>
+            </a:r>
+            <a:endParaRPr lang="de-DE"/>
+          </a:p>
+        </p:txBody>
+      </p:sp>
+      <p:pic>
+        <p:nvPicPr>
+          <p:cNvPr id="5" name="Inhaltsplatzhalter 4" descr="20131023_132557.jpg"/>
+          <p:cNvPicPr>
+            <a:picLocks noGrp="1" noChangeAspect="1"/>
+          </p:cNvPicPr>
+          <p:nvPr>
+            <p:ph sz="half" idx="1"/>
+          </p:nvPr>
+        </p:nvPicPr>
+        <p:blipFill>
+          <a:blip r:embed="rId2" cstate="print"/>
+          <a:stretch>
+            <a:fillRect/>
+          </a:stretch>
+        </p:blipFill>
+        <p:spPr>
+          <a:xfrm>
+            <a:off x="179512" y="2407500"/>
+            <a:ext cx="3816424" cy="2862318"/>
+          </a:xfrm>
+        </p:spPr>
+      </p:pic>
+      <p:pic>
+        <p:nvPicPr>
+          <p:cNvPr id="6" name="Inhaltsplatzhalter 5" descr="steckbiegeeinheit.jpg"/>
+          <p:cNvPicPr>
+            <a:picLocks noGrp="1" noChangeAspect="1"/>
+          </p:cNvPicPr>
+          <p:nvPr>
+            <p:ph sz="half" idx="2"/>
+          </p:nvPr>
+        </p:nvPicPr>
+        <p:blipFill>
+          <a:blip r:embed="rId3" cstate="print"/>
+          <a:stretch>
+            <a:fillRect/>
+          </a:stretch>
+        </p:blipFill>
+        <p:spPr>
+          <a:xfrm>
+            <a:off x="4384936" y="2420888"/>
+            <a:ext cx="4602250" cy="2880320"/>
+          </a:xfrm>
+        </p:spPr>
+      </p:pic>
+    </p:spTree>
+  </p:cSld>
+  <p:clrMapOvr>
+    <a:masterClrMapping/>
+  </p:clrMapOvr>
+</p:sld>
+</file>
+
+<file path=ppt/slides/slide13.xml><?xml version="1.0" encoding="utf-8"?>
+<p:sld xmlns:a="http://schemas.openxmlformats.org/drawingml/2006/main" xmlns:r="http://schemas.openxmlformats.org/officeDocument/2006/relationships" xmlns:p="http://schemas.openxmlformats.org/presentationml/2006/main">
+  <p:cSld>
+    <p:spTree>
+      <p:nvGrpSpPr>
+        <p:cNvPr id="1" name=""/>
+        <p:cNvGrpSpPr/>
+        <p:nvPr/>
+      </p:nvGrpSpPr>
+      <p:grpSpPr>
+        <a:xfrm>
+          <a:off x="0" y="0"/>
+          <a:ext cx="0" cy="0"/>
+          <a:chOff x="0" y="0"/>
+          <a:chExt cx="0" cy="0"/>
+        </a:xfrm>
+      </p:grpSpPr>
+      <p:sp>
+        <p:nvSpPr>
+          <p:cNvPr id="2" name="Titel 1"/>
+          <p:cNvSpPr>
+            <a:spLocks noGrp="1"/>
+          </p:cNvSpPr>
+          <p:nvPr>
+            <p:ph type="title"/>
+          </p:nvPr>
+        </p:nvSpPr>
+        <p:spPr/>
+        <p:txBody>
+          <a:bodyPr>
+            <a:normAutofit fontScale="90000"/>
+          </a:bodyPr>
+          <a:lstStyle/>
+          <a:p>
+            <a:r>
+              <a:rPr lang="de-DE" smtClean="0"/>
+              <a:t>Entscheidende Bauteilgeometrie der Untersuchung</a:t>
+            </a:r>
+            <a:endParaRPr lang="de-DE"/>
+          </a:p>
+        </p:txBody>
+      </p:sp>
+      <p:pic>
+        <p:nvPicPr>
+          <p:cNvPr id="5" name="Inhaltsplatzhalter 4" descr="vdkdorient.jpg"/>
+          <p:cNvPicPr>
+            <a:picLocks noGrp="1" noChangeAspect="1"/>
+          </p:cNvPicPr>
+          <p:nvPr>
+            <p:ph sz="half" idx="1"/>
+          </p:nvPr>
+        </p:nvPicPr>
+        <p:blipFill>
+          <a:blip r:embed="rId2" cstate="print"/>
+          <a:stretch>
+            <a:fillRect/>
+          </a:stretch>
+        </p:blipFill>
+        <p:spPr>
+          <a:xfrm>
+            <a:off x="3342224" y="2132856"/>
+            <a:ext cx="5497504" cy="2393441"/>
+          </a:xfrm>
+        </p:spPr>
+      </p:pic>
+      <p:sp>
+        <p:nvSpPr>
+          <p:cNvPr id="6" name="Textfeld 5"/>
+          <p:cNvSpPr txBox="1"/>
+          <p:nvPr/>
+        </p:nvSpPr>
+        <p:spPr>
+          <a:xfrm>
+            <a:off x="3635896" y="4653136"/>
+            <a:ext cx="4968552" cy="369332"/>
+          </a:xfrm>
+          <a:prstGeom prst="rect">
+            <a:avLst/>
+          </a:prstGeom>
+          <a:noFill/>
+        </p:spPr>
+        <p:txBody>
+          <a:bodyPr wrap="square" rtlCol="0">
+            <a:spAutoFit/>
+          </a:bodyPr>
+          <a:lstStyle/>
+          <a:p>
+            <a:r>
+              <a:rPr lang="de-DE" b="1" i="1" smtClean="0"/>
+              <a:t>Messpunkte und Orientierung der Aussenkontur</a:t>
+            </a:r>
+            <a:endParaRPr lang="de-DE" b="1" i="1"/>
+          </a:p>
+        </p:txBody>
+      </p:sp>
+      <p:sp>
+        <p:nvSpPr>
+          <p:cNvPr id="7" name="Textfeld 6"/>
+          <p:cNvSpPr txBox="1"/>
+          <p:nvPr/>
+        </p:nvSpPr>
+        <p:spPr>
+          <a:xfrm>
+            <a:off x="251520" y="2276872"/>
+            <a:ext cx="2736304" cy="2308324"/>
+          </a:xfrm>
+          <a:prstGeom prst="rect">
+            <a:avLst/>
+          </a:prstGeom>
+          <a:noFill/>
+        </p:spPr>
+        <p:txBody>
+          <a:bodyPr wrap="square" rtlCol="0">
+            <a:spAutoFit/>
+          </a:bodyPr>
+          <a:lstStyle/>
+          <a:p>
+            <a:pPr>
+              <a:buFont typeface="Arial" pitchFamily="34" charset="0"/>
+              <a:buChar char="•"/>
+            </a:pPr>
+            <a:r>
+              <a:rPr lang="de-DE" smtClean="0"/>
+              <a:t>Nennmaß der Aussenkontur ist Null</a:t>
+            </a:r>
+          </a:p>
+          <a:p>
+            <a:pPr>
+              <a:buFont typeface="Arial" pitchFamily="34" charset="0"/>
+              <a:buChar char="•"/>
+            </a:pPr>
+            <a:r>
+              <a:rPr lang="de-DE" smtClean="0"/>
+              <a:t>Positive Messwerte bedeuten insbesondere and den Messpunkte MP1 – MP3 und MP8 – MP10 eine erhöhte Rückfederung</a:t>
+            </a:r>
+          </a:p>
+          <a:p>
+            <a:endParaRPr lang="de-DE"/>
+          </a:p>
+        </p:txBody>
+      </p:sp>
+    </p:spTree>
+  </p:cSld>
+  <p:clrMapOvr>
+    <a:masterClrMapping/>
+  </p:clrMapOvr>
+</p:sld>
+</file>
+
+<file path=ppt/slides/slide14.xml><?xml version="1.0" encoding="utf-8"?>
+<p:sld xmlns:a="http://schemas.openxmlformats.org/drawingml/2006/main" xmlns:r="http://schemas.openxmlformats.org/officeDocument/2006/relationships" xmlns:p="http://schemas.openxmlformats.org/presentationml/2006/main">
+  <p:cSld>
+    <p:spTree>
+      <p:nvGrpSpPr>
+        <p:cNvPr id="1" name=""/>
+        <p:cNvGrpSpPr/>
+        <p:nvPr/>
+      </p:nvGrpSpPr>
+      <p:grpSpPr>
+        <a:xfrm>
+          <a:off x="0" y="0"/>
+          <a:ext cx="0" cy="0"/>
+          <a:chOff x="0" y="0"/>
+          <a:chExt cx="0" cy="0"/>
+        </a:xfrm>
+      </p:grpSpPr>
+      <p:sp>
+        <p:nvSpPr>
+          <p:cNvPr id="2" name="Titel 1"/>
+          <p:cNvSpPr>
+            <a:spLocks noGrp="1"/>
+          </p:cNvSpPr>
+          <p:nvPr>
+            <p:ph type="title"/>
+          </p:nvPr>
+        </p:nvSpPr>
+        <p:spPr/>
+        <p:txBody>
+          <a:bodyPr/>
+          <a:lstStyle/>
+          <a:p>
+            <a:r>
+              <a:rPr lang="de-DE" smtClean="0"/>
+              <a:t>Messmethode</a:t>
+            </a:r>
+            <a:endParaRPr lang="de-DE"/>
+          </a:p>
+        </p:txBody>
+      </p:sp>
+      <p:pic>
+        <p:nvPicPr>
+          <p:cNvPr id="3" name="Grafik 2" descr="messlehre.jpg"/>
+          <p:cNvPicPr>
+            <a:picLocks noChangeAspect="1"/>
+          </p:cNvPicPr>
+          <p:nvPr/>
+        </p:nvPicPr>
+        <p:blipFill>
+          <a:blip r:embed="rId2" cstate="print"/>
+          <a:stretch>
+            <a:fillRect/>
+          </a:stretch>
+        </p:blipFill>
+        <p:spPr>
+          <a:xfrm>
+            <a:off x="899592" y="1340768"/>
+            <a:ext cx="7237934" cy="2736995"/>
+          </a:xfrm>
+          <a:prstGeom prst="rect">
+            <a:avLst/>
+          </a:prstGeom>
+        </p:spPr>
+      </p:pic>
+      <p:sp>
+        <p:nvSpPr>
+          <p:cNvPr id="4" name="Textfeld 3"/>
+          <p:cNvSpPr txBox="1"/>
+          <p:nvPr/>
+        </p:nvSpPr>
+        <p:spPr>
+          <a:xfrm>
+            <a:off x="2411760" y="4365104"/>
+            <a:ext cx="4176464" cy="646331"/>
+          </a:xfrm>
+          <a:prstGeom prst="rect">
+            <a:avLst/>
+          </a:prstGeom>
+          <a:noFill/>
+        </p:spPr>
+        <p:txBody>
+          <a:bodyPr wrap="square" rtlCol="0">
+            <a:spAutoFit/>
+          </a:bodyPr>
+          <a:lstStyle/>
+          <a:p>
+            <a:r>
+              <a:rPr lang="de-DE" b="1" i="1" smtClean="0"/>
+              <a:t>Eingelegtes Bauteil in Messlehre.</a:t>
+            </a:r>
+          </a:p>
+          <a:p>
+            <a:r>
+              <a:rPr lang="de-DE" b="1" i="1" smtClean="0"/>
+              <a:t>Einbausituation soll simuliert werden.</a:t>
+            </a:r>
+            <a:endParaRPr lang="de-DE" b="1" i="1"/>
+          </a:p>
+        </p:txBody>
+      </p:sp>
+    </p:spTree>
+  </p:cSld>
+  <p:clrMapOvr>
+    <a:masterClrMapping/>
+  </p:clrMapOvr>
+</p:sld>
+</file>
+
+<file path=ppt/slides/slide15.xml><?xml version="1.0" encoding="utf-8"?>
+<p:sld xmlns:a="http://schemas.openxmlformats.org/drawingml/2006/main" xmlns:r="http://schemas.openxmlformats.org/officeDocument/2006/relationships" xmlns:p="http://schemas.openxmlformats.org/presentationml/2006/main">
+  <p:cSld>
+    <p:spTree>
+      <p:nvGrpSpPr>
+        <p:cNvPr id="1" name=""/>
+        <p:cNvGrpSpPr/>
+        <p:nvPr/>
+      </p:nvGrpSpPr>
+      <p:grpSpPr>
+        <a:xfrm>
+          <a:off x="0" y="0"/>
+          <a:ext cx="0" cy="0"/>
+          <a:chOff x="0" y="0"/>
+          <a:chExt cx="0" cy="0"/>
+        </a:xfrm>
+      </p:grpSpPr>
+      <p:pic>
+        <p:nvPicPr>
+          <p:cNvPr id="2" name="Grafik 1" descr="20131023_132921.jpg"/>
+          <p:cNvPicPr>
+            <a:picLocks noChangeAspect="1"/>
+          </p:cNvPicPr>
+          <p:nvPr/>
+        </p:nvPicPr>
+        <p:blipFill>
+          <a:blip r:embed="rId2" cstate="print"/>
+          <a:stretch>
+            <a:fillRect/>
+          </a:stretch>
+        </p:blipFill>
+        <p:spPr>
+          <a:xfrm>
+            <a:off x="107504" y="3284984"/>
+            <a:ext cx="3024335" cy="2268251"/>
+          </a:xfrm>
+          <a:prstGeom prst="rect">
+            <a:avLst/>
+          </a:prstGeom>
+        </p:spPr>
+      </p:pic>
+      <p:pic>
+        <p:nvPicPr>
+          <p:cNvPr id="4" name="Grafik 3" descr="messpunktevdkda3.png"/>
+          <p:cNvPicPr>
+            <a:picLocks noChangeAspect="1"/>
+          </p:cNvPicPr>
+          <p:nvPr/>
+        </p:nvPicPr>
+        <p:blipFill>
+          <a:blip r:embed="rId3" cstate="print"/>
+          <a:stretch>
+            <a:fillRect/>
+          </a:stretch>
+        </p:blipFill>
+        <p:spPr>
+          <a:xfrm>
+            <a:off x="3491881" y="3260936"/>
+            <a:ext cx="5120786" cy="2277010"/>
+          </a:xfrm>
+          <a:prstGeom prst="rect">
+            <a:avLst/>
+          </a:prstGeom>
+        </p:spPr>
+      </p:pic>
+      <p:cxnSp>
+        <p:nvCxnSpPr>
+          <p:cNvPr id="9" name="Gewinkelte Verbindung 8"/>
+          <p:cNvCxnSpPr/>
+          <p:nvPr/>
+        </p:nvCxnSpPr>
+        <p:spPr>
+          <a:xfrm flipV="1">
+            <a:off x="395536" y="2708920"/>
+            <a:ext cx="2088232" cy="576064"/>
+          </a:xfrm>
+          <a:prstGeom prst="bentConnector3">
+            <a:avLst>
+              <a:gd name="adj1" fmla="val 14969"/>
+            </a:avLst>
+          </a:prstGeom>
+        </p:spPr>
+        <p:style>
+          <a:lnRef idx="1">
+            <a:schemeClr val="accent1"/>
+          </a:lnRef>
+          <a:fillRef idx="0">
+            <a:schemeClr val="accent1"/>
+          </a:fillRef>
+          <a:effectRef idx="0">
+            <a:schemeClr val="accent1"/>
+          </a:effectRef>
+          <a:fontRef idx="minor">
+            <a:schemeClr val="tx1"/>
+          </a:fontRef>
+        </p:style>
+      </p:cxnSp>
+      <p:sp>
+        <p:nvSpPr>
+          <p:cNvPr id="12" name="Textfeld 11"/>
+          <p:cNvSpPr txBox="1"/>
+          <p:nvPr/>
+        </p:nvSpPr>
+        <p:spPr>
+          <a:xfrm>
+            <a:off x="683568" y="1772816"/>
+            <a:ext cx="3240360" cy="923330"/>
+          </a:xfrm>
+          <a:prstGeom prst="rect">
+            <a:avLst/>
+          </a:prstGeom>
+          <a:noFill/>
+        </p:spPr>
+        <p:txBody>
+          <a:bodyPr wrap="square" rtlCol="0">
+            <a:spAutoFit/>
+          </a:bodyPr>
+          <a:lstStyle/>
+          <a:p>
+            <a:r>
+              <a:rPr lang="de-DE" smtClean="0"/>
+              <a:t>Abfahren der Messpunkte „Kontur aussen“ mit der Messuhr</a:t>
+            </a:r>
+            <a:endParaRPr lang="de-DE"/>
+          </a:p>
+        </p:txBody>
+      </p:sp>
+      <p:cxnSp>
+        <p:nvCxnSpPr>
+          <p:cNvPr id="16" name="Gewinkelte Verbindung 15"/>
+          <p:cNvCxnSpPr/>
+          <p:nvPr/>
+        </p:nvCxnSpPr>
+        <p:spPr>
+          <a:xfrm flipV="1">
+            <a:off x="4283968" y="2708920"/>
+            <a:ext cx="3600400" cy="864096"/>
+          </a:xfrm>
+          <a:prstGeom prst="bentConnector3">
+            <a:avLst>
+              <a:gd name="adj1" fmla="val -3029"/>
+            </a:avLst>
+          </a:prstGeom>
+        </p:spPr>
+        <p:style>
+          <a:lnRef idx="1">
+            <a:schemeClr val="accent1"/>
+          </a:lnRef>
+          <a:fillRef idx="0">
+            <a:schemeClr val="accent1"/>
+          </a:fillRef>
+          <a:effectRef idx="0">
+            <a:schemeClr val="accent1"/>
+          </a:effectRef>
+          <a:fontRef idx="minor">
+            <a:schemeClr val="tx1"/>
+          </a:fontRef>
+        </p:style>
+      </p:cxnSp>
+      <p:sp>
+        <p:nvSpPr>
+          <p:cNvPr id="20" name="Textfeld 19"/>
+          <p:cNvSpPr txBox="1"/>
+          <p:nvPr/>
+        </p:nvSpPr>
+        <p:spPr>
+          <a:xfrm>
+            <a:off x="4139952" y="2060848"/>
+            <a:ext cx="4320480" cy="646331"/>
+          </a:xfrm>
+          <a:prstGeom prst="rect">
+            <a:avLst/>
+          </a:prstGeom>
+          <a:noFill/>
+        </p:spPr>
+        <p:txBody>
+          <a:bodyPr wrap="square" rtlCol="0">
+            <a:spAutoFit/>
+          </a:bodyPr>
+          <a:lstStyle/>
+          <a:p>
+            <a:r>
+              <a:rPr lang="de-DE" smtClean="0"/>
+              <a:t>Grün markiert Messpunkte der Aussenkontur</a:t>
+            </a:r>
+            <a:endParaRPr lang="de-DE"/>
+          </a:p>
+        </p:txBody>
+      </p:sp>
+    </p:spTree>
+  </p:cSld>
+  <p:clrMapOvr>
+    <a:masterClrMapping/>
+  </p:clrMapOvr>
+</p:sld>
+</file>
+
+<file path=ppt/slides/slide16.xml><?xml version="1.0" encoding="utf-8"?>
+<p:sld xmlns:a="http://schemas.openxmlformats.org/drawingml/2006/main" xmlns:r="http://schemas.openxmlformats.org/officeDocument/2006/relationships" xmlns:p="http://schemas.openxmlformats.org/presentationml/2006/main">
+  <p:cSld>
+    <p:spTree>
+      <p:nvGrpSpPr>
+        <p:cNvPr id="1" name=""/>
+        <p:cNvGrpSpPr/>
+        <p:nvPr/>
+      </p:nvGrpSpPr>
+      <p:grpSpPr>
+        <a:xfrm>
+          <a:off x="0" y="0"/>
+          <a:ext cx="0" cy="0"/>
+          <a:chOff x="0" y="0"/>
+          <a:chExt cx="0" cy="0"/>
+        </a:xfrm>
+      </p:grpSpPr>
+      <p:pic>
+        <p:nvPicPr>
+          <p:cNvPr id="3" name="Grafik 2" descr="MessblattOriginal.jpg"/>
+          <p:cNvPicPr>
+            <a:picLocks noChangeAspect="1"/>
+          </p:cNvPicPr>
+          <p:nvPr/>
+        </p:nvPicPr>
+        <p:blipFill>
+          <a:blip r:embed="rId2" cstate="print"/>
+          <a:stretch>
+            <a:fillRect/>
+          </a:stretch>
+        </p:blipFill>
+        <p:spPr>
+          <a:xfrm>
+            <a:off x="3491880" y="2636912"/>
+            <a:ext cx="5184576" cy="4007973"/>
+          </a:xfrm>
+          <a:prstGeom prst="rect">
+            <a:avLst/>
+          </a:prstGeom>
+        </p:spPr>
+      </p:pic>
+      <p:cxnSp>
+        <p:nvCxnSpPr>
+          <p:cNvPr id="12" name="Gewinkelte Verbindung 11"/>
+          <p:cNvCxnSpPr/>
+          <p:nvPr/>
+        </p:nvCxnSpPr>
+        <p:spPr>
+          <a:xfrm flipV="1">
+            <a:off x="3635896" y="2204864"/>
+            <a:ext cx="4824536" cy="432048"/>
+          </a:xfrm>
+          <a:prstGeom prst="bentConnector3">
+            <a:avLst>
+              <a:gd name="adj1" fmla="val 7090"/>
+            </a:avLst>
+          </a:prstGeom>
+        </p:spPr>
+        <p:style>
+          <a:lnRef idx="1">
+            <a:schemeClr val="accent1"/>
+          </a:lnRef>
+          <a:fillRef idx="0">
+            <a:schemeClr val="accent1"/>
+          </a:fillRef>
+          <a:effectRef idx="0">
+            <a:schemeClr val="accent1"/>
+          </a:effectRef>
+          <a:fontRef idx="minor">
+            <a:schemeClr val="tx1"/>
+          </a:fontRef>
+        </p:style>
+      </p:cxnSp>
+      <p:sp>
+        <p:nvSpPr>
+          <p:cNvPr id="16" name="Textfeld 15"/>
+          <p:cNvSpPr txBox="1"/>
+          <p:nvPr/>
+        </p:nvSpPr>
+        <p:spPr>
+          <a:xfrm>
+            <a:off x="3995936" y="1412776"/>
+            <a:ext cx="4680520" cy="646331"/>
+          </a:xfrm>
+          <a:prstGeom prst="rect">
+            <a:avLst/>
+          </a:prstGeom>
+          <a:noFill/>
+        </p:spPr>
+        <p:txBody>
+          <a:bodyPr wrap="square" rtlCol="0">
+            <a:spAutoFit/>
+          </a:bodyPr>
+          <a:lstStyle/>
+          <a:p>
+            <a:r>
+              <a:rPr lang="de-DE" smtClean="0"/>
+              <a:t>Messprotokoll zur Erfassung der Messergebnisse verschiedener Messbereiche</a:t>
+            </a:r>
+            <a:endParaRPr lang="de-DE"/>
+          </a:p>
+        </p:txBody>
+      </p:sp>
+      <p:cxnSp>
+        <p:nvCxnSpPr>
+          <p:cNvPr id="18" name="Gewinkelte Verbindung 17"/>
+          <p:cNvCxnSpPr/>
+          <p:nvPr/>
+        </p:nvCxnSpPr>
+        <p:spPr>
+          <a:xfrm>
+            <a:off x="755576" y="4725144"/>
+            <a:ext cx="2736304" cy="576064"/>
+          </a:xfrm>
+          <a:prstGeom prst="bentConnector3">
+            <a:avLst>
+              <a:gd name="adj1" fmla="val 84487"/>
+            </a:avLst>
+          </a:prstGeom>
+          <a:ln>
+            <a:tailEnd type="arrow"/>
+          </a:ln>
+        </p:spPr>
+        <p:style>
+          <a:lnRef idx="1">
+            <a:schemeClr val="accent1"/>
+          </a:lnRef>
+          <a:fillRef idx="0">
+            <a:schemeClr val="accent1"/>
+          </a:fillRef>
+          <a:effectRef idx="0">
+            <a:schemeClr val="accent1"/>
+          </a:effectRef>
+          <a:fontRef idx="minor">
+            <a:schemeClr val="tx1"/>
+          </a:fontRef>
+        </p:style>
+      </p:cxnSp>
+      <p:sp>
+        <p:nvSpPr>
+          <p:cNvPr id="21" name="Textfeld 20"/>
+          <p:cNvSpPr txBox="1"/>
+          <p:nvPr/>
+        </p:nvSpPr>
+        <p:spPr>
+          <a:xfrm>
+            <a:off x="683568" y="4365104"/>
+            <a:ext cx="2160240" cy="369332"/>
+          </a:xfrm>
+          <a:prstGeom prst="rect">
+            <a:avLst/>
+          </a:prstGeom>
+          <a:noFill/>
+        </p:spPr>
+        <p:txBody>
+          <a:bodyPr wrap="square" rtlCol="0">
+            <a:spAutoFit/>
+          </a:bodyPr>
+          <a:lstStyle/>
+          <a:p>
+            <a:r>
+              <a:rPr lang="de-DE" smtClean="0"/>
+              <a:t>Kontur aussen (grün)</a:t>
+            </a:r>
+            <a:endParaRPr lang="de-DE"/>
+          </a:p>
+        </p:txBody>
+      </p:sp>
+    </p:spTree>
+  </p:cSld>
+  <p:clrMapOvr>
+    <a:masterClrMapping/>
+  </p:clrMapOvr>
+</p:sld>
+</file>
+
+<file path=ppt/slides/slide17.xml><?xml version="1.0" encoding="utf-8"?>
+<p:sld xmlns:a="http://schemas.openxmlformats.org/drawingml/2006/main" xmlns:r="http://schemas.openxmlformats.org/officeDocument/2006/relationships" xmlns:p="http://schemas.openxmlformats.org/presentationml/2006/main">
+  <p:cSld>
+    <p:spTree>
+      <p:nvGrpSpPr>
+        <p:cNvPr id="1" name=""/>
+        <p:cNvGrpSpPr/>
+        <p:nvPr/>
+      </p:nvGrpSpPr>
+      <p:grpSpPr>
+        <a:xfrm>
+          <a:off x="0" y="0"/>
+          <a:ext cx="0" cy="0"/>
+          <a:chOff x="0" y="0"/>
+          <a:chExt cx="0" cy="0"/>
+        </a:xfrm>
+      </p:grpSpPr>
+      <p:sp>
+        <p:nvSpPr>
+          <p:cNvPr id="2" name="Titel 1"/>
+          <p:cNvSpPr>
+            <a:spLocks noGrp="1"/>
+          </p:cNvSpPr>
+          <p:nvPr>
+            <p:ph type="title"/>
+          </p:nvPr>
+        </p:nvSpPr>
+        <p:spPr/>
+        <p:txBody>
+          <a:bodyPr/>
+          <a:lstStyle/>
+          <a:p>
+            <a:r>
+              <a:rPr lang="de-DE" smtClean="0"/>
+              <a:t>Auswertungsmethode</a:t>
+            </a:r>
+            <a:endParaRPr lang="de-DE"/>
+          </a:p>
+        </p:txBody>
+      </p:sp>
+      <p:pic>
+        <p:nvPicPr>
+          <p:cNvPr id="3" name="Grafik 2" descr="F17elox.jpg"/>
+          <p:cNvPicPr>
+            <a:picLocks noChangeAspect="1"/>
+          </p:cNvPicPr>
+          <p:nvPr/>
+        </p:nvPicPr>
+        <p:blipFill>
+          <a:blip r:embed="rId2" cstate="print"/>
+          <a:stretch>
+            <a:fillRect/>
+          </a:stretch>
+        </p:blipFill>
+        <p:spPr>
+          <a:xfrm>
+            <a:off x="1979713" y="3009688"/>
+            <a:ext cx="4032448" cy="1929357"/>
+          </a:xfrm>
+          <a:prstGeom prst="rect">
+            <a:avLst/>
+          </a:prstGeom>
+        </p:spPr>
+      </p:pic>
+      <p:pic>
+        <p:nvPicPr>
+          <p:cNvPr id="6" name="Grafik 5" descr="StandardabweichungDesMittelwerts.jpg"/>
+          <p:cNvPicPr>
+            <a:picLocks noChangeAspect="1"/>
+          </p:cNvPicPr>
+          <p:nvPr/>
+        </p:nvPicPr>
+        <p:blipFill>
+          <a:blip r:embed="rId3" cstate="print"/>
+          <a:stretch>
+            <a:fillRect/>
+          </a:stretch>
+        </p:blipFill>
+        <p:spPr>
+          <a:xfrm>
+            <a:off x="4572000" y="1700808"/>
+            <a:ext cx="3312368" cy="816851"/>
+          </a:xfrm>
+          <a:prstGeom prst="rect">
+            <a:avLst/>
+          </a:prstGeom>
+        </p:spPr>
+      </p:pic>
+      <p:pic>
+        <p:nvPicPr>
+          <p:cNvPr id="7" name="Grafik 6" descr="StandardabweichungEmpirische.jpg"/>
+          <p:cNvPicPr>
+            <a:picLocks noChangeAspect="1"/>
+          </p:cNvPicPr>
+          <p:nvPr/>
+        </p:nvPicPr>
+        <p:blipFill>
+          <a:blip r:embed="rId4" cstate="print"/>
+          <a:stretch>
+            <a:fillRect/>
+          </a:stretch>
+        </p:blipFill>
+        <p:spPr>
+          <a:xfrm>
+            <a:off x="539552" y="1556792"/>
+            <a:ext cx="2520280" cy="979163"/>
+          </a:xfrm>
+          <a:prstGeom prst="rect">
+            <a:avLst/>
+          </a:prstGeom>
+        </p:spPr>
+      </p:pic>
+      <p:pic>
+        <p:nvPicPr>
+          <p:cNvPr id="8" name="Grafik 7" descr="ChargenWerte.jpg"/>
+          <p:cNvPicPr>
+            <a:picLocks noChangeAspect="1"/>
+          </p:cNvPicPr>
+          <p:nvPr/>
+        </p:nvPicPr>
+        <p:blipFill>
+          <a:blip r:embed="rId5" cstate="print"/>
+          <a:stretch>
+            <a:fillRect/>
+          </a:stretch>
+        </p:blipFill>
+        <p:spPr>
+          <a:xfrm>
+            <a:off x="2112873" y="5531974"/>
+            <a:ext cx="3683263" cy="887478"/>
+          </a:xfrm>
+          <a:prstGeom prst="rect">
+            <a:avLst/>
+          </a:prstGeom>
+        </p:spPr>
+      </p:pic>
+      <p:sp>
+        <p:nvSpPr>
+          <p:cNvPr id="9" name="Textfeld 8"/>
+          <p:cNvSpPr txBox="1"/>
+          <p:nvPr/>
+        </p:nvSpPr>
+        <p:spPr>
+          <a:xfrm>
+            <a:off x="755576" y="1628800"/>
+            <a:ext cx="1368152" cy="369332"/>
+          </a:xfrm>
+          <a:prstGeom prst="rect">
+            <a:avLst/>
+          </a:prstGeom>
+          <a:noFill/>
+        </p:spPr>
+        <p:txBody>
+          <a:bodyPr wrap="square" rtlCol="0">
+            <a:spAutoFit/>
+          </a:bodyPr>
+          <a:lstStyle/>
+          <a:p>
+            <a:endParaRPr lang="de-DE"/>
+          </a:p>
+        </p:txBody>
+      </p:sp>
+      <p:sp>
+        <p:nvSpPr>
+          <p:cNvPr id="10" name="Textfeld 9"/>
+          <p:cNvSpPr txBox="1"/>
+          <p:nvPr/>
+        </p:nvSpPr>
+        <p:spPr>
+          <a:xfrm>
+            <a:off x="611560" y="1412776"/>
+            <a:ext cx="3240360" cy="307777"/>
+          </a:xfrm>
+          <a:prstGeom prst="rect">
+            <a:avLst/>
+          </a:prstGeom>
+          <a:noFill/>
+        </p:spPr>
+        <p:txBody>
+          <a:bodyPr wrap="square" rtlCol="0">
+            <a:spAutoFit/>
+          </a:bodyPr>
+          <a:lstStyle/>
+          <a:p>
+            <a:r>
+              <a:rPr lang="de-DE" sz="1400" b="1" i="1" smtClean="0">
+                <a:solidFill>
+                  <a:srgbClr val="FF0000"/>
+                </a:solidFill>
+              </a:rPr>
+              <a:t>Empirische Standardabweichung</a:t>
+            </a:r>
+            <a:endParaRPr lang="de-DE" sz="1400" b="1" i="1">
+              <a:solidFill>
+                <a:srgbClr val="FF0000"/>
+              </a:solidFill>
+            </a:endParaRPr>
+          </a:p>
+        </p:txBody>
+      </p:sp>
+      <p:sp>
+        <p:nvSpPr>
+          <p:cNvPr id="11" name="Textfeld 10"/>
+          <p:cNvSpPr txBox="1"/>
+          <p:nvPr/>
+        </p:nvSpPr>
+        <p:spPr>
+          <a:xfrm>
+            <a:off x="4716016" y="1340768"/>
+            <a:ext cx="4032448" cy="523220"/>
+          </a:xfrm>
+          <a:prstGeom prst="rect">
+            <a:avLst/>
+          </a:prstGeom>
+          <a:noFill/>
+        </p:spPr>
+        <p:txBody>
+          <a:bodyPr wrap="square" rtlCol="0">
+            <a:spAutoFit/>
+          </a:bodyPr>
+          <a:lstStyle/>
+          <a:p>
+            <a:r>
+              <a:rPr lang="de-DE" sz="1400" b="1" i="1" smtClean="0">
+                <a:solidFill>
+                  <a:srgbClr val="FF0000"/>
+                </a:solidFill>
+              </a:rPr>
+              <a:t>Standardabweichung des Mittelwerts (mit Berücksichtigung des Vertrauensbereichs)</a:t>
+            </a:r>
+            <a:endParaRPr lang="de-DE" sz="1400" b="1" i="1">
+              <a:solidFill>
+                <a:srgbClr val="FF0000"/>
+              </a:solidFill>
+            </a:endParaRPr>
+          </a:p>
+        </p:txBody>
+      </p:sp>
+      <p:cxnSp>
+        <p:nvCxnSpPr>
+          <p:cNvPr id="13" name="Gerade Verbindung mit Pfeil 12"/>
+          <p:cNvCxnSpPr/>
+          <p:nvPr/>
+        </p:nvCxnSpPr>
+        <p:spPr>
+          <a:xfrm flipH="1" flipV="1">
+            <a:off x="2267744" y="2492896"/>
+            <a:ext cx="1440160" cy="504056"/>
+          </a:xfrm>
+          <a:prstGeom prst="straightConnector1">
+            <a:avLst/>
+          </a:prstGeom>
+          <a:ln w="19050">
+            <a:solidFill>
+              <a:srgbClr val="FF0000"/>
+            </a:solidFill>
+            <a:tailEnd type="arrow"/>
+          </a:ln>
+        </p:spPr>
+        <p:style>
+          <a:lnRef idx="1">
+            <a:schemeClr val="accent1"/>
+          </a:lnRef>
+          <a:fillRef idx="0">
+            <a:schemeClr val="accent1"/>
+          </a:fillRef>
+          <a:effectRef idx="0">
+            <a:schemeClr val="accent1"/>
+          </a:effectRef>
+          <a:fontRef idx="minor">
+            <a:schemeClr val="tx1"/>
+          </a:fontRef>
+        </p:style>
+      </p:cxnSp>
+      <p:cxnSp>
+        <p:nvCxnSpPr>
+          <p:cNvPr id="15" name="Gerade Verbindung mit Pfeil 14"/>
+          <p:cNvCxnSpPr/>
+          <p:nvPr/>
+        </p:nvCxnSpPr>
+        <p:spPr>
+          <a:xfrm flipV="1">
+            <a:off x="3851920" y="2348880"/>
+            <a:ext cx="936104" cy="648072"/>
+          </a:xfrm>
+          <a:prstGeom prst="straightConnector1">
+            <a:avLst/>
+          </a:prstGeom>
+          <a:ln w="19050">
+            <a:solidFill>
+              <a:srgbClr val="FF0000"/>
+            </a:solidFill>
+            <a:tailEnd type="arrow"/>
+          </a:ln>
+        </p:spPr>
+        <p:style>
+          <a:lnRef idx="1">
+            <a:schemeClr val="accent1"/>
+          </a:lnRef>
+          <a:fillRef idx="0">
+            <a:schemeClr val="accent1"/>
+          </a:fillRef>
+          <a:effectRef idx="0">
+            <a:schemeClr val="accent1"/>
+          </a:effectRef>
+          <a:fontRef idx="minor">
+            <a:schemeClr val="tx1"/>
+          </a:fontRef>
+        </p:style>
+      </p:cxnSp>
+      <p:cxnSp>
+        <p:nvCxnSpPr>
+          <p:cNvPr id="19" name="Gewinkelte Verbindung 18"/>
+          <p:cNvCxnSpPr>
+            <a:stCxn id="3" idx="3"/>
+          </p:cNvCxnSpPr>
+          <p:nvPr/>
+        </p:nvCxnSpPr>
+        <p:spPr>
+          <a:xfrm flipV="1">
+            <a:off x="6012161" y="3501008"/>
+            <a:ext cx="2664295" cy="473359"/>
+          </a:xfrm>
+          <a:prstGeom prst="bentConnector3">
+            <a:avLst>
+              <a:gd name="adj1" fmla="val 7992"/>
+            </a:avLst>
+          </a:prstGeom>
+        </p:spPr>
+        <p:style>
+          <a:lnRef idx="1">
+            <a:schemeClr val="accent1"/>
+          </a:lnRef>
+          <a:fillRef idx="0">
+            <a:schemeClr val="accent1"/>
+          </a:fillRef>
+          <a:effectRef idx="0">
+            <a:schemeClr val="accent1"/>
+          </a:effectRef>
+          <a:fontRef idx="minor">
+            <a:schemeClr val="tx1"/>
+          </a:fontRef>
+        </p:style>
+      </p:cxnSp>
+      <p:sp>
+        <p:nvSpPr>
+          <p:cNvPr id="22" name="Textfeld 21"/>
+          <p:cNvSpPr txBox="1"/>
+          <p:nvPr/>
+        </p:nvSpPr>
+        <p:spPr>
+          <a:xfrm>
+            <a:off x="6300192" y="3068960"/>
+            <a:ext cx="2376264" cy="430887"/>
+          </a:xfrm>
+          <a:prstGeom prst="rect">
+            <a:avLst/>
+          </a:prstGeom>
+          <a:noFill/>
+        </p:spPr>
+        <p:txBody>
+          <a:bodyPr wrap="square" rtlCol="0">
+            <a:spAutoFit/>
+          </a:bodyPr>
+          <a:lstStyle/>
+          <a:p>
+            <a:r>
+              <a:rPr lang="de-DE" sz="1100" b="1" i="1" smtClean="0"/>
+              <a:t>Messergebnisse einer Charge (nach spezifischer Bearbeitungsstufe) </a:t>
+            </a:r>
+            <a:endParaRPr lang="de-DE" sz="1100" b="1" i="1"/>
+          </a:p>
+        </p:txBody>
+      </p:sp>
+      <p:cxnSp>
+        <p:nvCxnSpPr>
+          <p:cNvPr id="24" name="Form 23"/>
+          <p:cNvCxnSpPr/>
+          <p:nvPr/>
+        </p:nvCxnSpPr>
+        <p:spPr>
+          <a:xfrm>
+            <a:off x="5940152" y="4221088"/>
+            <a:ext cx="2808312" cy="576064"/>
+          </a:xfrm>
+          <a:prstGeom prst="bentConnector3">
+            <a:avLst>
+              <a:gd name="adj1" fmla="val 10667"/>
+            </a:avLst>
+          </a:prstGeom>
+        </p:spPr>
+        <p:style>
+          <a:lnRef idx="1">
+            <a:schemeClr val="accent1"/>
+          </a:lnRef>
+          <a:fillRef idx="0">
+            <a:schemeClr val="accent1"/>
+          </a:fillRef>
+          <a:effectRef idx="0">
+            <a:schemeClr val="accent1"/>
+          </a:effectRef>
+          <a:fontRef idx="minor">
+            <a:schemeClr val="tx1"/>
+          </a:fontRef>
+        </p:style>
+      </p:cxnSp>
+      <p:sp>
+        <p:nvSpPr>
+          <p:cNvPr id="31" name="Textfeld 30"/>
+          <p:cNvSpPr txBox="1"/>
+          <p:nvPr/>
+        </p:nvSpPr>
+        <p:spPr>
+          <a:xfrm>
+            <a:off x="6444208" y="4509120"/>
+            <a:ext cx="2699792" cy="261610"/>
+          </a:xfrm>
+          <a:prstGeom prst="rect">
+            <a:avLst/>
+          </a:prstGeom>
+          <a:noFill/>
+        </p:spPr>
+        <p:txBody>
+          <a:bodyPr wrap="square" rtlCol="0">
+            <a:spAutoFit/>
+          </a:bodyPr>
+          <a:lstStyle/>
+          <a:p>
+            <a:r>
+              <a:rPr lang="de-DE" sz="1100" b="1" i="1" smtClean="0"/>
+              <a:t>Pro Charge 20 Teile</a:t>
+            </a:r>
+            <a:endParaRPr lang="de-DE" sz="1100" b="1" i="1"/>
+          </a:p>
+        </p:txBody>
+      </p:sp>
+      <p:cxnSp>
+        <p:nvCxnSpPr>
+          <p:cNvPr id="33" name="Gerade Verbindung mit Pfeil 32"/>
+          <p:cNvCxnSpPr>
+            <a:endCxn id="8" idx="1"/>
+          </p:cNvCxnSpPr>
+          <p:nvPr/>
+        </p:nvCxnSpPr>
+        <p:spPr>
+          <a:xfrm>
+            <a:off x="1763688" y="5805264"/>
+            <a:ext cx="349185" cy="170449"/>
+          </a:xfrm>
+          <a:prstGeom prst="straightConnector1">
+            <a:avLst/>
+          </a:prstGeom>
+          <a:ln w="19050">
+            <a:solidFill>
+              <a:srgbClr val="FF0000"/>
+            </a:solidFill>
+            <a:tailEnd type="arrow"/>
+          </a:ln>
+        </p:spPr>
+        <p:style>
+          <a:lnRef idx="1">
+            <a:schemeClr val="accent1"/>
+          </a:lnRef>
+          <a:fillRef idx="0">
+            <a:schemeClr val="accent1"/>
+          </a:fillRef>
+          <a:effectRef idx="0">
+            <a:schemeClr val="accent1"/>
+          </a:effectRef>
+          <a:fontRef idx="minor">
+            <a:schemeClr val="tx1"/>
+          </a:fontRef>
+        </p:style>
+      </p:cxnSp>
+      <p:sp>
+        <p:nvSpPr>
+          <p:cNvPr id="34" name="Textfeld 33"/>
+          <p:cNvSpPr txBox="1"/>
+          <p:nvPr/>
+        </p:nvSpPr>
+        <p:spPr>
+          <a:xfrm>
+            <a:off x="179512" y="5445224"/>
+            <a:ext cx="1656184" cy="938719"/>
+          </a:xfrm>
+          <a:prstGeom prst="rect">
+            <a:avLst/>
+          </a:prstGeom>
+          <a:noFill/>
+        </p:spPr>
+        <p:txBody>
+          <a:bodyPr wrap="square" rtlCol="0">
+            <a:spAutoFit/>
+          </a:bodyPr>
+          <a:lstStyle/>
+          <a:p>
+            <a:r>
+              <a:rPr lang="de-DE" sz="1100" b="1" i="1" smtClean="0"/>
+              <a:t>Einige Chargen mit Materialkennwerten, es wurden zusätzlich F18 und F19 Proben in der Versuchsreihe gefahren</a:t>
+            </a:r>
+            <a:endParaRPr lang="de-DE" sz="1100" b="1" i="1"/>
+          </a:p>
+        </p:txBody>
+      </p:sp>
+    </p:spTree>
+  </p:cSld>
+  <p:clrMapOvr>
+    <a:masterClrMapping/>
+  </p:clrMapOvr>
+</p:sld>
+</file>
+
 <file path=ppt/slides/slide2.xml><?xml version="1.0" encoding="utf-8"?>
 <p:sld xmlns:a="http://schemas.openxmlformats.org/drawingml/2006/main" xmlns:r="http://schemas.openxmlformats.org/officeDocument/2006/relationships" xmlns:p="http://schemas.openxmlformats.org/presentationml/2006/main">
   <p:cSld>
@@ -14781,7 +16102,15 @@
           <a:p>
             <a:r>
               <a:rPr lang="de-DE" i="1" smtClean="0"/>
-              <a:t>Fertigungsstufen</a:t>
+              <a:t>Bearbeit</a:t>
+            </a:r>
+            <a:r>
+              <a:rPr lang="de-DE" i="1" smtClean="0"/>
+              <a:t>ungsstufen</a:t>
+            </a:r>
+            <a:r>
+              <a:rPr lang="de-DE" i="1" smtClean="0"/>
+              <a:t/>
             </a:r>
             <a:br>
               <a:rPr lang="de-DE" i="1" smtClean="0"/>

--- a/PräsentationBachelorarbeitKaffanke.pptx
+++ b/PräsentationBachelorarbeitKaffanke.pptx
@@ -7,21 +7,23 @@
   <p:sldIdLst>
     <p:sldId id="256" r:id="rId2"/>
     <p:sldId id="257" r:id="rId3"/>
-    <p:sldId id="258" r:id="rId4"/>
-    <p:sldId id="262" r:id="rId5"/>
-    <p:sldId id="259" r:id="rId6"/>
-    <p:sldId id="260" r:id="rId7"/>
-    <p:sldId id="261" r:id="rId8"/>
-    <p:sldId id="263" r:id="rId9"/>
-    <p:sldId id="264" r:id="rId10"/>
-    <p:sldId id="265" r:id="rId11"/>
-    <p:sldId id="266" r:id="rId12"/>
-    <p:sldId id="267" r:id="rId13"/>
-    <p:sldId id="268" r:id="rId14"/>
-    <p:sldId id="269" r:id="rId15"/>
-    <p:sldId id="270" r:id="rId16"/>
-    <p:sldId id="271" r:id="rId17"/>
-    <p:sldId id="272" r:id="rId18"/>
+    <p:sldId id="262" r:id="rId4"/>
+    <p:sldId id="259" r:id="rId5"/>
+    <p:sldId id="260" r:id="rId6"/>
+    <p:sldId id="261" r:id="rId7"/>
+    <p:sldId id="263" r:id="rId8"/>
+    <p:sldId id="264" r:id="rId9"/>
+    <p:sldId id="265" r:id="rId10"/>
+    <p:sldId id="266" r:id="rId11"/>
+    <p:sldId id="267" r:id="rId12"/>
+    <p:sldId id="268" r:id="rId13"/>
+    <p:sldId id="269" r:id="rId14"/>
+    <p:sldId id="270" r:id="rId15"/>
+    <p:sldId id="271" r:id="rId16"/>
+    <p:sldId id="272" r:id="rId17"/>
+    <p:sldId id="273" r:id="rId18"/>
+    <p:sldId id="274" r:id="rId19"/>
+    <p:sldId id="275" r:id="rId20"/>
   </p:sldIdLst>
   <p:sldSz cx="9144000" cy="6858000" type="screen4x3"/>
   <p:notesSz cx="6858000" cy="9144000"/>
@@ -2497,7 +2499,7 @@
         <a:p>
           <a:r>
             <a:rPr lang="de-DE" sz="1000" smtClean="0"/>
-            <a:t>Spezifische Untersuchung des Einflusses verschiedener Wirkteile in Hinblick auf die Prozessfähigkeit bei bestimmter Fertigungsstufe  (Kröpfen)</a:t>
+            <a:t>Spezifische Untersuchung des Einflusses verschiedener Wirkteile in Hinblick auf die Prozessfähigkeit bei bestimmter Bearbeitungsstufe  (Kröpfen)</a:t>
           </a:r>
           <a:endParaRPr lang="de-DE" sz="1000"/>
         </a:p>
@@ -2608,7 +2610,7 @@
         <a:p>
           <a:r>
             <a:rPr lang="de-DE" sz="1000" smtClean="0"/>
-            <a:t>Auf jeder Stufe wird mit den dazu vorgesehenen Messverfahren  die aussschlaggebende Profilform (Aussenkontur) gemessen</a:t>
+            <a:t>Auf jeder Stufe wird mit den dazu vorgesehenen Messverfahren  die ausschlaggebende Profilform (Aussenkontur) gemessen</a:t>
           </a:r>
         </a:p>
       </dgm:t>
@@ -2993,7 +2995,7 @@
       <dgm:spPr/>
     </dgm:pt>
     <dgm:pt modelId="{32FA9A92-D262-473C-9EAA-50D123F6B4C2}" type="pres">
-      <dgm:prSet presAssocID="{11B4A274-5695-4ACD-9E63-C343A9B02F68}" presName="text2" presStyleLbl="fgAcc2" presStyleIdx="1" presStyleCnt="2" custScaleX="202226" custScaleY="191530" custLinFactNeighborX="4851" custLinFactNeighborY="-2124">
+      <dgm:prSet presAssocID="{11B4A274-5695-4ACD-9E63-C343A9B02F68}" presName="text2" presStyleLbl="fgAcc2" presStyleIdx="1" presStyleCnt="2" custScaleX="202226" custScaleY="191530" custLinFactNeighborX="1959" custLinFactNeighborY="-9001">
         <dgm:presLayoutVars>
           <dgm:chPref val="3"/>
         </dgm:presLayoutVars>
@@ -3685,14 +3687,14 @@
     <dgm:cxn modelId="{C867F802-4C7A-40C8-B133-93701C1CC2EB}" type="presOf" srcId="{B298933B-0CBD-44FC-AB45-B567774299E3}" destId="{4A73C15C-D7F8-4A69-850C-706D276AFB0D}" srcOrd="0" destOrd="0" presId="urn:microsoft.com/office/officeart/2005/8/layout/list1"/>
     <dgm:cxn modelId="{F04BB6D1-CE42-4684-BA7A-13B281B057D2}" srcId="{2020E753-6FD2-43A5-A018-BAF24AE0910F}" destId="{B298933B-0CBD-44FC-AB45-B567774299E3}" srcOrd="3" destOrd="0" parTransId="{786D3127-3034-438A-8065-99B5D96EF624}" sibTransId="{F328BC7C-DAB7-4361-84B7-FCD07DD96982}"/>
     <dgm:cxn modelId="{8D6EB3B4-093B-4668-8D24-794B3E0F4604}" type="presOf" srcId="{B298933B-0CBD-44FC-AB45-B567774299E3}" destId="{2BA0BD4E-EE0C-49B1-B640-4B15D6468597}" srcOrd="1" destOrd="0" presId="urn:microsoft.com/office/officeart/2005/8/layout/list1"/>
+    <dgm:cxn modelId="{A3E8552D-FA56-4FC0-9853-D45AA565CBF6}" type="presOf" srcId="{E378082F-3B76-42B6-9F98-7D5B101A1CD1}" destId="{D3842DC2-DEB4-49CC-A6A1-0F472ACCA8A2}" srcOrd="1" destOrd="0" presId="urn:microsoft.com/office/officeart/2005/8/layout/list1"/>
     <dgm:cxn modelId="{11A95B1B-ABD0-4753-B428-16CD8E528CE3}" type="presOf" srcId="{7A939AB3-F09D-4159-808F-A370CF315CD4}" destId="{88A4AE88-2F01-4434-BFF0-67970E32361A}" srcOrd="0" destOrd="0" presId="urn:microsoft.com/office/officeart/2005/8/layout/list1"/>
-    <dgm:cxn modelId="{A3E8552D-FA56-4FC0-9853-D45AA565CBF6}" type="presOf" srcId="{E378082F-3B76-42B6-9F98-7D5B101A1CD1}" destId="{D3842DC2-DEB4-49CC-A6A1-0F472ACCA8A2}" srcOrd="1" destOrd="0" presId="urn:microsoft.com/office/officeart/2005/8/layout/list1"/>
     <dgm:cxn modelId="{EC88B53A-4519-49D3-9876-983DB0696CD8}" srcId="{2020E753-6FD2-43A5-A018-BAF24AE0910F}" destId="{E378082F-3B76-42B6-9F98-7D5B101A1CD1}" srcOrd="2" destOrd="0" parTransId="{3EF545FA-5C75-43E6-BB2D-0837812F894E}" sibTransId="{1CA983B9-E940-472B-AACA-A43C64ED1749}"/>
     <dgm:cxn modelId="{83489503-787E-41B4-9637-2ADF637CC5A2}" type="presOf" srcId="{31C6F14A-52E3-43B5-AFF5-35C4A925E16F}" destId="{E84C37C6-D0B9-4ACE-8E9A-3EB85BBED718}" srcOrd="0" destOrd="0" presId="urn:microsoft.com/office/officeart/2005/8/layout/list1"/>
     <dgm:cxn modelId="{E5232EDA-DD98-4D39-A510-79EA2488AD09}" type="presOf" srcId="{AB49A13A-DDDA-4701-932F-CC03DD5FF3D0}" destId="{7EB0CEAC-7635-4D75-B3AC-83B572E88098}" srcOrd="0" destOrd="0" presId="urn:microsoft.com/office/officeart/2005/8/layout/list1"/>
     <dgm:cxn modelId="{0DF267BC-D7FF-4968-9F97-357B1002F5C8}" type="presOf" srcId="{F668DDDA-5AA7-4233-90D9-0AB16639553A}" destId="{8D63A2AF-4B14-4961-9A00-73883A18362C}" srcOrd="1" destOrd="0" presId="urn:microsoft.com/office/officeart/2005/8/layout/list1"/>
+    <dgm:cxn modelId="{29772C22-E8E5-4747-8AE3-0CFFEE9D05A4}" type="presOf" srcId="{2020E753-6FD2-43A5-A018-BAF24AE0910F}" destId="{B506F653-F27E-4525-A3F7-6F5BD03AB1DD}" srcOrd="0" destOrd="0" presId="urn:microsoft.com/office/officeart/2005/8/layout/list1"/>
     <dgm:cxn modelId="{9BADB5C9-FBAC-42C2-BAD6-B1AC148B0F6E}" type="presOf" srcId="{E378082F-3B76-42B6-9F98-7D5B101A1CD1}" destId="{5EA115A4-7C0E-4EB1-B54F-9B591CD3FA1E}" srcOrd="0" destOrd="0" presId="urn:microsoft.com/office/officeart/2005/8/layout/list1"/>
-    <dgm:cxn modelId="{29772C22-E8E5-4747-8AE3-0CFFEE9D05A4}" type="presOf" srcId="{2020E753-6FD2-43A5-A018-BAF24AE0910F}" destId="{B506F653-F27E-4525-A3F7-6F5BD03AB1DD}" srcOrd="0" destOrd="0" presId="urn:microsoft.com/office/officeart/2005/8/layout/list1"/>
     <dgm:cxn modelId="{568900E5-DB7E-4563-BC5E-1C6F41F55950}" type="presOf" srcId="{F668DDDA-5AA7-4233-90D9-0AB16639553A}" destId="{8113899A-19B3-48E7-B7E7-173E9FD7403C}" srcOrd="0" destOrd="0" presId="urn:microsoft.com/office/officeart/2005/8/layout/list1"/>
     <dgm:cxn modelId="{87BA6851-4AB4-4543-BD76-B6827B2FB249}" type="presOf" srcId="{7A939AB3-F09D-4159-808F-A370CF315CD4}" destId="{C9615E8E-90CF-4934-A79C-FE6D7A972052}" srcOrd="1" destOrd="0" presId="urn:microsoft.com/office/officeart/2005/8/layout/list1"/>
     <dgm:cxn modelId="{1DAAC720-36CE-454A-98B5-291676E9187A}" srcId="{2020E753-6FD2-43A5-A018-BAF24AE0910F}" destId="{AB49A13A-DDDA-4701-932F-CC03DD5FF3D0}" srcOrd="0" destOrd="0" parTransId="{80DFD245-A03A-4B50-9B9D-4982F44D91BA}" sibTransId="{A15EF559-3069-425F-9CE0-9E750CDA1490}"/>
@@ -4142,8 +4144,8 @@
       </dsp:nvSpPr>
       <dsp:spPr>
         <a:xfrm>
-          <a:off x="5817354" y="2538956"/>
-          <a:ext cx="91440" cy="381133"/>
+          <a:off x="5788100" y="2486491"/>
+          <a:ext cx="91440" cy="433598"/>
         </a:xfrm>
         <a:custGeom>
           <a:avLst/>
@@ -4154,16 +4156,16 @@
           <a:pathLst>
             <a:path>
               <a:moveTo>
-                <a:pt x="51210" y="0"/>
+                <a:pt x="45720" y="0"/>
               </a:moveTo>
               <a:lnTo>
-                <a:pt x="51210" y="269835"/>
+                <a:pt x="45720" y="322300"/>
               </a:lnTo>
               <a:lnTo>
-                <a:pt x="45720" y="269835"/>
+                <a:pt x="74974" y="322300"/>
               </a:lnTo>
               <a:lnTo>
-                <a:pt x="45720" y="381133"/>
+                <a:pt x="74974" y="433598"/>
               </a:lnTo>
             </a:path>
           </a:pathLst>
@@ -4204,7 +4206,7 @@
       <dsp:spPr>
         <a:xfrm>
           <a:off x="4655305" y="744565"/>
-          <a:ext cx="1213260" cy="333208"/>
+          <a:ext cx="1178515" cy="280743"/>
         </a:xfrm>
         <a:custGeom>
           <a:avLst/>
@@ -4218,13 +4220,13 @@
                 <a:pt x="0" y="0"/>
               </a:moveTo>
               <a:lnTo>
-                <a:pt x="0" y="221910"/>
+                <a:pt x="0" y="169445"/>
               </a:lnTo>
               <a:lnTo>
-                <a:pt x="1213260" y="221910"/>
+                <a:pt x="1178515" y="169445"/>
               </a:lnTo>
               <a:lnTo>
-                <a:pt x="1213260" y="333208"/>
+                <a:pt x="1178515" y="280743"/>
               </a:lnTo>
             </a:path>
           </a:pathLst>
@@ -5325,7 +5327,7 @@
           </a:pPr>
           <a:r>
             <a:rPr lang="de-DE" sz="1000" kern="1200" smtClean="0"/>
-            <a:t>Auf jeder Stufe wird mit den dazu vorgesehenen Messverfahren  die aussschlaggebende Profilform (Aussenkontur) gemessen</a:t>
+            <a:t>Auf jeder Stufe wird mit den dazu vorgesehenen Messverfahren  die ausschlaggebende Profilform (Aussenkontur) gemessen</a:t>
           </a:r>
         </a:p>
       </dsp:txBody>
@@ -5341,7 +5343,7 @@
       </dsp:nvSpPr>
       <dsp:spPr>
         <a:xfrm>
-          <a:off x="4653776" y="1077774"/>
+          <a:off x="4619031" y="1025309"/>
           <a:ext cx="2429578" cy="1461182"/>
         </a:xfrm>
         <a:prstGeom prst="roundRect">
@@ -5392,7 +5394,7 @@
       </dsp:nvSpPr>
       <dsp:spPr>
         <a:xfrm>
-          <a:off x="4787267" y="1204590"/>
+          <a:off x="4752522" y="1152125"/>
           <a:ext cx="2429578" cy="1461182"/>
         </a:xfrm>
         <a:prstGeom prst="roundRect">
@@ -5453,13 +5455,13 @@
           </a:pPr>
           <a:r>
             <a:rPr lang="de-DE" sz="1000" kern="1200" smtClean="0"/>
-            <a:t>Spezifische Untersuchung des Einflusses verschiedener Wirkteile in Hinblick auf die Prozessfähigkeit bei bestimmter Fertigungsstufe  (Kröpfen)</a:t>
+            <a:t>Spezifische Untersuchung des Einflusses verschiedener Wirkteile in Hinblick auf die Prozessfähigkeit bei bestimmter Bearbeitungsstufe  (Kröpfen)</a:t>
           </a:r>
           <a:endParaRPr lang="de-DE" sz="1000" kern="1200"/>
         </a:p>
       </dsp:txBody>
       <dsp:txXfrm>
-        <a:off x="4787267" y="1204590"/>
+        <a:off x="4752522" y="1152125"/>
         <a:ext cx="2429578" cy="1461182"/>
       </dsp:txXfrm>
     </dsp:sp>
@@ -11165,7 +11167,7 @@
             <a:fld id="{0AFDEA4B-F68B-4657-8A90-006825AAFDF4}" type="datetimeFigureOut">
               <a:rPr lang="de-DE" smtClean="0"/>
               <a:pPr/>
-              <a:t>06.07.2014</a:t>
+              <a:t>07.07.2014</a:t>
             </a:fld>
             <a:endParaRPr lang="de-DE"/>
           </a:p>
@@ -11332,7 +11334,7 @@
             <a:fld id="{0AFDEA4B-F68B-4657-8A90-006825AAFDF4}" type="datetimeFigureOut">
               <a:rPr lang="de-DE" smtClean="0"/>
               <a:pPr/>
-              <a:t>06.07.2014</a:t>
+              <a:t>07.07.2014</a:t>
             </a:fld>
             <a:endParaRPr lang="de-DE"/>
           </a:p>
@@ -11509,7 +11511,7 @@
             <a:fld id="{0AFDEA4B-F68B-4657-8A90-006825AAFDF4}" type="datetimeFigureOut">
               <a:rPr lang="de-DE" smtClean="0"/>
               <a:pPr/>
-              <a:t>06.07.2014</a:t>
+              <a:t>07.07.2014</a:t>
             </a:fld>
             <a:endParaRPr lang="de-DE"/>
           </a:p>
@@ -11676,7 +11678,7 @@
             <a:fld id="{0AFDEA4B-F68B-4657-8A90-006825AAFDF4}" type="datetimeFigureOut">
               <a:rPr lang="de-DE" smtClean="0"/>
               <a:pPr/>
-              <a:t>06.07.2014</a:t>
+              <a:t>07.07.2014</a:t>
             </a:fld>
             <a:endParaRPr lang="de-DE"/>
           </a:p>
@@ -11919,7 +11921,7 @@
             <a:fld id="{0AFDEA4B-F68B-4657-8A90-006825AAFDF4}" type="datetimeFigureOut">
               <a:rPr lang="de-DE" smtClean="0"/>
               <a:pPr/>
-              <a:t>06.07.2014</a:t>
+              <a:t>07.07.2014</a:t>
             </a:fld>
             <a:endParaRPr lang="de-DE"/>
           </a:p>
@@ -12204,7 +12206,7 @@
             <a:fld id="{0AFDEA4B-F68B-4657-8A90-006825AAFDF4}" type="datetimeFigureOut">
               <a:rPr lang="de-DE" smtClean="0"/>
               <a:pPr/>
-              <a:t>06.07.2014</a:t>
+              <a:t>07.07.2014</a:t>
             </a:fld>
             <a:endParaRPr lang="de-DE"/>
           </a:p>
@@ -12623,7 +12625,7 @@
             <a:fld id="{0AFDEA4B-F68B-4657-8A90-006825AAFDF4}" type="datetimeFigureOut">
               <a:rPr lang="de-DE" smtClean="0"/>
               <a:pPr/>
-              <a:t>06.07.2014</a:t>
+              <a:t>07.07.2014</a:t>
             </a:fld>
             <a:endParaRPr lang="de-DE"/>
           </a:p>
@@ -12738,7 +12740,7 @@
             <a:fld id="{0AFDEA4B-F68B-4657-8A90-006825AAFDF4}" type="datetimeFigureOut">
               <a:rPr lang="de-DE" smtClean="0"/>
               <a:pPr/>
-              <a:t>06.07.2014</a:t>
+              <a:t>07.07.2014</a:t>
             </a:fld>
             <a:endParaRPr lang="de-DE"/>
           </a:p>
@@ -12830,7 +12832,7 @@
             <a:fld id="{0AFDEA4B-F68B-4657-8A90-006825AAFDF4}" type="datetimeFigureOut">
               <a:rPr lang="de-DE" smtClean="0"/>
               <a:pPr/>
-              <a:t>06.07.2014</a:t>
+              <a:t>07.07.2014</a:t>
             </a:fld>
             <a:endParaRPr lang="de-DE"/>
           </a:p>
@@ -13104,7 +13106,7 @@
             <a:fld id="{0AFDEA4B-F68B-4657-8A90-006825AAFDF4}" type="datetimeFigureOut">
               <a:rPr lang="de-DE" smtClean="0"/>
               <a:pPr/>
-              <a:t>06.07.2014</a:t>
+              <a:t>07.07.2014</a:t>
             </a:fld>
             <a:endParaRPr lang="de-DE"/>
           </a:p>
@@ -13354,7 +13356,7 @@
             <a:fld id="{0AFDEA4B-F68B-4657-8A90-006825AAFDF4}" type="datetimeFigureOut">
               <a:rPr lang="de-DE" smtClean="0"/>
               <a:pPr/>
-              <a:t>06.07.2014</a:t>
+              <a:t>07.07.2014</a:t>
             </a:fld>
             <a:endParaRPr lang="de-DE"/>
           </a:p>
@@ -13564,7 +13566,7 @@
             <a:fld id="{0AFDEA4B-F68B-4657-8A90-006825AAFDF4}" type="datetimeFigureOut">
               <a:rPr lang="de-DE" smtClean="0"/>
               <a:pPr/>
-              <a:t>06.07.2014</a:t>
+              <a:t>07.07.2014</a:t>
             </a:fld>
             <a:endParaRPr lang="de-DE"/>
           </a:p>
@@ -14009,6 +14011,3434 @@
         </p:nvSpPr>
         <p:spPr/>
         <p:txBody>
+          <a:bodyPr>
+            <a:normAutofit fontScale="90000"/>
+          </a:bodyPr>
+          <a:lstStyle/>
+          <a:p>
+            <a:r>
+              <a:rPr lang="de-DE" smtClean="0"/>
+              <a:t>Spannungen in der Deformierungszone beim Streckbiegen</a:t>
+            </a:r>
+            <a:br>
+              <a:rPr lang="de-DE" smtClean="0"/>
+            </a:br>
+            <a:endParaRPr lang="de-DE"/>
+          </a:p>
+        </p:txBody>
+      </p:sp>
+      <p:pic>
+        <p:nvPicPr>
+          <p:cNvPr id="5" name="Grafik 4" descr="neutralefaser.png"/>
+          <p:cNvPicPr>
+            <a:picLocks noChangeAspect="1"/>
+          </p:cNvPicPr>
+          <p:nvPr/>
+        </p:nvPicPr>
+        <p:blipFill>
+          <a:blip r:embed="rId2" cstate="print"/>
+          <a:stretch>
+            <a:fillRect/>
+          </a:stretch>
+        </p:blipFill>
+        <p:spPr>
+          <a:xfrm>
+            <a:off x="2000571" y="1729000"/>
+            <a:ext cx="5142857" cy="3400000"/>
+          </a:xfrm>
+          <a:prstGeom prst="rect">
+            <a:avLst/>
+          </a:prstGeom>
+        </p:spPr>
+      </p:pic>
+    </p:spTree>
+  </p:cSld>
+  <p:clrMapOvr>
+    <a:masterClrMapping/>
+  </p:clrMapOvr>
+</p:sld>
+</file>
+
+<file path=ppt/slides/slide11.xml><?xml version="1.0" encoding="utf-8"?>
+<p:sld xmlns:a="http://schemas.openxmlformats.org/drawingml/2006/main" xmlns:r="http://schemas.openxmlformats.org/officeDocument/2006/relationships" xmlns:p="http://schemas.openxmlformats.org/presentationml/2006/main">
+  <p:cSld>
+    <p:spTree>
+      <p:nvGrpSpPr>
+        <p:cNvPr id="1" name=""/>
+        <p:cNvGrpSpPr/>
+        <p:nvPr/>
+      </p:nvGrpSpPr>
+      <p:grpSpPr>
+        <a:xfrm>
+          <a:off x="0" y="0"/>
+          <a:ext cx="0" cy="0"/>
+          <a:chOff x="0" y="0"/>
+          <a:chExt cx="0" cy="0"/>
+        </a:xfrm>
+      </p:grpSpPr>
+      <p:sp>
+        <p:nvSpPr>
+          <p:cNvPr id="2" name="Titel 1"/>
+          <p:cNvSpPr>
+            <a:spLocks noGrp="1"/>
+          </p:cNvSpPr>
+          <p:nvPr>
+            <p:ph type="title"/>
+          </p:nvPr>
+        </p:nvSpPr>
+        <p:spPr/>
+        <p:txBody>
+          <a:bodyPr>
+            <a:normAutofit fontScale="90000"/>
+          </a:bodyPr>
+          <a:lstStyle/>
+          <a:p>
+            <a:r>
+              <a:rPr lang="de-DE" smtClean="0"/>
+              <a:t>Streckbiegemaschine und Biegewerkzeug</a:t>
+            </a:r>
+            <a:endParaRPr lang="de-DE"/>
+          </a:p>
+        </p:txBody>
+      </p:sp>
+      <p:pic>
+        <p:nvPicPr>
+          <p:cNvPr id="5" name="Inhaltsplatzhalter 4" descr="20131023_132557.jpg"/>
+          <p:cNvPicPr>
+            <a:picLocks noGrp="1" noChangeAspect="1"/>
+          </p:cNvPicPr>
+          <p:nvPr>
+            <p:ph sz="half" idx="1"/>
+          </p:nvPr>
+        </p:nvPicPr>
+        <p:blipFill>
+          <a:blip r:embed="rId2" cstate="print"/>
+          <a:stretch>
+            <a:fillRect/>
+          </a:stretch>
+        </p:blipFill>
+        <p:spPr>
+          <a:xfrm>
+            <a:off x="179512" y="2407500"/>
+            <a:ext cx="3816424" cy="2862318"/>
+          </a:xfrm>
+        </p:spPr>
+      </p:pic>
+      <p:pic>
+        <p:nvPicPr>
+          <p:cNvPr id="6" name="Inhaltsplatzhalter 5" descr="steckbiegeeinheit.jpg"/>
+          <p:cNvPicPr>
+            <a:picLocks noGrp="1" noChangeAspect="1"/>
+          </p:cNvPicPr>
+          <p:nvPr>
+            <p:ph sz="half" idx="2"/>
+          </p:nvPr>
+        </p:nvPicPr>
+        <p:blipFill>
+          <a:blip r:embed="rId3" cstate="print"/>
+          <a:stretch>
+            <a:fillRect/>
+          </a:stretch>
+        </p:blipFill>
+        <p:spPr>
+          <a:xfrm>
+            <a:off x="4384936" y="2420888"/>
+            <a:ext cx="4602250" cy="2880320"/>
+          </a:xfrm>
+        </p:spPr>
+      </p:pic>
+    </p:spTree>
+  </p:cSld>
+  <p:clrMapOvr>
+    <a:masterClrMapping/>
+  </p:clrMapOvr>
+</p:sld>
+</file>
+
+<file path=ppt/slides/slide12.xml><?xml version="1.0" encoding="utf-8"?>
+<p:sld xmlns:a="http://schemas.openxmlformats.org/drawingml/2006/main" xmlns:r="http://schemas.openxmlformats.org/officeDocument/2006/relationships" xmlns:p="http://schemas.openxmlformats.org/presentationml/2006/main">
+  <p:cSld>
+    <p:spTree>
+      <p:nvGrpSpPr>
+        <p:cNvPr id="1" name=""/>
+        <p:cNvGrpSpPr/>
+        <p:nvPr/>
+      </p:nvGrpSpPr>
+      <p:grpSpPr>
+        <a:xfrm>
+          <a:off x="0" y="0"/>
+          <a:ext cx="0" cy="0"/>
+          <a:chOff x="0" y="0"/>
+          <a:chExt cx="0" cy="0"/>
+        </a:xfrm>
+      </p:grpSpPr>
+      <p:sp>
+        <p:nvSpPr>
+          <p:cNvPr id="2" name="Titel 1"/>
+          <p:cNvSpPr>
+            <a:spLocks noGrp="1"/>
+          </p:cNvSpPr>
+          <p:nvPr>
+            <p:ph type="title"/>
+          </p:nvPr>
+        </p:nvSpPr>
+        <p:spPr/>
+        <p:txBody>
+          <a:bodyPr>
+            <a:normAutofit fontScale="90000"/>
+          </a:bodyPr>
+          <a:lstStyle/>
+          <a:p>
+            <a:r>
+              <a:rPr lang="de-DE" smtClean="0"/>
+              <a:t>Entscheidende Bauteilgeometrie der Untersuchung</a:t>
+            </a:r>
+            <a:endParaRPr lang="de-DE"/>
+          </a:p>
+        </p:txBody>
+      </p:sp>
+      <p:pic>
+        <p:nvPicPr>
+          <p:cNvPr id="5" name="Inhaltsplatzhalter 4" descr="vdkdorient.jpg"/>
+          <p:cNvPicPr>
+            <a:picLocks noGrp="1" noChangeAspect="1"/>
+          </p:cNvPicPr>
+          <p:nvPr>
+            <p:ph sz="half" idx="1"/>
+          </p:nvPr>
+        </p:nvPicPr>
+        <p:blipFill>
+          <a:blip r:embed="rId2" cstate="print"/>
+          <a:stretch>
+            <a:fillRect/>
+          </a:stretch>
+        </p:blipFill>
+        <p:spPr>
+          <a:xfrm>
+            <a:off x="3342224" y="2132856"/>
+            <a:ext cx="5497504" cy="2393441"/>
+          </a:xfrm>
+        </p:spPr>
+      </p:pic>
+      <p:sp>
+        <p:nvSpPr>
+          <p:cNvPr id="6" name="Textfeld 5"/>
+          <p:cNvSpPr txBox="1"/>
+          <p:nvPr/>
+        </p:nvSpPr>
+        <p:spPr>
+          <a:xfrm>
+            <a:off x="3635896" y="4653136"/>
+            <a:ext cx="4968552" cy="369332"/>
+          </a:xfrm>
+          <a:prstGeom prst="rect">
+            <a:avLst/>
+          </a:prstGeom>
+          <a:noFill/>
+        </p:spPr>
+        <p:txBody>
+          <a:bodyPr wrap="square" rtlCol="0">
+            <a:spAutoFit/>
+          </a:bodyPr>
+          <a:lstStyle/>
+          <a:p>
+            <a:r>
+              <a:rPr lang="de-DE" b="1" i="1" smtClean="0"/>
+              <a:t>Messpunkte und Orientierung der Aussenkontur</a:t>
+            </a:r>
+            <a:endParaRPr lang="de-DE" b="1" i="1"/>
+          </a:p>
+        </p:txBody>
+      </p:sp>
+      <p:sp>
+        <p:nvSpPr>
+          <p:cNvPr id="7" name="Textfeld 6"/>
+          <p:cNvSpPr txBox="1"/>
+          <p:nvPr/>
+        </p:nvSpPr>
+        <p:spPr>
+          <a:xfrm>
+            <a:off x="251520" y="2276872"/>
+            <a:ext cx="2736304" cy="2308324"/>
+          </a:xfrm>
+          <a:prstGeom prst="rect">
+            <a:avLst/>
+          </a:prstGeom>
+          <a:noFill/>
+        </p:spPr>
+        <p:txBody>
+          <a:bodyPr wrap="square" rtlCol="0">
+            <a:spAutoFit/>
+          </a:bodyPr>
+          <a:lstStyle/>
+          <a:p>
+            <a:pPr>
+              <a:buFont typeface="Arial" pitchFamily="34" charset="0"/>
+              <a:buChar char="•"/>
+            </a:pPr>
+            <a:r>
+              <a:rPr lang="de-DE" smtClean="0"/>
+              <a:t>Nennmaß der Aussenkontur ist Null</a:t>
+            </a:r>
+          </a:p>
+          <a:p>
+            <a:pPr>
+              <a:buFont typeface="Arial" pitchFamily="34" charset="0"/>
+              <a:buChar char="•"/>
+            </a:pPr>
+            <a:r>
+              <a:rPr lang="de-DE" smtClean="0"/>
+              <a:t>Positive Messwerte bedeuten insbesondere and den Messpunkte MP1 – </a:t>
+            </a:r>
+            <a:r>
+              <a:rPr lang="de-DE" smtClean="0"/>
+              <a:t>MP2 </a:t>
+            </a:r>
+            <a:r>
+              <a:rPr lang="de-DE" smtClean="0"/>
+              <a:t>und </a:t>
+            </a:r>
+            <a:r>
+              <a:rPr lang="de-DE" smtClean="0"/>
+              <a:t>MP </a:t>
+            </a:r>
+            <a:r>
+              <a:rPr lang="de-DE" smtClean="0"/>
+              <a:t>– MP10 eine erhöhte Rückfederung</a:t>
+            </a:r>
+          </a:p>
+          <a:p>
+            <a:endParaRPr lang="de-DE"/>
+          </a:p>
+        </p:txBody>
+      </p:sp>
+    </p:spTree>
+  </p:cSld>
+  <p:clrMapOvr>
+    <a:masterClrMapping/>
+  </p:clrMapOvr>
+</p:sld>
+</file>
+
+<file path=ppt/slides/slide13.xml><?xml version="1.0" encoding="utf-8"?>
+<p:sld xmlns:a="http://schemas.openxmlformats.org/drawingml/2006/main" xmlns:r="http://schemas.openxmlformats.org/officeDocument/2006/relationships" xmlns:p="http://schemas.openxmlformats.org/presentationml/2006/main">
+  <p:cSld>
+    <p:spTree>
+      <p:nvGrpSpPr>
+        <p:cNvPr id="1" name=""/>
+        <p:cNvGrpSpPr/>
+        <p:nvPr/>
+      </p:nvGrpSpPr>
+      <p:grpSpPr>
+        <a:xfrm>
+          <a:off x="0" y="0"/>
+          <a:ext cx="0" cy="0"/>
+          <a:chOff x="0" y="0"/>
+          <a:chExt cx="0" cy="0"/>
+        </a:xfrm>
+      </p:grpSpPr>
+      <p:sp>
+        <p:nvSpPr>
+          <p:cNvPr id="2" name="Titel 1"/>
+          <p:cNvSpPr>
+            <a:spLocks noGrp="1"/>
+          </p:cNvSpPr>
+          <p:nvPr>
+            <p:ph type="title"/>
+          </p:nvPr>
+        </p:nvSpPr>
+        <p:spPr/>
+        <p:txBody>
+          <a:bodyPr/>
+          <a:lstStyle/>
+          <a:p>
+            <a:r>
+              <a:rPr lang="de-DE" smtClean="0"/>
+              <a:t>Messmethode</a:t>
+            </a:r>
+            <a:endParaRPr lang="de-DE"/>
+          </a:p>
+        </p:txBody>
+      </p:sp>
+      <p:pic>
+        <p:nvPicPr>
+          <p:cNvPr id="3" name="Grafik 2" descr="messlehre.jpg"/>
+          <p:cNvPicPr>
+            <a:picLocks noChangeAspect="1"/>
+          </p:cNvPicPr>
+          <p:nvPr/>
+        </p:nvPicPr>
+        <p:blipFill>
+          <a:blip r:embed="rId2" cstate="print"/>
+          <a:stretch>
+            <a:fillRect/>
+          </a:stretch>
+        </p:blipFill>
+        <p:spPr>
+          <a:xfrm>
+            <a:off x="899592" y="1340768"/>
+            <a:ext cx="7237934" cy="2736995"/>
+          </a:xfrm>
+          <a:prstGeom prst="rect">
+            <a:avLst/>
+          </a:prstGeom>
+        </p:spPr>
+      </p:pic>
+      <p:sp>
+        <p:nvSpPr>
+          <p:cNvPr id="4" name="Textfeld 3"/>
+          <p:cNvSpPr txBox="1"/>
+          <p:nvPr/>
+        </p:nvSpPr>
+        <p:spPr>
+          <a:xfrm>
+            <a:off x="2411760" y="4365104"/>
+            <a:ext cx="4176464" cy="646331"/>
+          </a:xfrm>
+          <a:prstGeom prst="rect">
+            <a:avLst/>
+          </a:prstGeom>
+          <a:noFill/>
+        </p:spPr>
+        <p:txBody>
+          <a:bodyPr wrap="square" rtlCol="0">
+            <a:spAutoFit/>
+          </a:bodyPr>
+          <a:lstStyle/>
+          <a:p>
+            <a:r>
+              <a:rPr lang="de-DE" b="1" i="1" smtClean="0"/>
+              <a:t>Eingelegtes Bauteil in Messlehre.</a:t>
+            </a:r>
+          </a:p>
+          <a:p>
+            <a:r>
+              <a:rPr lang="de-DE" b="1" i="1" smtClean="0"/>
+              <a:t>Einbausituation soll simuliert werden.</a:t>
+            </a:r>
+            <a:endParaRPr lang="de-DE" b="1" i="1"/>
+          </a:p>
+        </p:txBody>
+      </p:sp>
+    </p:spTree>
+  </p:cSld>
+  <p:clrMapOvr>
+    <a:masterClrMapping/>
+  </p:clrMapOvr>
+</p:sld>
+</file>
+
+<file path=ppt/slides/slide14.xml><?xml version="1.0" encoding="utf-8"?>
+<p:sld xmlns:a="http://schemas.openxmlformats.org/drawingml/2006/main" xmlns:r="http://schemas.openxmlformats.org/officeDocument/2006/relationships" xmlns:p="http://schemas.openxmlformats.org/presentationml/2006/main">
+  <p:cSld>
+    <p:spTree>
+      <p:nvGrpSpPr>
+        <p:cNvPr id="1" name=""/>
+        <p:cNvGrpSpPr/>
+        <p:nvPr/>
+      </p:nvGrpSpPr>
+      <p:grpSpPr>
+        <a:xfrm>
+          <a:off x="0" y="0"/>
+          <a:ext cx="0" cy="0"/>
+          <a:chOff x="0" y="0"/>
+          <a:chExt cx="0" cy="0"/>
+        </a:xfrm>
+      </p:grpSpPr>
+      <p:pic>
+        <p:nvPicPr>
+          <p:cNvPr id="2" name="Grafik 1" descr="20131023_132921.jpg"/>
+          <p:cNvPicPr>
+            <a:picLocks noChangeAspect="1"/>
+          </p:cNvPicPr>
+          <p:nvPr/>
+        </p:nvPicPr>
+        <p:blipFill>
+          <a:blip r:embed="rId2" cstate="print"/>
+          <a:stretch>
+            <a:fillRect/>
+          </a:stretch>
+        </p:blipFill>
+        <p:spPr>
+          <a:xfrm>
+            <a:off x="107504" y="3284984"/>
+            <a:ext cx="3024335" cy="2268251"/>
+          </a:xfrm>
+          <a:prstGeom prst="rect">
+            <a:avLst/>
+          </a:prstGeom>
+        </p:spPr>
+      </p:pic>
+      <p:pic>
+        <p:nvPicPr>
+          <p:cNvPr id="4" name="Grafik 3" descr="messpunktevdkda3.png"/>
+          <p:cNvPicPr>
+            <a:picLocks noChangeAspect="1"/>
+          </p:cNvPicPr>
+          <p:nvPr/>
+        </p:nvPicPr>
+        <p:blipFill>
+          <a:blip r:embed="rId3" cstate="print"/>
+          <a:stretch>
+            <a:fillRect/>
+          </a:stretch>
+        </p:blipFill>
+        <p:spPr>
+          <a:xfrm>
+            <a:off x="3491881" y="3260936"/>
+            <a:ext cx="5120786" cy="2277010"/>
+          </a:xfrm>
+          <a:prstGeom prst="rect">
+            <a:avLst/>
+          </a:prstGeom>
+        </p:spPr>
+      </p:pic>
+      <p:cxnSp>
+        <p:nvCxnSpPr>
+          <p:cNvPr id="9" name="Gewinkelte Verbindung 8"/>
+          <p:cNvCxnSpPr/>
+          <p:nvPr/>
+        </p:nvCxnSpPr>
+        <p:spPr>
+          <a:xfrm flipV="1">
+            <a:off x="395536" y="2708920"/>
+            <a:ext cx="2088232" cy="576064"/>
+          </a:xfrm>
+          <a:prstGeom prst="bentConnector3">
+            <a:avLst>
+              <a:gd name="adj1" fmla="val 14969"/>
+            </a:avLst>
+          </a:prstGeom>
+        </p:spPr>
+        <p:style>
+          <a:lnRef idx="1">
+            <a:schemeClr val="accent1"/>
+          </a:lnRef>
+          <a:fillRef idx="0">
+            <a:schemeClr val="accent1"/>
+          </a:fillRef>
+          <a:effectRef idx="0">
+            <a:schemeClr val="accent1"/>
+          </a:effectRef>
+          <a:fontRef idx="minor">
+            <a:schemeClr val="tx1"/>
+          </a:fontRef>
+        </p:style>
+      </p:cxnSp>
+      <p:sp>
+        <p:nvSpPr>
+          <p:cNvPr id="12" name="Textfeld 11"/>
+          <p:cNvSpPr txBox="1"/>
+          <p:nvPr/>
+        </p:nvSpPr>
+        <p:spPr>
+          <a:xfrm>
+            <a:off x="683568" y="1772816"/>
+            <a:ext cx="3240360" cy="923330"/>
+          </a:xfrm>
+          <a:prstGeom prst="rect">
+            <a:avLst/>
+          </a:prstGeom>
+          <a:noFill/>
+        </p:spPr>
+        <p:txBody>
+          <a:bodyPr wrap="square" rtlCol="0">
+            <a:spAutoFit/>
+          </a:bodyPr>
+          <a:lstStyle/>
+          <a:p>
+            <a:r>
+              <a:rPr lang="de-DE" smtClean="0"/>
+              <a:t>Abfahren der Messpunkte „Kontur aussen“ mit der Messuhr</a:t>
+            </a:r>
+            <a:endParaRPr lang="de-DE"/>
+          </a:p>
+        </p:txBody>
+      </p:sp>
+      <p:cxnSp>
+        <p:nvCxnSpPr>
+          <p:cNvPr id="16" name="Gewinkelte Verbindung 15"/>
+          <p:cNvCxnSpPr/>
+          <p:nvPr/>
+        </p:nvCxnSpPr>
+        <p:spPr>
+          <a:xfrm flipV="1">
+            <a:off x="4283968" y="2708920"/>
+            <a:ext cx="3600400" cy="864096"/>
+          </a:xfrm>
+          <a:prstGeom prst="bentConnector3">
+            <a:avLst>
+              <a:gd name="adj1" fmla="val -3029"/>
+            </a:avLst>
+          </a:prstGeom>
+        </p:spPr>
+        <p:style>
+          <a:lnRef idx="1">
+            <a:schemeClr val="accent1"/>
+          </a:lnRef>
+          <a:fillRef idx="0">
+            <a:schemeClr val="accent1"/>
+          </a:fillRef>
+          <a:effectRef idx="0">
+            <a:schemeClr val="accent1"/>
+          </a:effectRef>
+          <a:fontRef idx="minor">
+            <a:schemeClr val="tx1"/>
+          </a:fontRef>
+        </p:style>
+      </p:cxnSp>
+      <p:sp>
+        <p:nvSpPr>
+          <p:cNvPr id="20" name="Textfeld 19"/>
+          <p:cNvSpPr txBox="1"/>
+          <p:nvPr/>
+        </p:nvSpPr>
+        <p:spPr>
+          <a:xfrm>
+            <a:off x="4139952" y="2060848"/>
+            <a:ext cx="4320480" cy="646331"/>
+          </a:xfrm>
+          <a:prstGeom prst="rect">
+            <a:avLst/>
+          </a:prstGeom>
+          <a:noFill/>
+        </p:spPr>
+        <p:txBody>
+          <a:bodyPr wrap="square" rtlCol="0">
+            <a:spAutoFit/>
+          </a:bodyPr>
+          <a:lstStyle/>
+          <a:p>
+            <a:r>
+              <a:rPr lang="de-DE" smtClean="0"/>
+              <a:t>Grün markiert Messpunkte der Aussenkontur</a:t>
+            </a:r>
+            <a:endParaRPr lang="de-DE"/>
+          </a:p>
+        </p:txBody>
+      </p:sp>
+    </p:spTree>
+  </p:cSld>
+  <p:clrMapOvr>
+    <a:masterClrMapping/>
+  </p:clrMapOvr>
+</p:sld>
+</file>
+
+<file path=ppt/slides/slide15.xml><?xml version="1.0" encoding="utf-8"?>
+<p:sld xmlns:a="http://schemas.openxmlformats.org/drawingml/2006/main" xmlns:r="http://schemas.openxmlformats.org/officeDocument/2006/relationships" xmlns:p="http://schemas.openxmlformats.org/presentationml/2006/main">
+  <p:cSld>
+    <p:spTree>
+      <p:nvGrpSpPr>
+        <p:cNvPr id="1" name=""/>
+        <p:cNvGrpSpPr/>
+        <p:nvPr/>
+      </p:nvGrpSpPr>
+      <p:grpSpPr>
+        <a:xfrm>
+          <a:off x="0" y="0"/>
+          <a:ext cx="0" cy="0"/>
+          <a:chOff x="0" y="0"/>
+          <a:chExt cx="0" cy="0"/>
+        </a:xfrm>
+      </p:grpSpPr>
+      <p:pic>
+        <p:nvPicPr>
+          <p:cNvPr id="3" name="Grafik 2" descr="MessblattOriginal.jpg"/>
+          <p:cNvPicPr>
+            <a:picLocks noChangeAspect="1"/>
+          </p:cNvPicPr>
+          <p:nvPr/>
+        </p:nvPicPr>
+        <p:blipFill>
+          <a:blip r:embed="rId2" cstate="print"/>
+          <a:stretch>
+            <a:fillRect/>
+          </a:stretch>
+        </p:blipFill>
+        <p:spPr>
+          <a:xfrm>
+            <a:off x="3491880" y="2636912"/>
+            <a:ext cx="5184576" cy="4007973"/>
+          </a:xfrm>
+          <a:prstGeom prst="rect">
+            <a:avLst/>
+          </a:prstGeom>
+        </p:spPr>
+      </p:pic>
+      <p:cxnSp>
+        <p:nvCxnSpPr>
+          <p:cNvPr id="12" name="Gewinkelte Verbindung 11"/>
+          <p:cNvCxnSpPr/>
+          <p:nvPr/>
+        </p:nvCxnSpPr>
+        <p:spPr>
+          <a:xfrm flipV="1">
+            <a:off x="3635896" y="2204864"/>
+            <a:ext cx="4824536" cy="432048"/>
+          </a:xfrm>
+          <a:prstGeom prst="bentConnector3">
+            <a:avLst>
+              <a:gd name="adj1" fmla="val 7090"/>
+            </a:avLst>
+          </a:prstGeom>
+        </p:spPr>
+        <p:style>
+          <a:lnRef idx="1">
+            <a:schemeClr val="accent1"/>
+          </a:lnRef>
+          <a:fillRef idx="0">
+            <a:schemeClr val="accent1"/>
+          </a:fillRef>
+          <a:effectRef idx="0">
+            <a:schemeClr val="accent1"/>
+          </a:effectRef>
+          <a:fontRef idx="minor">
+            <a:schemeClr val="tx1"/>
+          </a:fontRef>
+        </p:style>
+      </p:cxnSp>
+      <p:sp>
+        <p:nvSpPr>
+          <p:cNvPr id="16" name="Textfeld 15"/>
+          <p:cNvSpPr txBox="1"/>
+          <p:nvPr/>
+        </p:nvSpPr>
+        <p:spPr>
+          <a:xfrm>
+            <a:off x="3995936" y="1412776"/>
+            <a:ext cx="4680520" cy="646331"/>
+          </a:xfrm>
+          <a:prstGeom prst="rect">
+            <a:avLst/>
+          </a:prstGeom>
+          <a:noFill/>
+        </p:spPr>
+        <p:txBody>
+          <a:bodyPr wrap="square" rtlCol="0">
+            <a:spAutoFit/>
+          </a:bodyPr>
+          <a:lstStyle/>
+          <a:p>
+            <a:r>
+              <a:rPr lang="de-DE" smtClean="0"/>
+              <a:t>Messprotokoll zur Erfassung der Messergebnisse verschiedener Messbereiche</a:t>
+            </a:r>
+            <a:endParaRPr lang="de-DE"/>
+          </a:p>
+        </p:txBody>
+      </p:sp>
+      <p:cxnSp>
+        <p:nvCxnSpPr>
+          <p:cNvPr id="18" name="Gewinkelte Verbindung 17"/>
+          <p:cNvCxnSpPr/>
+          <p:nvPr/>
+        </p:nvCxnSpPr>
+        <p:spPr>
+          <a:xfrm>
+            <a:off x="755576" y="4725144"/>
+            <a:ext cx="2736304" cy="576064"/>
+          </a:xfrm>
+          <a:prstGeom prst="bentConnector3">
+            <a:avLst>
+              <a:gd name="adj1" fmla="val 84487"/>
+            </a:avLst>
+          </a:prstGeom>
+          <a:ln>
+            <a:tailEnd type="arrow"/>
+          </a:ln>
+        </p:spPr>
+        <p:style>
+          <a:lnRef idx="1">
+            <a:schemeClr val="accent1"/>
+          </a:lnRef>
+          <a:fillRef idx="0">
+            <a:schemeClr val="accent1"/>
+          </a:fillRef>
+          <a:effectRef idx="0">
+            <a:schemeClr val="accent1"/>
+          </a:effectRef>
+          <a:fontRef idx="minor">
+            <a:schemeClr val="tx1"/>
+          </a:fontRef>
+        </p:style>
+      </p:cxnSp>
+      <p:sp>
+        <p:nvSpPr>
+          <p:cNvPr id="21" name="Textfeld 20"/>
+          <p:cNvSpPr txBox="1"/>
+          <p:nvPr/>
+        </p:nvSpPr>
+        <p:spPr>
+          <a:xfrm>
+            <a:off x="683568" y="4365104"/>
+            <a:ext cx="2160240" cy="369332"/>
+          </a:xfrm>
+          <a:prstGeom prst="rect">
+            <a:avLst/>
+          </a:prstGeom>
+          <a:noFill/>
+        </p:spPr>
+        <p:txBody>
+          <a:bodyPr wrap="square" rtlCol="0">
+            <a:spAutoFit/>
+          </a:bodyPr>
+          <a:lstStyle/>
+          <a:p>
+            <a:r>
+              <a:rPr lang="de-DE" smtClean="0"/>
+              <a:t>Kontur aussen (grün)</a:t>
+            </a:r>
+            <a:endParaRPr lang="de-DE"/>
+          </a:p>
+        </p:txBody>
+      </p:sp>
+    </p:spTree>
+  </p:cSld>
+  <p:clrMapOvr>
+    <a:masterClrMapping/>
+  </p:clrMapOvr>
+</p:sld>
+</file>
+
+<file path=ppt/slides/slide16.xml><?xml version="1.0" encoding="utf-8"?>
+<p:sld xmlns:a="http://schemas.openxmlformats.org/drawingml/2006/main" xmlns:r="http://schemas.openxmlformats.org/officeDocument/2006/relationships" xmlns:p="http://schemas.openxmlformats.org/presentationml/2006/main">
+  <p:cSld>
+    <p:spTree>
+      <p:nvGrpSpPr>
+        <p:cNvPr id="1" name=""/>
+        <p:cNvGrpSpPr/>
+        <p:nvPr/>
+      </p:nvGrpSpPr>
+      <p:grpSpPr>
+        <a:xfrm>
+          <a:off x="0" y="0"/>
+          <a:ext cx="0" cy="0"/>
+          <a:chOff x="0" y="0"/>
+          <a:chExt cx="0" cy="0"/>
+        </a:xfrm>
+      </p:grpSpPr>
+      <p:sp>
+        <p:nvSpPr>
+          <p:cNvPr id="2" name="Titel 1"/>
+          <p:cNvSpPr>
+            <a:spLocks noGrp="1"/>
+          </p:cNvSpPr>
+          <p:nvPr>
+            <p:ph type="title"/>
+          </p:nvPr>
+        </p:nvSpPr>
+        <p:spPr/>
+        <p:txBody>
+          <a:bodyPr/>
+          <a:lstStyle/>
+          <a:p>
+            <a:r>
+              <a:rPr lang="de-DE" smtClean="0"/>
+              <a:t>Auswertungsmethode</a:t>
+            </a:r>
+            <a:endParaRPr lang="de-DE"/>
+          </a:p>
+        </p:txBody>
+      </p:sp>
+      <p:pic>
+        <p:nvPicPr>
+          <p:cNvPr id="3" name="Grafik 2" descr="F17elox.jpg"/>
+          <p:cNvPicPr>
+            <a:picLocks noChangeAspect="1"/>
+          </p:cNvPicPr>
+          <p:nvPr/>
+        </p:nvPicPr>
+        <p:blipFill>
+          <a:blip r:embed="rId2" cstate="print"/>
+          <a:stretch>
+            <a:fillRect/>
+          </a:stretch>
+        </p:blipFill>
+        <p:spPr>
+          <a:xfrm>
+            <a:off x="1979713" y="3009688"/>
+            <a:ext cx="4032448" cy="1929357"/>
+          </a:xfrm>
+          <a:prstGeom prst="rect">
+            <a:avLst/>
+          </a:prstGeom>
+        </p:spPr>
+      </p:pic>
+      <p:pic>
+        <p:nvPicPr>
+          <p:cNvPr id="6" name="Grafik 5" descr="StandardabweichungDesMittelwerts.jpg"/>
+          <p:cNvPicPr>
+            <a:picLocks noChangeAspect="1"/>
+          </p:cNvPicPr>
+          <p:nvPr/>
+        </p:nvPicPr>
+        <p:blipFill>
+          <a:blip r:embed="rId3" cstate="print"/>
+          <a:stretch>
+            <a:fillRect/>
+          </a:stretch>
+        </p:blipFill>
+        <p:spPr>
+          <a:xfrm>
+            <a:off x="4572000" y="1700808"/>
+            <a:ext cx="3312368" cy="816851"/>
+          </a:xfrm>
+          <a:prstGeom prst="rect">
+            <a:avLst/>
+          </a:prstGeom>
+        </p:spPr>
+      </p:pic>
+      <p:pic>
+        <p:nvPicPr>
+          <p:cNvPr id="7" name="Grafik 6" descr="StandardabweichungEmpirische.jpg"/>
+          <p:cNvPicPr>
+            <a:picLocks noChangeAspect="1"/>
+          </p:cNvPicPr>
+          <p:nvPr/>
+        </p:nvPicPr>
+        <p:blipFill>
+          <a:blip r:embed="rId4" cstate="print"/>
+          <a:stretch>
+            <a:fillRect/>
+          </a:stretch>
+        </p:blipFill>
+        <p:spPr>
+          <a:xfrm>
+            <a:off x="539552" y="1556792"/>
+            <a:ext cx="2520280" cy="979163"/>
+          </a:xfrm>
+          <a:prstGeom prst="rect">
+            <a:avLst/>
+          </a:prstGeom>
+        </p:spPr>
+      </p:pic>
+      <p:pic>
+        <p:nvPicPr>
+          <p:cNvPr id="8" name="Grafik 7" descr="ChargenWerte.jpg"/>
+          <p:cNvPicPr>
+            <a:picLocks noChangeAspect="1"/>
+          </p:cNvPicPr>
+          <p:nvPr/>
+        </p:nvPicPr>
+        <p:blipFill>
+          <a:blip r:embed="rId5" cstate="print"/>
+          <a:stretch>
+            <a:fillRect/>
+          </a:stretch>
+        </p:blipFill>
+        <p:spPr>
+          <a:xfrm>
+            <a:off x="2112873" y="5531974"/>
+            <a:ext cx="3683263" cy="887478"/>
+          </a:xfrm>
+          <a:prstGeom prst="rect">
+            <a:avLst/>
+          </a:prstGeom>
+        </p:spPr>
+      </p:pic>
+      <p:sp>
+        <p:nvSpPr>
+          <p:cNvPr id="9" name="Textfeld 8"/>
+          <p:cNvSpPr txBox="1"/>
+          <p:nvPr/>
+        </p:nvSpPr>
+        <p:spPr>
+          <a:xfrm>
+            <a:off x="755576" y="1628800"/>
+            <a:ext cx="1368152" cy="369332"/>
+          </a:xfrm>
+          <a:prstGeom prst="rect">
+            <a:avLst/>
+          </a:prstGeom>
+          <a:noFill/>
+        </p:spPr>
+        <p:txBody>
+          <a:bodyPr wrap="square" rtlCol="0">
+            <a:spAutoFit/>
+          </a:bodyPr>
+          <a:lstStyle/>
+          <a:p>
+            <a:endParaRPr lang="de-DE"/>
+          </a:p>
+        </p:txBody>
+      </p:sp>
+      <p:sp>
+        <p:nvSpPr>
+          <p:cNvPr id="10" name="Textfeld 9"/>
+          <p:cNvSpPr txBox="1"/>
+          <p:nvPr/>
+        </p:nvSpPr>
+        <p:spPr>
+          <a:xfrm>
+            <a:off x="611560" y="1412776"/>
+            <a:ext cx="3240360" cy="307777"/>
+          </a:xfrm>
+          <a:prstGeom prst="rect">
+            <a:avLst/>
+          </a:prstGeom>
+          <a:noFill/>
+        </p:spPr>
+        <p:txBody>
+          <a:bodyPr wrap="square" rtlCol="0">
+            <a:spAutoFit/>
+          </a:bodyPr>
+          <a:lstStyle/>
+          <a:p>
+            <a:r>
+              <a:rPr lang="de-DE" sz="1400" b="1" i="1" smtClean="0">
+                <a:solidFill>
+                  <a:srgbClr val="FF0000"/>
+                </a:solidFill>
+              </a:rPr>
+              <a:t>Empirische Standardabweichung</a:t>
+            </a:r>
+            <a:endParaRPr lang="de-DE" sz="1400" b="1" i="1">
+              <a:solidFill>
+                <a:srgbClr val="FF0000"/>
+              </a:solidFill>
+            </a:endParaRPr>
+          </a:p>
+        </p:txBody>
+      </p:sp>
+      <p:sp>
+        <p:nvSpPr>
+          <p:cNvPr id="11" name="Textfeld 10"/>
+          <p:cNvSpPr txBox="1"/>
+          <p:nvPr/>
+        </p:nvSpPr>
+        <p:spPr>
+          <a:xfrm>
+            <a:off x="4716016" y="1340768"/>
+            <a:ext cx="4032448" cy="523220"/>
+          </a:xfrm>
+          <a:prstGeom prst="rect">
+            <a:avLst/>
+          </a:prstGeom>
+          <a:noFill/>
+        </p:spPr>
+        <p:txBody>
+          <a:bodyPr wrap="square" rtlCol="0">
+            <a:spAutoFit/>
+          </a:bodyPr>
+          <a:lstStyle/>
+          <a:p>
+            <a:r>
+              <a:rPr lang="de-DE" sz="1400" b="1" i="1" smtClean="0">
+                <a:solidFill>
+                  <a:srgbClr val="FF0000"/>
+                </a:solidFill>
+              </a:rPr>
+              <a:t>Standardabweichung des Mittelwerts (mit Berücksichtigung des Vertrauensbereichs)</a:t>
+            </a:r>
+            <a:endParaRPr lang="de-DE" sz="1400" b="1" i="1">
+              <a:solidFill>
+                <a:srgbClr val="FF0000"/>
+              </a:solidFill>
+            </a:endParaRPr>
+          </a:p>
+        </p:txBody>
+      </p:sp>
+      <p:cxnSp>
+        <p:nvCxnSpPr>
+          <p:cNvPr id="13" name="Gerade Verbindung mit Pfeil 12"/>
+          <p:cNvCxnSpPr/>
+          <p:nvPr/>
+        </p:nvCxnSpPr>
+        <p:spPr>
+          <a:xfrm flipH="1" flipV="1">
+            <a:off x="2267744" y="2492896"/>
+            <a:ext cx="1440160" cy="504056"/>
+          </a:xfrm>
+          <a:prstGeom prst="straightConnector1">
+            <a:avLst/>
+          </a:prstGeom>
+          <a:ln w="19050">
+            <a:solidFill>
+              <a:srgbClr val="FF0000"/>
+            </a:solidFill>
+            <a:tailEnd type="arrow"/>
+          </a:ln>
+        </p:spPr>
+        <p:style>
+          <a:lnRef idx="1">
+            <a:schemeClr val="accent1"/>
+          </a:lnRef>
+          <a:fillRef idx="0">
+            <a:schemeClr val="accent1"/>
+          </a:fillRef>
+          <a:effectRef idx="0">
+            <a:schemeClr val="accent1"/>
+          </a:effectRef>
+          <a:fontRef idx="minor">
+            <a:schemeClr val="tx1"/>
+          </a:fontRef>
+        </p:style>
+      </p:cxnSp>
+      <p:cxnSp>
+        <p:nvCxnSpPr>
+          <p:cNvPr id="15" name="Gerade Verbindung mit Pfeil 14"/>
+          <p:cNvCxnSpPr/>
+          <p:nvPr/>
+        </p:nvCxnSpPr>
+        <p:spPr>
+          <a:xfrm flipV="1">
+            <a:off x="3851920" y="2348880"/>
+            <a:ext cx="936104" cy="648072"/>
+          </a:xfrm>
+          <a:prstGeom prst="straightConnector1">
+            <a:avLst/>
+          </a:prstGeom>
+          <a:ln w="19050">
+            <a:solidFill>
+              <a:srgbClr val="FF0000"/>
+            </a:solidFill>
+            <a:tailEnd type="arrow"/>
+          </a:ln>
+        </p:spPr>
+        <p:style>
+          <a:lnRef idx="1">
+            <a:schemeClr val="accent1"/>
+          </a:lnRef>
+          <a:fillRef idx="0">
+            <a:schemeClr val="accent1"/>
+          </a:fillRef>
+          <a:effectRef idx="0">
+            <a:schemeClr val="accent1"/>
+          </a:effectRef>
+          <a:fontRef idx="minor">
+            <a:schemeClr val="tx1"/>
+          </a:fontRef>
+        </p:style>
+      </p:cxnSp>
+      <p:cxnSp>
+        <p:nvCxnSpPr>
+          <p:cNvPr id="19" name="Gewinkelte Verbindung 18"/>
+          <p:cNvCxnSpPr>
+            <a:stCxn id="3" idx="3"/>
+          </p:cNvCxnSpPr>
+          <p:nvPr/>
+        </p:nvCxnSpPr>
+        <p:spPr>
+          <a:xfrm flipV="1">
+            <a:off x="6012161" y="3501008"/>
+            <a:ext cx="2664295" cy="473359"/>
+          </a:xfrm>
+          <a:prstGeom prst="bentConnector3">
+            <a:avLst>
+              <a:gd name="adj1" fmla="val 7992"/>
+            </a:avLst>
+          </a:prstGeom>
+        </p:spPr>
+        <p:style>
+          <a:lnRef idx="1">
+            <a:schemeClr val="accent1"/>
+          </a:lnRef>
+          <a:fillRef idx="0">
+            <a:schemeClr val="accent1"/>
+          </a:fillRef>
+          <a:effectRef idx="0">
+            <a:schemeClr val="accent1"/>
+          </a:effectRef>
+          <a:fontRef idx="minor">
+            <a:schemeClr val="tx1"/>
+          </a:fontRef>
+        </p:style>
+      </p:cxnSp>
+      <p:sp>
+        <p:nvSpPr>
+          <p:cNvPr id="22" name="Textfeld 21"/>
+          <p:cNvSpPr txBox="1"/>
+          <p:nvPr/>
+        </p:nvSpPr>
+        <p:spPr>
+          <a:xfrm>
+            <a:off x="6300192" y="3068960"/>
+            <a:ext cx="2376264" cy="430887"/>
+          </a:xfrm>
+          <a:prstGeom prst="rect">
+            <a:avLst/>
+          </a:prstGeom>
+          <a:noFill/>
+        </p:spPr>
+        <p:txBody>
+          <a:bodyPr wrap="square" rtlCol="0">
+            <a:spAutoFit/>
+          </a:bodyPr>
+          <a:lstStyle/>
+          <a:p>
+            <a:r>
+              <a:rPr lang="de-DE" sz="1100" b="1" i="1" smtClean="0"/>
+              <a:t>Messergebnisse einer Charge (nach spezifischer Bearbeitungsstufe) </a:t>
+            </a:r>
+            <a:endParaRPr lang="de-DE" sz="1100" b="1" i="1"/>
+          </a:p>
+        </p:txBody>
+      </p:sp>
+      <p:cxnSp>
+        <p:nvCxnSpPr>
+          <p:cNvPr id="24" name="Form 23"/>
+          <p:cNvCxnSpPr/>
+          <p:nvPr/>
+        </p:nvCxnSpPr>
+        <p:spPr>
+          <a:xfrm>
+            <a:off x="5940152" y="4221088"/>
+            <a:ext cx="2808312" cy="576064"/>
+          </a:xfrm>
+          <a:prstGeom prst="bentConnector3">
+            <a:avLst>
+              <a:gd name="adj1" fmla="val 10667"/>
+            </a:avLst>
+          </a:prstGeom>
+        </p:spPr>
+        <p:style>
+          <a:lnRef idx="1">
+            <a:schemeClr val="accent1"/>
+          </a:lnRef>
+          <a:fillRef idx="0">
+            <a:schemeClr val="accent1"/>
+          </a:fillRef>
+          <a:effectRef idx="0">
+            <a:schemeClr val="accent1"/>
+          </a:effectRef>
+          <a:fontRef idx="minor">
+            <a:schemeClr val="tx1"/>
+          </a:fontRef>
+        </p:style>
+      </p:cxnSp>
+      <p:sp>
+        <p:nvSpPr>
+          <p:cNvPr id="31" name="Textfeld 30"/>
+          <p:cNvSpPr txBox="1"/>
+          <p:nvPr/>
+        </p:nvSpPr>
+        <p:spPr>
+          <a:xfrm>
+            <a:off x="6444208" y="4509120"/>
+            <a:ext cx="2699792" cy="261610"/>
+          </a:xfrm>
+          <a:prstGeom prst="rect">
+            <a:avLst/>
+          </a:prstGeom>
+          <a:noFill/>
+        </p:spPr>
+        <p:txBody>
+          <a:bodyPr wrap="square" rtlCol="0">
+            <a:spAutoFit/>
+          </a:bodyPr>
+          <a:lstStyle/>
+          <a:p>
+            <a:r>
+              <a:rPr lang="de-DE" sz="1100" b="1" i="1" smtClean="0"/>
+              <a:t>Pro Charge 20 Teile</a:t>
+            </a:r>
+            <a:endParaRPr lang="de-DE" sz="1100" b="1" i="1"/>
+          </a:p>
+        </p:txBody>
+      </p:sp>
+      <p:cxnSp>
+        <p:nvCxnSpPr>
+          <p:cNvPr id="33" name="Gerade Verbindung mit Pfeil 32"/>
+          <p:cNvCxnSpPr>
+            <a:endCxn id="8" idx="1"/>
+          </p:cNvCxnSpPr>
+          <p:nvPr/>
+        </p:nvCxnSpPr>
+        <p:spPr>
+          <a:xfrm>
+            <a:off x="1763688" y="5805264"/>
+            <a:ext cx="349185" cy="170449"/>
+          </a:xfrm>
+          <a:prstGeom prst="straightConnector1">
+            <a:avLst/>
+          </a:prstGeom>
+          <a:ln w="19050">
+            <a:solidFill>
+              <a:srgbClr val="FF0000"/>
+            </a:solidFill>
+            <a:tailEnd type="arrow"/>
+          </a:ln>
+        </p:spPr>
+        <p:style>
+          <a:lnRef idx="1">
+            <a:schemeClr val="accent1"/>
+          </a:lnRef>
+          <a:fillRef idx="0">
+            <a:schemeClr val="accent1"/>
+          </a:fillRef>
+          <a:effectRef idx="0">
+            <a:schemeClr val="accent1"/>
+          </a:effectRef>
+          <a:fontRef idx="minor">
+            <a:schemeClr val="tx1"/>
+          </a:fontRef>
+        </p:style>
+      </p:cxnSp>
+      <p:sp>
+        <p:nvSpPr>
+          <p:cNvPr id="34" name="Textfeld 33"/>
+          <p:cNvSpPr txBox="1"/>
+          <p:nvPr/>
+        </p:nvSpPr>
+        <p:spPr>
+          <a:xfrm>
+            <a:off x="179512" y="5445224"/>
+            <a:ext cx="1656184" cy="938719"/>
+          </a:xfrm>
+          <a:prstGeom prst="rect">
+            <a:avLst/>
+          </a:prstGeom>
+          <a:noFill/>
+        </p:spPr>
+        <p:txBody>
+          <a:bodyPr wrap="square" rtlCol="0">
+            <a:spAutoFit/>
+          </a:bodyPr>
+          <a:lstStyle/>
+          <a:p>
+            <a:r>
+              <a:rPr lang="de-DE" sz="1100" b="1" i="1" smtClean="0"/>
+              <a:t>Einige Chargen mit Materialkennwerten, es wurden zusätzlich F18 und F19 Proben in der Versuchsreihe gefahren</a:t>
+            </a:r>
+            <a:endParaRPr lang="de-DE" sz="1100" b="1" i="1"/>
+          </a:p>
+        </p:txBody>
+      </p:sp>
+    </p:spTree>
+  </p:cSld>
+  <p:clrMapOvr>
+    <a:masterClrMapping/>
+  </p:clrMapOvr>
+</p:sld>
+</file>
+
+<file path=ppt/slides/slide17.xml><?xml version="1.0" encoding="utf-8"?>
+<p:sld xmlns:a="http://schemas.openxmlformats.org/drawingml/2006/main" xmlns:r="http://schemas.openxmlformats.org/officeDocument/2006/relationships" xmlns:p="http://schemas.openxmlformats.org/presentationml/2006/main">
+  <p:cSld>
+    <p:spTree>
+      <p:nvGrpSpPr>
+        <p:cNvPr id="1" name=""/>
+        <p:cNvGrpSpPr/>
+        <p:nvPr/>
+      </p:nvGrpSpPr>
+      <p:grpSpPr>
+        <a:xfrm>
+          <a:off x="0" y="0"/>
+          <a:ext cx="0" cy="0"/>
+          <a:chOff x="0" y="0"/>
+          <a:chExt cx="0" cy="0"/>
+        </a:xfrm>
+      </p:grpSpPr>
+      <p:sp>
+        <p:nvSpPr>
+          <p:cNvPr id="2" name="Titel 1"/>
+          <p:cNvSpPr>
+            <a:spLocks noGrp="1"/>
+          </p:cNvSpPr>
+          <p:nvPr>
+            <p:ph type="title"/>
+          </p:nvPr>
+        </p:nvSpPr>
+        <p:spPr>
+          <a:xfrm>
+            <a:off x="457200" y="274638"/>
+            <a:ext cx="8229600" cy="1498178"/>
+          </a:xfrm>
+        </p:spPr>
+        <p:txBody>
+          <a:bodyPr>
+            <a:normAutofit fontScale="90000"/>
+          </a:bodyPr>
+          <a:lstStyle/>
+          <a:p>
+            <a:r>
+              <a:rPr lang="de-DE" smtClean="0"/>
+              <a:t>Einschränkungen durch Rücksichtnahme auf die Serienfertigung</a:t>
+            </a:r>
+            <a:endParaRPr lang="de-DE"/>
+          </a:p>
+        </p:txBody>
+      </p:sp>
+      <p:sp>
+        <p:nvSpPr>
+          <p:cNvPr id="6" name="Textfeld 5"/>
+          <p:cNvSpPr txBox="1"/>
+          <p:nvPr/>
+        </p:nvSpPr>
+        <p:spPr>
+          <a:xfrm>
+            <a:off x="179512" y="2492896"/>
+            <a:ext cx="4752528" cy="3785652"/>
+          </a:xfrm>
+          <a:prstGeom prst="rect">
+            <a:avLst/>
+          </a:prstGeom>
+          <a:noFill/>
+        </p:spPr>
+        <p:txBody>
+          <a:bodyPr wrap="square" rtlCol="0">
+            <a:spAutoFit/>
+          </a:bodyPr>
+          <a:lstStyle/>
+          <a:p>
+            <a:pPr>
+              <a:buFont typeface="Arial" pitchFamily="34" charset="0"/>
+              <a:buChar char="•"/>
+            </a:pPr>
+            <a:r>
+              <a:rPr lang="de-DE" sz="2000" smtClean="0"/>
+              <a:t>Streckbiegemaschine musste auf das Serienmaterial F13 eingerichtet bleiben</a:t>
+            </a:r>
+          </a:p>
+          <a:p>
+            <a:pPr>
+              <a:buFont typeface="Arial" pitchFamily="34" charset="0"/>
+              <a:buChar char="•"/>
+            </a:pPr>
+            <a:r>
+              <a:rPr lang="de-DE" sz="2000" smtClean="0"/>
+              <a:t>Bearbeitungsstufe Schleifen/Polieren </a:t>
+            </a:r>
+            <a:r>
+              <a:rPr lang="de-DE" sz="2000" smtClean="0"/>
+              <a:t>wurde, aufgrund von Kapazitätsmangel, </a:t>
+            </a:r>
+            <a:r>
+              <a:rPr lang="de-DE" sz="2000" smtClean="0"/>
+              <a:t> </a:t>
+            </a:r>
+            <a:r>
+              <a:rPr lang="de-DE" sz="2000" smtClean="0"/>
+              <a:t>teilweise in die Prototypenfertigung </a:t>
+            </a:r>
+            <a:r>
+              <a:rPr lang="de-DE" sz="2000" smtClean="0"/>
+              <a:t>ausgelagert</a:t>
+            </a:r>
+            <a:endParaRPr lang="de-DE" sz="2000" smtClean="0"/>
+          </a:p>
+          <a:p>
+            <a:pPr>
+              <a:buFont typeface="Arial" pitchFamily="34" charset="0"/>
+              <a:buChar char="•"/>
+            </a:pPr>
+            <a:r>
+              <a:rPr lang="de-DE" sz="2000" smtClean="0"/>
+              <a:t>Durch Bearbeitungsfehler </a:t>
+            </a:r>
+            <a:r>
+              <a:rPr lang="de-DE" sz="2000" smtClean="0"/>
+              <a:t>wurden</a:t>
+            </a:r>
+            <a:r>
+              <a:rPr lang="de-DE" sz="2000" smtClean="0"/>
+              <a:t> </a:t>
+            </a:r>
+            <a:r>
+              <a:rPr lang="de-DE" sz="2000" smtClean="0"/>
+              <a:t>zusätzliche Chargen einiger Festigkeitsklassen </a:t>
+            </a:r>
+            <a:r>
+              <a:rPr lang="de-DE" sz="2000" smtClean="0"/>
+              <a:t>gefahren</a:t>
+            </a:r>
+            <a:endParaRPr lang="de-DE" sz="2000" smtClean="0"/>
+          </a:p>
+          <a:p>
+            <a:pPr>
+              <a:buFont typeface="Arial" pitchFamily="34" charset="0"/>
+              <a:buChar char="•"/>
+            </a:pPr>
+            <a:r>
+              <a:rPr lang="de-DE" sz="2000" smtClean="0"/>
+              <a:t>Beim Fräsprozess musste, aus Zeitgründen, beide Seiten der doppelten Spannvorrichtung genutzt werden</a:t>
+            </a:r>
+            <a:endParaRPr lang="de-DE" sz="2000"/>
+          </a:p>
+        </p:txBody>
+      </p:sp>
+      <p:sp>
+        <p:nvSpPr>
+          <p:cNvPr id="4" name="Pfeil nach rechts 3"/>
+          <p:cNvSpPr/>
+          <p:nvPr/>
+        </p:nvSpPr>
+        <p:spPr>
+          <a:xfrm>
+            <a:off x="5004048" y="3284984"/>
+            <a:ext cx="1656184" cy="792088"/>
+          </a:xfrm>
+          <a:prstGeom prst="rightArrow">
+            <a:avLst/>
+          </a:prstGeom>
+        </p:spPr>
+        <p:style>
+          <a:lnRef idx="2">
+            <a:schemeClr val="accent1">
+              <a:shade val="50000"/>
+            </a:schemeClr>
+          </a:lnRef>
+          <a:fillRef idx="1">
+            <a:schemeClr val="accent1"/>
+          </a:fillRef>
+          <a:effectRef idx="0">
+            <a:schemeClr val="accent1"/>
+          </a:effectRef>
+          <a:fontRef idx="minor">
+            <a:schemeClr val="lt1"/>
+          </a:fontRef>
+        </p:style>
+        <p:txBody>
+          <a:bodyPr rtlCol="0" anchor="ctr"/>
+          <a:lstStyle/>
+          <a:p>
+            <a:pPr algn="ctr"/>
+            <a:endParaRPr lang="de-DE"/>
+          </a:p>
+        </p:txBody>
+      </p:sp>
+      <p:sp>
+        <p:nvSpPr>
+          <p:cNvPr id="5" name="Textfeld 4"/>
+          <p:cNvSpPr txBox="1"/>
+          <p:nvPr/>
+        </p:nvSpPr>
+        <p:spPr>
+          <a:xfrm>
+            <a:off x="7020272" y="3068960"/>
+            <a:ext cx="1656184" cy="1200329"/>
+          </a:xfrm>
+          <a:prstGeom prst="rect">
+            <a:avLst/>
+          </a:prstGeom>
+          <a:noFill/>
+        </p:spPr>
+        <p:txBody>
+          <a:bodyPr wrap="square" rtlCol="0">
+            <a:spAutoFit/>
+          </a:bodyPr>
+          <a:lstStyle/>
+          <a:p>
+            <a:r>
+              <a:rPr lang="de-DE" smtClean="0"/>
+              <a:t>Leichte Einschränkung der Objektivität</a:t>
+            </a:r>
+          </a:p>
+          <a:p>
+            <a:endParaRPr lang="de-DE"/>
+          </a:p>
+        </p:txBody>
+      </p:sp>
+    </p:spTree>
+  </p:cSld>
+  <p:clrMapOvr>
+    <a:masterClrMapping/>
+  </p:clrMapOvr>
+</p:sld>
+</file>
+
+<file path=ppt/slides/slide18.xml><?xml version="1.0" encoding="utf-8"?>
+<p:sld xmlns:a="http://schemas.openxmlformats.org/drawingml/2006/main" xmlns:r="http://schemas.openxmlformats.org/officeDocument/2006/relationships" xmlns:p="http://schemas.openxmlformats.org/presentationml/2006/main">
+  <p:cSld>
+    <p:spTree>
+      <p:nvGrpSpPr>
+        <p:cNvPr id="1" name=""/>
+        <p:cNvGrpSpPr/>
+        <p:nvPr/>
+      </p:nvGrpSpPr>
+      <p:grpSpPr>
+        <a:xfrm>
+          <a:off x="0" y="0"/>
+          <a:ext cx="0" cy="0"/>
+          <a:chOff x="0" y="0"/>
+          <a:chExt cx="0" cy="0"/>
+        </a:xfrm>
+      </p:grpSpPr>
+      <p:sp>
+        <p:nvSpPr>
+          <p:cNvPr id="2" name="Titel 1"/>
+          <p:cNvSpPr>
+            <a:spLocks noGrp="1"/>
+          </p:cNvSpPr>
+          <p:nvPr>
+            <p:ph type="title"/>
+          </p:nvPr>
+        </p:nvSpPr>
+        <p:spPr/>
+        <p:txBody>
+          <a:bodyPr/>
+          <a:lstStyle/>
+          <a:p>
+            <a:r>
+              <a:rPr lang="de-DE" smtClean="0"/>
+              <a:t>Visualisierung der Resultate</a:t>
+            </a:r>
+            <a:endParaRPr lang="de-DE"/>
+          </a:p>
+        </p:txBody>
+      </p:sp>
+      <p:pic>
+        <p:nvPicPr>
+          <p:cNvPr id="5" name="Grafik 4" descr="StreckbiegenVisNEU.jpg"/>
+          <p:cNvPicPr>
+            <a:picLocks noChangeAspect="1"/>
+          </p:cNvPicPr>
+          <p:nvPr/>
+        </p:nvPicPr>
+        <p:blipFill>
+          <a:blip r:embed="rId2" cstate="print"/>
+          <a:stretch>
+            <a:fillRect/>
+          </a:stretch>
+        </p:blipFill>
+        <p:spPr>
+          <a:xfrm>
+            <a:off x="179512" y="2492896"/>
+            <a:ext cx="4445314" cy="2880320"/>
+          </a:xfrm>
+          <a:prstGeom prst="rect">
+            <a:avLst/>
+          </a:prstGeom>
+        </p:spPr>
+      </p:pic>
+      <p:pic>
+        <p:nvPicPr>
+          <p:cNvPr id="6" name="Grafik 5" descr="StreckbieTabNEU.jpg"/>
+          <p:cNvPicPr>
+            <a:picLocks noChangeAspect="1"/>
+          </p:cNvPicPr>
+          <p:nvPr/>
+        </p:nvPicPr>
+        <p:blipFill>
+          <a:blip r:embed="rId3" cstate="print"/>
+          <a:stretch>
+            <a:fillRect/>
+          </a:stretch>
+        </p:blipFill>
+        <p:spPr>
+          <a:xfrm>
+            <a:off x="4644008" y="2492896"/>
+            <a:ext cx="4182980" cy="3366440"/>
+          </a:xfrm>
+          <a:prstGeom prst="rect">
+            <a:avLst/>
+          </a:prstGeom>
+        </p:spPr>
+      </p:pic>
+      <p:sp>
+        <p:nvSpPr>
+          <p:cNvPr id="7" name="Textfeld 6"/>
+          <p:cNvSpPr txBox="1"/>
+          <p:nvPr/>
+        </p:nvSpPr>
+        <p:spPr>
+          <a:xfrm>
+            <a:off x="395536" y="5411450"/>
+            <a:ext cx="3600400" cy="1446550"/>
+          </a:xfrm>
+          <a:prstGeom prst="rect">
+            <a:avLst/>
+          </a:prstGeom>
+          <a:noFill/>
+        </p:spPr>
+        <p:txBody>
+          <a:bodyPr wrap="square" rtlCol="0">
+            <a:spAutoFit/>
+          </a:bodyPr>
+          <a:lstStyle/>
+          <a:p>
+            <a:r>
+              <a:rPr lang="de-DE" sz="1100" b="1" i="1" smtClean="0"/>
+              <a:t>Vergleich Messwerte (Mittelwerte) und Prozessschwankungen (durch die Standardabweichung visualisiert). Asymmetrie der Resultate aufgrund von nicht hinreichender Kalibrierung des Biegewerkzeugs. Prozessschwankungen bei F13 insbesondere an den signifikanten Messpunkten MP1 und MP10 am größten. Geringste Prozessschwankung und maximale Rückfederung bei F17.</a:t>
+            </a:r>
+            <a:endParaRPr lang="de-DE" sz="1100" b="1" i="1"/>
+          </a:p>
+        </p:txBody>
+      </p:sp>
+      <p:sp>
+        <p:nvSpPr>
+          <p:cNvPr id="10" name="Textfeld 9"/>
+          <p:cNvSpPr txBox="1"/>
+          <p:nvPr/>
+        </p:nvSpPr>
+        <p:spPr>
+          <a:xfrm>
+            <a:off x="2915816" y="1268760"/>
+            <a:ext cx="3528392" cy="400110"/>
+          </a:xfrm>
+          <a:prstGeom prst="rect">
+            <a:avLst/>
+          </a:prstGeom>
+          <a:noFill/>
+        </p:spPr>
+        <p:txBody>
+          <a:bodyPr wrap="square" rtlCol="0">
+            <a:spAutoFit/>
+          </a:bodyPr>
+          <a:lstStyle/>
+          <a:p>
+            <a:r>
+              <a:rPr lang="de-DE" sz="2000" smtClean="0"/>
+              <a:t>Streckbiegen erster Durchgang</a:t>
+            </a:r>
+            <a:endParaRPr lang="de-DE" sz="2000"/>
+          </a:p>
+        </p:txBody>
+      </p:sp>
+      <p:cxnSp>
+        <p:nvCxnSpPr>
+          <p:cNvPr id="12" name="Gerade Verbindung mit Pfeil 11"/>
+          <p:cNvCxnSpPr/>
+          <p:nvPr/>
+        </p:nvCxnSpPr>
+        <p:spPr>
+          <a:xfrm flipH="1">
+            <a:off x="3131840" y="1628800"/>
+            <a:ext cx="936104" cy="792088"/>
+          </a:xfrm>
+          <a:prstGeom prst="straightConnector1">
+            <a:avLst/>
+          </a:prstGeom>
+          <a:ln w="19050">
+            <a:solidFill>
+              <a:srgbClr val="FF0000"/>
+            </a:solidFill>
+            <a:tailEnd type="arrow"/>
+          </a:ln>
+        </p:spPr>
+        <p:style>
+          <a:lnRef idx="1">
+            <a:schemeClr val="accent1"/>
+          </a:lnRef>
+          <a:fillRef idx="0">
+            <a:schemeClr val="accent1"/>
+          </a:fillRef>
+          <a:effectRef idx="0">
+            <a:schemeClr val="accent1"/>
+          </a:effectRef>
+          <a:fontRef idx="minor">
+            <a:schemeClr val="tx1"/>
+          </a:fontRef>
+        </p:style>
+      </p:cxnSp>
+      <p:cxnSp>
+        <p:nvCxnSpPr>
+          <p:cNvPr id="14" name="Gerade Verbindung mit Pfeil 13"/>
+          <p:cNvCxnSpPr/>
+          <p:nvPr/>
+        </p:nvCxnSpPr>
+        <p:spPr>
+          <a:xfrm>
+            <a:off x="4211960" y="1628800"/>
+            <a:ext cx="1080120" cy="792088"/>
+          </a:xfrm>
+          <a:prstGeom prst="straightConnector1">
+            <a:avLst/>
+          </a:prstGeom>
+          <a:ln w="19050">
+            <a:solidFill>
+              <a:srgbClr val="FF0000"/>
+            </a:solidFill>
+            <a:tailEnd type="arrow"/>
+          </a:ln>
+        </p:spPr>
+        <p:style>
+          <a:lnRef idx="1">
+            <a:schemeClr val="accent1"/>
+          </a:lnRef>
+          <a:fillRef idx="0">
+            <a:schemeClr val="accent1"/>
+          </a:fillRef>
+          <a:effectRef idx="0">
+            <a:schemeClr val="accent1"/>
+          </a:effectRef>
+          <a:fontRef idx="minor">
+            <a:schemeClr val="tx1"/>
+          </a:fontRef>
+        </p:style>
+      </p:cxnSp>
+    </p:spTree>
+  </p:cSld>
+  <p:clrMapOvr>
+    <a:masterClrMapping/>
+  </p:clrMapOvr>
+</p:sld>
+</file>
+
+<file path=ppt/slides/slide19.xml><?xml version="1.0" encoding="utf-8"?>
+<p:sld xmlns:a="http://schemas.openxmlformats.org/drawingml/2006/main" xmlns:r="http://schemas.openxmlformats.org/officeDocument/2006/relationships" xmlns:p="http://schemas.openxmlformats.org/presentationml/2006/main">
+  <p:cSld>
+    <p:spTree>
+      <p:nvGrpSpPr>
+        <p:cNvPr id="1" name=""/>
+        <p:cNvGrpSpPr/>
+        <p:nvPr/>
+      </p:nvGrpSpPr>
+      <p:grpSpPr>
+        <a:xfrm>
+          <a:off x="0" y="0"/>
+          <a:ext cx="0" cy="0"/>
+          <a:chOff x="0" y="0"/>
+          <a:chExt cx="0" cy="0"/>
+        </a:xfrm>
+      </p:grpSpPr>
+      <p:sp>
+        <p:nvSpPr>
+          <p:cNvPr id="2" name="Titel 1"/>
+          <p:cNvSpPr>
+            <a:spLocks noGrp="1"/>
+          </p:cNvSpPr>
+          <p:nvPr>
+            <p:ph type="title"/>
+          </p:nvPr>
+        </p:nvSpPr>
+        <p:spPr>
+          <a:xfrm>
+            <a:off x="457200" y="274638"/>
+            <a:ext cx="8686800" cy="1143000"/>
+          </a:xfrm>
+        </p:spPr>
+        <p:txBody>
+          <a:bodyPr>
+            <a:normAutofit/>
+          </a:bodyPr>
+          <a:lstStyle/>
+          <a:p>
+            <a:r>
+              <a:rPr lang="de-DE" sz="3200" b="1" smtClean="0"/>
+              <a:t>Materialverzug zur vorherigen Bearbeitungsstufe</a:t>
+            </a:r>
+            <a:endParaRPr lang="de-DE" sz="3200" b="1"/>
+          </a:p>
+        </p:txBody>
+      </p:sp>
+      <p:pic>
+        <p:nvPicPr>
+          <p:cNvPr id="7" name="Grafik 6" descr="DuraEloxNEU.jpg"/>
+          <p:cNvPicPr>
+            <a:picLocks noChangeAspect="1"/>
+          </p:cNvPicPr>
+          <p:nvPr/>
+        </p:nvPicPr>
+        <p:blipFill>
+          <a:blip r:embed="rId2" cstate="print"/>
+          <a:stretch>
+            <a:fillRect/>
+          </a:stretch>
+        </p:blipFill>
+        <p:spPr>
+          <a:xfrm>
+            <a:off x="0" y="2348880"/>
+            <a:ext cx="4559215" cy="2729283"/>
+          </a:xfrm>
+          <a:prstGeom prst="rect">
+            <a:avLst/>
+          </a:prstGeom>
+        </p:spPr>
+      </p:pic>
+      <p:pic>
+        <p:nvPicPr>
+          <p:cNvPr id="8" name="Grafik 7" descr="DuraEloxTabNEU.jpg"/>
+          <p:cNvPicPr>
+            <a:picLocks noChangeAspect="1"/>
+          </p:cNvPicPr>
+          <p:nvPr/>
+        </p:nvPicPr>
+        <p:blipFill>
+          <a:blip r:embed="rId3" cstate="print"/>
+          <a:stretch>
+            <a:fillRect/>
+          </a:stretch>
+        </p:blipFill>
+        <p:spPr>
+          <a:xfrm rot="5400000">
+            <a:off x="5768156" y="1190846"/>
+            <a:ext cx="2217810" cy="4533878"/>
+          </a:xfrm>
+          <a:prstGeom prst="rect">
+            <a:avLst/>
+          </a:prstGeom>
+        </p:spPr>
+      </p:pic>
+      <p:sp>
+        <p:nvSpPr>
+          <p:cNvPr id="9" name="Textfeld 8"/>
+          <p:cNvSpPr txBox="1"/>
+          <p:nvPr/>
+        </p:nvSpPr>
+        <p:spPr>
+          <a:xfrm>
+            <a:off x="539552" y="5085184"/>
+            <a:ext cx="4104456" cy="1554272"/>
+          </a:xfrm>
+          <a:prstGeom prst="rect">
+            <a:avLst/>
+          </a:prstGeom>
+          <a:noFill/>
+        </p:spPr>
+        <p:txBody>
+          <a:bodyPr wrap="square" rtlCol="0">
+            <a:spAutoFit/>
+          </a:bodyPr>
+          <a:lstStyle/>
+          <a:p>
+            <a:pPr>
+              <a:buFont typeface="Symbol" pitchFamily="18" charset="2"/>
+              <a:buChar char="-"/>
+            </a:pPr>
+            <a:r>
+              <a:rPr lang="de-DE" sz="1100" b="1" i="1" smtClean="0"/>
+              <a:t>F18 geringster Verzug</a:t>
+            </a:r>
+          </a:p>
+          <a:p>
+            <a:pPr>
+              <a:buFont typeface="Symbol" pitchFamily="18" charset="2"/>
+              <a:buChar char="-"/>
+            </a:pPr>
+            <a:r>
+              <a:rPr lang="de-DE" sz="1100" b="1" i="1" smtClean="0"/>
+              <a:t>F13 bei MP1 und MP10 größter Verzug zum Vorprozess</a:t>
+            </a:r>
+          </a:p>
+          <a:p>
+            <a:pPr>
+              <a:buFont typeface="Symbol" pitchFamily="18" charset="2"/>
+              <a:buChar char="-"/>
+            </a:pPr>
+            <a:r>
+              <a:rPr lang="de-DE" sz="1100" b="1" i="1" smtClean="0"/>
+              <a:t>Differenz der Standardabweichunge zum Vorprozess: </a:t>
+            </a:r>
+          </a:p>
+          <a:p>
+            <a:pPr>
+              <a:buFont typeface="Arial" pitchFamily="34" charset="0"/>
+              <a:buChar char="•"/>
+            </a:pPr>
+            <a:r>
+              <a:rPr lang="de-DE" sz="1100" b="1" i="1" smtClean="0"/>
+              <a:t>Vertikaler Balken oberhalb Messpunkt zeigt Vergrößerung der Prozesschwankung</a:t>
+            </a:r>
+          </a:p>
+          <a:p>
+            <a:pPr>
+              <a:buFont typeface="Arial" pitchFamily="34" charset="0"/>
+              <a:buChar char="•"/>
+            </a:pPr>
+            <a:r>
+              <a:rPr lang="de-DE" sz="1100" b="1" i="1" smtClean="0"/>
+              <a:t>Vertikaler Balken unterhalb Messpunkt zeigt Verkleinerung der  Prozessschwankung</a:t>
+            </a:r>
+          </a:p>
+          <a:p>
+            <a:pPr>
+              <a:buFont typeface="Symbol" pitchFamily="18" charset="2"/>
+              <a:buChar char="-"/>
+            </a:pPr>
+            <a:endParaRPr lang="de-DE"/>
+          </a:p>
+        </p:txBody>
+      </p:sp>
+      <p:sp>
+        <p:nvSpPr>
+          <p:cNvPr id="10" name="Textfeld 9"/>
+          <p:cNvSpPr txBox="1"/>
+          <p:nvPr/>
+        </p:nvSpPr>
+        <p:spPr>
+          <a:xfrm>
+            <a:off x="2555776" y="1052736"/>
+            <a:ext cx="4176464" cy="461665"/>
+          </a:xfrm>
+          <a:prstGeom prst="rect">
+            <a:avLst/>
+          </a:prstGeom>
+          <a:noFill/>
+        </p:spPr>
+        <p:txBody>
+          <a:bodyPr wrap="square" rtlCol="0">
+            <a:spAutoFit/>
+          </a:bodyPr>
+          <a:lstStyle/>
+          <a:p>
+            <a:r>
+              <a:rPr lang="de-DE" sz="2400" smtClean="0"/>
+              <a:t>Offsetwerte zum Vorprozess </a:t>
+            </a:r>
+            <a:endParaRPr lang="de-DE" sz="2400"/>
+          </a:p>
+        </p:txBody>
+      </p:sp>
+      <p:sp>
+        <p:nvSpPr>
+          <p:cNvPr id="11" name="Textfeld 10"/>
+          <p:cNvSpPr txBox="1"/>
+          <p:nvPr/>
+        </p:nvSpPr>
+        <p:spPr>
+          <a:xfrm>
+            <a:off x="2195736" y="1484784"/>
+            <a:ext cx="1296144" cy="369332"/>
+          </a:xfrm>
+          <a:prstGeom prst="rect">
+            <a:avLst/>
+          </a:prstGeom>
+          <a:noFill/>
+        </p:spPr>
+        <p:txBody>
+          <a:bodyPr wrap="square" rtlCol="0">
+            <a:spAutoFit/>
+          </a:bodyPr>
+          <a:lstStyle/>
+          <a:p>
+            <a:r>
+              <a:rPr lang="de-DE" b="1" i="1" smtClean="0"/>
+              <a:t>Eloxieren</a:t>
+            </a:r>
+            <a:endParaRPr lang="de-DE" b="1" i="1"/>
+          </a:p>
+        </p:txBody>
+      </p:sp>
+      <p:sp>
+        <p:nvSpPr>
+          <p:cNvPr id="13" name="Textfeld 12"/>
+          <p:cNvSpPr txBox="1"/>
+          <p:nvPr/>
+        </p:nvSpPr>
+        <p:spPr>
+          <a:xfrm>
+            <a:off x="4788024" y="1484784"/>
+            <a:ext cx="2304256" cy="369332"/>
+          </a:xfrm>
+          <a:prstGeom prst="rect">
+            <a:avLst/>
+          </a:prstGeom>
+          <a:noFill/>
+        </p:spPr>
+        <p:txBody>
+          <a:bodyPr wrap="square" rtlCol="0">
+            <a:spAutoFit/>
+          </a:bodyPr>
+          <a:lstStyle/>
+          <a:p>
+            <a:r>
+              <a:rPr lang="de-DE" b="1" i="1" smtClean="0"/>
+              <a:t>DURApro</a:t>
+            </a:r>
+            <a:r>
+              <a:rPr lang="de-DE" i="1" smtClean="0"/>
+              <a:t> </a:t>
+            </a:r>
+            <a:r>
+              <a:rPr lang="de-DE" b="1" i="1" smtClean="0"/>
+              <a:t>Beschichten</a:t>
+            </a:r>
+            <a:endParaRPr lang="de-DE" b="1" i="1"/>
+          </a:p>
+        </p:txBody>
+      </p:sp>
+      <p:sp>
+        <p:nvSpPr>
+          <p:cNvPr id="15" name="Pfeil nach rechts 14"/>
+          <p:cNvSpPr/>
+          <p:nvPr/>
+        </p:nvSpPr>
+        <p:spPr>
+          <a:xfrm>
+            <a:off x="3419872" y="1484784"/>
+            <a:ext cx="1296144" cy="360040"/>
+          </a:xfrm>
+          <a:prstGeom prst="rightArrow">
+            <a:avLst/>
+          </a:prstGeom>
+          <a:solidFill>
+            <a:schemeClr val="accent1"/>
+          </a:solidFill>
+        </p:spPr>
+        <p:style>
+          <a:lnRef idx="2">
+            <a:schemeClr val="accent1">
+              <a:shade val="50000"/>
+            </a:schemeClr>
+          </a:lnRef>
+          <a:fillRef idx="1">
+            <a:schemeClr val="accent1"/>
+          </a:fillRef>
+          <a:effectRef idx="0">
+            <a:schemeClr val="accent1"/>
+          </a:effectRef>
+          <a:fontRef idx="minor">
+            <a:schemeClr val="lt1"/>
+          </a:fontRef>
+        </p:style>
+        <p:txBody>
+          <a:bodyPr rtlCol="0" anchor="ctr"/>
+          <a:lstStyle/>
+          <a:p>
+            <a:pPr algn="ctr"/>
+            <a:endParaRPr lang="de-DE">
+              <a:solidFill>
+                <a:srgbClr val="FF0000"/>
+              </a:solidFill>
+            </a:endParaRPr>
+          </a:p>
+        </p:txBody>
+      </p:sp>
+      <p:sp>
+        <p:nvSpPr>
+          <p:cNvPr id="17" name="Abgerundetes Rechteck 16"/>
+          <p:cNvSpPr/>
+          <p:nvPr/>
+        </p:nvSpPr>
+        <p:spPr>
+          <a:xfrm>
+            <a:off x="539552" y="5661248"/>
+            <a:ext cx="3888432" cy="720080"/>
+          </a:xfrm>
+          <a:prstGeom prst="roundRect">
+            <a:avLst/>
+          </a:prstGeom>
+          <a:solidFill>
+            <a:schemeClr val="accent1">
+              <a:alpha val="20000"/>
+            </a:schemeClr>
+          </a:solidFill>
+          <a:ln w="9525"/>
+        </p:spPr>
+        <p:style>
+          <a:lnRef idx="2">
+            <a:schemeClr val="accent1">
+              <a:shade val="50000"/>
+            </a:schemeClr>
+          </a:lnRef>
+          <a:fillRef idx="1">
+            <a:schemeClr val="accent1"/>
+          </a:fillRef>
+          <a:effectRef idx="0">
+            <a:schemeClr val="accent1"/>
+          </a:effectRef>
+          <a:fontRef idx="minor">
+            <a:schemeClr val="lt1"/>
+          </a:fontRef>
+        </p:style>
+        <p:txBody>
+          <a:bodyPr rtlCol="0" anchor="ctr"/>
+          <a:lstStyle/>
+          <a:p>
+            <a:pPr algn="ctr"/>
+            <a:endParaRPr lang="de-DE"/>
+          </a:p>
+        </p:txBody>
+      </p:sp>
+      <p:sp>
+        <p:nvSpPr>
+          <p:cNvPr id="18" name="Textfeld 17"/>
+          <p:cNvSpPr txBox="1"/>
+          <p:nvPr/>
+        </p:nvSpPr>
+        <p:spPr>
+          <a:xfrm>
+            <a:off x="5436096" y="5805264"/>
+            <a:ext cx="1728192" cy="369332"/>
+          </a:xfrm>
+          <a:prstGeom prst="rect">
+            <a:avLst/>
+          </a:prstGeom>
+          <a:noFill/>
+        </p:spPr>
+        <p:txBody>
+          <a:bodyPr wrap="square" rtlCol="0">
+            <a:spAutoFit/>
+          </a:bodyPr>
+          <a:lstStyle/>
+          <a:p>
+            <a:r>
+              <a:rPr lang="de-DE" b="1" smtClean="0">
+                <a:solidFill>
+                  <a:schemeClr val="accent1"/>
+                </a:solidFill>
+              </a:rPr>
+              <a:t>Konvention</a:t>
+            </a:r>
+            <a:endParaRPr lang="de-DE" b="1">
+              <a:solidFill>
+                <a:schemeClr val="accent1"/>
+              </a:solidFill>
+            </a:endParaRPr>
+          </a:p>
+        </p:txBody>
+      </p:sp>
+      <p:cxnSp>
+        <p:nvCxnSpPr>
+          <p:cNvPr id="20" name="Gerade Verbindung mit Pfeil 19"/>
+          <p:cNvCxnSpPr/>
+          <p:nvPr/>
+        </p:nvCxnSpPr>
+        <p:spPr>
+          <a:xfrm flipH="1">
+            <a:off x="4499992" y="6021288"/>
+            <a:ext cx="864096" cy="0"/>
+          </a:xfrm>
+          <a:prstGeom prst="straightConnector1">
+            <a:avLst/>
+          </a:prstGeom>
+          <a:ln w="19050">
+            <a:tailEnd type="arrow"/>
+          </a:ln>
+        </p:spPr>
+        <p:style>
+          <a:lnRef idx="1">
+            <a:schemeClr val="accent1"/>
+          </a:lnRef>
+          <a:fillRef idx="0">
+            <a:schemeClr val="accent1"/>
+          </a:fillRef>
+          <a:effectRef idx="0">
+            <a:schemeClr val="accent1"/>
+          </a:effectRef>
+          <a:fontRef idx="minor">
+            <a:schemeClr val="tx1"/>
+          </a:fontRef>
+        </p:style>
+      </p:cxnSp>
+    </p:spTree>
+  </p:cSld>
+  <p:clrMapOvr>
+    <a:masterClrMapping/>
+  </p:clrMapOvr>
+</p:sld>
+</file>
+
+<file path=ppt/slides/slide2.xml><?xml version="1.0" encoding="utf-8"?>
+<p:sld xmlns:a="http://schemas.openxmlformats.org/drawingml/2006/main" xmlns:r="http://schemas.openxmlformats.org/officeDocument/2006/relationships" xmlns:p="http://schemas.openxmlformats.org/presentationml/2006/main">
+  <p:cSld>
+    <p:spTree>
+      <p:nvGrpSpPr>
+        <p:cNvPr id="1" name=""/>
+        <p:cNvGrpSpPr/>
+        <p:nvPr/>
+      </p:nvGrpSpPr>
+      <p:grpSpPr>
+        <a:xfrm>
+          <a:off x="0" y="0"/>
+          <a:ext cx="0" cy="0"/>
+          <a:chOff x="0" y="0"/>
+          <a:chExt cx="0" cy="0"/>
+        </a:xfrm>
+      </p:grpSpPr>
+      <p:sp>
+        <p:nvSpPr>
+          <p:cNvPr id="2" name="Titel 1"/>
+          <p:cNvSpPr>
+            <a:spLocks noGrp="1"/>
+          </p:cNvSpPr>
+          <p:nvPr>
+            <p:ph type="title"/>
+          </p:nvPr>
+        </p:nvSpPr>
+        <p:spPr/>
+        <p:txBody>
+          <a:bodyPr/>
+          <a:lstStyle/>
+          <a:p>
+            <a:r>
+              <a:rPr lang="de-DE" smtClean="0"/>
+              <a:t>Untersuchungsobjekt</a:t>
+            </a:r>
+            <a:endParaRPr lang="de-DE"/>
+          </a:p>
+        </p:txBody>
+      </p:sp>
+      <p:sp>
+        <p:nvSpPr>
+          <p:cNvPr id="3" name="Inhaltsplatzhalter 2"/>
+          <p:cNvSpPr>
+            <a:spLocks noGrp="1"/>
+          </p:cNvSpPr>
+          <p:nvPr>
+            <p:ph idx="1"/>
+          </p:nvPr>
+        </p:nvSpPr>
+        <p:spPr/>
+        <p:txBody>
+          <a:bodyPr/>
+          <a:lstStyle/>
+          <a:p>
+            <a:pPr>
+              <a:buNone/>
+            </a:pPr>
+            <a:r>
+              <a:rPr lang="de-DE" smtClean="0"/>
+              <a:t>Verdeckkastendeckel des Audi A3 Cabriolets</a:t>
+            </a:r>
+            <a:endParaRPr lang="de-DE"/>
+          </a:p>
+          <a:p>
+            <a:pPr>
+              <a:buNone/>
+            </a:pPr>
+            <a:endParaRPr lang="de-DE" smtClean="0"/>
+          </a:p>
+          <a:p>
+            <a:pPr>
+              <a:buNone/>
+            </a:pPr>
+            <a:endParaRPr lang="de-DE"/>
+          </a:p>
+        </p:txBody>
+      </p:sp>
+      <p:pic>
+        <p:nvPicPr>
+          <p:cNvPr id="4" name="Grafik 3" descr="audia3verd.png"/>
+          <p:cNvPicPr>
+            <a:picLocks noChangeAspect="1"/>
+          </p:cNvPicPr>
+          <p:nvPr/>
+        </p:nvPicPr>
+        <p:blipFill>
+          <a:blip r:embed="rId2" cstate="print"/>
+          <a:stretch>
+            <a:fillRect/>
+          </a:stretch>
+        </p:blipFill>
+        <p:spPr>
+          <a:xfrm>
+            <a:off x="467544" y="2492896"/>
+            <a:ext cx="3600400" cy="3403019"/>
+          </a:xfrm>
+          <a:prstGeom prst="rect">
+            <a:avLst/>
+          </a:prstGeom>
+        </p:spPr>
+      </p:pic>
+      <p:pic>
+        <p:nvPicPr>
+          <p:cNvPr id="5" name="Grafik 4" descr="BauteilNeu.jpg"/>
+          <p:cNvPicPr>
+            <a:picLocks noChangeAspect="1"/>
+          </p:cNvPicPr>
+          <p:nvPr/>
+        </p:nvPicPr>
+        <p:blipFill>
+          <a:blip r:embed="rId3" cstate="print"/>
+          <a:stretch>
+            <a:fillRect/>
+          </a:stretch>
+        </p:blipFill>
+        <p:spPr>
+          <a:xfrm>
+            <a:off x="4211960" y="2564904"/>
+            <a:ext cx="4729030" cy="2448272"/>
+          </a:xfrm>
+          <a:prstGeom prst="rect">
+            <a:avLst/>
+          </a:prstGeom>
+        </p:spPr>
+      </p:pic>
+    </p:spTree>
+  </p:cSld>
+  <p:clrMapOvr>
+    <a:masterClrMapping/>
+  </p:clrMapOvr>
+</p:sld>
+</file>
+
+<file path=ppt/slides/slide3.xml><?xml version="1.0" encoding="utf-8"?>
+<p:sld xmlns:a="http://schemas.openxmlformats.org/drawingml/2006/main" xmlns:r="http://schemas.openxmlformats.org/officeDocument/2006/relationships" xmlns:p="http://schemas.openxmlformats.org/presentationml/2006/main">
+  <p:cSld>
+    <p:spTree>
+      <p:nvGrpSpPr>
+        <p:cNvPr id="1" name=""/>
+        <p:cNvGrpSpPr/>
+        <p:nvPr/>
+      </p:nvGrpSpPr>
+      <p:grpSpPr>
+        <a:xfrm>
+          <a:off x="0" y="0"/>
+          <a:ext cx="0" cy="0"/>
+          <a:chOff x="0" y="0"/>
+          <a:chExt cx="0" cy="0"/>
+        </a:xfrm>
+      </p:grpSpPr>
+      <p:sp>
+        <p:nvSpPr>
+          <p:cNvPr id="4" name="Titel 3"/>
+          <p:cNvSpPr>
+            <a:spLocks noGrp="1"/>
+          </p:cNvSpPr>
+          <p:nvPr>
+            <p:ph type="title"/>
+          </p:nvPr>
+        </p:nvSpPr>
+        <p:spPr/>
+        <p:txBody>
+          <a:bodyPr>
+            <a:normAutofit fontScale="90000"/>
+          </a:bodyPr>
+          <a:lstStyle/>
+          <a:p>
+            <a:r>
+              <a:rPr lang="de-DE" i="1" smtClean="0"/>
+              <a:t>Anforderungen an Bauteil</a:t>
+            </a:r>
+            <a:br>
+              <a:rPr lang="de-DE" i="1" smtClean="0"/>
+            </a:br>
+            <a:endParaRPr lang="de-DE" i="1"/>
+          </a:p>
+        </p:txBody>
+      </p:sp>
+      <p:sp>
+        <p:nvSpPr>
+          <p:cNvPr id="5" name="Textfeld 4"/>
+          <p:cNvSpPr txBox="1"/>
+          <p:nvPr/>
+        </p:nvSpPr>
+        <p:spPr>
+          <a:xfrm>
+            <a:off x="2483768" y="1412776"/>
+            <a:ext cx="4896544" cy="2677656"/>
+          </a:xfrm>
+          <a:prstGeom prst="rect">
+            <a:avLst/>
+          </a:prstGeom>
+          <a:noFill/>
+        </p:spPr>
+        <p:txBody>
+          <a:bodyPr wrap="square" rtlCol="0">
+            <a:spAutoFit/>
+          </a:bodyPr>
+          <a:lstStyle/>
+          <a:p>
+            <a:pPr>
+              <a:buFont typeface="Wingdings" pitchFamily="2" charset="2"/>
+              <a:buChar char="§"/>
+            </a:pPr>
+            <a:r>
+              <a:rPr lang="de-DE" sz="2400" smtClean="0"/>
+              <a:t>Keine Beulen</a:t>
+            </a:r>
+          </a:p>
+          <a:p>
+            <a:pPr>
+              <a:buFont typeface="Wingdings" pitchFamily="2" charset="2"/>
+              <a:buChar char="§"/>
+            </a:pPr>
+            <a:r>
+              <a:rPr lang="de-DE" sz="2400" smtClean="0"/>
+              <a:t>Keine Oberflächenfehler</a:t>
+            </a:r>
+          </a:p>
+          <a:p>
+            <a:pPr>
+              <a:buFont typeface="Wingdings" pitchFamily="2" charset="2"/>
+              <a:buChar char="§"/>
+            </a:pPr>
+            <a:r>
+              <a:rPr lang="de-DE" sz="2400" smtClean="0"/>
+              <a:t>Ideale Fugenläufe</a:t>
+            </a:r>
+          </a:p>
+          <a:p>
+            <a:pPr>
+              <a:buFont typeface="Wingdings" pitchFamily="2" charset="2"/>
+              <a:buChar char="§"/>
+            </a:pPr>
+            <a:r>
+              <a:rPr lang="de-DE" sz="2400" smtClean="0"/>
+              <a:t>Präzise Radien</a:t>
+            </a:r>
+          </a:p>
+          <a:p>
+            <a:pPr>
+              <a:buFont typeface="Wingdings" pitchFamily="2" charset="2"/>
+              <a:buChar char="§"/>
+            </a:pPr>
+            <a:r>
+              <a:rPr lang="de-DE" sz="2400" smtClean="0"/>
+              <a:t>Enge Form- und Lagetoleranzen</a:t>
+            </a:r>
+          </a:p>
+          <a:p>
+            <a:pPr>
+              <a:buFont typeface="Wingdings" pitchFamily="2" charset="2"/>
+              <a:buChar char="§"/>
+            </a:pPr>
+            <a:r>
+              <a:rPr lang="de-DE" sz="2400" smtClean="0"/>
+              <a:t>Enge Spalttoleranzen</a:t>
+            </a:r>
+          </a:p>
+          <a:p>
+            <a:pPr>
+              <a:buFont typeface="Wingdings" pitchFamily="2" charset="2"/>
+              <a:buChar char="§"/>
+            </a:pPr>
+            <a:endParaRPr lang="de-DE" sz="2400" smtClean="0"/>
+          </a:p>
+        </p:txBody>
+      </p:sp>
+    </p:spTree>
+  </p:cSld>
+  <p:clrMapOvr>
+    <a:masterClrMapping/>
+  </p:clrMapOvr>
+</p:sld>
+</file>
+
+<file path=ppt/slides/slide4.xml><?xml version="1.0" encoding="utf-8"?>
+<p:sld xmlns:a="http://schemas.openxmlformats.org/drawingml/2006/main" xmlns:r="http://schemas.openxmlformats.org/officeDocument/2006/relationships" xmlns:p="http://schemas.openxmlformats.org/presentationml/2006/main">
+  <p:cSld>
+    <p:spTree>
+      <p:nvGrpSpPr>
+        <p:cNvPr id="1" name=""/>
+        <p:cNvGrpSpPr/>
+        <p:nvPr/>
+      </p:nvGrpSpPr>
+      <p:grpSpPr>
+        <a:xfrm>
+          <a:off x="0" y="0"/>
+          <a:ext cx="0" cy="0"/>
+          <a:chOff x="0" y="0"/>
+          <a:chExt cx="0" cy="0"/>
+        </a:xfrm>
+      </p:grpSpPr>
+      <p:graphicFrame>
+        <p:nvGraphicFramePr>
+          <p:cNvPr id="5" name="Diagramm 4"/>
+          <p:cNvGraphicFramePr/>
+          <p:nvPr/>
+        </p:nvGraphicFramePr>
+        <p:xfrm>
+          <a:off x="467544" y="116632"/>
+          <a:ext cx="8424936" cy="6552728"/>
+        </p:xfrm>
+        <a:graphic>
+          <a:graphicData uri="http://schemas.openxmlformats.org/drawingml/2006/diagram">
+            <dgm:relIds xmlns:dgm="http://schemas.openxmlformats.org/drawingml/2006/diagram" xmlns:r="http://schemas.openxmlformats.org/officeDocument/2006/relationships" r:dm="rId2" r:lo="rId3" r:qs="rId4" r:cs="rId5"/>
+          </a:graphicData>
+        </a:graphic>
+      </p:graphicFrame>
+    </p:spTree>
+  </p:cSld>
+  <p:clrMapOvr>
+    <a:masterClrMapping/>
+  </p:clrMapOvr>
+</p:sld>
+</file>
+
+<file path=ppt/slides/slide5.xml><?xml version="1.0" encoding="utf-8"?>
+<p:sld xmlns:a="http://schemas.openxmlformats.org/drawingml/2006/main" xmlns:r="http://schemas.openxmlformats.org/officeDocument/2006/relationships" xmlns:p="http://schemas.openxmlformats.org/presentationml/2006/main">
+  <p:cSld>
+    <p:spTree>
+      <p:nvGrpSpPr>
+        <p:cNvPr id="1" name=""/>
+        <p:cNvGrpSpPr/>
+        <p:nvPr/>
+      </p:nvGrpSpPr>
+      <p:grpSpPr>
+        <a:xfrm>
+          <a:off x="0" y="0"/>
+          <a:ext cx="0" cy="0"/>
+          <a:chOff x="0" y="0"/>
+          <a:chExt cx="0" cy="0"/>
+        </a:xfrm>
+      </p:grpSpPr>
+      <p:sp>
+        <p:nvSpPr>
+          <p:cNvPr id="2" name="Titel 1"/>
+          <p:cNvSpPr>
+            <a:spLocks noGrp="1"/>
+          </p:cNvSpPr>
+          <p:nvPr>
+            <p:ph type="title"/>
+          </p:nvPr>
+        </p:nvSpPr>
+        <p:spPr/>
+        <p:txBody>
+          <a:bodyPr>
+            <a:normAutofit fontScale="90000"/>
+          </a:bodyPr>
+          <a:lstStyle/>
+          <a:p>
+            <a:r>
+              <a:rPr lang="de-DE" i="1" smtClean="0"/>
+              <a:t>Bearbeitungsstufen</a:t>
+            </a:r>
+            <a:br>
+              <a:rPr lang="de-DE" i="1" smtClean="0"/>
+            </a:br>
+            <a:endParaRPr lang="de-DE" i="1"/>
+          </a:p>
+        </p:txBody>
+      </p:sp>
+      <p:graphicFrame>
+        <p:nvGraphicFramePr>
+          <p:cNvPr id="7" name="Diagramm 6"/>
+          <p:cNvGraphicFramePr/>
+          <p:nvPr/>
+        </p:nvGraphicFramePr>
+        <p:xfrm>
+          <a:off x="1524000" y="1397000"/>
+          <a:ext cx="6096000" cy="4064000"/>
+        </p:xfrm>
+        <a:graphic>
+          <a:graphicData uri="http://schemas.openxmlformats.org/drawingml/2006/diagram">
+            <dgm:relIds xmlns:dgm="http://schemas.openxmlformats.org/drawingml/2006/diagram" xmlns:r="http://schemas.openxmlformats.org/officeDocument/2006/relationships" r:dm="rId2" r:lo="rId3" r:qs="rId4" r:cs="rId5"/>
+          </a:graphicData>
+        </a:graphic>
+      </p:graphicFrame>
+    </p:spTree>
+  </p:cSld>
+  <p:clrMapOvr>
+    <a:masterClrMapping/>
+  </p:clrMapOvr>
+</p:sld>
+</file>
+
+<file path=ppt/slides/slide6.xml><?xml version="1.0" encoding="utf-8"?>
+<p:sld xmlns:a="http://schemas.openxmlformats.org/drawingml/2006/main" xmlns:r="http://schemas.openxmlformats.org/officeDocument/2006/relationships" xmlns:p="http://schemas.openxmlformats.org/presentationml/2006/main">
+  <p:cSld>
+    <p:spTree>
+      <p:nvGrpSpPr>
+        <p:cNvPr id="1" name=""/>
+        <p:cNvGrpSpPr/>
+        <p:nvPr/>
+      </p:nvGrpSpPr>
+      <p:grpSpPr>
+        <a:xfrm>
+          <a:off x="0" y="0"/>
+          <a:ext cx="0" cy="0"/>
+          <a:chOff x="0" y="0"/>
+          <a:chExt cx="0" cy="0"/>
+        </a:xfrm>
+      </p:grpSpPr>
+      <p:sp>
+        <p:nvSpPr>
+          <p:cNvPr id="2" name="Titel 1"/>
+          <p:cNvSpPr>
+            <a:spLocks noGrp="1"/>
+          </p:cNvSpPr>
+          <p:nvPr>
+            <p:ph type="title"/>
+          </p:nvPr>
+        </p:nvSpPr>
+        <p:spPr/>
+        <p:txBody>
+          <a:bodyPr>
+            <a:normAutofit fontScale="90000"/>
+          </a:bodyPr>
+          <a:lstStyle/>
+          <a:p>
+            <a:r>
+              <a:rPr lang="de-DE" i="1" smtClean="0"/>
+              <a:t>Vormaterial Aluminium Strangpressprofile</a:t>
+            </a:r>
+            <a:endParaRPr lang="de-DE" i="1"/>
+          </a:p>
+        </p:txBody>
+      </p:sp>
+      <p:pic>
+        <p:nvPicPr>
+          <p:cNvPr id="3" name="Grafik 2" descr="vormaterial.JPG"/>
+          <p:cNvPicPr>
+            <a:picLocks noChangeAspect="1"/>
+          </p:cNvPicPr>
+          <p:nvPr/>
+        </p:nvPicPr>
+        <p:blipFill>
+          <a:blip r:embed="rId2" cstate="print"/>
+          <a:stretch>
+            <a:fillRect/>
+          </a:stretch>
+        </p:blipFill>
+        <p:spPr>
+          <a:xfrm>
+            <a:off x="1763688" y="1916832"/>
+            <a:ext cx="5081426" cy="2504313"/>
+          </a:xfrm>
+          <a:prstGeom prst="rect">
+            <a:avLst/>
+          </a:prstGeom>
+        </p:spPr>
+      </p:pic>
+      <p:sp>
+        <p:nvSpPr>
+          <p:cNvPr id="7" name="Textfeld 6"/>
+          <p:cNvSpPr txBox="1"/>
+          <p:nvPr/>
+        </p:nvSpPr>
+        <p:spPr>
+          <a:xfrm>
+            <a:off x="2339752" y="4581128"/>
+            <a:ext cx="4896544" cy="1785104"/>
+          </a:xfrm>
+          <a:prstGeom prst="rect">
+            <a:avLst/>
+          </a:prstGeom>
+          <a:noFill/>
+        </p:spPr>
+        <p:txBody>
+          <a:bodyPr wrap="square" rtlCol="0">
+            <a:spAutoFit/>
+          </a:bodyPr>
+          <a:lstStyle/>
+          <a:p>
+            <a:r>
+              <a:rPr lang="de-DE" sz="2000" b="1" i="1" smtClean="0"/>
+              <a:t>Vorteile</a:t>
+            </a:r>
+          </a:p>
+          <a:p>
+            <a:pPr>
+              <a:buFont typeface="Arial" pitchFamily="34" charset="0"/>
+              <a:buChar char="•"/>
+            </a:pPr>
+            <a:r>
+              <a:rPr lang="de-DE" smtClean="0"/>
+              <a:t>Gute Umformbarkeit</a:t>
+            </a:r>
+          </a:p>
+          <a:p>
+            <a:pPr>
+              <a:buFont typeface="Arial" pitchFamily="34" charset="0"/>
+              <a:buChar char="•"/>
+            </a:pPr>
+            <a:r>
+              <a:rPr lang="de-DE" smtClean="0"/>
+              <a:t>Korrosionsbeständigkeit</a:t>
+            </a:r>
+          </a:p>
+          <a:p>
+            <a:pPr>
+              <a:buFont typeface="Arial" pitchFamily="34" charset="0"/>
+              <a:buChar char="•"/>
+            </a:pPr>
+            <a:r>
+              <a:rPr lang="de-DE" smtClean="0"/>
+              <a:t>Hervorragend zu erzielende Oberflächengüte</a:t>
+            </a:r>
+          </a:p>
+          <a:p>
+            <a:pPr>
+              <a:buFont typeface="Arial" pitchFamily="34" charset="0"/>
+              <a:buChar char="•"/>
+            </a:pPr>
+            <a:r>
+              <a:rPr lang="de-DE" smtClean="0"/>
+              <a:t>Hoher Reflexionsgrad</a:t>
+            </a:r>
+          </a:p>
+          <a:p>
+            <a:pPr>
+              <a:buFont typeface="Arial" pitchFamily="34" charset="0"/>
+              <a:buChar char="•"/>
+            </a:pPr>
+            <a:r>
+              <a:rPr lang="de-DE" smtClean="0"/>
+              <a:t>Geringes Gewicht</a:t>
+            </a:r>
+            <a:endParaRPr lang="de-DE"/>
+          </a:p>
+        </p:txBody>
+      </p:sp>
+    </p:spTree>
+  </p:cSld>
+  <p:clrMapOvr>
+    <a:masterClrMapping/>
+  </p:clrMapOvr>
+</p:sld>
+</file>
+
+<file path=ppt/slides/slide7.xml><?xml version="1.0" encoding="utf-8"?>
+<p:sld xmlns:a="http://schemas.openxmlformats.org/drawingml/2006/main" xmlns:r="http://schemas.openxmlformats.org/officeDocument/2006/relationships" xmlns:p="http://schemas.openxmlformats.org/presentationml/2006/main">
+  <p:cSld>
+    <p:spTree>
+      <p:nvGrpSpPr>
+        <p:cNvPr id="1" name=""/>
+        <p:cNvGrpSpPr/>
+        <p:nvPr/>
+      </p:nvGrpSpPr>
+      <p:grpSpPr>
+        <a:xfrm>
+          <a:off x="0" y="0"/>
+          <a:ext cx="0" cy="0"/>
+          <a:chOff x="0" y="0"/>
+          <a:chExt cx="0" cy="0"/>
+        </a:xfrm>
+      </p:grpSpPr>
+      <p:sp>
+        <p:nvSpPr>
+          <p:cNvPr id="2" name="Textfeld 1"/>
+          <p:cNvSpPr txBox="1"/>
+          <p:nvPr/>
+        </p:nvSpPr>
+        <p:spPr>
+          <a:xfrm>
+            <a:off x="683568" y="0"/>
+            <a:ext cx="7906588" cy="2308324"/>
+          </a:xfrm>
+          <a:prstGeom prst="rect">
+            <a:avLst/>
+          </a:prstGeom>
+          <a:noFill/>
+        </p:spPr>
+        <p:txBody>
+          <a:bodyPr wrap="square" rtlCol="0">
+            <a:spAutoFit/>
+          </a:bodyPr>
+          <a:lstStyle/>
+          <a:p>
+            <a:r>
+              <a:rPr lang="de-DE" smtClean="0"/>
+              <a:t>Strangpressprofile werden beim Zulieferer mit bestimmten Anforderungen bestellt. </a:t>
+            </a:r>
+          </a:p>
+          <a:p>
+            <a:r>
+              <a:rPr lang="de-DE" smtClean="0"/>
+              <a:t>Die wichtigsten sind:</a:t>
+            </a:r>
+          </a:p>
+          <a:p>
+            <a:pPr>
+              <a:buFont typeface="Arial" pitchFamily="34" charset="0"/>
+              <a:buChar char="•"/>
+            </a:pPr>
+            <a:endParaRPr lang="de-DE" smtClean="0"/>
+          </a:p>
+          <a:p>
+            <a:pPr>
+              <a:buFont typeface="Arial" pitchFamily="34" charset="0"/>
+              <a:buChar char="•"/>
+            </a:pPr>
+            <a:r>
+              <a:rPr lang="de-DE" smtClean="0"/>
+              <a:t>Zugfestigkeit </a:t>
+            </a:r>
+            <a:r>
+              <a:rPr lang="de-DE" i="1" smtClean="0"/>
+              <a:t>Rm</a:t>
+            </a:r>
+            <a:r>
+              <a:rPr lang="de-DE" smtClean="0"/>
+              <a:t> [N/mm²]</a:t>
+            </a:r>
+          </a:p>
+          <a:p>
+            <a:pPr>
+              <a:buFont typeface="Arial" pitchFamily="34" charset="0"/>
+              <a:buChar char="•"/>
+            </a:pPr>
+            <a:r>
+              <a:rPr lang="de-DE" smtClean="0"/>
+              <a:t>Dehngrenze (Streckgrenze) </a:t>
+            </a:r>
+            <a:r>
+              <a:rPr lang="de-DE" i="1" smtClean="0"/>
+              <a:t>Rp₀‚₂ </a:t>
+            </a:r>
+            <a:r>
+              <a:rPr lang="de-DE" smtClean="0"/>
+              <a:t>[N/mm²]</a:t>
+            </a:r>
+          </a:p>
+          <a:p>
+            <a:pPr>
+              <a:buFont typeface="Arial" pitchFamily="34" charset="0"/>
+              <a:buChar char="•"/>
+            </a:pPr>
+            <a:r>
+              <a:rPr lang="de-DE" smtClean="0"/>
+              <a:t>Bruchdehnung </a:t>
+            </a:r>
+            <a:r>
+              <a:rPr lang="de-DE" i="1" smtClean="0"/>
+              <a:t>A</a:t>
+            </a:r>
+            <a:r>
+              <a:rPr lang="de-DE" smtClean="0"/>
+              <a:t> [%]</a:t>
+            </a:r>
+          </a:p>
+          <a:p>
+            <a:pPr>
+              <a:buFont typeface="Arial" pitchFamily="34" charset="0"/>
+              <a:buChar char="•"/>
+            </a:pPr>
+            <a:endParaRPr lang="de-DE" smtClean="0"/>
+          </a:p>
+          <a:p>
+            <a:endParaRPr lang="de-DE"/>
+          </a:p>
+        </p:txBody>
+      </p:sp>
+      <p:sp>
+        <p:nvSpPr>
+          <p:cNvPr id="7" name="Textfeld 6"/>
+          <p:cNvSpPr txBox="1"/>
+          <p:nvPr/>
+        </p:nvSpPr>
+        <p:spPr>
+          <a:xfrm>
+            <a:off x="683568" y="2276872"/>
+            <a:ext cx="5904656" cy="2308324"/>
+          </a:xfrm>
+          <a:prstGeom prst="rect">
+            <a:avLst/>
+          </a:prstGeom>
+          <a:noFill/>
+        </p:spPr>
+        <p:txBody>
+          <a:bodyPr wrap="square" rtlCol="0">
+            <a:spAutoFit/>
+          </a:bodyPr>
+          <a:lstStyle/>
+          <a:p>
+            <a:r>
+              <a:rPr lang="de-DE" smtClean="0"/>
+              <a:t>Die verschiedenen Chargen werden oft nach der Mindestzugfestigkeit bezeichnet, z.B. F17 mit </a:t>
+            </a:r>
+            <a:r>
+              <a:rPr lang="de-DE" i="1" smtClean="0"/>
+              <a:t>Rm</a:t>
+            </a:r>
+            <a:r>
+              <a:rPr lang="de-DE" smtClean="0"/>
+              <a:t> 170 N/mm². </a:t>
+            </a:r>
+            <a:endParaRPr lang="de-DE" smtClean="0"/>
+          </a:p>
+          <a:p>
+            <a:r>
+              <a:rPr lang="de-DE" smtClean="0"/>
+              <a:t> </a:t>
+            </a:r>
+            <a:r>
+              <a:rPr lang="de-DE" smtClean="0"/>
+              <a:t>Spezialfall ist hier Fxx, wobei nach Angabe des Lieferanten das xx für einen </a:t>
+            </a:r>
+            <a:r>
+              <a:rPr lang="de-DE" i="1" smtClean="0"/>
+              <a:t>vorgezogenen</a:t>
+            </a:r>
+            <a:r>
+              <a:rPr lang="de-DE" smtClean="0"/>
+              <a:t> </a:t>
+            </a:r>
+            <a:r>
+              <a:rPr lang="de-DE" i="1" smtClean="0"/>
+              <a:t>Kaltauslagerungprozess</a:t>
+            </a:r>
+            <a:r>
+              <a:rPr lang="de-DE" smtClean="0"/>
+              <a:t> steht und das Material  </a:t>
+            </a:r>
+            <a:r>
+              <a:rPr lang="de-DE" i="1" smtClean="0"/>
+              <a:t>stabilisieren</a:t>
+            </a:r>
+            <a:r>
+              <a:rPr lang="de-DE" smtClean="0"/>
+              <a:t> soll (z.B. gegen Umwelteinflüsse bei längerer Lagerung).</a:t>
+            </a:r>
+          </a:p>
+          <a:p>
+            <a:endParaRPr lang="de-DE"/>
+          </a:p>
+        </p:txBody>
+      </p:sp>
+    </p:spTree>
+  </p:cSld>
+  <p:clrMapOvr>
+    <a:masterClrMapping/>
+  </p:clrMapOvr>
+</p:sld>
+</file>
+
+<file path=ppt/slides/slide8.xml><?xml version="1.0" encoding="utf-8"?>
+<p:sld xmlns:a="http://schemas.openxmlformats.org/drawingml/2006/main" xmlns:r="http://schemas.openxmlformats.org/officeDocument/2006/relationships" xmlns:p="http://schemas.openxmlformats.org/presentationml/2006/main">
+  <p:cSld>
+    <p:spTree>
+      <p:nvGrpSpPr>
+        <p:cNvPr id="1" name=""/>
+        <p:cNvGrpSpPr/>
+        <p:nvPr/>
+      </p:nvGrpSpPr>
+      <p:grpSpPr>
+        <a:xfrm>
+          <a:off x="0" y="0"/>
+          <a:ext cx="0" cy="0"/>
+          <a:chOff x="0" y="0"/>
+          <a:chExt cx="0" cy="0"/>
+        </a:xfrm>
+      </p:grpSpPr>
+      <p:sp>
+        <p:nvSpPr>
+          <p:cNvPr id="2" name="Titel 1"/>
+          <p:cNvSpPr>
+            <a:spLocks noGrp="1"/>
+          </p:cNvSpPr>
+          <p:nvPr>
+            <p:ph type="title"/>
+          </p:nvPr>
+        </p:nvSpPr>
+        <p:spPr/>
+        <p:txBody>
+          <a:bodyPr/>
+          <a:lstStyle/>
+          <a:p>
+            <a:r>
+              <a:rPr lang="de-DE" smtClean="0"/>
+              <a:t>Prozesse im Fokus</a:t>
+            </a:r>
+            <a:endParaRPr lang="de-DE"/>
+          </a:p>
+        </p:txBody>
+      </p:sp>
+      <p:sp>
+        <p:nvSpPr>
+          <p:cNvPr id="3" name="Inhaltsplatzhalter 2"/>
+          <p:cNvSpPr>
+            <a:spLocks noGrp="1"/>
+          </p:cNvSpPr>
+          <p:nvPr>
+            <p:ph sz="half" idx="1"/>
+          </p:nvPr>
+        </p:nvSpPr>
+        <p:spPr/>
+        <p:txBody>
+          <a:bodyPr/>
+          <a:lstStyle/>
+          <a:p>
+            <a:pPr>
+              <a:buNone/>
+            </a:pPr>
+            <a:r>
+              <a:rPr lang="de-DE" smtClean="0"/>
+              <a:t>Streckbiegen</a:t>
+            </a:r>
+          </a:p>
+          <a:p>
+            <a:pPr>
+              <a:buNone/>
+            </a:pPr>
+            <a:endParaRPr lang="de-DE" smtClean="0"/>
+          </a:p>
+          <a:p>
+            <a:pPr>
+              <a:buNone/>
+            </a:pPr>
+            <a:endParaRPr lang="de-DE" smtClean="0"/>
+          </a:p>
+          <a:p>
+            <a:pPr>
+              <a:buNone/>
+            </a:pPr>
+            <a:endParaRPr lang="de-DE" smtClean="0"/>
+          </a:p>
+          <a:p>
+            <a:pPr>
+              <a:buNone/>
+            </a:pPr>
+            <a:endParaRPr lang="de-DE" smtClean="0"/>
+          </a:p>
+        </p:txBody>
+      </p:sp>
+      <p:sp>
+        <p:nvSpPr>
+          <p:cNvPr id="4" name="Inhaltsplatzhalter 3"/>
+          <p:cNvSpPr>
+            <a:spLocks noGrp="1"/>
+          </p:cNvSpPr>
+          <p:nvPr>
+            <p:ph sz="half" idx="2"/>
+          </p:nvPr>
+        </p:nvSpPr>
+        <p:spPr/>
+        <p:txBody>
+          <a:bodyPr/>
+          <a:lstStyle/>
+          <a:p>
+            <a:pPr>
+              <a:buNone/>
+            </a:pPr>
+            <a:r>
+              <a:rPr lang="de-DE" smtClean="0"/>
+              <a:t>Kröpfen</a:t>
+            </a:r>
+          </a:p>
+          <a:p>
+            <a:pPr>
+              <a:buNone/>
+            </a:pPr>
+            <a:endParaRPr lang="de-DE" smtClean="0"/>
+          </a:p>
+          <a:p>
+            <a:pPr>
+              <a:buNone/>
+            </a:pPr>
+            <a:endParaRPr lang="de-DE" smtClean="0"/>
+          </a:p>
+          <a:p>
+            <a:pPr>
+              <a:buNone/>
+            </a:pPr>
+            <a:endParaRPr lang="de-DE"/>
+          </a:p>
+        </p:txBody>
+      </p:sp>
+      <p:pic>
+        <p:nvPicPr>
+          <p:cNvPr id="6" name="Grafik 5" descr="streckbiegen.png"/>
+          <p:cNvPicPr>
+            <a:picLocks noChangeAspect="1"/>
+          </p:cNvPicPr>
+          <p:nvPr/>
+        </p:nvPicPr>
+        <p:blipFill>
+          <a:blip r:embed="rId2" cstate="print"/>
+          <a:stretch>
+            <a:fillRect/>
+          </a:stretch>
+        </p:blipFill>
+        <p:spPr>
+          <a:xfrm>
+            <a:off x="179512" y="2204864"/>
+            <a:ext cx="3676641" cy="2580500"/>
+          </a:xfrm>
+          <a:prstGeom prst="rect">
+            <a:avLst/>
+          </a:prstGeom>
+        </p:spPr>
+      </p:pic>
+      <p:pic>
+        <p:nvPicPr>
+          <p:cNvPr id="7" name="Grafik 6" descr="krpfgesamt.png"/>
+          <p:cNvPicPr>
+            <a:picLocks noChangeAspect="1"/>
+          </p:cNvPicPr>
+          <p:nvPr/>
+        </p:nvPicPr>
+        <p:blipFill>
+          <a:blip r:embed="rId3" cstate="print"/>
+          <a:stretch>
+            <a:fillRect/>
+          </a:stretch>
+        </p:blipFill>
+        <p:spPr>
+          <a:xfrm>
+            <a:off x="3893463" y="2420888"/>
+            <a:ext cx="4958481" cy="1872208"/>
+          </a:xfrm>
+          <a:prstGeom prst="rect">
+            <a:avLst/>
+          </a:prstGeom>
+        </p:spPr>
+      </p:pic>
+      <p:cxnSp>
+        <p:nvCxnSpPr>
+          <p:cNvPr id="23" name="Gerade Verbindung mit Pfeil 22"/>
+          <p:cNvCxnSpPr/>
+          <p:nvPr/>
+        </p:nvCxnSpPr>
+        <p:spPr>
+          <a:xfrm flipH="1">
+            <a:off x="5148064" y="2276872"/>
+            <a:ext cx="72008" cy="720080"/>
+          </a:xfrm>
+          <a:prstGeom prst="straightConnector1">
+            <a:avLst/>
+          </a:prstGeom>
+          <a:ln w="19050">
+            <a:solidFill>
+              <a:srgbClr val="FF0000"/>
+            </a:solidFill>
+            <a:tailEnd type="arrow"/>
+          </a:ln>
+        </p:spPr>
+        <p:style>
+          <a:lnRef idx="1">
+            <a:schemeClr val="accent1"/>
+          </a:lnRef>
+          <a:fillRef idx="0">
+            <a:schemeClr val="accent1"/>
+          </a:fillRef>
+          <a:effectRef idx="0">
+            <a:schemeClr val="accent1"/>
+          </a:effectRef>
+          <a:fontRef idx="minor">
+            <a:schemeClr val="tx1"/>
+          </a:fontRef>
+        </p:style>
+      </p:cxnSp>
+      <p:sp>
+        <p:nvSpPr>
+          <p:cNvPr id="25" name="Textfeld 24"/>
+          <p:cNvSpPr txBox="1"/>
+          <p:nvPr/>
+        </p:nvSpPr>
+        <p:spPr>
+          <a:xfrm>
+            <a:off x="4932040" y="2060848"/>
+            <a:ext cx="1296144" cy="261610"/>
+          </a:xfrm>
+          <a:prstGeom prst="rect">
+            <a:avLst/>
+          </a:prstGeom>
+          <a:noFill/>
+        </p:spPr>
+        <p:txBody>
+          <a:bodyPr wrap="square" rtlCol="0">
+            <a:spAutoFit/>
+          </a:bodyPr>
+          <a:lstStyle/>
+          <a:p>
+            <a:r>
+              <a:rPr lang="de-DE" sz="1100" b="1" i="1" smtClean="0"/>
+              <a:t>Werkstück</a:t>
+            </a:r>
+            <a:endParaRPr lang="de-DE" sz="1100" b="1" i="1"/>
+          </a:p>
+        </p:txBody>
+      </p:sp>
+      <p:cxnSp>
+        <p:nvCxnSpPr>
+          <p:cNvPr id="27" name="Gerade Verbindung mit Pfeil 26"/>
+          <p:cNvCxnSpPr/>
+          <p:nvPr/>
+        </p:nvCxnSpPr>
+        <p:spPr>
+          <a:xfrm flipH="1">
+            <a:off x="5868144" y="2276872"/>
+            <a:ext cx="72008" cy="288032"/>
+          </a:xfrm>
+          <a:prstGeom prst="straightConnector1">
+            <a:avLst/>
+          </a:prstGeom>
+          <a:ln w="19050">
+            <a:solidFill>
+              <a:srgbClr val="FF0000"/>
+            </a:solidFill>
+            <a:tailEnd type="arrow"/>
+          </a:ln>
+        </p:spPr>
+        <p:style>
+          <a:lnRef idx="1">
+            <a:schemeClr val="accent1"/>
+          </a:lnRef>
+          <a:fillRef idx="0">
+            <a:schemeClr val="accent1"/>
+          </a:fillRef>
+          <a:effectRef idx="0">
+            <a:schemeClr val="accent1"/>
+          </a:effectRef>
+          <a:fontRef idx="minor">
+            <a:schemeClr val="tx1"/>
+          </a:fontRef>
+        </p:style>
+      </p:cxnSp>
+      <p:sp>
+        <p:nvSpPr>
+          <p:cNvPr id="42" name="Textfeld 41"/>
+          <p:cNvSpPr txBox="1"/>
+          <p:nvPr/>
+        </p:nvSpPr>
+        <p:spPr>
+          <a:xfrm>
+            <a:off x="5652120" y="2060848"/>
+            <a:ext cx="1872208" cy="261610"/>
+          </a:xfrm>
+          <a:prstGeom prst="rect">
+            <a:avLst/>
+          </a:prstGeom>
+          <a:noFill/>
+        </p:spPr>
+        <p:txBody>
+          <a:bodyPr wrap="square" rtlCol="0">
+            <a:spAutoFit/>
+          </a:bodyPr>
+          <a:lstStyle/>
+          <a:p>
+            <a:r>
+              <a:rPr lang="de-DE" sz="1100" b="1" i="1" smtClean="0"/>
+              <a:t>Ziehstempel</a:t>
+            </a:r>
+            <a:endParaRPr lang="de-DE" sz="1100" b="1" i="1"/>
+          </a:p>
+        </p:txBody>
+      </p:sp>
+      <p:cxnSp>
+        <p:nvCxnSpPr>
+          <p:cNvPr id="44" name="Gerade Verbindung mit Pfeil 43"/>
+          <p:cNvCxnSpPr/>
+          <p:nvPr/>
+        </p:nvCxnSpPr>
+        <p:spPr>
+          <a:xfrm>
+            <a:off x="8028384" y="2132856"/>
+            <a:ext cx="0" cy="360040"/>
+          </a:xfrm>
+          <a:prstGeom prst="straightConnector1">
+            <a:avLst/>
+          </a:prstGeom>
+          <a:ln w="19050">
+            <a:solidFill>
+              <a:srgbClr val="FF0000"/>
+            </a:solidFill>
+            <a:tailEnd type="arrow"/>
+          </a:ln>
+        </p:spPr>
+        <p:style>
+          <a:lnRef idx="1">
+            <a:schemeClr val="accent1"/>
+          </a:lnRef>
+          <a:fillRef idx="0">
+            <a:schemeClr val="accent1"/>
+          </a:fillRef>
+          <a:effectRef idx="0">
+            <a:schemeClr val="accent1"/>
+          </a:effectRef>
+          <a:fontRef idx="minor">
+            <a:schemeClr val="tx1"/>
+          </a:fontRef>
+        </p:style>
+      </p:cxnSp>
+      <p:sp>
+        <p:nvSpPr>
+          <p:cNvPr id="45" name="Textfeld 44"/>
+          <p:cNvSpPr txBox="1"/>
+          <p:nvPr/>
+        </p:nvSpPr>
+        <p:spPr>
+          <a:xfrm>
+            <a:off x="7452320" y="1916832"/>
+            <a:ext cx="1512168" cy="261610"/>
+          </a:xfrm>
+          <a:prstGeom prst="rect">
+            <a:avLst/>
+          </a:prstGeom>
+          <a:noFill/>
+        </p:spPr>
+        <p:txBody>
+          <a:bodyPr wrap="square" rtlCol="0">
+            <a:spAutoFit/>
+          </a:bodyPr>
+          <a:lstStyle/>
+          <a:p>
+            <a:r>
+              <a:rPr lang="de-DE" sz="1100" b="1" i="1" smtClean="0"/>
+              <a:t>Niederhalter</a:t>
+            </a:r>
+            <a:endParaRPr lang="de-DE" sz="1100" b="1" i="1"/>
+          </a:p>
+        </p:txBody>
+      </p:sp>
+      <p:cxnSp>
+        <p:nvCxnSpPr>
+          <p:cNvPr id="53" name="Gerade Verbindung mit Pfeil 52"/>
+          <p:cNvCxnSpPr/>
+          <p:nvPr/>
+        </p:nvCxnSpPr>
+        <p:spPr>
+          <a:xfrm flipH="1" flipV="1">
+            <a:off x="8172400" y="4149080"/>
+            <a:ext cx="72008" cy="432048"/>
+          </a:xfrm>
+          <a:prstGeom prst="straightConnector1">
+            <a:avLst/>
+          </a:prstGeom>
+          <a:ln w="19050">
+            <a:solidFill>
+              <a:srgbClr val="FF0000"/>
+            </a:solidFill>
+            <a:tailEnd type="arrow"/>
+          </a:ln>
+        </p:spPr>
+        <p:style>
+          <a:lnRef idx="1">
+            <a:schemeClr val="accent1"/>
+          </a:lnRef>
+          <a:fillRef idx="0">
+            <a:schemeClr val="accent1"/>
+          </a:fillRef>
+          <a:effectRef idx="0">
+            <a:schemeClr val="accent1"/>
+          </a:effectRef>
+          <a:fontRef idx="minor">
+            <a:schemeClr val="tx1"/>
+          </a:fontRef>
+        </p:style>
+      </p:cxnSp>
+      <p:sp>
+        <p:nvSpPr>
+          <p:cNvPr id="54" name="Textfeld 53"/>
+          <p:cNvSpPr txBox="1"/>
+          <p:nvPr/>
+        </p:nvSpPr>
+        <p:spPr>
+          <a:xfrm>
+            <a:off x="7812360" y="4509120"/>
+            <a:ext cx="1224136" cy="261610"/>
+          </a:xfrm>
+          <a:prstGeom prst="rect">
+            <a:avLst/>
+          </a:prstGeom>
+          <a:noFill/>
+        </p:spPr>
+        <p:txBody>
+          <a:bodyPr wrap="square" rtlCol="0">
+            <a:spAutoFit/>
+          </a:bodyPr>
+          <a:lstStyle/>
+          <a:p>
+            <a:r>
+              <a:rPr lang="de-DE" sz="1100" b="1" i="1" smtClean="0"/>
+              <a:t>Kröpfstein</a:t>
+            </a:r>
+            <a:endParaRPr lang="de-DE" sz="1100" b="1" i="1"/>
+          </a:p>
+        </p:txBody>
+      </p:sp>
+    </p:spTree>
+  </p:cSld>
+  <p:clrMapOvr>
+    <a:masterClrMapping/>
+  </p:clrMapOvr>
+</p:sld>
+</file>
+
+<file path=ppt/slides/slide9.xml><?xml version="1.0" encoding="utf-8"?>
+<p:sld xmlns:a="http://schemas.openxmlformats.org/drawingml/2006/main" xmlns:r="http://schemas.openxmlformats.org/officeDocument/2006/relationships" xmlns:p="http://schemas.openxmlformats.org/presentationml/2006/main">
+  <p:cSld>
+    <p:spTree>
+      <p:nvGrpSpPr>
+        <p:cNvPr id="1" name=""/>
+        <p:cNvGrpSpPr/>
+        <p:nvPr/>
+      </p:nvGrpSpPr>
+      <p:grpSpPr>
+        <a:xfrm>
+          <a:off x="0" y="0"/>
+          <a:ext cx="0" cy="0"/>
+          <a:chOff x="0" y="0"/>
+          <a:chExt cx="0" cy="0"/>
+        </a:xfrm>
+      </p:grpSpPr>
+      <p:sp>
+        <p:nvSpPr>
+          <p:cNvPr id="2" name="Titel 1"/>
+          <p:cNvSpPr>
+            <a:spLocks noGrp="1"/>
+          </p:cNvSpPr>
+          <p:nvPr>
+            <p:ph type="title"/>
+          </p:nvPr>
+        </p:nvSpPr>
+        <p:spPr/>
+        <p:txBody>
           <a:bodyPr/>
           <a:lstStyle/>
           <a:p>
@@ -14397,2542 +17827,6 @@
               <a:t>Prinzip Rückfederung</a:t>
             </a:r>
             <a:endParaRPr lang="de-DE"/>
-          </a:p>
-        </p:txBody>
-      </p:sp>
-    </p:spTree>
-  </p:cSld>
-  <p:clrMapOvr>
-    <a:masterClrMapping/>
-  </p:clrMapOvr>
-</p:sld>
-</file>
-
-<file path=ppt/slides/slide11.xml><?xml version="1.0" encoding="utf-8"?>
-<p:sld xmlns:a="http://schemas.openxmlformats.org/drawingml/2006/main" xmlns:r="http://schemas.openxmlformats.org/officeDocument/2006/relationships" xmlns:p="http://schemas.openxmlformats.org/presentationml/2006/main">
-  <p:cSld>
-    <p:spTree>
-      <p:nvGrpSpPr>
-        <p:cNvPr id="1" name=""/>
-        <p:cNvGrpSpPr/>
-        <p:nvPr/>
-      </p:nvGrpSpPr>
-      <p:grpSpPr>
-        <a:xfrm>
-          <a:off x="0" y="0"/>
-          <a:ext cx="0" cy="0"/>
-          <a:chOff x="0" y="0"/>
-          <a:chExt cx="0" cy="0"/>
-        </a:xfrm>
-      </p:grpSpPr>
-      <p:sp>
-        <p:nvSpPr>
-          <p:cNvPr id="2" name="Titel 1"/>
-          <p:cNvSpPr>
-            <a:spLocks noGrp="1"/>
-          </p:cNvSpPr>
-          <p:nvPr>
-            <p:ph type="title"/>
-          </p:nvPr>
-        </p:nvSpPr>
-        <p:spPr/>
-        <p:txBody>
-          <a:bodyPr>
-            <a:normAutofit fontScale="90000"/>
-          </a:bodyPr>
-          <a:lstStyle/>
-          <a:p>
-            <a:r>
-              <a:rPr lang="de-DE" smtClean="0"/>
-              <a:t>Spannungen in der Deformierungszone beim Streckbiegen</a:t>
-            </a:r>
-            <a:br>
-              <a:rPr lang="de-DE" smtClean="0"/>
-            </a:br>
-            <a:endParaRPr lang="de-DE"/>
-          </a:p>
-        </p:txBody>
-      </p:sp>
-      <p:pic>
-        <p:nvPicPr>
-          <p:cNvPr id="5" name="Grafik 4" descr="neutralefaser.png"/>
-          <p:cNvPicPr>
-            <a:picLocks noChangeAspect="1"/>
-          </p:cNvPicPr>
-          <p:nvPr/>
-        </p:nvPicPr>
-        <p:blipFill>
-          <a:blip r:embed="rId2" cstate="print"/>
-          <a:stretch>
-            <a:fillRect/>
-          </a:stretch>
-        </p:blipFill>
-        <p:spPr>
-          <a:xfrm>
-            <a:off x="2000571" y="1729000"/>
-            <a:ext cx="5142857" cy="3400000"/>
-          </a:xfrm>
-          <a:prstGeom prst="rect">
-            <a:avLst/>
-          </a:prstGeom>
-        </p:spPr>
-      </p:pic>
-    </p:spTree>
-  </p:cSld>
-  <p:clrMapOvr>
-    <a:masterClrMapping/>
-  </p:clrMapOvr>
-</p:sld>
-</file>
-
-<file path=ppt/slides/slide12.xml><?xml version="1.0" encoding="utf-8"?>
-<p:sld xmlns:a="http://schemas.openxmlformats.org/drawingml/2006/main" xmlns:r="http://schemas.openxmlformats.org/officeDocument/2006/relationships" xmlns:p="http://schemas.openxmlformats.org/presentationml/2006/main">
-  <p:cSld>
-    <p:spTree>
-      <p:nvGrpSpPr>
-        <p:cNvPr id="1" name=""/>
-        <p:cNvGrpSpPr/>
-        <p:nvPr/>
-      </p:nvGrpSpPr>
-      <p:grpSpPr>
-        <a:xfrm>
-          <a:off x="0" y="0"/>
-          <a:ext cx="0" cy="0"/>
-          <a:chOff x="0" y="0"/>
-          <a:chExt cx="0" cy="0"/>
-        </a:xfrm>
-      </p:grpSpPr>
-      <p:sp>
-        <p:nvSpPr>
-          <p:cNvPr id="2" name="Titel 1"/>
-          <p:cNvSpPr>
-            <a:spLocks noGrp="1"/>
-          </p:cNvSpPr>
-          <p:nvPr>
-            <p:ph type="title"/>
-          </p:nvPr>
-        </p:nvSpPr>
-        <p:spPr/>
-        <p:txBody>
-          <a:bodyPr>
-            <a:normAutofit fontScale="90000"/>
-          </a:bodyPr>
-          <a:lstStyle/>
-          <a:p>
-            <a:r>
-              <a:rPr lang="de-DE" smtClean="0"/>
-              <a:t>Streckbiegemaschine und Biegewerkzeug</a:t>
-            </a:r>
-            <a:endParaRPr lang="de-DE"/>
-          </a:p>
-        </p:txBody>
-      </p:sp>
-      <p:pic>
-        <p:nvPicPr>
-          <p:cNvPr id="5" name="Inhaltsplatzhalter 4" descr="20131023_132557.jpg"/>
-          <p:cNvPicPr>
-            <a:picLocks noGrp="1" noChangeAspect="1"/>
-          </p:cNvPicPr>
-          <p:nvPr>
-            <p:ph sz="half" idx="1"/>
-          </p:nvPr>
-        </p:nvPicPr>
-        <p:blipFill>
-          <a:blip r:embed="rId2" cstate="print"/>
-          <a:stretch>
-            <a:fillRect/>
-          </a:stretch>
-        </p:blipFill>
-        <p:spPr>
-          <a:xfrm>
-            <a:off x="179512" y="2407500"/>
-            <a:ext cx="3816424" cy="2862318"/>
-          </a:xfrm>
-        </p:spPr>
-      </p:pic>
-      <p:pic>
-        <p:nvPicPr>
-          <p:cNvPr id="6" name="Inhaltsplatzhalter 5" descr="steckbiegeeinheit.jpg"/>
-          <p:cNvPicPr>
-            <a:picLocks noGrp="1" noChangeAspect="1"/>
-          </p:cNvPicPr>
-          <p:nvPr>
-            <p:ph sz="half" idx="2"/>
-          </p:nvPr>
-        </p:nvPicPr>
-        <p:blipFill>
-          <a:blip r:embed="rId3" cstate="print"/>
-          <a:stretch>
-            <a:fillRect/>
-          </a:stretch>
-        </p:blipFill>
-        <p:spPr>
-          <a:xfrm>
-            <a:off x="4384936" y="2420888"/>
-            <a:ext cx="4602250" cy="2880320"/>
-          </a:xfrm>
-        </p:spPr>
-      </p:pic>
-    </p:spTree>
-  </p:cSld>
-  <p:clrMapOvr>
-    <a:masterClrMapping/>
-  </p:clrMapOvr>
-</p:sld>
-</file>
-
-<file path=ppt/slides/slide13.xml><?xml version="1.0" encoding="utf-8"?>
-<p:sld xmlns:a="http://schemas.openxmlformats.org/drawingml/2006/main" xmlns:r="http://schemas.openxmlformats.org/officeDocument/2006/relationships" xmlns:p="http://schemas.openxmlformats.org/presentationml/2006/main">
-  <p:cSld>
-    <p:spTree>
-      <p:nvGrpSpPr>
-        <p:cNvPr id="1" name=""/>
-        <p:cNvGrpSpPr/>
-        <p:nvPr/>
-      </p:nvGrpSpPr>
-      <p:grpSpPr>
-        <a:xfrm>
-          <a:off x="0" y="0"/>
-          <a:ext cx="0" cy="0"/>
-          <a:chOff x="0" y="0"/>
-          <a:chExt cx="0" cy="0"/>
-        </a:xfrm>
-      </p:grpSpPr>
-      <p:sp>
-        <p:nvSpPr>
-          <p:cNvPr id="2" name="Titel 1"/>
-          <p:cNvSpPr>
-            <a:spLocks noGrp="1"/>
-          </p:cNvSpPr>
-          <p:nvPr>
-            <p:ph type="title"/>
-          </p:nvPr>
-        </p:nvSpPr>
-        <p:spPr/>
-        <p:txBody>
-          <a:bodyPr>
-            <a:normAutofit fontScale="90000"/>
-          </a:bodyPr>
-          <a:lstStyle/>
-          <a:p>
-            <a:r>
-              <a:rPr lang="de-DE" smtClean="0"/>
-              <a:t>Entscheidende Bauteilgeometrie der Untersuchung</a:t>
-            </a:r>
-            <a:endParaRPr lang="de-DE"/>
-          </a:p>
-        </p:txBody>
-      </p:sp>
-      <p:pic>
-        <p:nvPicPr>
-          <p:cNvPr id="5" name="Inhaltsplatzhalter 4" descr="vdkdorient.jpg"/>
-          <p:cNvPicPr>
-            <a:picLocks noGrp="1" noChangeAspect="1"/>
-          </p:cNvPicPr>
-          <p:nvPr>
-            <p:ph sz="half" idx="1"/>
-          </p:nvPr>
-        </p:nvPicPr>
-        <p:blipFill>
-          <a:blip r:embed="rId2" cstate="print"/>
-          <a:stretch>
-            <a:fillRect/>
-          </a:stretch>
-        </p:blipFill>
-        <p:spPr>
-          <a:xfrm>
-            <a:off x="3342224" y="2132856"/>
-            <a:ext cx="5497504" cy="2393441"/>
-          </a:xfrm>
-        </p:spPr>
-      </p:pic>
-      <p:sp>
-        <p:nvSpPr>
-          <p:cNvPr id="6" name="Textfeld 5"/>
-          <p:cNvSpPr txBox="1"/>
-          <p:nvPr/>
-        </p:nvSpPr>
-        <p:spPr>
-          <a:xfrm>
-            <a:off x="3635896" y="4653136"/>
-            <a:ext cx="4968552" cy="369332"/>
-          </a:xfrm>
-          <a:prstGeom prst="rect">
-            <a:avLst/>
-          </a:prstGeom>
-          <a:noFill/>
-        </p:spPr>
-        <p:txBody>
-          <a:bodyPr wrap="square" rtlCol="0">
-            <a:spAutoFit/>
-          </a:bodyPr>
-          <a:lstStyle/>
-          <a:p>
-            <a:r>
-              <a:rPr lang="de-DE" b="1" i="1" smtClean="0"/>
-              <a:t>Messpunkte und Orientierung der Aussenkontur</a:t>
-            </a:r>
-            <a:endParaRPr lang="de-DE" b="1" i="1"/>
-          </a:p>
-        </p:txBody>
-      </p:sp>
-      <p:sp>
-        <p:nvSpPr>
-          <p:cNvPr id="7" name="Textfeld 6"/>
-          <p:cNvSpPr txBox="1"/>
-          <p:nvPr/>
-        </p:nvSpPr>
-        <p:spPr>
-          <a:xfrm>
-            <a:off x="251520" y="2276872"/>
-            <a:ext cx="2736304" cy="2308324"/>
-          </a:xfrm>
-          <a:prstGeom prst="rect">
-            <a:avLst/>
-          </a:prstGeom>
-          <a:noFill/>
-        </p:spPr>
-        <p:txBody>
-          <a:bodyPr wrap="square" rtlCol="0">
-            <a:spAutoFit/>
-          </a:bodyPr>
-          <a:lstStyle/>
-          <a:p>
-            <a:pPr>
-              <a:buFont typeface="Arial" pitchFamily="34" charset="0"/>
-              <a:buChar char="•"/>
-            </a:pPr>
-            <a:r>
-              <a:rPr lang="de-DE" smtClean="0"/>
-              <a:t>Nennmaß der Aussenkontur ist Null</a:t>
-            </a:r>
-          </a:p>
-          <a:p>
-            <a:pPr>
-              <a:buFont typeface="Arial" pitchFamily="34" charset="0"/>
-              <a:buChar char="•"/>
-            </a:pPr>
-            <a:r>
-              <a:rPr lang="de-DE" smtClean="0"/>
-              <a:t>Positive Messwerte bedeuten insbesondere and den Messpunkte MP1 – MP3 und MP8 – MP10 eine erhöhte Rückfederung</a:t>
-            </a:r>
-          </a:p>
-          <a:p>
-            <a:endParaRPr lang="de-DE"/>
-          </a:p>
-        </p:txBody>
-      </p:sp>
-    </p:spTree>
-  </p:cSld>
-  <p:clrMapOvr>
-    <a:masterClrMapping/>
-  </p:clrMapOvr>
-</p:sld>
-</file>
-
-<file path=ppt/slides/slide14.xml><?xml version="1.0" encoding="utf-8"?>
-<p:sld xmlns:a="http://schemas.openxmlformats.org/drawingml/2006/main" xmlns:r="http://schemas.openxmlformats.org/officeDocument/2006/relationships" xmlns:p="http://schemas.openxmlformats.org/presentationml/2006/main">
-  <p:cSld>
-    <p:spTree>
-      <p:nvGrpSpPr>
-        <p:cNvPr id="1" name=""/>
-        <p:cNvGrpSpPr/>
-        <p:nvPr/>
-      </p:nvGrpSpPr>
-      <p:grpSpPr>
-        <a:xfrm>
-          <a:off x="0" y="0"/>
-          <a:ext cx="0" cy="0"/>
-          <a:chOff x="0" y="0"/>
-          <a:chExt cx="0" cy="0"/>
-        </a:xfrm>
-      </p:grpSpPr>
-      <p:sp>
-        <p:nvSpPr>
-          <p:cNvPr id="2" name="Titel 1"/>
-          <p:cNvSpPr>
-            <a:spLocks noGrp="1"/>
-          </p:cNvSpPr>
-          <p:nvPr>
-            <p:ph type="title"/>
-          </p:nvPr>
-        </p:nvSpPr>
-        <p:spPr/>
-        <p:txBody>
-          <a:bodyPr/>
-          <a:lstStyle/>
-          <a:p>
-            <a:r>
-              <a:rPr lang="de-DE" smtClean="0"/>
-              <a:t>Messmethode</a:t>
-            </a:r>
-            <a:endParaRPr lang="de-DE"/>
-          </a:p>
-        </p:txBody>
-      </p:sp>
-      <p:pic>
-        <p:nvPicPr>
-          <p:cNvPr id="3" name="Grafik 2" descr="messlehre.jpg"/>
-          <p:cNvPicPr>
-            <a:picLocks noChangeAspect="1"/>
-          </p:cNvPicPr>
-          <p:nvPr/>
-        </p:nvPicPr>
-        <p:blipFill>
-          <a:blip r:embed="rId2" cstate="print"/>
-          <a:stretch>
-            <a:fillRect/>
-          </a:stretch>
-        </p:blipFill>
-        <p:spPr>
-          <a:xfrm>
-            <a:off x="899592" y="1340768"/>
-            <a:ext cx="7237934" cy="2736995"/>
-          </a:xfrm>
-          <a:prstGeom prst="rect">
-            <a:avLst/>
-          </a:prstGeom>
-        </p:spPr>
-      </p:pic>
-      <p:sp>
-        <p:nvSpPr>
-          <p:cNvPr id="4" name="Textfeld 3"/>
-          <p:cNvSpPr txBox="1"/>
-          <p:nvPr/>
-        </p:nvSpPr>
-        <p:spPr>
-          <a:xfrm>
-            <a:off x="2411760" y="4365104"/>
-            <a:ext cx="4176464" cy="646331"/>
-          </a:xfrm>
-          <a:prstGeom prst="rect">
-            <a:avLst/>
-          </a:prstGeom>
-          <a:noFill/>
-        </p:spPr>
-        <p:txBody>
-          <a:bodyPr wrap="square" rtlCol="0">
-            <a:spAutoFit/>
-          </a:bodyPr>
-          <a:lstStyle/>
-          <a:p>
-            <a:r>
-              <a:rPr lang="de-DE" b="1" i="1" smtClean="0"/>
-              <a:t>Eingelegtes Bauteil in Messlehre.</a:t>
-            </a:r>
-          </a:p>
-          <a:p>
-            <a:r>
-              <a:rPr lang="de-DE" b="1" i="1" smtClean="0"/>
-              <a:t>Einbausituation soll simuliert werden.</a:t>
-            </a:r>
-            <a:endParaRPr lang="de-DE" b="1" i="1"/>
-          </a:p>
-        </p:txBody>
-      </p:sp>
-    </p:spTree>
-  </p:cSld>
-  <p:clrMapOvr>
-    <a:masterClrMapping/>
-  </p:clrMapOvr>
-</p:sld>
-</file>
-
-<file path=ppt/slides/slide15.xml><?xml version="1.0" encoding="utf-8"?>
-<p:sld xmlns:a="http://schemas.openxmlformats.org/drawingml/2006/main" xmlns:r="http://schemas.openxmlformats.org/officeDocument/2006/relationships" xmlns:p="http://schemas.openxmlformats.org/presentationml/2006/main">
-  <p:cSld>
-    <p:spTree>
-      <p:nvGrpSpPr>
-        <p:cNvPr id="1" name=""/>
-        <p:cNvGrpSpPr/>
-        <p:nvPr/>
-      </p:nvGrpSpPr>
-      <p:grpSpPr>
-        <a:xfrm>
-          <a:off x="0" y="0"/>
-          <a:ext cx="0" cy="0"/>
-          <a:chOff x="0" y="0"/>
-          <a:chExt cx="0" cy="0"/>
-        </a:xfrm>
-      </p:grpSpPr>
-      <p:pic>
-        <p:nvPicPr>
-          <p:cNvPr id="2" name="Grafik 1" descr="20131023_132921.jpg"/>
-          <p:cNvPicPr>
-            <a:picLocks noChangeAspect="1"/>
-          </p:cNvPicPr>
-          <p:nvPr/>
-        </p:nvPicPr>
-        <p:blipFill>
-          <a:blip r:embed="rId2" cstate="print"/>
-          <a:stretch>
-            <a:fillRect/>
-          </a:stretch>
-        </p:blipFill>
-        <p:spPr>
-          <a:xfrm>
-            <a:off x="107504" y="3284984"/>
-            <a:ext cx="3024335" cy="2268251"/>
-          </a:xfrm>
-          <a:prstGeom prst="rect">
-            <a:avLst/>
-          </a:prstGeom>
-        </p:spPr>
-      </p:pic>
-      <p:pic>
-        <p:nvPicPr>
-          <p:cNvPr id="4" name="Grafik 3" descr="messpunktevdkda3.png"/>
-          <p:cNvPicPr>
-            <a:picLocks noChangeAspect="1"/>
-          </p:cNvPicPr>
-          <p:nvPr/>
-        </p:nvPicPr>
-        <p:blipFill>
-          <a:blip r:embed="rId3" cstate="print"/>
-          <a:stretch>
-            <a:fillRect/>
-          </a:stretch>
-        </p:blipFill>
-        <p:spPr>
-          <a:xfrm>
-            <a:off x="3491881" y="3260936"/>
-            <a:ext cx="5120786" cy="2277010"/>
-          </a:xfrm>
-          <a:prstGeom prst="rect">
-            <a:avLst/>
-          </a:prstGeom>
-        </p:spPr>
-      </p:pic>
-      <p:cxnSp>
-        <p:nvCxnSpPr>
-          <p:cNvPr id="9" name="Gewinkelte Verbindung 8"/>
-          <p:cNvCxnSpPr/>
-          <p:nvPr/>
-        </p:nvCxnSpPr>
-        <p:spPr>
-          <a:xfrm flipV="1">
-            <a:off x="395536" y="2708920"/>
-            <a:ext cx="2088232" cy="576064"/>
-          </a:xfrm>
-          <a:prstGeom prst="bentConnector3">
-            <a:avLst>
-              <a:gd name="adj1" fmla="val 14969"/>
-            </a:avLst>
-          </a:prstGeom>
-        </p:spPr>
-        <p:style>
-          <a:lnRef idx="1">
-            <a:schemeClr val="accent1"/>
-          </a:lnRef>
-          <a:fillRef idx="0">
-            <a:schemeClr val="accent1"/>
-          </a:fillRef>
-          <a:effectRef idx="0">
-            <a:schemeClr val="accent1"/>
-          </a:effectRef>
-          <a:fontRef idx="minor">
-            <a:schemeClr val="tx1"/>
-          </a:fontRef>
-        </p:style>
-      </p:cxnSp>
-      <p:sp>
-        <p:nvSpPr>
-          <p:cNvPr id="12" name="Textfeld 11"/>
-          <p:cNvSpPr txBox="1"/>
-          <p:nvPr/>
-        </p:nvSpPr>
-        <p:spPr>
-          <a:xfrm>
-            <a:off x="683568" y="1772816"/>
-            <a:ext cx="3240360" cy="923330"/>
-          </a:xfrm>
-          <a:prstGeom prst="rect">
-            <a:avLst/>
-          </a:prstGeom>
-          <a:noFill/>
-        </p:spPr>
-        <p:txBody>
-          <a:bodyPr wrap="square" rtlCol="0">
-            <a:spAutoFit/>
-          </a:bodyPr>
-          <a:lstStyle/>
-          <a:p>
-            <a:r>
-              <a:rPr lang="de-DE" smtClean="0"/>
-              <a:t>Abfahren der Messpunkte „Kontur aussen“ mit der Messuhr</a:t>
-            </a:r>
-            <a:endParaRPr lang="de-DE"/>
-          </a:p>
-        </p:txBody>
-      </p:sp>
-      <p:cxnSp>
-        <p:nvCxnSpPr>
-          <p:cNvPr id="16" name="Gewinkelte Verbindung 15"/>
-          <p:cNvCxnSpPr/>
-          <p:nvPr/>
-        </p:nvCxnSpPr>
-        <p:spPr>
-          <a:xfrm flipV="1">
-            <a:off x="4283968" y="2708920"/>
-            <a:ext cx="3600400" cy="864096"/>
-          </a:xfrm>
-          <a:prstGeom prst="bentConnector3">
-            <a:avLst>
-              <a:gd name="adj1" fmla="val -3029"/>
-            </a:avLst>
-          </a:prstGeom>
-        </p:spPr>
-        <p:style>
-          <a:lnRef idx="1">
-            <a:schemeClr val="accent1"/>
-          </a:lnRef>
-          <a:fillRef idx="0">
-            <a:schemeClr val="accent1"/>
-          </a:fillRef>
-          <a:effectRef idx="0">
-            <a:schemeClr val="accent1"/>
-          </a:effectRef>
-          <a:fontRef idx="minor">
-            <a:schemeClr val="tx1"/>
-          </a:fontRef>
-        </p:style>
-      </p:cxnSp>
-      <p:sp>
-        <p:nvSpPr>
-          <p:cNvPr id="20" name="Textfeld 19"/>
-          <p:cNvSpPr txBox="1"/>
-          <p:nvPr/>
-        </p:nvSpPr>
-        <p:spPr>
-          <a:xfrm>
-            <a:off x="4139952" y="2060848"/>
-            <a:ext cx="4320480" cy="646331"/>
-          </a:xfrm>
-          <a:prstGeom prst="rect">
-            <a:avLst/>
-          </a:prstGeom>
-          <a:noFill/>
-        </p:spPr>
-        <p:txBody>
-          <a:bodyPr wrap="square" rtlCol="0">
-            <a:spAutoFit/>
-          </a:bodyPr>
-          <a:lstStyle/>
-          <a:p>
-            <a:r>
-              <a:rPr lang="de-DE" smtClean="0"/>
-              <a:t>Grün markiert Messpunkte der Aussenkontur</a:t>
-            </a:r>
-            <a:endParaRPr lang="de-DE"/>
-          </a:p>
-        </p:txBody>
-      </p:sp>
-    </p:spTree>
-  </p:cSld>
-  <p:clrMapOvr>
-    <a:masterClrMapping/>
-  </p:clrMapOvr>
-</p:sld>
-</file>
-
-<file path=ppt/slides/slide16.xml><?xml version="1.0" encoding="utf-8"?>
-<p:sld xmlns:a="http://schemas.openxmlformats.org/drawingml/2006/main" xmlns:r="http://schemas.openxmlformats.org/officeDocument/2006/relationships" xmlns:p="http://schemas.openxmlformats.org/presentationml/2006/main">
-  <p:cSld>
-    <p:spTree>
-      <p:nvGrpSpPr>
-        <p:cNvPr id="1" name=""/>
-        <p:cNvGrpSpPr/>
-        <p:nvPr/>
-      </p:nvGrpSpPr>
-      <p:grpSpPr>
-        <a:xfrm>
-          <a:off x="0" y="0"/>
-          <a:ext cx="0" cy="0"/>
-          <a:chOff x="0" y="0"/>
-          <a:chExt cx="0" cy="0"/>
-        </a:xfrm>
-      </p:grpSpPr>
-      <p:pic>
-        <p:nvPicPr>
-          <p:cNvPr id="3" name="Grafik 2" descr="MessblattOriginal.jpg"/>
-          <p:cNvPicPr>
-            <a:picLocks noChangeAspect="1"/>
-          </p:cNvPicPr>
-          <p:nvPr/>
-        </p:nvPicPr>
-        <p:blipFill>
-          <a:blip r:embed="rId2" cstate="print"/>
-          <a:stretch>
-            <a:fillRect/>
-          </a:stretch>
-        </p:blipFill>
-        <p:spPr>
-          <a:xfrm>
-            <a:off x="3491880" y="2636912"/>
-            <a:ext cx="5184576" cy="4007973"/>
-          </a:xfrm>
-          <a:prstGeom prst="rect">
-            <a:avLst/>
-          </a:prstGeom>
-        </p:spPr>
-      </p:pic>
-      <p:cxnSp>
-        <p:nvCxnSpPr>
-          <p:cNvPr id="12" name="Gewinkelte Verbindung 11"/>
-          <p:cNvCxnSpPr/>
-          <p:nvPr/>
-        </p:nvCxnSpPr>
-        <p:spPr>
-          <a:xfrm flipV="1">
-            <a:off x="3635896" y="2204864"/>
-            <a:ext cx="4824536" cy="432048"/>
-          </a:xfrm>
-          <a:prstGeom prst="bentConnector3">
-            <a:avLst>
-              <a:gd name="adj1" fmla="val 7090"/>
-            </a:avLst>
-          </a:prstGeom>
-        </p:spPr>
-        <p:style>
-          <a:lnRef idx="1">
-            <a:schemeClr val="accent1"/>
-          </a:lnRef>
-          <a:fillRef idx="0">
-            <a:schemeClr val="accent1"/>
-          </a:fillRef>
-          <a:effectRef idx="0">
-            <a:schemeClr val="accent1"/>
-          </a:effectRef>
-          <a:fontRef idx="minor">
-            <a:schemeClr val="tx1"/>
-          </a:fontRef>
-        </p:style>
-      </p:cxnSp>
-      <p:sp>
-        <p:nvSpPr>
-          <p:cNvPr id="16" name="Textfeld 15"/>
-          <p:cNvSpPr txBox="1"/>
-          <p:nvPr/>
-        </p:nvSpPr>
-        <p:spPr>
-          <a:xfrm>
-            <a:off x="3995936" y="1412776"/>
-            <a:ext cx="4680520" cy="646331"/>
-          </a:xfrm>
-          <a:prstGeom prst="rect">
-            <a:avLst/>
-          </a:prstGeom>
-          <a:noFill/>
-        </p:spPr>
-        <p:txBody>
-          <a:bodyPr wrap="square" rtlCol="0">
-            <a:spAutoFit/>
-          </a:bodyPr>
-          <a:lstStyle/>
-          <a:p>
-            <a:r>
-              <a:rPr lang="de-DE" smtClean="0"/>
-              <a:t>Messprotokoll zur Erfassung der Messergebnisse verschiedener Messbereiche</a:t>
-            </a:r>
-            <a:endParaRPr lang="de-DE"/>
-          </a:p>
-        </p:txBody>
-      </p:sp>
-      <p:cxnSp>
-        <p:nvCxnSpPr>
-          <p:cNvPr id="18" name="Gewinkelte Verbindung 17"/>
-          <p:cNvCxnSpPr/>
-          <p:nvPr/>
-        </p:nvCxnSpPr>
-        <p:spPr>
-          <a:xfrm>
-            <a:off x="755576" y="4725144"/>
-            <a:ext cx="2736304" cy="576064"/>
-          </a:xfrm>
-          <a:prstGeom prst="bentConnector3">
-            <a:avLst>
-              <a:gd name="adj1" fmla="val 84487"/>
-            </a:avLst>
-          </a:prstGeom>
-          <a:ln>
-            <a:tailEnd type="arrow"/>
-          </a:ln>
-        </p:spPr>
-        <p:style>
-          <a:lnRef idx="1">
-            <a:schemeClr val="accent1"/>
-          </a:lnRef>
-          <a:fillRef idx="0">
-            <a:schemeClr val="accent1"/>
-          </a:fillRef>
-          <a:effectRef idx="0">
-            <a:schemeClr val="accent1"/>
-          </a:effectRef>
-          <a:fontRef idx="minor">
-            <a:schemeClr val="tx1"/>
-          </a:fontRef>
-        </p:style>
-      </p:cxnSp>
-      <p:sp>
-        <p:nvSpPr>
-          <p:cNvPr id="21" name="Textfeld 20"/>
-          <p:cNvSpPr txBox="1"/>
-          <p:nvPr/>
-        </p:nvSpPr>
-        <p:spPr>
-          <a:xfrm>
-            <a:off x="683568" y="4365104"/>
-            <a:ext cx="2160240" cy="369332"/>
-          </a:xfrm>
-          <a:prstGeom prst="rect">
-            <a:avLst/>
-          </a:prstGeom>
-          <a:noFill/>
-        </p:spPr>
-        <p:txBody>
-          <a:bodyPr wrap="square" rtlCol="0">
-            <a:spAutoFit/>
-          </a:bodyPr>
-          <a:lstStyle/>
-          <a:p>
-            <a:r>
-              <a:rPr lang="de-DE" smtClean="0"/>
-              <a:t>Kontur aussen (grün)</a:t>
-            </a:r>
-            <a:endParaRPr lang="de-DE"/>
-          </a:p>
-        </p:txBody>
-      </p:sp>
-    </p:spTree>
-  </p:cSld>
-  <p:clrMapOvr>
-    <a:masterClrMapping/>
-  </p:clrMapOvr>
-</p:sld>
-</file>
-
-<file path=ppt/slides/slide17.xml><?xml version="1.0" encoding="utf-8"?>
-<p:sld xmlns:a="http://schemas.openxmlformats.org/drawingml/2006/main" xmlns:r="http://schemas.openxmlformats.org/officeDocument/2006/relationships" xmlns:p="http://schemas.openxmlformats.org/presentationml/2006/main">
-  <p:cSld>
-    <p:spTree>
-      <p:nvGrpSpPr>
-        <p:cNvPr id="1" name=""/>
-        <p:cNvGrpSpPr/>
-        <p:nvPr/>
-      </p:nvGrpSpPr>
-      <p:grpSpPr>
-        <a:xfrm>
-          <a:off x="0" y="0"/>
-          <a:ext cx="0" cy="0"/>
-          <a:chOff x="0" y="0"/>
-          <a:chExt cx="0" cy="0"/>
-        </a:xfrm>
-      </p:grpSpPr>
-      <p:sp>
-        <p:nvSpPr>
-          <p:cNvPr id="2" name="Titel 1"/>
-          <p:cNvSpPr>
-            <a:spLocks noGrp="1"/>
-          </p:cNvSpPr>
-          <p:nvPr>
-            <p:ph type="title"/>
-          </p:nvPr>
-        </p:nvSpPr>
-        <p:spPr/>
-        <p:txBody>
-          <a:bodyPr/>
-          <a:lstStyle/>
-          <a:p>
-            <a:r>
-              <a:rPr lang="de-DE" smtClean="0"/>
-              <a:t>Auswertungsmethode</a:t>
-            </a:r>
-            <a:endParaRPr lang="de-DE"/>
-          </a:p>
-        </p:txBody>
-      </p:sp>
-      <p:pic>
-        <p:nvPicPr>
-          <p:cNvPr id="3" name="Grafik 2" descr="F17elox.jpg"/>
-          <p:cNvPicPr>
-            <a:picLocks noChangeAspect="1"/>
-          </p:cNvPicPr>
-          <p:nvPr/>
-        </p:nvPicPr>
-        <p:blipFill>
-          <a:blip r:embed="rId2" cstate="print"/>
-          <a:stretch>
-            <a:fillRect/>
-          </a:stretch>
-        </p:blipFill>
-        <p:spPr>
-          <a:xfrm>
-            <a:off x="1979713" y="3009688"/>
-            <a:ext cx="4032448" cy="1929357"/>
-          </a:xfrm>
-          <a:prstGeom prst="rect">
-            <a:avLst/>
-          </a:prstGeom>
-        </p:spPr>
-      </p:pic>
-      <p:pic>
-        <p:nvPicPr>
-          <p:cNvPr id="6" name="Grafik 5" descr="StandardabweichungDesMittelwerts.jpg"/>
-          <p:cNvPicPr>
-            <a:picLocks noChangeAspect="1"/>
-          </p:cNvPicPr>
-          <p:nvPr/>
-        </p:nvPicPr>
-        <p:blipFill>
-          <a:blip r:embed="rId3" cstate="print"/>
-          <a:stretch>
-            <a:fillRect/>
-          </a:stretch>
-        </p:blipFill>
-        <p:spPr>
-          <a:xfrm>
-            <a:off x="4572000" y="1700808"/>
-            <a:ext cx="3312368" cy="816851"/>
-          </a:xfrm>
-          <a:prstGeom prst="rect">
-            <a:avLst/>
-          </a:prstGeom>
-        </p:spPr>
-      </p:pic>
-      <p:pic>
-        <p:nvPicPr>
-          <p:cNvPr id="7" name="Grafik 6" descr="StandardabweichungEmpirische.jpg"/>
-          <p:cNvPicPr>
-            <a:picLocks noChangeAspect="1"/>
-          </p:cNvPicPr>
-          <p:nvPr/>
-        </p:nvPicPr>
-        <p:blipFill>
-          <a:blip r:embed="rId4" cstate="print"/>
-          <a:stretch>
-            <a:fillRect/>
-          </a:stretch>
-        </p:blipFill>
-        <p:spPr>
-          <a:xfrm>
-            <a:off x="539552" y="1556792"/>
-            <a:ext cx="2520280" cy="979163"/>
-          </a:xfrm>
-          <a:prstGeom prst="rect">
-            <a:avLst/>
-          </a:prstGeom>
-        </p:spPr>
-      </p:pic>
-      <p:pic>
-        <p:nvPicPr>
-          <p:cNvPr id="8" name="Grafik 7" descr="ChargenWerte.jpg"/>
-          <p:cNvPicPr>
-            <a:picLocks noChangeAspect="1"/>
-          </p:cNvPicPr>
-          <p:nvPr/>
-        </p:nvPicPr>
-        <p:blipFill>
-          <a:blip r:embed="rId5" cstate="print"/>
-          <a:stretch>
-            <a:fillRect/>
-          </a:stretch>
-        </p:blipFill>
-        <p:spPr>
-          <a:xfrm>
-            <a:off x="2112873" y="5531974"/>
-            <a:ext cx="3683263" cy="887478"/>
-          </a:xfrm>
-          <a:prstGeom prst="rect">
-            <a:avLst/>
-          </a:prstGeom>
-        </p:spPr>
-      </p:pic>
-      <p:sp>
-        <p:nvSpPr>
-          <p:cNvPr id="9" name="Textfeld 8"/>
-          <p:cNvSpPr txBox="1"/>
-          <p:nvPr/>
-        </p:nvSpPr>
-        <p:spPr>
-          <a:xfrm>
-            <a:off x="755576" y="1628800"/>
-            <a:ext cx="1368152" cy="369332"/>
-          </a:xfrm>
-          <a:prstGeom prst="rect">
-            <a:avLst/>
-          </a:prstGeom>
-          <a:noFill/>
-        </p:spPr>
-        <p:txBody>
-          <a:bodyPr wrap="square" rtlCol="0">
-            <a:spAutoFit/>
-          </a:bodyPr>
-          <a:lstStyle/>
-          <a:p>
-            <a:endParaRPr lang="de-DE"/>
-          </a:p>
-        </p:txBody>
-      </p:sp>
-      <p:sp>
-        <p:nvSpPr>
-          <p:cNvPr id="10" name="Textfeld 9"/>
-          <p:cNvSpPr txBox="1"/>
-          <p:nvPr/>
-        </p:nvSpPr>
-        <p:spPr>
-          <a:xfrm>
-            <a:off x="611560" y="1412776"/>
-            <a:ext cx="3240360" cy="307777"/>
-          </a:xfrm>
-          <a:prstGeom prst="rect">
-            <a:avLst/>
-          </a:prstGeom>
-          <a:noFill/>
-        </p:spPr>
-        <p:txBody>
-          <a:bodyPr wrap="square" rtlCol="0">
-            <a:spAutoFit/>
-          </a:bodyPr>
-          <a:lstStyle/>
-          <a:p>
-            <a:r>
-              <a:rPr lang="de-DE" sz="1400" b="1" i="1" smtClean="0">
-                <a:solidFill>
-                  <a:srgbClr val="FF0000"/>
-                </a:solidFill>
-              </a:rPr>
-              <a:t>Empirische Standardabweichung</a:t>
-            </a:r>
-            <a:endParaRPr lang="de-DE" sz="1400" b="1" i="1">
-              <a:solidFill>
-                <a:srgbClr val="FF0000"/>
-              </a:solidFill>
-            </a:endParaRPr>
-          </a:p>
-        </p:txBody>
-      </p:sp>
-      <p:sp>
-        <p:nvSpPr>
-          <p:cNvPr id="11" name="Textfeld 10"/>
-          <p:cNvSpPr txBox="1"/>
-          <p:nvPr/>
-        </p:nvSpPr>
-        <p:spPr>
-          <a:xfrm>
-            <a:off x="4716016" y="1340768"/>
-            <a:ext cx="4032448" cy="523220"/>
-          </a:xfrm>
-          <a:prstGeom prst="rect">
-            <a:avLst/>
-          </a:prstGeom>
-          <a:noFill/>
-        </p:spPr>
-        <p:txBody>
-          <a:bodyPr wrap="square" rtlCol="0">
-            <a:spAutoFit/>
-          </a:bodyPr>
-          <a:lstStyle/>
-          <a:p>
-            <a:r>
-              <a:rPr lang="de-DE" sz="1400" b="1" i="1" smtClean="0">
-                <a:solidFill>
-                  <a:srgbClr val="FF0000"/>
-                </a:solidFill>
-              </a:rPr>
-              <a:t>Standardabweichung des Mittelwerts (mit Berücksichtigung des Vertrauensbereichs)</a:t>
-            </a:r>
-            <a:endParaRPr lang="de-DE" sz="1400" b="1" i="1">
-              <a:solidFill>
-                <a:srgbClr val="FF0000"/>
-              </a:solidFill>
-            </a:endParaRPr>
-          </a:p>
-        </p:txBody>
-      </p:sp>
-      <p:cxnSp>
-        <p:nvCxnSpPr>
-          <p:cNvPr id="13" name="Gerade Verbindung mit Pfeil 12"/>
-          <p:cNvCxnSpPr/>
-          <p:nvPr/>
-        </p:nvCxnSpPr>
-        <p:spPr>
-          <a:xfrm flipH="1" flipV="1">
-            <a:off x="2267744" y="2492896"/>
-            <a:ext cx="1440160" cy="504056"/>
-          </a:xfrm>
-          <a:prstGeom prst="straightConnector1">
-            <a:avLst/>
-          </a:prstGeom>
-          <a:ln w="19050">
-            <a:solidFill>
-              <a:srgbClr val="FF0000"/>
-            </a:solidFill>
-            <a:tailEnd type="arrow"/>
-          </a:ln>
-        </p:spPr>
-        <p:style>
-          <a:lnRef idx="1">
-            <a:schemeClr val="accent1"/>
-          </a:lnRef>
-          <a:fillRef idx="0">
-            <a:schemeClr val="accent1"/>
-          </a:fillRef>
-          <a:effectRef idx="0">
-            <a:schemeClr val="accent1"/>
-          </a:effectRef>
-          <a:fontRef idx="minor">
-            <a:schemeClr val="tx1"/>
-          </a:fontRef>
-        </p:style>
-      </p:cxnSp>
-      <p:cxnSp>
-        <p:nvCxnSpPr>
-          <p:cNvPr id="15" name="Gerade Verbindung mit Pfeil 14"/>
-          <p:cNvCxnSpPr/>
-          <p:nvPr/>
-        </p:nvCxnSpPr>
-        <p:spPr>
-          <a:xfrm flipV="1">
-            <a:off x="3851920" y="2348880"/>
-            <a:ext cx="936104" cy="648072"/>
-          </a:xfrm>
-          <a:prstGeom prst="straightConnector1">
-            <a:avLst/>
-          </a:prstGeom>
-          <a:ln w="19050">
-            <a:solidFill>
-              <a:srgbClr val="FF0000"/>
-            </a:solidFill>
-            <a:tailEnd type="arrow"/>
-          </a:ln>
-        </p:spPr>
-        <p:style>
-          <a:lnRef idx="1">
-            <a:schemeClr val="accent1"/>
-          </a:lnRef>
-          <a:fillRef idx="0">
-            <a:schemeClr val="accent1"/>
-          </a:fillRef>
-          <a:effectRef idx="0">
-            <a:schemeClr val="accent1"/>
-          </a:effectRef>
-          <a:fontRef idx="minor">
-            <a:schemeClr val="tx1"/>
-          </a:fontRef>
-        </p:style>
-      </p:cxnSp>
-      <p:cxnSp>
-        <p:nvCxnSpPr>
-          <p:cNvPr id="19" name="Gewinkelte Verbindung 18"/>
-          <p:cNvCxnSpPr>
-            <a:stCxn id="3" idx="3"/>
-          </p:cNvCxnSpPr>
-          <p:nvPr/>
-        </p:nvCxnSpPr>
-        <p:spPr>
-          <a:xfrm flipV="1">
-            <a:off x="6012161" y="3501008"/>
-            <a:ext cx="2664295" cy="473359"/>
-          </a:xfrm>
-          <a:prstGeom prst="bentConnector3">
-            <a:avLst>
-              <a:gd name="adj1" fmla="val 7992"/>
-            </a:avLst>
-          </a:prstGeom>
-        </p:spPr>
-        <p:style>
-          <a:lnRef idx="1">
-            <a:schemeClr val="accent1"/>
-          </a:lnRef>
-          <a:fillRef idx="0">
-            <a:schemeClr val="accent1"/>
-          </a:fillRef>
-          <a:effectRef idx="0">
-            <a:schemeClr val="accent1"/>
-          </a:effectRef>
-          <a:fontRef idx="minor">
-            <a:schemeClr val="tx1"/>
-          </a:fontRef>
-        </p:style>
-      </p:cxnSp>
-      <p:sp>
-        <p:nvSpPr>
-          <p:cNvPr id="22" name="Textfeld 21"/>
-          <p:cNvSpPr txBox="1"/>
-          <p:nvPr/>
-        </p:nvSpPr>
-        <p:spPr>
-          <a:xfrm>
-            <a:off x="6300192" y="3068960"/>
-            <a:ext cx="2376264" cy="430887"/>
-          </a:xfrm>
-          <a:prstGeom prst="rect">
-            <a:avLst/>
-          </a:prstGeom>
-          <a:noFill/>
-        </p:spPr>
-        <p:txBody>
-          <a:bodyPr wrap="square" rtlCol="0">
-            <a:spAutoFit/>
-          </a:bodyPr>
-          <a:lstStyle/>
-          <a:p>
-            <a:r>
-              <a:rPr lang="de-DE" sz="1100" b="1" i="1" smtClean="0"/>
-              <a:t>Messergebnisse einer Charge (nach spezifischer Bearbeitungsstufe) </a:t>
-            </a:r>
-            <a:endParaRPr lang="de-DE" sz="1100" b="1" i="1"/>
-          </a:p>
-        </p:txBody>
-      </p:sp>
-      <p:cxnSp>
-        <p:nvCxnSpPr>
-          <p:cNvPr id="24" name="Form 23"/>
-          <p:cNvCxnSpPr/>
-          <p:nvPr/>
-        </p:nvCxnSpPr>
-        <p:spPr>
-          <a:xfrm>
-            <a:off x="5940152" y="4221088"/>
-            <a:ext cx="2808312" cy="576064"/>
-          </a:xfrm>
-          <a:prstGeom prst="bentConnector3">
-            <a:avLst>
-              <a:gd name="adj1" fmla="val 10667"/>
-            </a:avLst>
-          </a:prstGeom>
-        </p:spPr>
-        <p:style>
-          <a:lnRef idx="1">
-            <a:schemeClr val="accent1"/>
-          </a:lnRef>
-          <a:fillRef idx="0">
-            <a:schemeClr val="accent1"/>
-          </a:fillRef>
-          <a:effectRef idx="0">
-            <a:schemeClr val="accent1"/>
-          </a:effectRef>
-          <a:fontRef idx="minor">
-            <a:schemeClr val="tx1"/>
-          </a:fontRef>
-        </p:style>
-      </p:cxnSp>
-      <p:sp>
-        <p:nvSpPr>
-          <p:cNvPr id="31" name="Textfeld 30"/>
-          <p:cNvSpPr txBox="1"/>
-          <p:nvPr/>
-        </p:nvSpPr>
-        <p:spPr>
-          <a:xfrm>
-            <a:off x="6444208" y="4509120"/>
-            <a:ext cx="2699792" cy="261610"/>
-          </a:xfrm>
-          <a:prstGeom prst="rect">
-            <a:avLst/>
-          </a:prstGeom>
-          <a:noFill/>
-        </p:spPr>
-        <p:txBody>
-          <a:bodyPr wrap="square" rtlCol="0">
-            <a:spAutoFit/>
-          </a:bodyPr>
-          <a:lstStyle/>
-          <a:p>
-            <a:r>
-              <a:rPr lang="de-DE" sz="1100" b="1" i="1" smtClean="0"/>
-              <a:t>Pro Charge 20 Teile</a:t>
-            </a:r>
-            <a:endParaRPr lang="de-DE" sz="1100" b="1" i="1"/>
-          </a:p>
-        </p:txBody>
-      </p:sp>
-      <p:cxnSp>
-        <p:nvCxnSpPr>
-          <p:cNvPr id="33" name="Gerade Verbindung mit Pfeil 32"/>
-          <p:cNvCxnSpPr>
-            <a:endCxn id="8" idx="1"/>
-          </p:cNvCxnSpPr>
-          <p:nvPr/>
-        </p:nvCxnSpPr>
-        <p:spPr>
-          <a:xfrm>
-            <a:off x="1763688" y="5805264"/>
-            <a:ext cx="349185" cy="170449"/>
-          </a:xfrm>
-          <a:prstGeom prst="straightConnector1">
-            <a:avLst/>
-          </a:prstGeom>
-          <a:ln w="19050">
-            <a:solidFill>
-              <a:srgbClr val="FF0000"/>
-            </a:solidFill>
-            <a:tailEnd type="arrow"/>
-          </a:ln>
-        </p:spPr>
-        <p:style>
-          <a:lnRef idx="1">
-            <a:schemeClr val="accent1"/>
-          </a:lnRef>
-          <a:fillRef idx="0">
-            <a:schemeClr val="accent1"/>
-          </a:fillRef>
-          <a:effectRef idx="0">
-            <a:schemeClr val="accent1"/>
-          </a:effectRef>
-          <a:fontRef idx="minor">
-            <a:schemeClr val="tx1"/>
-          </a:fontRef>
-        </p:style>
-      </p:cxnSp>
-      <p:sp>
-        <p:nvSpPr>
-          <p:cNvPr id="34" name="Textfeld 33"/>
-          <p:cNvSpPr txBox="1"/>
-          <p:nvPr/>
-        </p:nvSpPr>
-        <p:spPr>
-          <a:xfrm>
-            <a:off x="179512" y="5445224"/>
-            <a:ext cx="1656184" cy="938719"/>
-          </a:xfrm>
-          <a:prstGeom prst="rect">
-            <a:avLst/>
-          </a:prstGeom>
-          <a:noFill/>
-        </p:spPr>
-        <p:txBody>
-          <a:bodyPr wrap="square" rtlCol="0">
-            <a:spAutoFit/>
-          </a:bodyPr>
-          <a:lstStyle/>
-          <a:p>
-            <a:r>
-              <a:rPr lang="de-DE" sz="1100" b="1" i="1" smtClean="0"/>
-              <a:t>Einige Chargen mit Materialkennwerten, es wurden zusätzlich F18 und F19 Proben in der Versuchsreihe gefahren</a:t>
-            </a:r>
-            <a:endParaRPr lang="de-DE" sz="1100" b="1" i="1"/>
-          </a:p>
-        </p:txBody>
-      </p:sp>
-    </p:spTree>
-  </p:cSld>
-  <p:clrMapOvr>
-    <a:masterClrMapping/>
-  </p:clrMapOvr>
-</p:sld>
-</file>
-
-<file path=ppt/slides/slide2.xml><?xml version="1.0" encoding="utf-8"?>
-<p:sld xmlns:a="http://schemas.openxmlformats.org/drawingml/2006/main" xmlns:r="http://schemas.openxmlformats.org/officeDocument/2006/relationships" xmlns:p="http://schemas.openxmlformats.org/presentationml/2006/main">
-  <p:cSld>
-    <p:spTree>
-      <p:nvGrpSpPr>
-        <p:cNvPr id="1" name=""/>
-        <p:cNvGrpSpPr/>
-        <p:nvPr/>
-      </p:nvGrpSpPr>
-      <p:grpSpPr>
-        <a:xfrm>
-          <a:off x="0" y="0"/>
-          <a:ext cx="0" cy="0"/>
-          <a:chOff x="0" y="0"/>
-          <a:chExt cx="0" cy="0"/>
-        </a:xfrm>
-      </p:grpSpPr>
-      <p:sp>
-        <p:nvSpPr>
-          <p:cNvPr id="2" name="Titel 1"/>
-          <p:cNvSpPr>
-            <a:spLocks noGrp="1"/>
-          </p:cNvSpPr>
-          <p:nvPr>
-            <p:ph type="title"/>
-          </p:nvPr>
-        </p:nvSpPr>
-        <p:spPr/>
-        <p:txBody>
-          <a:bodyPr/>
-          <a:lstStyle/>
-          <a:p>
-            <a:r>
-              <a:rPr lang="de-DE" smtClean="0"/>
-              <a:t>Untersuchungsobjekt</a:t>
-            </a:r>
-            <a:endParaRPr lang="de-DE"/>
-          </a:p>
-        </p:txBody>
-      </p:sp>
-      <p:sp>
-        <p:nvSpPr>
-          <p:cNvPr id="3" name="Inhaltsplatzhalter 2"/>
-          <p:cNvSpPr>
-            <a:spLocks noGrp="1"/>
-          </p:cNvSpPr>
-          <p:nvPr>
-            <p:ph idx="1"/>
-          </p:nvPr>
-        </p:nvSpPr>
-        <p:spPr/>
-        <p:txBody>
-          <a:bodyPr/>
-          <a:lstStyle/>
-          <a:p>
-            <a:pPr>
-              <a:buNone/>
-            </a:pPr>
-            <a:r>
-              <a:rPr lang="de-DE" smtClean="0"/>
-              <a:t>Verdeckkastendeckel des Audi A3 Cabriolets</a:t>
-            </a:r>
-            <a:endParaRPr lang="de-DE"/>
-          </a:p>
-          <a:p>
-            <a:pPr>
-              <a:buNone/>
-            </a:pPr>
-            <a:endParaRPr lang="de-DE" smtClean="0"/>
-          </a:p>
-          <a:p>
-            <a:pPr>
-              <a:buNone/>
-            </a:pPr>
-            <a:endParaRPr lang="de-DE"/>
-          </a:p>
-        </p:txBody>
-      </p:sp>
-      <p:pic>
-        <p:nvPicPr>
-          <p:cNvPr id="4" name="Grafik 3" descr="audia3verd.png"/>
-          <p:cNvPicPr>
-            <a:picLocks noChangeAspect="1"/>
-          </p:cNvPicPr>
-          <p:nvPr/>
-        </p:nvPicPr>
-        <p:blipFill>
-          <a:blip r:embed="rId2" cstate="print"/>
-          <a:stretch>
-            <a:fillRect/>
-          </a:stretch>
-        </p:blipFill>
-        <p:spPr>
-          <a:xfrm>
-            <a:off x="1979712" y="2132856"/>
-            <a:ext cx="4824536" cy="4560046"/>
-          </a:xfrm>
-          <a:prstGeom prst="rect">
-            <a:avLst/>
-          </a:prstGeom>
-        </p:spPr>
-      </p:pic>
-    </p:spTree>
-  </p:cSld>
-  <p:clrMapOvr>
-    <a:masterClrMapping/>
-  </p:clrMapOvr>
-</p:sld>
-</file>
-
-<file path=ppt/slides/slide3.xml><?xml version="1.0" encoding="utf-8"?>
-<p:sld xmlns:a="http://schemas.openxmlformats.org/drawingml/2006/main" xmlns:r="http://schemas.openxmlformats.org/officeDocument/2006/relationships" xmlns:p="http://schemas.openxmlformats.org/presentationml/2006/main">
-  <p:cSld>
-    <p:spTree>
-      <p:nvGrpSpPr>
-        <p:cNvPr id="1" name=""/>
-        <p:cNvGrpSpPr/>
-        <p:nvPr/>
-      </p:nvGrpSpPr>
-      <p:grpSpPr>
-        <a:xfrm>
-          <a:off x="0" y="0"/>
-          <a:ext cx="0" cy="0"/>
-          <a:chOff x="0" y="0"/>
-          <a:chExt cx="0" cy="0"/>
-        </a:xfrm>
-      </p:grpSpPr>
-      <p:pic>
-        <p:nvPicPr>
-          <p:cNvPr id="3" name="Grafik 2" descr="BauteilNeu.jpg"/>
-          <p:cNvPicPr>
-            <a:picLocks noChangeAspect="1"/>
-          </p:cNvPicPr>
-          <p:nvPr/>
-        </p:nvPicPr>
-        <p:blipFill>
-          <a:blip r:embed="rId2" cstate="print"/>
-          <a:stretch>
-            <a:fillRect/>
-          </a:stretch>
-        </p:blipFill>
-        <p:spPr>
-          <a:xfrm>
-            <a:off x="251520" y="980728"/>
-            <a:ext cx="8623526" cy="4464496"/>
-          </a:xfrm>
-          <a:prstGeom prst="rect">
-            <a:avLst/>
-          </a:prstGeom>
-        </p:spPr>
-      </p:pic>
-    </p:spTree>
-  </p:cSld>
-  <p:clrMapOvr>
-    <a:masterClrMapping/>
-  </p:clrMapOvr>
-</p:sld>
-</file>
-
-<file path=ppt/slides/slide4.xml><?xml version="1.0" encoding="utf-8"?>
-<p:sld xmlns:a="http://schemas.openxmlformats.org/drawingml/2006/main" xmlns:r="http://schemas.openxmlformats.org/officeDocument/2006/relationships" xmlns:p="http://schemas.openxmlformats.org/presentationml/2006/main">
-  <p:cSld>
-    <p:spTree>
-      <p:nvGrpSpPr>
-        <p:cNvPr id="1" name=""/>
-        <p:cNvGrpSpPr/>
-        <p:nvPr/>
-      </p:nvGrpSpPr>
-      <p:grpSpPr>
-        <a:xfrm>
-          <a:off x="0" y="0"/>
-          <a:ext cx="0" cy="0"/>
-          <a:chOff x="0" y="0"/>
-          <a:chExt cx="0" cy="0"/>
-        </a:xfrm>
-      </p:grpSpPr>
-      <p:sp>
-        <p:nvSpPr>
-          <p:cNvPr id="4" name="Titel 3"/>
-          <p:cNvSpPr>
-            <a:spLocks noGrp="1"/>
-          </p:cNvSpPr>
-          <p:nvPr>
-            <p:ph type="title"/>
-          </p:nvPr>
-        </p:nvSpPr>
-        <p:spPr/>
-        <p:txBody>
-          <a:bodyPr>
-            <a:normAutofit fontScale="90000"/>
-          </a:bodyPr>
-          <a:lstStyle/>
-          <a:p>
-            <a:r>
-              <a:rPr lang="de-DE" i="1" smtClean="0"/>
-              <a:t>Anforderungen an Bauteil</a:t>
-            </a:r>
-            <a:br>
-              <a:rPr lang="de-DE" i="1" smtClean="0"/>
-            </a:br>
-            <a:endParaRPr lang="de-DE" i="1"/>
-          </a:p>
-        </p:txBody>
-      </p:sp>
-      <p:sp>
-        <p:nvSpPr>
-          <p:cNvPr id="5" name="Textfeld 4"/>
-          <p:cNvSpPr txBox="1"/>
-          <p:nvPr/>
-        </p:nvSpPr>
-        <p:spPr>
-          <a:xfrm>
-            <a:off x="2483768" y="1412776"/>
-            <a:ext cx="4896544" cy="2677656"/>
-          </a:xfrm>
-          <a:prstGeom prst="rect">
-            <a:avLst/>
-          </a:prstGeom>
-          <a:noFill/>
-        </p:spPr>
-        <p:txBody>
-          <a:bodyPr wrap="square" rtlCol="0">
-            <a:spAutoFit/>
-          </a:bodyPr>
-          <a:lstStyle/>
-          <a:p>
-            <a:pPr>
-              <a:buFont typeface="Wingdings" pitchFamily="2" charset="2"/>
-              <a:buChar char="§"/>
-            </a:pPr>
-            <a:r>
-              <a:rPr lang="de-DE" sz="2400" smtClean="0"/>
-              <a:t>Keine Beulen</a:t>
-            </a:r>
-          </a:p>
-          <a:p>
-            <a:pPr>
-              <a:buFont typeface="Wingdings" pitchFamily="2" charset="2"/>
-              <a:buChar char="§"/>
-            </a:pPr>
-            <a:r>
-              <a:rPr lang="de-DE" sz="2400" smtClean="0"/>
-              <a:t>Keine Oberflächenfehler</a:t>
-            </a:r>
-          </a:p>
-          <a:p>
-            <a:pPr>
-              <a:buFont typeface="Wingdings" pitchFamily="2" charset="2"/>
-              <a:buChar char="§"/>
-            </a:pPr>
-            <a:r>
-              <a:rPr lang="de-DE" sz="2400" smtClean="0"/>
-              <a:t>Ideale Fugenläufe</a:t>
-            </a:r>
-          </a:p>
-          <a:p>
-            <a:pPr>
-              <a:buFont typeface="Wingdings" pitchFamily="2" charset="2"/>
-              <a:buChar char="§"/>
-            </a:pPr>
-            <a:r>
-              <a:rPr lang="de-DE" sz="2400" smtClean="0"/>
-              <a:t>Präzise Radien</a:t>
-            </a:r>
-          </a:p>
-          <a:p>
-            <a:pPr>
-              <a:buFont typeface="Wingdings" pitchFamily="2" charset="2"/>
-              <a:buChar char="§"/>
-            </a:pPr>
-            <a:r>
-              <a:rPr lang="de-DE" sz="2400" smtClean="0"/>
-              <a:t>Enge Form- und Lagetoleranzen</a:t>
-            </a:r>
-          </a:p>
-          <a:p>
-            <a:pPr>
-              <a:buFont typeface="Wingdings" pitchFamily="2" charset="2"/>
-              <a:buChar char="§"/>
-            </a:pPr>
-            <a:r>
-              <a:rPr lang="de-DE" sz="2400" smtClean="0"/>
-              <a:t>Enge Spalttoleranzen</a:t>
-            </a:r>
-          </a:p>
-          <a:p>
-            <a:pPr>
-              <a:buFont typeface="Wingdings" pitchFamily="2" charset="2"/>
-              <a:buChar char="§"/>
-            </a:pPr>
-            <a:endParaRPr lang="de-DE" sz="2400" smtClean="0"/>
-          </a:p>
-        </p:txBody>
-      </p:sp>
-    </p:spTree>
-  </p:cSld>
-  <p:clrMapOvr>
-    <a:masterClrMapping/>
-  </p:clrMapOvr>
-</p:sld>
-</file>
-
-<file path=ppt/slides/slide5.xml><?xml version="1.0" encoding="utf-8"?>
-<p:sld xmlns:a="http://schemas.openxmlformats.org/drawingml/2006/main" xmlns:r="http://schemas.openxmlformats.org/officeDocument/2006/relationships" xmlns:p="http://schemas.openxmlformats.org/presentationml/2006/main">
-  <p:cSld>
-    <p:spTree>
-      <p:nvGrpSpPr>
-        <p:cNvPr id="1" name=""/>
-        <p:cNvGrpSpPr/>
-        <p:nvPr/>
-      </p:nvGrpSpPr>
-      <p:grpSpPr>
-        <a:xfrm>
-          <a:off x="0" y="0"/>
-          <a:ext cx="0" cy="0"/>
-          <a:chOff x="0" y="0"/>
-          <a:chExt cx="0" cy="0"/>
-        </a:xfrm>
-      </p:grpSpPr>
-      <p:graphicFrame>
-        <p:nvGraphicFramePr>
-          <p:cNvPr id="5" name="Diagramm 4"/>
-          <p:cNvGraphicFramePr/>
-          <p:nvPr/>
-        </p:nvGraphicFramePr>
-        <p:xfrm>
-          <a:off x="467544" y="116632"/>
-          <a:ext cx="8424936" cy="6552728"/>
-        </p:xfrm>
-        <a:graphic>
-          <a:graphicData uri="http://schemas.openxmlformats.org/drawingml/2006/diagram">
-            <dgm:relIds xmlns:dgm="http://schemas.openxmlformats.org/drawingml/2006/diagram" xmlns:r="http://schemas.openxmlformats.org/officeDocument/2006/relationships" r:dm="rId2" r:lo="rId3" r:qs="rId4" r:cs="rId5"/>
-          </a:graphicData>
-        </a:graphic>
-      </p:graphicFrame>
-    </p:spTree>
-  </p:cSld>
-  <p:clrMapOvr>
-    <a:masterClrMapping/>
-  </p:clrMapOvr>
-</p:sld>
-</file>
-
-<file path=ppt/slides/slide6.xml><?xml version="1.0" encoding="utf-8"?>
-<p:sld xmlns:a="http://schemas.openxmlformats.org/drawingml/2006/main" xmlns:r="http://schemas.openxmlformats.org/officeDocument/2006/relationships" xmlns:p="http://schemas.openxmlformats.org/presentationml/2006/main">
-  <p:cSld>
-    <p:spTree>
-      <p:nvGrpSpPr>
-        <p:cNvPr id="1" name=""/>
-        <p:cNvGrpSpPr/>
-        <p:nvPr/>
-      </p:nvGrpSpPr>
-      <p:grpSpPr>
-        <a:xfrm>
-          <a:off x="0" y="0"/>
-          <a:ext cx="0" cy="0"/>
-          <a:chOff x="0" y="0"/>
-          <a:chExt cx="0" cy="0"/>
-        </a:xfrm>
-      </p:grpSpPr>
-      <p:sp>
-        <p:nvSpPr>
-          <p:cNvPr id="2" name="Titel 1"/>
-          <p:cNvSpPr>
-            <a:spLocks noGrp="1"/>
-          </p:cNvSpPr>
-          <p:nvPr>
-            <p:ph type="title"/>
-          </p:nvPr>
-        </p:nvSpPr>
-        <p:spPr/>
-        <p:txBody>
-          <a:bodyPr>
-            <a:normAutofit fontScale="90000"/>
-          </a:bodyPr>
-          <a:lstStyle/>
-          <a:p>
-            <a:r>
-              <a:rPr lang="de-DE" i="1" smtClean="0"/>
-              <a:t>Bearbeit</a:t>
-            </a:r>
-            <a:r>
-              <a:rPr lang="de-DE" i="1" smtClean="0"/>
-              <a:t>ungsstufen</a:t>
-            </a:r>
-            <a:r>
-              <a:rPr lang="de-DE" i="1" smtClean="0"/>
-              <a:t/>
-            </a:r>
-            <a:br>
-              <a:rPr lang="de-DE" i="1" smtClean="0"/>
-            </a:br>
-            <a:endParaRPr lang="de-DE" i="1"/>
-          </a:p>
-        </p:txBody>
-      </p:sp>
-      <p:graphicFrame>
-        <p:nvGraphicFramePr>
-          <p:cNvPr id="7" name="Diagramm 6"/>
-          <p:cNvGraphicFramePr/>
-          <p:nvPr/>
-        </p:nvGraphicFramePr>
-        <p:xfrm>
-          <a:off x="1524000" y="1397000"/>
-          <a:ext cx="6096000" cy="4064000"/>
-        </p:xfrm>
-        <a:graphic>
-          <a:graphicData uri="http://schemas.openxmlformats.org/drawingml/2006/diagram">
-            <dgm:relIds xmlns:dgm="http://schemas.openxmlformats.org/drawingml/2006/diagram" xmlns:r="http://schemas.openxmlformats.org/officeDocument/2006/relationships" r:dm="rId2" r:lo="rId3" r:qs="rId4" r:cs="rId5"/>
-          </a:graphicData>
-        </a:graphic>
-      </p:graphicFrame>
-    </p:spTree>
-  </p:cSld>
-  <p:clrMapOvr>
-    <a:masterClrMapping/>
-  </p:clrMapOvr>
-</p:sld>
-</file>
-
-<file path=ppt/slides/slide7.xml><?xml version="1.0" encoding="utf-8"?>
-<p:sld xmlns:a="http://schemas.openxmlformats.org/drawingml/2006/main" xmlns:r="http://schemas.openxmlformats.org/officeDocument/2006/relationships" xmlns:p="http://schemas.openxmlformats.org/presentationml/2006/main">
-  <p:cSld>
-    <p:spTree>
-      <p:nvGrpSpPr>
-        <p:cNvPr id="1" name=""/>
-        <p:cNvGrpSpPr/>
-        <p:nvPr/>
-      </p:nvGrpSpPr>
-      <p:grpSpPr>
-        <a:xfrm>
-          <a:off x="0" y="0"/>
-          <a:ext cx="0" cy="0"/>
-          <a:chOff x="0" y="0"/>
-          <a:chExt cx="0" cy="0"/>
-        </a:xfrm>
-      </p:grpSpPr>
-      <p:sp>
-        <p:nvSpPr>
-          <p:cNvPr id="2" name="Titel 1"/>
-          <p:cNvSpPr>
-            <a:spLocks noGrp="1"/>
-          </p:cNvSpPr>
-          <p:nvPr>
-            <p:ph type="title"/>
-          </p:nvPr>
-        </p:nvSpPr>
-        <p:spPr/>
-        <p:txBody>
-          <a:bodyPr>
-            <a:normAutofit fontScale="90000"/>
-          </a:bodyPr>
-          <a:lstStyle/>
-          <a:p>
-            <a:r>
-              <a:rPr lang="de-DE" i="1" smtClean="0"/>
-              <a:t>Vormaterial Aluminium Strangpressprofile</a:t>
-            </a:r>
-            <a:endParaRPr lang="de-DE" i="1"/>
-          </a:p>
-        </p:txBody>
-      </p:sp>
-      <p:pic>
-        <p:nvPicPr>
-          <p:cNvPr id="3" name="Grafik 2" descr="vormaterial.JPG"/>
-          <p:cNvPicPr>
-            <a:picLocks noChangeAspect="1"/>
-          </p:cNvPicPr>
-          <p:nvPr/>
-        </p:nvPicPr>
-        <p:blipFill>
-          <a:blip r:embed="rId2" cstate="print"/>
-          <a:stretch>
-            <a:fillRect/>
-          </a:stretch>
-        </p:blipFill>
-        <p:spPr>
-          <a:xfrm>
-            <a:off x="1763688" y="1916832"/>
-            <a:ext cx="5081426" cy="2504313"/>
-          </a:xfrm>
-          <a:prstGeom prst="rect">
-            <a:avLst/>
-          </a:prstGeom>
-        </p:spPr>
-      </p:pic>
-      <p:sp>
-        <p:nvSpPr>
-          <p:cNvPr id="7" name="Textfeld 6"/>
-          <p:cNvSpPr txBox="1"/>
-          <p:nvPr/>
-        </p:nvSpPr>
-        <p:spPr>
-          <a:xfrm>
-            <a:off x="2339752" y="4581128"/>
-            <a:ext cx="4896544" cy="1785104"/>
-          </a:xfrm>
-          <a:prstGeom prst="rect">
-            <a:avLst/>
-          </a:prstGeom>
-          <a:noFill/>
-        </p:spPr>
-        <p:txBody>
-          <a:bodyPr wrap="square" rtlCol="0">
-            <a:spAutoFit/>
-          </a:bodyPr>
-          <a:lstStyle/>
-          <a:p>
-            <a:r>
-              <a:rPr lang="de-DE" sz="2000" b="1" i="1" smtClean="0"/>
-              <a:t>Vorteile</a:t>
-            </a:r>
-          </a:p>
-          <a:p>
-            <a:pPr>
-              <a:buFont typeface="Arial" pitchFamily="34" charset="0"/>
-              <a:buChar char="•"/>
-            </a:pPr>
-            <a:r>
-              <a:rPr lang="de-DE" smtClean="0"/>
-              <a:t>Gute Umformbarkeit</a:t>
-            </a:r>
-          </a:p>
-          <a:p>
-            <a:pPr>
-              <a:buFont typeface="Arial" pitchFamily="34" charset="0"/>
-              <a:buChar char="•"/>
-            </a:pPr>
-            <a:r>
-              <a:rPr lang="de-DE" smtClean="0"/>
-              <a:t>Korrosionsbeständigkeit</a:t>
-            </a:r>
-          </a:p>
-          <a:p>
-            <a:pPr>
-              <a:buFont typeface="Arial" pitchFamily="34" charset="0"/>
-              <a:buChar char="•"/>
-            </a:pPr>
-            <a:r>
-              <a:rPr lang="de-DE" smtClean="0"/>
-              <a:t>Hervorragend zu erzielende Oberflächengüte</a:t>
-            </a:r>
-          </a:p>
-          <a:p>
-            <a:pPr>
-              <a:buFont typeface="Arial" pitchFamily="34" charset="0"/>
-              <a:buChar char="•"/>
-            </a:pPr>
-            <a:r>
-              <a:rPr lang="de-DE" smtClean="0"/>
-              <a:t>Hoher Reflexionsgrad</a:t>
-            </a:r>
-          </a:p>
-          <a:p>
-            <a:pPr>
-              <a:buFont typeface="Arial" pitchFamily="34" charset="0"/>
-              <a:buChar char="•"/>
-            </a:pPr>
-            <a:r>
-              <a:rPr lang="de-DE" smtClean="0"/>
-              <a:t>Geringes Gewicht</a:t>
-            </a:r>
-            <a:endParaRPr lang="de-DE"/>
-          </a:p>
-        </p:txBody>
-      </p:sp>
-    </p:spTree>
-  </p:cSld>
-  <p:clrMapOvr>
-    <a:masterClrMapping/>
-  </p:clrMapOvr>
-</p:sld>
-</file>
-
-<file path=ppt/slides/slide8.xml><?xml version="1.0" encoding="utf-8"?>
-<p:sld xmlns:a="http://schemas.openxmlformats.org/drawingml/2006/main" xmlns:r="http://schemas.openxmlformats.org/officeDocument/2006/relationships" xmlns:p="http://schemas.openxmlformats.org/presentationml/2006/main">
-  <p:cSld>
-    <p:spTree>
-      <p:nvGrpSpPr>
-        <p:cNvPr id="1" name=""/>
-        <p:cNvGrpSpPr/>
-        <p:nvPr/>
-      </p:nvGrpSpPr>
-      <p:grpSpPr>
-        <a:xfrm>
-          <a:off x="0" y="0"/>
-          <a:ext cx="0" cy="0"/>
-          <a:chOff x="0" y="0"/>
-          <a:chExt cx="0" cy="0"/>
-        </a:xfrm>
-      </p:grpSpPr>
-      <p:sp>
-        <p:nvSpPr>
-          <p:cNvPr id="2" name="Textfeld 1"/>
-          <p:cNvSpPr txBox="1"/>
-          <p:nvPr/>
-        </p:nvSpPr>
-        <p:spPr>
-          <a:xfrm>
-            <a:off x="683568" y="0"/>
-            <a:ext cx="7906588" cy="2308324"/>
-          </a:xfrm>
-          <a:prstGeom prst="rect">
-            <a:avLst/>
-          </a:prstGeom>
-          <a:noFill/>
-        </p:spPr>
-        <p:txBody>
-          <a:bodyPr wrap="square" rtlCol="0">
-            <a:spAutoFit/>
-          </a:bodyPr>
-          <a:lstStyle/>
-          <a:p>
-            <a:r>
-              <a:rPr lang="de-DE" smtClean="0"/>
-              <a:t>Strangpressprofile werden beim Zulieferer mit bestimmten Anforderungen bestellt. </a:t>
-            </a:r>
-          </a:p>
-          <a:p>
-            <a:r>
-              <a:rPr lang="de-DE" smtClean="0"/>
-              <a:t>Die wichtigsten sind:</a:t>
-            </a:r>
-          </a:p>
-          <a:p>
-            <a:pPr>
-              <a:buFont typeface="Arial" pitchFamily="34" charset="0"/>
-              <a:buChar char="•"/>
-            </a:pPr>
-            <a:endParaRPr lang="de-DE" smtClean="0"/>
-          </a:p>
-          <a:p>
-            <a:pPr>
-              <a:buFont typeface="Arial" pitchFamily="34" charset="0"/>
-              <a:buChar char="•"/>
-            </a:pPr>
-            <a:r>
-              <a:rPr lang="de-DE" smtClean="0"/>
-              <a:t>Zugfestigkeit </a:t>
-            </a:r>
-            <a:r>
-              <a:rPr lang="de-DE" i="1" smtClean="0"/>
-              <a:t>Rm</a:t>
-            </a:r>
-            <a:r>
-              <a:rPr lang="de-DE" smtClean="0"/>
-              <a:t> [N/mm²]</a:t>
-            </a:r>
-          </a:p>
-          <a:p>
-            <a:pPr>
-              <a:buFont typeface="Arial" pitchFamily="34" charset="0"/>
-              <a:buChar char="•"/>
-            </a:pPr>
-            <a:r>
-              <a:rPr lang="de-DE" smtClean="0"/>
-              <a:t>Dehngrenze (Streckgrenze) </a:t>
-            </a:r>
-            <a:r>
-              <a:rPr lang="de-DE" i="1" smtClean="0"/>
-              <a:t>Rp₀‚₂ </a:t>
-            </a:r>
-            <a:r>
-              <a:rPr lang="de-DE" smtClean="0"/>
-              <a:t>[N/mm²]</a:t>
-            </a:r>
-          </a:p>
-          <a:p>
-            <a:pPr>
-              <a:buFont typeface="Arial" pitchFamily="34" charset="0"/>
-              <a:buChar char="•"/>
-            </a:pPr>
-            <a:r>
-              <a:rPr lang="de-DE" smtClean="0"/>
-              <a:t>Bruchdehnung </a:t>
-            </a:r>
-            <a:r>
-              <a:rPr lang="de-DE" i="1" smtClean="0"/>
-              <a:t>A</a:t>
-            </a:r>
-            <a:r>
-              <a:rPr lang="de-DE" smtClean="0"/>
-              <a:t> [%]</a:t>
-            </a:r>
-          </a:p>
-          <a:p>
-            <a:pPr>
-              <a:buFont typeface="Arial" pitchFamily="34" charset="0"/>
-              <a:buChar char="•"/>
-            </a:pPr>
-            <a:endParaRPr lang="de-DE" smtClean="0"/>
-          </a:p>
-          <a:p>
-            <a:endParaRPr lang="de-DE"/>
-          </a:p>
-        </p:txBody>
-      </p:sp>
-      <p:sp>
-        <p:nvSpPr>
-          <p:cNvPr id="7" name="Textfeld 6"/>
-          <p:cNvSpPr txBox="1"/>
-          <p:nvPr/>
-        </p:nvSpPr>
-        <p:spPr>
-          <a:xfrm>
-            <a:off x="683568" y="2276872"/>
-            <a:ext cx="5904656" cy="2031325"/>
-          </a:xfrm>
-          <a:prstGeom prst="rect">
-            <a:avLst/>
-          </a:prstGeom>
-          <a:noFill/>
-        </p:spPr>
-        <p:txBody>
-          <a:bodyPr wrap="square" rtlCol="0">
-            <a:spAutoFit/>
-          </a:bodyPr>
-          <a:lstStyle/>
-          <a:p>
-            <a:r>
-              <a:rPr lang="de-DE" smtClean="0"/>
-              <a:t>Die verschiedenen Chargen werden oft nach der Mindestzugfestigkeit bezeichnet, z.B. F17 mit </a:t>
-            </a:r>
-            <a:r>
-              <a:rPr lang="de-DE" i="1" smtClean="0"/>
-              <a:t>Rm</a:t>
-            </a:r>
-            <a:r>
-              <a:rPr lang="de-DE" smtClean="0"/>
-              <a:t> 170 N/mm².  Spezialfall ist hier Fxx, wobei nach Angabe des Lieferanten das xx für einen </a:t>
-            </a:r>
-            <a:r>
-              <a:rPr lang="de-DE" i="1" smtClean="0"/>
-              <a:t>vorgezogenen</a:t>
-            </a:r>
-            <a:r>
-              <a:rPr lang="de-DE" smtClean="0"/>
-              <a:t> </a:t>
-            </a:r>
-            <a:r>
-              <a:rPr lang="de-DE" i="1" smtClean="0"/>
-              <a:t>Kaltauslagerungprozess</a:t>
-            </a:r>
-            <a:r>
-              <a:rPr lang="de-DE" smtClean="0"/>
-              <a:t> steht und das Material  </a:t>
-            </a:r>
-            <a:r>
-              <a:rPr lang="de-DE" i="1" smtClean="0"/>
-              <a:t>stabilisieren</a:t>
-            </a:r>
-            <a:r>
-              <a:rPr lang="de-DE" smtClean="0"/>
-              <a:t> soll (z.B. gegen Umwelteinflüsse bei längerer Lagerung).</a:t>
-            </a:r>
-          </a:p>
-          <a:p>
-            <a:endParaRPr lang="de-DE"/>
-          </a:p>
-        </p:txBody>
-      </p:sp>
-    </p:spTree>
-  </p:cSld>
-  <p:clrMapOvr>
-    <a:masterClrMapping/>
-  </p:clrMapOvr>
-</p:sld>
-</file>
-
-<file path=ppt/slides/slide9.xml><?xml version="1.0" encoding="utf-8"?>
-<p:sld xmlns:a="http://schemas.openxmlformats.org/drawingml/2006/main" xmlns:r="http://schemas.openxmlformats.org/officeDocument/2006/relationships" xmlns:p="http://schemas.openxmlformats.org/presentationml/2006/main">
-  <p:cSld>
-    <p:spTree>
-      <p:nvGrpSpPr>
-        <p:cNvPr id="1" name=""/>
-        <p:cNvGrpSpPr/>
-        <p:nvPr/>
-      </p:nvGrpSpPr>
-      <p:grpSpPr>
-        <a:xfrm>
-          <a:off x="0" y="0"/>
-          <a:ext cx="0" cy="0"/>
-          <a:chOff x="0" y="0"/>
-          <a:chExt cx="0" cy="0"/>
-        </a:xfrm>
-      </p:grpSpPr>
-      <p:sp>
-        <p:nvSpPr>
-          <p:cNvPr id="2" name="Titel 1"/>
-          <p:cNvSpPr>
-            <a:spLocks noGrp="1"/>
-          </p:cNvSpPr>
-          <p:nvPr>
-            <p:ph type="title"/>
-          </p:nvPr>
-        </p:nvSpPr>
-        <p:spPr/>
-        <p:txBody>
-          <a:bodyPr/>
-          <a:lstStyle/>
-          <a:p>
-            <a:r>
-              <a:rPr lang="de-DE" smtClean="0"/>
-              <a:t>Prozesse im Fokus</a:t>
-            </a:r>
-            <a:endParaRPr lang="de-DE"/>
-          </a:p>
-        </p:txBody>
-      </p:sp>
-      <p:sp>
-        <p:nvSpPr>
-          <p:cNvPr id="3" name="Inhaltsplatzhalter 2"/>
-          <p:cNvSpPr>
-            <a:spLocks noGrp="1"/>
-          </p:cNvSpPr>
-          <p:nvPr>
-            <p:ph sz="half" idx="1"/>
-          </p:nvPr>
-        </p:nvSpPr>
-        <p:spPr/>
-        <p:txBody>
-          <a:bodyPr/>
-          <a:lstStyle/>
-          <a:p>
-            <a:pPr>
-              <a:buNone/>
-            </a:pPr>
-            <a:r>
-              <a:rPr lang="de-DE" smtClean="0"/>
-              <a:t>Streckbiegen</a:t>
-            </a:r>
-          </a:p>
-          <a:p>
-            <a:pPr>
-              <a:buNone/>
-            </a:pPr>
-            <a:endParaRPr lang="de-DE" smtClean="0"/>
-          </a:p>
-          <a:p>
-            <a:pPr>
-              <a:buNone/>
-            </a:pPr>
-            <a:endParaRPr lang="de-DE" smtClean="0"/>
-          </a:p>
-          <a:p>
-            <a:pPr>
-              <a:buNone/>
-            </a:pPr>
-            <a:endParaRPr lang="de-DE" smtClean="0"/>
-          </a:p>
-          <a:p>
-            <a:pPr>
-              <a:buNone/>
-            </a:pPr>
-            <a:endParaRPr lang="de-DE" smtClean="0"/>
-          </a:p>
-        </p:txBody>
-      </p:sp>
-      <p:sp>
-        <p:nvSpPr>
-          <p:cNvPr id="4" name="Inhaltsplatzhalter 3"/>
-          <p:cNvSpPr>
-            <a:spLocks noGrp="1"/>
-          </p:cNvSpPr>
-          <p:nvPr>
-            <p:ph sz="half" idx="2"/>
-          </p:nvPr>
-        </p:nvSpPr>
-        <p:spPr/>
-        <p:txBody>
-          <a:bodyPr/>
-          <a:lstStyle/>
-          <a:p>
-            <a:pPr>
-              <a:buNone/>
-            </a:pPr>
-            <a:r>
-              <a:rPr lang="de-DE" smtClean="0"/>
-              <a:t>Kröpfen</a:t>
-            </a:r>
-          </a:p>
-          <a:p>
-            <a:pPr>
-              <a:buNone/>
-            </a:pPr>
-            <a:endParaRPr lang="de-DE" smtClean="0"/>
-          </a:p>
-          <a:p>
-            <a:pPr>
-              <a:buNone/>
-            </a:pPr>
-            <a:endParaRPr lang="de-DE" smtClean="0"/>
-          </a:p>
-          <a:p>
-            <a:pPr>
-              <a:buNone/>
-            </a:pPr>
-            <a:endParaRPr lang="de-DE"/>
-          </a:p>
-        </p:txBody>
-      </p:sp>
-      <p:pic>
-        <p:nvPicPr>
-          <p:cNvPr id="6" name="Grafik 5" descr="streckbiegen.png"/>
-          <p:cNvPicPr>
-            <a:picLocks noChangeAspect="1"/>
-          </p:cNvPicPr>
-          <p:nvPr/>
-        </p:nvPicPr>
-        <p:blipFill>
-          <a:blip r:embed="rId2" cstate="print"/>
-          <a:stretch>
-            <a:fillRect/>
-          </a:stretch>
-        </p:blipFill>
-        <p:spPr>
-          <a:xfrm>
-            <a:off x="179512" y="2204864"/>
-            <a:ext cx="3676641" cy="2580500"/>
-          </a:xfrm>
-          <a:prstGeom prst="rect">
-            <a:avLst/>
-          </a:prstGeom>
-        </p:spPr>
-      </p:pic>
-      <p:pic>
-        <p:nvPicPr>
-          <p:cNvPr id="7" name="Grafik 6" descr="krpfgesamt.png"/>
-          <p:cNvPicPr>
-            <a:picLocks noChangeAspect="1"/>
-          </p:cNvPicPr>
-          <p:nvPr/>
-        </p:nvPicPr>
-        <p:blipFill>
-          <a:blip r:embed="rId3" cstate="print"/>
-          <a:stretch>
-            <a:fillRect/>
-          </a:stretch>
-        </p:blipFill>
-        <p:spPr>
-          <a:xfrm>
-            <a:off x="3893463" y="2420888"/>
-            <a:ext cx="4958481" cy="1872208"/>
-          </a:xfrm>
-          <a:prstGeom prst="rect">
-            <a:avLst/>
-          </a:prstGeom>
-        </p:spPr>
-      </p:pic>
-      <p:cxnSp>
-        <p:nvCxnSpPr>
-          <p:cNvPr id="23" name="Gerade Verbindung mit Pfeil 22"/>
-          <p:cNvCxnSpPr/>
-          <p:nvPr/>
-        </p:nvCxnSpPr>
-        <p:spPr>
-          <a:xfrm flipH="1">
-            <a:off x="5148064" y="2276872"/>
-            <a:ext cx="72008" cy="720080"/>
-          </a:xfrm>
-          <a:prstGeom prst="straightConnector1">
-            <a:avLst/>
-          </a:prstGeom>
-          <a:ln w="19050">
-            <a:solidFill>
-              <a:srgbClr val="FF0000"/>
-            </a:solidFill>
-            <a:tailEnd type="arrow"/>
-          </a:ln>
-        </p:spPr>
-        <p:style>
-          <a:lnRef idx="1">
-            <a:schemeClr val="accent1"/>
-          </a:lnRef>
-          <a:fillRef idx="0">
-            <a:schemeClr val="accent1"/>
-          </a:fillRef>
-          <a:effectRef idx="0">
-            <a:schemeClr val="accent1"/>
-          </a:effectRef>
-          <a:fontRef idx="minor">
-            <a:schemeClr val="tx1"/>
-          </a:fontRef>
-        </p:style>
-      </p:cxnSp>
-      <p:sp>
-        <p:nvSpPr>
-          <p:cNvPr id="25" name="Textfeld 24"/>
-          <p:cNvSpPr txBox="1"/>
-          <p:nvPr/>
-        </p:nvSpPr>
-        <p:spPr>
-          <a:xfrm>
-            <a:off x="4932040" y="2060848"/>
-            <a:ext cx="1296144" cy="261610"/>
-          </a:xfrm>
-          <a:prstGeom prst="rect">
-            <a:avLst/>
-          </a:prstGeom>
-          <a:noFill/>
-        </p:spPr>
-        <p:txBody>
-          <a:bodyPr wrap="square" rtlCol="0">
-            <a:spAutoFit/>
-          </a:bodyPr>
-          <a:lstStyle/>
-          <a:p>
-            <a:r>
-              <a:rPr lang="de-DE" sz="1100" b="1" i="1" smtClean="0"/>
-              <a:t>Werkstück</a:t>
-            </a:r>
-            <a:endParaRPr lang="de-DE" sz="1100" b="1" i="1"/>
-          </a:p>
-        </p:txBody>
-      </p:sp>
-      <p:cxnSp>
-        <p:nvCxnSpPr>
-          <p:cNvPr id="27" name="Gerade Verbindung mit Pfeil 26"/>
-          <p:cNvCxnSpPr/>
-          <p:nvPr/>
-        </p:nvCxnSpPr>
-        <p:spPr>
-          <a:xfrm flipH="1">
-            <a:off x="5868144" y="2276872"/>
-            <a:ext cx="72008" cy="288032"/>
-          </a:xfrm>
-          <a:prstGeom prst="straightConnector1">
-            <a:avLst/>
-          </a:prstGeom>
-          <a:ln w="19050">
-            <a:solidFill>
-              <a:srgbClr val="FF0000"/>
-            </a:solidFill>
-            <a:tailEnd type="arrow"/>
-          </a:ln>
-        </p:spPr>
-        <p:style>
-          <a:lnRef idx="1">
-            <a:schemeClr val="accent1"/>
-          </a:lnRef>
-          <a:fillRef idx="0">
-            <a:schemeClr val="accent1"/>
-          </a:fillRef>
-          <a:effectRef idx="0">
-            <a:schemeClr val="accent1"/>
-          </a:effectRef>
-          <a:fontRef idx="minor">
-            <a:schemeClr val="tx1"/>
-          </a:fontRef>
-        </p:style>
-      </p:cxnSp>
-      <p:sp>
-        <p:nvSpPr>
-          <p:cNvPr id="42" name="Textfeld 41"/>
-          <p:cNvSpPr txBox="1"/>
-          <p:nvPr/>
-        </p:nvSpPr>
-        <p:spPr>
-          <a:xfrm>
-            <a:off x="5652120" y="2060848"/>
-            <a:ext cx="1872208" cy="261610"/>
-          </a:xfrm>
-          <a:prstGeom prst="rect">
-            <a:avLst/>
-          </a:prstGeom>
-          <a:noFill/>
-        </p:spPr>
-        <p:txBody>
-          <a:bodyPr wrap="square" rtlCol="0">
-            <a:spAutoFit/>
-          </a:bodyPr>
-          <a:lstStyle/>
-          <a:p>
-            <a:r>
-              <a:rPr lang="de-DE" sz="1100" b="1" i="1" smtClean="0"/>
-              <a:t>Ziehstempel</a:t>
-            </a:r>
-            <a:endParaRPr lang="de-DE" sz="1100" b="1" i="1"/>
-          </a:p>
-        </p:txBody>
-      </p:sp>
-      <p:cxnSp>
-        <p:nvCxnSpPr>
-          <p:cNvPr id="44" name="Gerade Verbindung mit Pfeil 43"/>
-          <p:cNvCxnSpPr/>
-          <p:nvPr/>
-        </p:nvCxnSpPr>
-        <p:spPr>
-          <a:xfrm>
-            <a:off x="8028384" y="2132856"/>
-            <a:ext cx="0" cy="360040"/>
-          </a:xfrm>
-          <a:prstGeom prst="straightConnector1">
-            <a:avLst/>
-          </a:prstGeom>
-          <a:ln w="19050">
-            <a:solidFill>
-              <a:srgbClr val="FF0000"/>
-            </a:solidFill>
-            <a:tailEnd type="arrow"/>
-          </a:ln>
-        </p:spPr>
-        <p:style>
-          <a:lnRef idx="1">
-            <a:schemeClr val="accent1"/>
-          </a:lnRef>
-          <a:fillRef idx="0">
-            <a:schemeClr val="accent1"/>
-          </a:fillRef>
-          <a:effectRef idx="0">
-            <a:schemeClr val="accent1"/>
-          </a:effectRef>
-          <a:fontRef idx="minor">
-            <a:schemeClr val="tx1"/>
-          </a:fontRef>
-        </p:style>
-      </p:cxnSp>
-      <p:sp>
-        <p:nvSpPr>
-          <p:cNvPr id="45" name="Textfeld 44"/>
-          <p:cNvSpPr txBox="1"/>
-          <p:nvPr/>
-        </p:nvSpPr>
-        <p:spPr>
-          <a:xfrm>
-            <a:off x="7452320" y="1916832"/>
-            <a:ext cx="1512168" cy="261610"/>
-          </a:xfrm>
-          <a:prstGeom prst="rect">
-            <a:avLst/>
-          </a:prstGeom>
-          <a:noFill/>
-        </p:spPr>
-        <p:txBody>
-          <a:bodyPr wrap="square" rtlCol="0">
-            <a:spAutoFit/>
-          </a:bodyPr>
-          <a:lstStyle/>
-          <a:p>
-            <a:r>
-              <a:rPr lang="de-DE" sz="1100" b="1" i="1" smtClean="0"/>
-              <a:t>Niederhalter</a:t>
-            </a:r>
-            <a:endParaRPr lang="de-DE" sz="1100" b="1" i="1"/>
-          </a:p>
-        </p:txBody>
-      </p:sp>
-      <p:cxnSp>
-        <p:nvCxnSpPr>
-          <p:cNvPr id="53" name="Gerade Verbindung mit Pfeil 52"/>
-          <p:cNvCxnSpPr/>
-          <p:nvPr/>
-        </p:nvCxnSpPr>
-        <p:spPr>
-          <a:xfrm flipH="1" flipV="1">
-            <a:off x="8172400" y="4149080"/>
-            <a:ext cx="72008" cy="432048"/>
-          </a:xfrm>
-          <a:prstGeom prst="straightConnector1">
-            <a:avLst/>
-          </a:prstGeom>
-          <a:ln w="19050">
-            <a:solidFill>
-              <a:srgbClr val="FF0000"/>
-            </a:solidFill>
-            <a:tailEnd type="arrow"/>
-          </a:ln>
-        </p:spPr>
-        <p:style>
-          <a:lnRef idx="1">
-            <a:schemeClr val="accent1"/>
-          </a:lnRef>
-          <a:fillRef idx="0">
-            <a:schemeClr val="accent1"/>
-          </a:fillRef>
-          <a:effectRef idx="0">
-            <a:schemeClr val="accent1"/>
-          </a:effectRef>
-          <a:fontRef idx="minor">
-            <a:schemeClr val="tx1"/>
-          </a:fontRef>
-        </p:style>
-      </p:cxnSp>
-      <p:sp>
-        <p:nvSpPr>
-          <p:cNvPr id="54" name="Textfeld 53"/>
-          <p:cNvSpPr txBox="1"/>
-          <p:nvPr/>
-        </p:nvSpPr>
-        <p:spPr>
-          <a:xfrm>
-            <a:off x="7812360" y="4509120"/>
-            <a:ext cx="1224136" cy="261610"/>
-          </a:xfrm>
-          <a:prstGeom prst="rect">
-            <a:avLst/>
-          </a:prstGeom>
-          <a:noFill/>
-        </p:spPr>
-        <p:txBody>
-          <a:bodyPr wrap="square" rtlCol="0">
-            <a:spAutoFit/>
-          </a:bodyPr>
-          <a:lstStyle/>
-          <a:p>
-            <a:r>
-              <a:rPr lang="de-DE" sz="1100" b="1" i="1" smtClean="0"/>
-              <a:t>Kröpfstein</a:t>
-            </a:r>
-            <a:endParaRPr lang="de-DE" sz="1100" b="1" i="1"/>
           </a:p>
         </p:txBody>
       </p:sp>

--- a/PräsentationBachelorarbeitKaffanke.pptx
+++ b/PräsentationBachelorarbeitKaffanke.pptx
@@ -24,6 +24,9 @@
     <p:sldId id="273" r:id="rId18"/>
     <p:sldId id="274" r:id="rId19"/>
     <p:sldId id="275" r:id="rId20"/>
+    <p:sldId id="276" r:id="rId21"/>
+    <p:sldId id="277" r:id="rId22"/>
+    <p:sldId id="278" r:id="rId23"/>
   </p:sldIdLst>
   <p:sldSz cx="9144000" cy="6858000" type="screen4x3"/>
   <p:notesSz cx="6858000" cy="9144000"/>
@@ -11167,7 +11170,7 @@
             <a:fld id="{0AFDEA4B-F68B-4657-8A90-006825AAFDF4}" type="datetimeFigureOut">
               <a:rPr lang="de-DE" smtClean="0"/>
               <a:pPr/>
-              <a:t>07.07.2014</a:t>
+              <a:t>08.07.2014</a:t>
             </a:fld>
             <a:endParaRPr lang="de-DE"/>
           </a:p>
@@ -11334,7 +11337,7 @@
             <a:fld id="{0AFDEA4B-F68B-4657-8A90-006825AAFDF4}" type="datetimeFigureOut">
               <a:rPr lang="de-DE" smtClean="0"/>
               <a:pPr/>
-              <a:t>07.07.2014</a:t>
+              <a:t>08.07.2014</a:t>
             </a:fld>
             <a:endParaRPr lang="de-DE"/>
           </a:p>
@@ -11511,7 +11514,7 @@
             <a:fld id="{0AFDEA4B-F68B-4657-8A90-006825AAFDF4}" type="datetimeFigureOut">
               <a:rPr lang="de-DE" smtClean="0"/>
               <a:pPr/>
-              <a:t>07.07.2014</a:t>
+              <a:t>08.07.2014</a:t>
             </a:fld>
             <a:endParaRPr lang="de-DE"/>
           </a:p>
@@ -11678,7 +11681,7 @@
             <a:fld id="{0AFDEA4B-F68B-4657-8A90-006825AAFDF4}" type="datetimeFigureOut">
               <a:rPr lang="de-DE" smtClean="0"/>
               <a:pPr/>
-              <a:t>07.07.2014</a:t>
+              <a:t>08.07.2014</a:t>
             </a:fld>
             <a:endParaRPr lang="de-DE"/>
           </a:p>
@@ -11921,7 +11924,7 @@
             <a:fld id="{0AFDEA4B-F68B-4657-8A90-006825AAFDF4}" type="datetimeFigureOut">
               <a:rPr lang="de-DE" smtClean="0"/>
               <a:pPr/>
-              <a:t>07.07.2014</a:t>
+              <a:t>08.07.2014</a:t>
             </a:fld>
             <a:endParaRPr lang="de-DE"/>
           </a:p>
@@ -12206,7 +12209,7 @@
             <a:fld id="{0AFDEA4B-F68B-4657-8A90-006825AAFDF4}" type="datetimeFigureOut">
               <a:rPr lang="de-DE" smtClean="0"/>
               <a:pPr/>
-              <a:t>07.07.2014</a:t>
+              <a:t>08.07.2014</a:t>
             </a:fld>
             <a:endParaRPr lang="de-DE"/>
           </a:p>
@@ -12625,7 +12628,7 @@
             <a:fld id="{0AFDEA4B-F68B-4657-8A90-006825AAFDF4}" type="datetimeFigureOut">
               <a:rPr lang="de-DE" smtClean="0"/>
               <a:pPr/>
-              <a:t>07.07.2014</a:t>
+              <a:t>08.07.2014</a:t>
             </a:fld>
             <a:endParaRPr lang="de-DE"/>
           </a:p>
@@ -12740,7 +12743,7 @@
             <a:fld id="{0AFDEA4B-F68B-4657-8A90-006825AAFDF4}" type="datetimeFigureOut">
               <a:rPr lang="de-DE" smtClean="0"/>
               <a:pPr/>
-              <a:t>07.07.2014</a:t>
+              <a:t>08.07.2014</a:t>
             </a:fld>
             <a:endParaRPr lang="de-DE"/>
           </a:p>
@@ -12832,7 +12835,7 @@
             <a:fld id="{0AFDEA4B-F68B-4657-8A90-006825AAFDF4}" type="datetimeFigureOut">
               <a:rPr lang="de-DE" smtClean="0"/>
               <a:pPr/>
-              <a:t>07.07.2014</a:t>
+              <a:t>08.07.2014</a:t>
             </a:fld>
             <a:endParaRPr lang="de-DE"/>
           </a:p>
@@ -13106,7 +13109,7 @@
             <a:fld id="{0AFDEA4B-F68B-4657-8A90-006825AAFDF4}" type="datetimeFigureOut">
               <a:rPr lang="de-DE" smtClean="0"/>
               <a:pPr/>
-              <a:t>07.07.2014</a:t>
+              <a:t>08.07.2014</a:t>
             </a:fld>
             <a:endParaRPr lang="de-DE"/>
           </a:p>
@@ -13356,7 +13359,7 @@
             <a:fld id="{0AFDEA4B-F68B-4657-8A90-006825AAFDF4}" type="datetimeFigureOut">
               <a:rPr lang="de-DE" smtClean="0"/>
               <a:pPr/>
-              <a:t>07.07.2014</a:t>
+              <a:t>08.07.2014</a:t>
             </a:fld>
             <a:endParaRPr lang="de-DE"/>
           </a:p>
@@ -13566,7 +13569,7 @@
             <a:fld id="{0AFDEA4B-F68B-4657-8A90-006825AAFDF4}" type="datetimeFigureOut">
               <a:rPr lang="de-DE" smtClean="0"/>
               <a:pPr/>
-              <a:t>07.07.2014</a:t>
+              <a:t>08.07.2014</a:t>
             </a:fld>
             <a:endParaRPr lang="de-DE"/>
           </a:p>
@@ -14288,23 +14291,7 @@
             </a:pPr>
             <a:r>
               <a:rPr lang="de-DE" smtClean="0"/>
-              <a:t>Positive Messwerte bedeuten insbesondere and den Messpunkte MP1 – </a:t>
-            </a:r>
-            <a:r>
-              <a:rPr lang="de-DE" smtClean="0"/>
-              <a:t>MP2 </a:t>
-            </a:r>
-            <a:r>
-              <a:rPr lang="de-DE" smtClean="0"/>
-              <a:t>und </a:t>
-            </a:r>
-            <a:r>
-              <a:rPr lang="de-DE" smtClean="0"/>
-              <a:t>MP </a:t>
-            </a:r>
-            <a:r>
-              <a:rPr lang="de-DE" smtClean="0"/>
-              <a:t>– MP10 eine erhöhte Rückfederung</a:t>
+              <a:t>Positive Messwerte bedeuten insbesondere and den Messpunkte MP1 – MP2 und MP – MP10 eine erhöhte Rückfederung</a:t>
             </a:r>
           </a:p>
           <a:p>
@@ -15398,25 +15385,8 @@
             </a:pPr>
             <a:r>
               <a:rPr lang="de-DE" sz="2000" smtClean="0"/>
-              <a:t>Bearbeitungsstufe Schleifen/Polieren </a:t>
+              <a:t>Bearbeitungsstufe Schleifen/Polieren wurde, aufgrund von Kapazitätsmangel,  teilweise in die Prototypenfertigung ausgelagert</a:t>
             </a:r>
-            <a:r>
-              <a:rPr lang="de-DE" sz="2000" smtClean="0"/>
-              <a:t>wurde, aufgrund von Kapazitätsmangel, </a:t>
-            </a:r>
-            <a:r>
-              <a:rPr lang="de-DE" sz="2000" smtClean="0"/>
-              <a:t> </a:t>
-            </a:r>
-            <a:r>
-              <a:rPr lang="de-DE" sz="2000" smtClean="0"/>
-              <a:t>teilweise in die Prototypenfertigung </a:t>
-            </a:r>
-            <a:r>
-              <a:rPr lang="de-DE" sz="2000" smtClean="0"/>
-              <a:t>ausgelagert</a:t>
-            </a:r>
-            <a:endParaRPr lang="de-DE" sz="2000" smtClean="0"/>
           </a:p>
           <a:p>
             <a:pPr>
@@ -15425,25 +15395,8 @@
             </a:pPr>
             <a:r>
               <a:rPr lang="de-DE" sz="2000" smtClean="0"/>
-              <a:t>Durch Bearbeitungsfehler </a:t>
+              <a:t>Durch Bearbeitungsfehler wurden zusätzliche Chargen einiger Festigkeitsklassen gefahren</a:t>
             </a:r>
-            <a:r>
-              <a:rPr lang="de-DE" sz="2000" smtClean="0"/>
-              <a:t>wurden</a:t>
-            </a:r>
-            <a:r>
-              <a:rPr lang="de-DE" sz="2000" smtClean="0"/>
-              <a:t> </a:t>
-            </a:r>
-            <a:r>
-              <a:rPr lang="de-DE" sz="2000" smtClean="0"/>
-              <a:t>zusätzliche Chargen einiger Festigkeitsklassen </a:t>
-            </a:r>
-            <a:r>
-              <a:rPr lang="de-DE" sz="2000" smtClean="0"/>
-              <a:t>gefahren</a:t>
-            </a:r>
-            <a:endParaRPr lang="de-DE" sz="2000" smtClean="0"/>
           </a:p>
           <a:p>
             <a:pPr>
@@ -16345,6 +16298,686 @@
 </p:sld>
 </file>
 
+<file path=ppt/slides/slide20.xml><?xml version="1.0" encoding="utf-8"?>
+<p:sld xmlns:a="http://schemas.openxmlformats.org/drawingml/2006/main" xmlns:r="http://schemas.openxmlformats.org/officeDocument/2006/relationships" xmlns:p="http://schemas.openxmlformats.org/presentationml/2006/main">
+  <p:cSld>
+    <p:spTree>
+      <p:nvGrpSpPr>
+        <p:cNvPr id="1" name=""/>
+        <p:cNvGrpSpPr/>
+        <p:nvPr/>
+      </p:nvGrpSpPr>
+      <p:grpSpPr>
+        <a:xfrm>
+          <a:off x="0" y="0"/>
+          <a:ext cx="0" cy="0"/>
+          <a:chOff x="0" y="0"/>
+          <a:chExt cx="0" cy="0"/>
+        </a:xfrm>
+      </p:grpSpPr>
+      <p:sp>
+        <p:nvSpPr>
+          <p:cNvPr id="2" name="Titel 1"/>
+          <p:cNvSpPr>
+            <a:spLocks noGrp="1"/>
+          </p:cNvSpPr>
+          <p:nvPr>
+            <p:ph type="title"/>
+          </p:nvPr>
+        </p:nvSpPr>
+        <p:spPr/>
+        <p:txBody>
+          <a:bodyPr>
+            <a:normAutofit/>
+          </a:bodyPr>
+          <a:lstStyle/>
+          <a:p>
+            <a:r>
+              <a:rPr lang="de-DE" b="1" smtClean="0"/>
+              <a:t>Versuchsreihe Kröpfen</a:t>
+            </a:r>
+            <a:endParaRPr lang="de-DE" b="1"/>
+          </a:p>
+        </p:txBody>
+      </p:sp>
+      <p:pic>
+        <p:nvPicPr>
+          <p:cNvPr id="3" name="Grafik 2" descr="kropfeinzeichFarb.jpg"/>
+          <p:cNvPicPr>
+            <a:picLocks noChangeAspect="1"/>
+          </p:cNvPicPr>
+          <p:nvPr/>
+        </p:nvPicPr>
+        <p:blipFill>
+          <a:blip r:embed="rId2" cstate="print"/>
+          <a:stretch>
+            <a:fillRect/>
+          </a:stretch>
+        </p:blipFill>
+        <p:spPr>
+          <a:xfrm>
+            <a:off x="0" y="1988840"/>
+            <a:ext cx="4283968" cy="3914525"/>
+          </a:xfrm>
+          <a:prstGeom prst="rect">
+            <a:avLst/>
+          </a:prstGeom>
+        </p:spPr>
+      </p:pic>
+      <p:pic>
+        <p:nvPicPr>
+          <p:cNvPr id="4" name="Grafik 3" descr="krpfgesamt.png"/>
+          <p:cNvPicPr>
+            <a:picLocks noChangeAspect="1"/>
+          </p:cNvPicPr>
+          <p:nvPr/>
+        </p:nvPicPr>
+        <p:blipFill>
+          <a:blip r:embed="rId3" cstate="print"/>
+          <a:stretch>
+            <a:fillRect/>
+          </a:stretch>
+        </p:blipFill>
+        <p:spPr>
+          <a:xfrm>
+            <a:off x="4355976" y="1988840"/>
+            <a:ext cx="4788024" cy="3923406"/>
+          </a:xfrm>
+          <a:prstGeom prst="rect">
+            <a:avLst/>
+          </a:prstGeom>
+        </p:spPr>
+      </p:pic>
+    </p:spTree>
+  </p:cSld>
+  <p:clrMapOvr>
+    <a:masterClrMapping/>
+  </p:clrMapOvr>
+</p:sld>
+</file>
+
+<file path=ppt/slides/slide21.xml><?xml version="1.0" encoding="utf-8"?>
+<p:sld xmlns:a="http://schemas.openxmlformats.org/drawingml/2006/main" xmlns:r="http://schemas.openxmlformats.org/officeDocument/2006/relationships" xmlns:p="http://schemas.openxmlformats.org/presentationml/2006/main">
+  <p:cSld>
+    <p:spTree>
+      <p:nvGrpSpPr>
+        <p:cNvPr id="1" name=""/>
+        <p:cNvGrpSpPr/>
+        <p:nvPr/>
+      </p:nvGrpSpPr>
+      <p:grpSpPr>
+        <a:xfrm>
+          <a:off x="0" y="0"/>
+          <a:ext cx="0" cy="0"/>
+          <a:chOff x="0" y="0"/>
+          <a:chExt cx="0" cy="0"/>
+        </a:xfrm>
+      </p:grpSpPr>
+      <p:pic>
+        <p:nvPicPr>
+          <p:cNvPr id="2" name="Grafik 1" descr="kropfung.jpg"/>
+          <p:cNvPicPr>
+            <a:picLocks noChangeAspect="1"/>
+          </p:cNvPicPr>
+          <p:nvPr/>
+        </p:nvPicPr>
+        <p:blipFill>
+          <a:blip r:embed="rId2" cstate="print"/>
+          <a:stretch>
+            <a:fillRect/>
+          </a:stretch>
+        </p:blipFill>
+        <p:spPr>
+          <a:xfrm>
+            <a:off x="3707904" y="1340768"/>
+            <a:ext cx="2592288" cy="1772641"/>
+          </a:xfrm>
+          <a:prstGeom prst="rect">
+            <a:avLst/>
+          </a:prstGeom>
+        </p:spPr>
+      </p:pic>
+      <p:pic>
+        <p:nvPicPr>
+          <p:cNvPr id="3" name="Grafik 2" descr="kropffrasbereich.png"/>
+          <p:cNvPicPr>
+            <a:picLocks noChangeAspect="1"/>
+          </p:cNvPicPr>
+          <p:nvPr/>
+        </p:nvPicPr>
+        <p:blipFill>
+          <a:blip r:embed="rId3" cstate="print"/>
+          <a:stretch>
+            <a:fillRect/>
+          </a:stretch>
+        </p:blipFill>
+        <p:spPr>
+          <a:xfrm>
+            <a:off x="1187624" y="1340768"/>
+            <a:ext cx="1656184" cy="1744423"/>
+          </a:xfrm>
+          <a:prstGeom prst="rect">
+            <a:avLst/>
+          </a:prstGeom>
+        </p:spPr>
+      </p:pic>
+      <p:pic>
+        <p:nvPicPr>
+          <p:cNvPr id="4" name="Grafik 3" descr="kropfeinhzeich.jpg"/>
+          <p:cNvPicPr>
+            <a:picLocks noChangeAspect="1"/>
+          </p:cNvPicPr>
+          <p:nvPr/>
+        </p:nvPicPr>
+        <p:blipFill>
+          <a:blip r:embed="rId4" cstate="print"/>
+          <a:stretch>
+            <a:fillRect/>
+          </a:stretch>
+        </p:blipFill>
+        <p:spPr>
+          <a:xfrm>
+            <a:off x="2771800" y="4005064"/>
+            <a:ext cx="1699005" cy="2852936"/>
+          </a:xfrm>
+          <a:prstGeom prst="rect">
+            <a:avLst/>
+          </a:prstGeom>
+        </p:spPr>
+      </p:pic>
+      <p:pic>
+        <p:nvPicPr>
+          <p:cNvPr id="5" name="Grafik 4" descr="wirkteilezeich.jpg"/>
+          <p:cNvPicPr>
+            <a:picLocks noChangeAspect="1"/>
+          </p:cNvPicPr>
+          <p:nvPr/>
+        </p:nvPicPr>
+        <p:blipFill>
+          <a:blip r:embed="rId5" cstate="print"/>
+          <a:stretch>
+            <a:fillRect/>
+          </a:stretch>
+        </p:blipFill>
+        <p:spPr>
+          <a:xfrm>
+            <a:off x="4355976" y="3701905"/>
+            <a:ext cx="2880320" cy="3156095"/>
+          </a:xfrm>
+          <a:prstGeom prst="rect">
+            <a:avLst/>
+          </a:prstGeom>
+        </p:spPr>
+      </p:pic>
+      <p:sp>
+        <p:nvSpPr>
+          <p:cNvPr id="6" name="Textfeld 5"/>
+          <p:cNvSpPr txBox="1"/>
+          <p:nvPr/>
+        </p:nvSpPr>
+        <p:spPr>
+          <a:xfrm>
+            <a:off x="6876256" y="4293096"/>
+            <a:ext cx="1440160" cy="261610"/>
+          </a:xfrm>
+          <a:prstGeom prst="rect">
+            <a:avLst/>
+          </a:prstGeom>
+          <a:noFill/>
+        </p:spPr>
+        <p:txBody>
+          <a:bodyPr wrap="square" rtlCol="0">
+            <a:spAutoFit/>
+          </a:bodyPr>
+          <a:lstStyle/>
+          <a:p>
+            <a:r>
+              <a:rPr lang="de-DE" sz="1100" b="1" i="1" smtClean="0"/>
+              <a:t>Ziehstempel</a:t>
+            </a:r>
+            <a:endParaRPr lang="de-DE" sz="1100" b="1" i="1"/>
+          </a:p>
+        </p:txBody>
+      </p:sp>
+      <p:sp>
+        <p:nvSpPr>
+          <p:cNvPr id="7" name="Textfeld 6"/>
+          <p:cNvSpPr txBox="1"/>
+          <p:nvPr/>
+        </p:nvSpPr>
+        <p:spPr>
+          <a:xfrm>
+            <a:off x="6588224" y="5661248"/>
+            <a:ext cx="1656184" cy="261610"/>
+          </a:xfrm>
+          <a:prstGeom prst="rect">
+            <a:avLst/>
+          </a:prstGeom>
+          <a:noFill/>
+        </p:spPr>
+        <p:txBody>
+          <a:bodyPr wrap="square" rtlCol="0">
+            <a:spAutoFit/>
+          </a:bodyPr>
+          <a:lstStyle/>
+          <a:p>
+            <a:r>
+              <a:rPr lang="de-DE" sz="1100" b="1" i="1" smtClean="0"/>
+              <a:t>Kröpfstein</a:t>
+            </a:r>
+            <a:endParaRPr lang="de-DE" sz="1100" b="1" i="1"/>
+          </a:p>
+        </p:txBody>
+      </p:sp>
+      <p:cxnSp>
+        <p:nvCxnSpPr>
+          <p:cNvPr id="9" name="Gerade Verbindung mit Pfeil 8"/>
+          <p:cNvCxnSpPr>
+            <a:stCxn id="6" idx="1"/>
+          </p:cNvCxnSpPr>
+          <p:nvPr/>
+        </p:nvCxnSpPr>
+        <p:spPr>
+          <a:xfrm flipH="1">
+            <a:off x="6516216" y="4423901"/>
+            <a:ext cx="360040" cy="157227"/>
+          </a:xfrm>
+          <a:prstGeom prst="straightConnector1">
+            <a:avLst/>
+          </a:prstGeom>
+          <a:ln w="19050">
+            <a:solidFill>
+              <a:srgbClr val="FF0000"/>
+            </a:solidFill>
+            <a:tailEnd type="arrow"/>
+          </a:ln>
+        </p:spPr>
+        <p:style>
+          <a:lnRef idx="1">
+            <a:schemeClr val="accent1"/>
+          </a:lnRef>
+          <a:fillRef idx="0">
+            <a:schemeClr val="accent1"/>
+          </a:fillRef>
+          <a:effectRef idx="0">
+            <a:schemeClr val="accent1"/>
+          </a:effectRef>
+          <a:fontRef idx="minor">
+            <a:schemeClr val="tx1"/>
+          </a:fontRef>
+        </p:style>
+      </p:cxnSp>
+      <p:cxnSp>
+        <p:nvCxnSpPr>
+          <p:cNvPr id="11" name="Gerade Verbindung mit Pfeil 10"/>
+          <p:cNvCxnSpPr>
+            <a:stCxn id="7" idx="1"/>
+          </p:cNvCxnSpPr>
+          <p:nvPr/>
+        </p:nvCxnSpPr>
+        <p:spPr>
+          <a:xfrm flipH="1">
+            <a:off x="6012160" y="5792053"/>
+            <a:ext cx="576064" cy="229235"/>
+          </a:xfrm>
+          <a:prstGeom prst="straightConnector1">
+            <a:avLst/>
+          </a:prstGeom>
+          <a:ln w="19050">
+            <a:solidFill>
+              <a:srgbClr val="FF0000"/>
+            </a:solidFill>
+            <a:tailEnd type="arrow"/>
+          </a:ln>
+        </p:spPr>
+        <p:style>
+          <a:lnRef idx="1">
+            <a:schemeClr val="accent1"/>
+          </a:lnRef>
+          <a:fillRef idx="0">
+            <a:schemeClr val="accent1"/>
+          </a:fillRef>
+          <a:effectRef idx="0">
+            <a:schemeClr val="accent1"/>
+          </a:effectRef>
+          <a:fontRef idx="minor">
+            <a:schemeClr val="tx1"/>
+          </a:fontRef>
+        </p:style>
+      </p:cxnSp>
+      <p:pic>
+        <p:nvPicPr>
+          <p:cNvPr id="12" name="Grafik 11" descr="kropfeinheit.png"/>
+          <p:cNvPicPr>
+            <a:picLocks noChangeAspect="1"/>
+          </p:cNvPicPr>
+          <p:nvPr/>
+        </p:nvPicPr>
+        <p:blipFill>
+          <a:blip r:embed="rId6" cstate="print"/>
+          <a:stretch>
+            <a:fillRect/>
+          </a:stretch>
+        </p:blipFill>
+        <p:spPr>
+          <a:xfrm>
+            <a:off x="179512" y="4005064"/>
+            <a:ext cx="2016495" cy="2652328"/>
+          </a:xfrm>
+          <a:prstGeom prst="rect">
+            <a:avLst/>
+          </a:prstGeom>
+        </p:spPr>
+      </p:pic>
+      <p:sp>
+        <p:nvSpPr>
+          <p:cNvPr id="13" name="Textfeld 12"/>
+          <p:cNvSpPr txBox="1"/>
+          <p:nvPr/>
+        </p:nvSpPr>
+        <p:spPr>
+          <a:xfrm>
+            <a:off x="2843808" y="692696"/>
+            <a:ext cx="1296144" cy="261610"/>
+          </a:xfrm>
+          <a:prstGeom prst="rect">
+            <a:avLst/>
+          </a:prstGeom>
+          <a:noFill/>
+        </p:spPr>
+        <p:txBody>
+          <a:bodyPr wrap="square" rtlCol="0">
+            <a:spAutoFit/>
+          </a:bodyPr>
+          <a:lstStyle/>
+          <a:p>
+            <a:r>
+              <a:rPr lang="de-DE" sz="1100" b="1" i="1" smtClean="0"/>
+              <a:t>Kröpfung</a:t>
+            </a:r>
+            <a:endParaRPr lang="de-DE" sz="1100" b="1" i="1"/>
+          </a:p>
+        </p:txBody>
+      </p:sp>
+      <p:cxnSp>
+        <p:nvCxnSpPr>
+          <p:cNvPr id="15" name="Gerade Verbindung mit Pfeil 14"/>
+          <p:cNvCxnSpPr/>
+          <p:nvPr/>
+        </p:nvCxnSpPr>
+        <p:spPr>
+          <a:xfrm flipH="1">
+            <a:off x="2411760" y="908720"/>
+            <a:ext cx="648072" cy="360040"/>
+          </a:xfrm>
+          <a:prstGeom prst="straightConnector1">
+            <a:avLst/>
+          </a:prstGeom>
+          <a:ln w="19050">
+            <a:solidFill>
+              <a:srgbClr val="FF0000"/>
+            </a:solidFill>
+            <a:tailEnd type="arrow"/>
+          </a:ln>
+        </p:spPr>
+        <p:style>
+          <a:lnRef idx="1">
+            <a:schemeClr val="accent1"/>
+          </a:lnRef>
+          <a:fillRef idx="0">
+            <a:schemeClr val="accent1"/>
+          </a:fillRef>
+          <a:effectRef idx="0">
+            <a:schemeClr val="accent1"/>
+          </a:effectRef>
+          <a:fontRef idx="minor">
+            <a:schemeClr val="tx1"/>
+          </a:fontRef>
+        </p:style>
+      </p:cxnSp>
+      <p:cxnSp>
+        <p:nvCxnSpPr>
+          <p:cNvPr id="19" name="Gerade Verbindung mit Pfeil 18"/>
+          <p:cNvCxnSpPr/>
+          <p:nvPr/>
+        </p:nvCxnSpPr>
+        <p:spPr>
+          <a:xfrm>
+            <a:off x="3059832" y="908720"/>
+            <a:ext cx="1080120" cy="360040"/>
+          </a:xfrm>
+          <a:prstGeom prst="straightConnector1">
+            <a:avLst/>
+          </a:prstGeom>
+          <a:ln w="19050">
+            <a:solidFill>
+              <a:srgbClr val="FF0000"/>
+            </a:solidFill>
+            <a:tailEnd type="arrow"/>
+          </a:ln>
+        </p:spPr>
+        <p:style>
+          <a:lnRef idx="1">
+            <a:schemeClr val="accent1"/>
+          </a:lnRef>
+          <a:fillRef idx="0">
+            <a:schemeClr val="accent1"/>
+          </a:fillRef>
+          <a:effectRef idx="0">
+            <a:schemeClr val="accent1"/>
+          </a:effectRef>
+          <a:fontRef idx="minor">
+            <a:schemeClr val="tx1"/>
+          </a:fontRef>
+        </p:style>
+      </p:cxnSp>
+      <p:sp>
+        <p:nvSpPr>
+          <p:cNvPr id="20" name="Textfeld 19"/>
+          <p:cNvSpPr txBox="1"/>
+          <p:nvPr/>
+        </p:nvSpPr>
+        <p:spPr>
+          <a:xfrm>
+            <a:off x="1835696" y="3429000"/>
+            <a:ext cx="1512168" cy="261610"/>
+          </a:xfrm>
+          <a:prstGeom prst="rect">
+            <a:avLst/>
+          </a:prstGeom>
+          <a:noFill/>
+        </p:spPr>
+        <p:txBody>
+          <a:bodyPr wrap="square" rtlCol="0">
+            <a:spAutoFit/>
+          </a:bodyPr>
+          <a:lstStyle/>
+          <a:p>
+            <a:r>
+              <a:rPr lang="de-DE" sz="1100" b="1" i="1" smtClean="0"/>
+              <a:t>Kröpfeinheit</a:t>
+            </a:r>
+            <a:endParaRPr lang="de-DE" sz="1100" b="1" i="1"/>
+          </a:p>
+        </p:txBody>
+      </p:sp>
+      <p:cxnSp>
+        <p:nvCxnSpPr>
+          <p:cNvPr id="22" name="Gerade Verbindung mit Pfeil 21"/>
+          <p:cNvCxnSpPr/>
+          <p:nvPr/>
+        </p:nvCxnSpPr>
+        <p:spPr>
+          <a:xfrm flipH="1">
+            <a:off x="1835696" y="3645024"/>
+            <a:ext cx="360040" cy="288032"/>
+          </a:xfrm>
+          <a:prstGeom prst="straightConnector1">
+            <a:avLst/>
+          </a:prstGeom>
+          <a:ln w="19050">
+            <a:solidFill>
+              <a:srgbClr val="FF0000"/>
+            </a:solidFill>
+            <a:tailEnd type="arrow"/>
+          </a:ln>
+        </p:spPr>
+        <p:style>
+          <a:lnRef idx="1">
+            <a:schemeClr val="accent1"/>
+          </a:lnRef>
+          <a:fillRef idx="0">
+            <a:schemeClr val="accent1"/>
+          </a:fillRef>
+          <a:effectRef idx="0">
+            <a:schemeClr val="accent1"/>
+          </a:effectRef>
+          <a:fontRef idx="minor">
+            <a:schemeClr val="tx1"/>
+          </a:fontRef>
+        </p:style>
+      </p:cxnSp>
+      <p:cxnSp>
+        <p:nvCxnSpPr>
+          <p:cNvPr id="25" name="Gerade Verbindung mit Pfeil 24"/>
+          <p:cNvCxnSpPr/>
+          <p:nvPr/>
+        </p:nvCxnSpPr>
+        <p:spPr>
+          <a:xfrm>
+            <a:off x="2195736" y="3645024"/>
+            <a:ext cx="648072" cy="288032"/>
+          </a:xfrm>
+          <a:prstGeom prst="straightConnector1">
+            <a:avLst/>
+          </a:prstGeom>
+          <a:ln w="19050">
+            <a:solidFill>
+              <a:srgbClr val="FF0000"/>
+            </a:solidFill>
+            <a:tailEnd type="arrow"/>
+          </a:ln>
+        </p:spPr>
+        <p:style>
+          <a:lnRef idx="1">
+            <a:schemeClr val="accent1"/>
+          </a:lnRef>
+          <a:fillRef idx="0">
+            <a:schemeClr val="accent1"/>
+          </a:fillRef>
+          <a:effectRef idx="0">
+            <a:schemeClr val="accent1"/>
+          </a:effectRef>
+          <a:fontRef idx="minor">
+            <a:schemeClr val="tx1"/>
+          </a:fontRef>
+        </p:style>
+      </p:cxnSp>
+    </p:spTree>
+  </p:cSld>
+  <p:clrMapOvr>
+    <a:masterClrMapping/>
+  </p:clrMapOvr>
+</p:sld>
+</file>
+
+<file path=ppt/slides/slide22.xml><?xml version="1.0" encoding="utf-8"?>
+<p:sld xmlns:a="http://schemas.openxmlformats.org/drawingml/2006/main" xmlns:r="http://schemas.openxmlformats.org/officeDocument/2006/relationships" xmlns:p="http://schemas.openxmlformats.org/presentationml/2006/main">
+  <p:cSld>
+    <p:spTree>
+      <p:nvGrpSpPr>
+        <p:cNvPr id="1" name=""/>
+        <p:cNvGrpSpPr/>
+        <p:nvPr/>
+      </p:nvGrpSpPr>
+      <p:grpSpPr>
+        <a:xfrm>
+          <a:off x="0" y="0"/>
+          <a:ext cx="0" cy="0"/>
+          <a:chOff x="0" y="0"/>
+          <a:chExt cx="0" cy="0"/>
+        </a:xfrm>
+      </p:grpSpPr>
+      <p:sp>
+        <p:nvSpPr>
+          <p:cNvPr id="2" name="Titel 1"/>
+          <p:cNvSpPr>
+            <a:spLocks noGrp="1"/>
+          </p:cNvSpPr>
+          <p:nvPr>
+            <p:ph type="title"/>
+          </p:nvPr>
+        </p:nvSpPr>
+        <p:spPr/>
+        <p:txBody>
+          <a:bodyPr>
+            <a:normAutofit fontScale="90000"/>
+          </a:bodyPr>
+          <a:lstStyle/>
+          <a:p>
+            <a:r>
+              <a:rPr lang="de-DE" smtClean="0"/>
+              <a:t>Durchführung  Kröpfversuche</a:t>
+            </a:r>
+            <a:br>
+              <a:rPr lang="de-DE" smtClean="0"/>
+            </a:br>
+            <a:endParaRPr lang="de-DE"/>
+          </a:p>
+        </p:txBody>
+      </p:sp>
+      <p:sp>
+        <p:nvSpPr>
+          <p:cNvPr id="3" name="Textfeld 2"/>
+          <p:cNvSpPr txBox="1"/>
+          <p:nvPr/>
+        </p:nvSpPr>
+        <p:spPr>
+          <a:xfrm>
+            <a:off x="755576" y="908720"/>
+            <a:ext cx="2808312" cy="3693319"/>
+          </a:xfrm>
+          <a:prstGeom prst="rect">
+            <a:avLst/>
+          </a:prstGeom>
+          <a:noFill/>
+        </p:spPr>
+        <p:txBody>
+          <a:bodyPr wrap="square" rtlCol="0">
+            <a:spAutoFit/>
+          </a:bodyPr>
+          <a:lstStyle/>
+          <a:p>
+            <a:pPr>
+              <a:buFont typeface="Arial" pitchFamily="34" charset="0"/>
+              <a:buChar char="•"/>
+            </a:pPr>
+            <a:r>
+              <a:rPr lang="de-DE" smtClean="0"/>
+              <a:t>Kombinationen der Wirkteile (Kröpfstein, Ziehstempel, Niederhalter ) aus verschiedenen Materialen  werden an dem Serienmaterial (F13) getestet</a:t>
+            </a:r>
+          </a:p>
+          <a:p>
+            <a:pPr>
+              <a:buFont typeface="Arial" pitchFamily="34" charset="0"/>
+              <a:buChar char="•"/>
+            </a:pPr>
+            <a:r>
+              <a:rPr lang="de-DE" smtClean="0"/>
+              <a:t>Ergebniskontrolle mit- telsSichtprüfung (Oberflächenqualität, Verzug im Kröpfbereich, Aluminiumaufbau, Wirkteilverschleiß)</a:t>
+            </a:r>
+            <a:endParaRPr lang="de-DE"/>
+          </a:p>
+        </p:txBody>
+      </p:sp>
+    </p:spTree>
+  </p:cSld>
+  <p:clrMapOvr>
+    <a:masterClrMapping/>
+  </p:clrMapOvr>
+</p:sld>
+</file>
+
 <file path=ppt/slides/slide3.xml><?xml version="1.0" encoding="utf-8"?>
 <p:sld xmlns:a="http://schemas.openxmlformats.org/drawingml/2006/main" xmlns:r="http://schemas.openxmlformats.org/officeDocument/2006/relationships" xmlns:p="http://schemas.openxmlformats.org/presentationml/2006/main">
   <p:cSld>
@@ -16909,16 +17542,11 @@
               <a:rPr lang="de-DE" smtClean="0"/>
               <a:t> 170 N/mm². </a:t>
             </a:r>
-            <a:endParaRPr lang="de-DE" smtClean="0"/>
           </a:p>
           <a:p>
             <a:r>
               <a:rPr lang="de-DE" smtClean="0"/>
-              <a:t> </a:t>
-            </a:r>
-            <a:r>
-              <a:rPr lang="de-DE" smtClean="0"/>
-              <a:t>Spezialfall ist hier Fxx, wobei nach Angabe des Lieferanten das xx für einen </a:t>
+              <a:t> Spezialfall ist hier Fxx, wobei nach Angabe des Lieferanten das xx für einen </a:t>
             </a:r>
             <a:r>
               <a:rPr lang="de-DE" i="1" smtClean="0"/>
@@ -16947,6 +17575,50 @@
           </a:p>
           <a:p>
             <a:endParaRPr lang="de-DE"/>
+          </a:p>
+        </p:txBody>
+      </p:sp>
+      <p:sp>
+        <p:nvSpPr>
+          <p:cNvPr id="4" name="Textfeld 3"/>
+          <p:cNvSpPr txBox="1"/>
+          <p:nvPr/>
+        </p:nvSpPr>
+        <p:spPr>
+          <a:xfrm>
+            <a:off x="827584" y="4725144"/>
+            <a:ext cx="4824536" cy="646331"/>
+          </a:xfrm>
+          <a:prstGeom prst="rect">
+            <a:avLst/>
+          </a:prstGeom>
+          <a:noFill/>
+        </p:spPr>
+        <p:txBody>
+          <a:bodyPr wrap="square" rtlCol="0">
+            <a:spAutoFit/>
+          </a:bodyPr>
+          <a:lstStyle/>
+          <a:p>
+            <a:r>
+              <a:rPr lang="de-DE" smtClean="0"/>
+              <a:t>Insgesamt fünf Chargen (je Charge 20 Teile)</a:t>
+            </a:r>
+          </a:p>
+          <a:p>
+            <a:r>
+              <a:rPr lang="de-DE" b="1" i="1" smtClean="0">
+                <a:solidFill>
+                  <a:srgbClr val="FF0000"/>
+                </a:solidFill>
+              </a:rPr>
+              <a:t>F13, Fxx, F17, F18 und F19</a:t>
+            </a:r>
+            <a:endParaRPr lang="de-DE" b="1" i="1">
+              <a:solidFill>
+                <a:srgbClr val="FF0000"/>
+              </a:solidFill>
+            </a:endParaRPr>
           </a:p>
         </p:txBody>
       </p:sp>
